--- a/Computing Random Variables/Computing Random Variables.pptx
+++ b/Computing Random Variables/Computing Random Variables.pptx
@@ -5,7 +5,7 @@
     <p:sldMasterId id="2147483648" r:id="rId1"/>
   </p:sldMasterIdLst>
   <p:notesMasterIdLst>
-    <p:notesMasterId r:id="rId14"/>
+    <p:notesMasterId r:id="rId23"/>
   </p:notesMasterIdLst>
   <p:sldIdLst>
     <p:sldId id="256" r:id="rId2"/>
@@ -15,11 +15,20 @@
     <p:sldId id="260" r:id="rId6"/>
     <p:sldId id="261" r:id="rId7"/>
     <p:sldId id="267" r:id="rId8"/>
-    <p:sldId id="262" r:id="rId9"/>
-    <p:sldId id="263" r:id="rId10"/>
-    <p:sldId id="264" r:id="rId11"/>
-    <p:sldId id="265" r:id="rId12"/>
-    <p:sldId id="266" r:id="rId13"/>
+    <p:sldId id="268" r:id="rId9"/>
+    <p:sldId id="269" r:id="rId10"/>
+    <p:sldId id="262" r:id="rId11"/>
+    <p:sldId id="263" r:id="rId12"/>
+    <p:sldId id="264" r:id="rId13"/>
+    <p:sldId id="265" r:id="rId14"/>
+    <p:sldId id="266" r:id="rId15"/>
+    <p:sldId id="270" r:id="rId16"/>
+    <p:sldId id="271" r:id="rId17"/>
+    <p:sldId id="272" r:id="rId18"/>
+    <p:sldId id="273" r:id="rId19"/>
+    <p:sldId id="276" r:id="rId20"/>
+    <p:sldId id="274" r:id="rId21"/>
+    <p:sldId id="275" r:id="rId22"/>
   </p:sldIdLst>
   <p:sldSz cx="12192000" cy="6858000"/>
   <p:notesSz cx="6858000" cy="9144000"/>
@@ -118,6 +127,11 @@
       </a:defRPr>
     </a:lvl9pPr>
   </p:defaultTextStyle>
+  <p:extLst>
+    <p:ext uri="{EFAFB233-063F-42B5-8137-9DF3F51BA10A}">
+      <p15:sldGuideLst xmlns:p15="http://schemas.microsoft.com/office/powerpoint/2012/main"/>
+    </p:ext>
+  </p:extLst>
 </p:presentation>
 </file>
 
@@ -203,7 +217,7 @@
           <a:p>
             <a:fld id="{DC78B61A-9D36-CF47-98EF-C95C99C43905}" type="datetimeFigureOut">
               <a:rPr lang="en-US" smtClean="0"/>
-              <a:t>3/17/17</a:t>
+              <a:t>3/19/17</a:t>
             </a:fld>
             <a:endParaRPr lang="en-US"/>
           </a:p>
@@ -1117,7 +1131,7 @@
           <a:p>
             <a:fld id="{EFBE8430-89AC-6D44-8319-956B163E62F2}" type="slidenum">
               <a:rPr lang="en-US" smtClean="0"/>
-              <a:t>11</a:t>
+              <a:t>13</a:t>
             </a:fld>
             <a:endParaRPr lang="en-US"/>
           </a:p>
@@ -1267,7 +1281,7 @@
           <a:p>
             <a:fld id="{42BD3AEC-69D1-3944-86C2-ABDFC0B2AB50}" type="datetime1">
               <a:rPr lang="en-SG" smtClean="0"/>
-              <a:t>17/3/17</a:t>
+              <a:t>19/3/17</a:t>
             </a:fld>
             <a:endParaRPr lang="en-US"/>
           </a:p>
@@ -1441,7 +1455,7 @@
           <a:p>
             <a:fld id="{1FB2FB74-29A5-894E-B0AE-D8443C8E5543}" type="datetime1">
               <a:rPr lang="en-SG" smtClean="0"/>
-              <a:t>17/3/17</a:t>
+              <a:t>19/3/17</a:t>
             </a:fld>
             <a:endParaRPr lang="en-US"/>
           </a:p>
@@ -1625,7 +1639,7 @@
           <a:p>
             <a:fld id="{F6D55DC9-5E96-ED42-974C-1C13141CA784}" type="datetime1">
               <a:rPr lang="en-SG" smtClean="0"/>
-              <a:t>17/3/17</a:t>
+              <a:t>19/3/17</a:t>
             </a:fld>
             <a:endParaRPr lang="en-US"/>
           </a:p>
@@ -1799,7 +1813,7 @@
           <a:p>
             <a:fld id="{359F0E00-F99A-CD43-9FC0-8678B475E476}" type="datetime1">
               <a:rPr lang="en-SG" smtClean="0"/>
-              <a:t>17/3/17</a:t>
+              <a:t>19/3/17</a:t>
             </a:fld>
             <a:endParaRPr lang="en-US"/>
           </a:p>
@@ -2049,7 +2063,7 @@
           <a:p>
             <a:fld id="{C7849700-CE13-0E46-B4F1-AD6A8DFE59A3}" type="datetime1">
               <a:rPr lang="en-SG" smtClean="0"/>
-              <a:t>17/3/17</a:t>
+              <a:t>19/3/17</a:t>
             </a:fld>
             <a:endParaRPr lang="en-US"/>
           </a:p>
@@ -2285,7 +2299,7 @@
           <a:p>
             <a:fld id="{9E90D171-74B6-BE49-982D-9A604CD9E91D}" type="datetime1">
               <a:rPr lang="en-SG" smtClean="0"/>
-              <a:t>17/3/17</a:t>
+              <a:t>19/3/17</a:t>
             </a:fld>
             <a:endParaRPr lang="en-US"/>
           </a:p>
@@ -2656,7 +2670,7 @@
           <a:p>
             <a:fld id="{A26A5E23-D288-684B-9805-018463E07CED}" type="datetime1">
               <a:rPr lang="en-SG" smtClean="0"/>
-              <a:t>17/3/17</a:t>
+              <a:t>19/3/17</a:t>
             </a:fld>
             <a:endParaRPr lang="en-US"/>
           </a:p>
@@ -2778,7 +2792,7 @@
           <a:p>
             <a:fld id="{F046C154-F737-2344-AB11-09F45B239B90}" type="datetime1">
               <a:rPr lang="en-SG" smtClean="0"/>
-              <a:t>17/3/17</a:t>
+              <a:t>19/3/17</a:t>
             </a:fld>
             <a:endParaRPr lang="en-US"/>
           </a:p>
@@ -2877,7 +2891,7 @@
           <a:p>
             <a:fld id="{76496BF0-3959-3544-A2B1-0CBE5E870752}" type="datetime1">
               <a:rPr lang="en-SG" smtClean="0"/>
-              <a:t>17/3/17</a:t>
+              <a:t>19/3/17</a:t>
             </a:fld>
             <a:endParaRPr lang="en-US"/>
           </a:p>
@@ -3158,7 +3172,7 @@
           <a:p>
             <a:fld id="{0DE4D621-9597-A54E-9D45-88BD6D319C77}" type="datetime1">
               <a:rPr lang="en-SG" smtClean="0"/>
-              <a:t>17/3/17</a:t>
+              <a:t>19/3/17</a:t>
             </a:fld>
             <a:endParaRPr lang="en-US"/>
           </a:p>
@@ -3415,7 +3429,7 @@
           <a:p>
             <a:fld id="{F0DC582E-A02D-354D-98D2-E0191274527E}" type="datetime1">
               <a:rPr lang="en-SG" smtClean="0"/>
-              <a:t>17/3/17</a:t>
+              <a:t>19/3/17</a:t>
             </a:fld>
             <a:endParaRPr lang="en-US"/>
           </a:p>
@@ -3632,7 +3646,7 @@
           <a:p>
             <a:fld id="{8AB7E958-FFD8-594B-9E4C-DB4C7041F24C}" type="datetime1">
               <a:rPr lang="en-SG" smtClean="0"/>
-              <a:t>17/3/17</a:t>
+              <a:t>19/3/17</a:t>
             </a:fld>
             <a:endParaRPr lang="en-US"/>
           </a:p>
@@ -4151,7 +4165,7 @@
           <a:p>
             <a:fld id="{38ACE9AB-2AF1-9D47-B873-769E850AD551}" type="datetime1">
               <a:rPr lang="en-SG" smtClean="0"/>
-              <a:t>17/3/17</a:t>
+              <a:t>19/3/17</a:t>
             </a:fld>
             <a:endParaRPr lang="en-US"/>
           </a:p>
@@ -4200,13 +4214,13 @@
   <p:clrMapOvr>
     <a:masterClrMapping/>
   </p:clrMapOvr>
-  <mc:AlternateContent xmlns:mc="http://schemas.openxmlformats.org/markup-compatibility/2006">
-    <mc:Choice xmlns:p14="http://schemas.microsoft.com/office/powerpoint/2010/main" Requires="p14">
+  <mc:AlternateContent xmlns:mc="http://schemas.openxmlformats.org/markup-compatibility/2006" xmlns:p14="http://schemas.microsoft.com/office/powerpoint/2010/main">
+    <mc:Choice Requires="p14">
       <p:transition spd="slow" p14:dur="1600">
         <p14:prism dir="u" isContent="1" isInverted="1"/>
       </p:transition>
     </mc:Choice>
-    <mc:Fallback>
+    <mc:Fallback xmlns="">
       <p:transition spd="slow">
         <p:fade/>
       </p:transition>
@@ -4275,111 +4289,143 @@
         <p:spPr/>
         <p:txBody>
           <a:bodyPr>
-            <a:normAutofit/>
+            <a:normAutofit fontScale="62500" lnSpcReduction="20000"/>
           </a:bodyPr>
           <a:lstStyle/>
           <a:p>
             <a:r>
               <a:rPr lang="zh-CN" altLang="en-US" dirty="0" smtClean="0"/>
-              <a:t>计算机和多次实验的随机变量</a:t>
+              <a:t>概率是极限意义下，某个事件发生，或者说集合中的子集出现的稳定数值观察机会</a:t>
             </a:r>
             <a:endParaRPr lang="en-US" altLang="zh-CN" dirty="0" smtClean="0"/>
           </a:p>
           <a:p>
-            <a:r>
-              <a:rPr lang="zh-CN" altLang="en-US" dirty="0" smtClean="0"/>
-              <a:t>通过</a:t>
+            <a:endParaRPr lang="en-US" altLang="zh-CN" dirty="0"/>
+          </a:p>
+          <a:p>
+            <a:r>
+              <a:rPr lang="zh-CN" altLang="en-US" dirty="0" smtClean="0"/>
+              <a:t>定义</a:t>
+            </a:r>
+            <a:r>
+              <a:rPr lang="en-US" altLang="zh-CN" dirty="0" smtClean="0"/>
+              <a:t>1</a:t>
+            </a:r>
+            <a:r>
+              <a:rPr lang="zh-CN" altLang="en-US" dirty="0" smtClean="0"/>
+              <a:t>：一个事件</a:t>
             </a:r>
             <a:r>
               <a:rPr lang="en-US" altLang="zh-CN" dirty="0"/>
-              <a:t>`</a:t>
-            </a:r>
-            <a:r>
-              <a:rPr lang="zh-CN" altLang="en-US" dirty="0" smtClean="0"/>
-              <a:t>事件转换</a:t>
-            </a:r>
-            <a:r>
-              <a:rPr lang="en-US" altLang="zh-CN" dirty="0" smtClean="0"/>
-              <a:t>`,</a:t>
-            </a:r>
-            <a:r>
-              <a:rPr lang="zh-CN" altLang="en-US" dirty="0" smtClean="0"/>
-              <a:t> 计算机产生随机变量分为“物理真随机变量”和“抽样序列伪随机变量”</a:t>
+              <a:t>X</a:t>
+            </a:r>
+            <a:r>
+              <a:rPr lang="zh-CN" altLang="en-US" dirty="0" smtClean="0"/>
+              <a:t>的所有结果是一个集合</a:t>
+            </a:r>
+            <a:r>
+              <a:rPr lang="en-US" altLang="zh-CN" dirty="0"/>
+              <a:t>S</a:t>
+            </a:r>
+            <a:r>
+              <a:rPr lang="zh-CN" altLang="en-US" dirty="0" smtClean="0"/>
+              <a:t>；</a:t>
+            </a:r>
+            <a:r>
+              <a:rPr lang="en-US" altLang="zh-CN" dirty="0"/>
+              <a:t>X</a:t>
+            </a:r>
+            <a:r>
+              <a:rPr lang="zh-CN" altLang="en-US" dirty="0" smtClean="0"/>
+              <a:t>的每次结果都是不能预料的，称</a:t>
+            </a:r>
+            <a:r>
+              <a:rPr lang="en-US" altLang="zh-CN" dirty="0" smtClean="0"/>
+              <a:t>X</a:t>
+            </a:r>
+            <a:r>
+              <a:rPr lang="zh-CN" altLang="en-US" dirty="0" smtClean="0"/>
+              <a:t>为随机事件，</a:t>
+            </a:r>
+            <a:r>
+              <a:rPr lang="en-US" altLang="zh-CN" dirty="0" smtClean="0"/>
+              <a:t>X</a:t>
+            </a:r>
+            <a:r>
+              <a:rPr lang="zh-CN" altLang="en-US" dirty="0" smtClean="0"/>
+              <a:t> 包含于 </a:t>
+            </a:r>
+            <a:r>
+              <a:rPr lang="en-US" altLang="zh-CN" dirty="0" smtClean="0"/>
+              <a:t>S</a:t>
+            </a:r>
+          </a:p>
+          <a:p>
+            <a:r>
+              <a:rPr lang="zh-CN" altLang="en-US" dirty="0" smtClean="0"/>
+              <a:t>定义</a:t>
+            </a:r>
+            <a:r>
+              <a:rPr lang="en-US" altLang="zh-CN" dirty="0" smtClean="0"/>
+              <a:t>2</a:t>
+            </a:r>
+            <a:r>
+              <a:rPr lang="zh-CN" altLang="en-US" dirty="0" smtClean="0"/>
+              <a:t>：一旦随机事件</a:t>
+            </a:r>
+            <a:r>
+              <a:rPr lang="en-US" altLang="zh-CN" dirty="0" smtClean="0"/>
+              <a:t>X</a:t>
+            </a:r>
+            <a:r>
+              <a:rPr lang="zh-CN" altLang="en-US" dirty="0" smtClean="0"/>
+              <a:t>确立，立刻就拥有一个“累积函数”与之对应；累积函数</a:t>
+            </a:r>
+            <a:r>
+              <a:rPr lang="en-US" altLang="zh-CN" dirty="0" smtClean="0"/>
+              <a:t>F</a:t>
+            </a:r>
+            <a:r>
+              <a:rPr lang="zh-CN" altLang="en-US" dirty="0" smtClean="0"/>
+              <a:t>满足</a:t>
             </a:r>
             <a:endParaRPr lang="en-US" altLang="zh-CN" dirty="0" smtClean="0"/>
           </a:p>
           <a:p>
+            <a:pPr lvl="1"/>
+            <a:r>
+              <a:rPr lang="zh-CN" altLang="en-US" dirty="0" smtClean="0"/>
+              <a:t>单调增加，故可逆映射（微分，或差分）</a:t>
+            </a:r>
             <a:endParaRPr lang="en-US" altLang="zh-CN" dirty="0" smtClean="0"/>
           </a:p>
           <a:p>
             <a:pPr lvl="1"/>
             <a:r>
-              <a:rPr lang="zh-CN" altLang="en-US" dirty="0" smtClean="0"/>
-              <a:t>物理真随机变量：通过计算机的一些物理特性，或者其他</a:t>
-            </a:r>
-            <a:r>
-              <a:rPr lang="en-US" altLang="zh-CN" dirty="0" smtClean="0"/>
-              <a:t>·</a:t>
-            </a:r>
-            <a:r>
-              <a:rPr lang="zh-CN" altLang="en-US" dirty="0" smtClean="0"/>
-              <a:t>事件特性</a:t>
-            </a:r>
-            <a:r>
-              <a:rPr lang="en-US" altLang="zh-CN" dirty="0" smtClean="0"/>
-              <a:t>·</a:t>
-            </a:r>
-            <a:r>
-              <a:rPr lang="zh-CN" altLang="en-US" dirty="0" smtClean="0"/>
-              <a:t>得到一个真概率分布。通常是均匀分布</a:t>
-            </a:r>
-            <a:r>
-              <a:rPr lang="en-US" altLang="zh-CN" dirty="0" smtClean="0"/>
-              <a:t>U(0,</a:t>
-            </a:r>
-            <a:r>
-              <a:rPr lang="zh-CN" altLang="en-US" dirty="0" smtClean="0"/>
-              <a:t> </a:t>
-            </a:r>
-            <a:r>
-              <a:rPr lang="en-US" altLang="zh-CN" dirty="0" smtClean="0"/>
-              <a:t>M)</a:t>
-            </a:r>
-            <a:r>
-              <a:rPr lang="zh-CN" altLang="en-US" dirty="0" smtClean="0"/>
-              <a:t>，通过技术手段我们可以把</a:t>
-            </a:r>
-            <a:r>
-              <a:rPr lang="en-US" altLang="zh-CN" dirty="0" smtClean="0"/>
-              <a:t>U(0,</a:t>
-            </a:r>
-            <a:r>
-              <a:rPr lang="zh-CN" altLang="en-US" dirty="0" smtClean="0"/>
-              <a:t> </a:t>
-            </a:r>
-            <a:r>
-              <a:rPr lang="en-US" altLang="zh-CN" dirty="0" smtClean="0"/>
-              <a:t>M)</a:t>
-            </a:r>
-            <a:r>
-              <a:rPr lang="zh-CN" altLang="en-US" dirty="0" smtClean="0"/>
-              <a:t>转换成</a:t>
-            </a:r>
-            <a:r>
-              <a:rPr lang="en-US" altLang="zh-CN" dirty="0" smtClean="0"/>
-              <a:t>U(0,</a:t>
-            </a:r>
-            <a:r>
-              <a:rPr lang="zh-CN" altLang="en-US" dirty="0" smtClean="0"/>
-              <a:t> </a:t>
-            </a:r>
-            <a:r>
-              <a:rPr lang="en-US" altLang="zh-CN" dirty="0" smtClean="0"/>
-              <a:t>1)</a:t>
-            </a:r>
-            <a:r>
-              <a:rPr lang="zh-CN" altLang="en-US" dirty="0" smtClean="0"/>
-              <a:t>，并通过其他手段转换成任意概率分布所对应的随机变量</a:t>
+              <a:rPr lang="en-US" altLang="zh-CN" dirty="0" smtClean="0"/>
+              <a:t>0&lt;=F&lt;=1,</a:t>
+            </a:r>
+            <a:r>
+              <a:rPr lang="zh-CN" altLang="en-US" dirty="0" smtClean="0"/>
+              <a:t> 有上下界，故有收敛子序列</a:t>
+            </a:r>
+            <a:endParaRPr lang="en-US" altLang="zh-CN" dirty="0" smtClean="0"/>
+          </a:p>
+          <a:p>
+            <a:endParaRPr lang="en-US" altLang="zh-CN" dirty="0" smtClean="0"/>
+          </a:p>
+          <a:p>
+            <a:r>
+              <a:rPr lang="zh-CN" altLang="en-US" dirty="0" smtClean="0"/>
+              <a:t>现有鸡还是现有蛋？先有分布，随机变量；还是现有数据表现结果？</a:t>
+            </a:r>
+            <a:endParaRPr lang="en-US" altLang="zh-CN" dirty="0" smtClean="0"/>
+          </a:p>
+          <a:p>
+            <a:pPr lvl="1"/>
+            <a:r>
+              <a:rPr lang="zh-CN" altLang="en-US" dirty="0" smtClean="0"/>
+              <a:t>在概率论科学世界里，先有随机变量和分布，然后有数据的表现结果，即结果是按照确定的规律产生，我们只需要研究这个规律，就可以分析结果。</a:t>
             </a:r>
             <a:endParaRPr lang="en-US" altLang="zh-CN" dirty="0" smtClean="0"/>
           </a:p>
@@ -4388,183 +4434,46 @@
             <a:endParaRPr lang="en-US" altLang="zh-CN" dirty="0"/>
           </a:p>
           <a:p>
-            <a:pPr lvl="2"/>
-            <a:r>
-              <a:rPr lang="en-US" altLang="zh-CN" dirty="0" smtClean="0"/>
-              <a:t>”Random</a:t>
-            </a:r>
-            <a:r>
-              <a:rPr lang="zh-CN" altLang="en-US" dirty="0" smtClean="0"/>
-              <a:t> </a:t>
-            </a:r>
-            <a:r>
-              <a:rPr lang="en-US" altLang="zh-CN" dirty="0" smtClean="0"/>
-              <a:t>number</a:t>
-            </a:r>
-            <a:r>
-              <a:rPr lang="zh-CN" altLang="en-US" dirty="0" smtClean="0"/>
-              <a:t> </a:t>
-            </a:r>
-            <a:r>
-              <a:rPr lang="en-US" altLang="zh-CN" dirty="0" smtClean="0"/>
-              <a:t>generation</a:t>
-            </a:r>
-            <a:r>
-              <a:rPr lang="zh-CN" altLang="en-US" dirty="0" smtClean="0"/>
-              <a:t> </a:t>
-            </a:r>
-            <a:r>
-              <a:rPr lang="en-US" altLang="zh-CN" dirty="0" smtClean="0"/>
-              <a:t>from</a:t>
-            </a:r>
-            <a:r>
-              <a:rPr lang="zh-CN" altLang="en-US" dirty="0" smtClean="0"/>
-              <a:t> </a:t>
-            </a:r>
-            <a:r>
-              <a:rPr lang="en-US" altLang="zh-CN" dirty="0" smtClean="0"/>
-              <a:t>kernel</a:t>
-            </a:r>
-            <a:r>
-              <a:rPr lang="zh-CN" altLang="en-US" dirty="0" smtClean="0"/>
-              <a:t> </a:t>
-            </a:r>
-            <a:r>
-              <a:rPr lang="en-US" altLang="zh-CN" dirty="0" smtClean="0"/>
-              <a:t>space</a:t>
-            </a:r>
-            <a:r>
-              <a:rPr lang="zh-CN" altLang="en-US" dirty="0" smtClean="0"/>
-              <a:t> </a:t>
-            </a:r>
-            <a:r>
-              <a:rPr lang="en-US" altLang="zh-CN" dirty="0" smtClean="0"/>
-              <a:t>was</a:t>
-            </a:r>
-            <a:r>
-              <a:rPr lang="zh-CN" altLang="en-US" dirty="0" smtClean="0"/>
-              <a:t> </a:t>
-            </a:r>
-            <a:r>
-              <a:rPr lang="en-US" altLang="zh-CN" dirty="0" smtClean="0"/>
-              <a:t>implemented</a:t>
-            </a:r>
-            <a:r>
-              <a:rPr lang="zh-CN" altLang="en-US" dirty="0" smtClean="0"/>
-              <a:t> </a:t>
-            </a:r>
-            <a:r>
-              <a:rPr lang="en-US" altLang="zh-CN" dirty="0" smtClean="0"/>
-              <a:t>for</a:t>
-            </a:r>
-            <a:r>
-              <a:rPr lang="zh-CN" altLang="en-US" dirty="0" smtClean="0"/>
-              <a:t> </a:t>
-            </a:r>
-            <a:r>
-              <a:rPr lang="en-US" altLang="zh-CN" dirty="0" smtClean="0"/>
-              <a:t>the</a:t>
-            </a:r>
-            <a:r>
-              <a:rPr lang="zh-CN" altLang="en-US" dirty="0" smtClean="0"/>
-              <a:t> </a:t>
-            </a:r>
-            <a:r>
-              <a:rPr lang="en-US" altLang="zh-CN" dirty="0" smtClean="0"/>
-              <a:t>first</a:t>
-            </a:r>
-            <a:r>
-              <a:rPr lang="zh-CN" altLang="en-US" dirty="0" smtClean="0"/>
-              <a:t> </a:t>
-            </a:r>
-            <a:r>
-              <a:rPr lang="en-US" altLang="zh-CN" dirty="0" smtClean="0"/>
-              <a:t>time</a:t>
-            </a:r>
-            <a:r>
-              <a:rPr lang="zh-CN" altLang="en-US" dirty="0" smtClean="0"/>
-              <a:t>  </a:t>
-            </a:r>
-            <a:r>
-              <a:rPr lang="en-US" altLang="zh-CN" dirty="0" smtClean="0"/>
-              <a:t>for</a:t>
-            </a:r>
-            <a:r>
-              <a:rPr lang="zh-CN" altLang="en-US" dirty="0" smtClean="0"/>
-              <a:t> </a:t>
-            </a:r>
-            <a:r>
-              <a:rPr lang="en-US" altLang="zh-CN" dirty="0" smtClean="0"/>
-              <a:t>Linux</a:t>
-            </a:r>
-            <a:r>
-              <a:rPr lang="zh-CN" altLang="en-US" dirty="0" smtClean="0"/>
-              <a:t> </a:t>
-            </a:r>
-            <a:r>
-              <a:rPr lang="en-US" altLang="zh-CN" dirty="0" smtClean="0"/>
-              <a:t>in</a:t>
-            </a:r>
-            <a:r>
-              <a:rPr lang="zh-CN" altLang="en-US" dirty="0" smtClean="0"/>
-              <a:t> </a:t>
-            </a:r>
-            <a:r>
-              <a:rPr lang="en-US" altLang="zh-CN" dirty="0" smtClean="0"/>
-              <a:t>1994</a:t>
-            </a:r>
-            <a:r>
-              <a:rPr lang="zh-CN" altLang="en-US" dirty="0" smtClean="0"/>
-              <a:t> </a:t>
-            </a:r>
-            <a:r>
-              <a:rPr lang="en-US" altLang="zh-CN" dirty="0" smtClean="0"/>
-              <a:t>by</a:t>
-            </a:r>
-            <a:r>
-              <a:rPr lang="zh-CN" altLang="en-US" dirty="0" smtClean="0"/>
-              <a:t> </a:t>
-            </a:r>
-            <a:r>
-              <a:rPr lang="en-US" dirty="0"/>
-              <a:t> </a:t>
-            </a:r>
-            <a:r>
-              <a:rPr lang="en-US" u="sng" dirty="0">
-                <a:hlinkClick r:id="rId2" tooltip="Theodore Ts'o"/>
-              </a:rPr>
-              <a:t>Theodore </a:t>
-            </a:r>
-            <a:r>
-              <a:rPr lang="en-US" u="sng" dirty="0" smtClean="0">
-                <a:hlinkClick r:id="rId2" tooltip="Theodore Ts'o"/>
-              </a:rPr>
-              <a:t>Ts‘o</a:t>
-            </a:r>
-            <a:r>
-              <a:rPr lang="en-US" altLang="zh-CN" dirty="0" smtClean="0"/>
-              <a:t>”</a:t>
-            </a:r>
-            <a:r>
-              <a:rPr lang="zh-CN" altLang="en-US" dirty="0" smtClean="0"/>
-              <a:t> </a:t>
-            </a:r>
-            <a:r>
-              <a:rPr lang="en-US" altLang="zh-CN" dirty="0" smtClean="0"/>
-              <a:t>(Wikipedia)</a:t>
-            </a:r>
-          </a:p>
-          <a:p>
-            <a:pPr lvl="2"/>
-            <a:endParaRPr lang="en-US" altLang="zh-CN" dirty="0"/>
-          </a:p>
-          <a:p>
-            <a:pPr lvl="2"/>
-            <a:endParaRPr lang="en-US" altLang="zh-CN" dirty="0"/>
+            <a:r>
+              <a:rPr lang="zh-CN" altLang="en-US" dirty="0" smtClean="0"/>
+              <a:t>因为结果是按照规律产生的，我们只要将这个结果用稳定的方式表达出来，就可以反推出随机变量</a:t>
+            </a:r>
+            <a:r>
+              <a:rPr lang="en-US" altLang="zh-CN" dirty="0" smtClean="0"/>
+              <a:t>X</a:t>
+            </a:r>
+            <a:r>
+              <a:rPr lang="zh-CN" altLang="en-US" dirty="0" smtClean="0"/>
+              <a:t>和它的分布</a:t>
+            </a:r>
+            <a:endParaRPr lang="en-US" altLang="zh-CN" dirty="0" smtClean="0"/>
           </a:p>
           <a:p>
             <a:pPr lvl="1"/>
+            <a:r>
+              <a:rPr lang="zh-CN" altLang="en-US" dirty="0" smtClean="0"/>
+              <a:t>样本空间方法</a:t>
+            </a:r>
             <a:endParaRPr lang="en-US" altLang="zh-CN" dirty="0" smtClean="0"/>
+          </a:p>
+          <a:p>
+            <a:pPr lvl="1"/>
+            <a:r>
+              <a:rPr lang="zh-CN" altLang="en-US" dirty="0" smtClean="0"/>
+              <a:t>几何概型和计算机模拟</a:t>
+            </a:r>
+            <a:endParaRPr lang="en-US" altLang="zh-CN" dirty="0" smtClean="0"/>
+          </a:p>
+          <a:p>
+            <a:pPr lvl="1"/>
+            <a:r>
+              <a:rPr lang="zh-CN" altLang="en-US" dirty="0" smtClean="0"/>
+              <a:t>基于数学规则的形式推理</a:t>
+            </a:r>
+            <a:endParaRPr lang="en-US" altLang="zh-CN" dirty="0" smtClean="0"/>
+          </a:p>
+          <a:p>
+            <a:endParaRPr lang="en-US" dirty="0"/>
           </a:p>
         </p:txBody>
       </p:sp>
@@ -4585,7 +4494,7 @@
           <a:p>
             <a:fld id="{359F0E00-F99A-CD43-9FC0-8678B475E476}" type="datetime1">
               <a:rPr lang="en-SG" smtClean="0"/>
-              <a:t>17/3/17</a:t>
+              <a:t>19/3/17</a:t>
             </a:fld>
             <a:endParaRPr lang="en-US"/>
           </a:p>
@@ -4617,7 +4526,7 @@
     </p:spTree>
     <p:extLst>
       <p:ext uri="{BB962C8B-B14F-4D97-AF65-F5344CB8AC3E}">
-        <p14:creationId xmlns:p14="http://schemas.microsoft.com/office/powerpoint/2010/main" val="602602607"/>
+        <p14:creationId xmlns:p14="http://schemas.microsoft.com/office/powerpoint/2010/main" val="187009368"/>
       </p:ext>
     </p:extLst>
   </p:cSld>
@@ -4687,312 +4596,166 @@
         <p:spPr/>
         <p:txBody>
           <a:bodyPr>
-            <a:normAutofit fontScale="47500" lnSpcReduction="20000"/>
+            <a:normAutofit fontScale="85000" lnSpcReduction="20000"/>
           </a:bodyPr>
           <a:lstStyle/>
           <a:p>
             <a:r>
               <a:rPr lang="zh-CN" altLang="en-US" dirty="0" smtClean="0"/>
-              <a:t>随机性由操作系统内核中类似于随机过程的事件来转换：</a:t>
+              <a:t>我们的课程原则， </a:t>
+            </a:r>
+            <a:r>
+              <a:rPr lang="en-US" altLang="zh-CN" dirty="0" smtClean="0"/>
+              <a:t>test</a:t>
+            </a:r>
+            <a:r>
+              <a:rPr lang="zh-CN" altLang="en-US" dirty="0" smtClean="0"/>
+              <a:t> </a:t>
+            </a:r>
+            <a:r>
+              <a:rPr lang="en-US" altLang="zh-CN" dirty="0" smtClean="0"/>
+              <a:t>driven</a:t>
+            </a:r>
+            <a:r>
+              <a:rPr lang="zh-CN" altLang="en-US" dirty="0" smtClean="0"/>
+              <a:t> </a:t>
+            </a:r>
+            <a:r>
+              <a:rPr lang="en-US" altLang="zh-CN" dirty="0" smtClean="0"/>
+              <a:t>development</a:t>
+            </a:r>
+            <a:r>
+              <a:rPr lang="zh-CN" altLang="en-US" dirty="0" smtClean="0"/>
+              <a:t> </a:t>
+            </a:r>
+            <a:r>
+              <a:rPr lang="en-US" altLang="zh-CN" dirty="0" smtClean="0"/>
+              <a:t>or</a:t>
+            </a:r>
+            <a:r>
+              <a:rPr lang="zh-CN" altLang="en-US" dirty="0" smtClean="0"/>
+              <a:t> </a:t>
+            </a:r>
+            <a:r>
+              <a:rPr lang="en-US" altLang="zh-CN" dirty="0" smtClean="0"/>
+              <a:t>bug</a:t>
+            </a:r>
+            <a:r>
+              <a:rPr lang="zh-CN" altLang="en-US" dirty="0" smtClean="0"/>
+              <a:t> </a:t>
+            </a:r>
+            <a:r>
+              <a:rPr lang="en-US" altLang="zh-CN" dirty="0" smtClean="0"/>
+              <a:t>driven</a:t>
+            </a:r>
+            <a:r>
+              <a:rPr lang="zh-CN" altLang="en-US" dirty="0" smtClean="0"/>
+              <a:t> </a:t>
+            </a:r>
+            <a:r>
+              <a:rPr lang="en-US" altLang="zh-CN" dirty="0" smtClean="0"/>
+              <a:t>development</a:t>
+            </a:r>
+          </a:p>
+          <a:p>
+            <a:endParaRPr lang="en-US" dirty="0" smtClean="0"/>
+          </a:p>
+          <a:p>
+            <a:r>
+              <a:rPr lang="zh-CN" altLang="en-US" dirty="0" smtClean="0"/>
+              <a:t>因此我们需要搭建实验环境，进行实验模拟，这是样本空间方法和几何面积方法的表现。然后通过合适的转换将冗余表达方式转换成清晰的紧缩格式</a:t>
+            </a:r>
+            <a:r>
+              <a:rPr lang="en-US" altLang="zh-CN" dirty="0" smtClean="0"/>
+              <a:t>----</a:t>
+            </a:r>
+            <a:r>
+              <a:rPr lang="zh-CN" altLang="en-US" dirty="0" smtClean="0"/>
+              <a:t>如二项分布，这是数学形式推理。进行数学形式推理，</a:t>
+            </a:r>
+            <a:r>
+              <a:rPr lang="zh-CN" altLang="en-US" dirty="0" smtClean="0">
+                <a:solidFill>
+                  <a:srgbClr val="FF0000"/>
+                </a:solidFill>
+              </a:rPr>
+              <a:t>需要理解它满足的前提条件，否则不可进行</a:t>
+            </a:r>
+            <a:r>
+              <a:rPr lang="zh-CN" altLang="en-US" dirty="0" smtClean="0"/>
+              <a:t>。</a:t>
             </a:r>
             <a:endParaRPr lang="en-US" altLang="zh-CN" dirty="0" smtClean="0"/>
           </a:p>
           <a:p>
-            <a:pPr lvl="1"/>
-            <a:r>
-              <a:rPr lang="zh-CN" altLang="en-US" dirty="0" smtClean="0"/>
-              <a:t>键盘敲击时间间隔</a:t>
+            <a:endParaRPr lang="en-US" dirty="0" smtClean="0"/>
+          </a:p>
+          <a:p>
+            <a:r>
+              <a:rPr lang="zh-CN" altLang="en-US" dirty="0" smtClean="0"/>
+              <a:t>如前所述，本课程兼容高性能计算作为后续进阶课程，故采用</a:t>
+            </a:r>
+            <a:r>
+              <a:rPr lang="en-US" altLang="zh-CN" dirty="0" err="1" smtClean="0"/>
+              <a:t>c++</a:t>
+            </a:r>
+            <a:r>
+              <a:rPr lang="en-US" altLang="zh-CN" dirty="0" smtClean="0"/>
+              <a:t>11/14</a:t>
+            </a:r>
+            <a:r>
+              <a:rPr lang="zh-CN" altLang="en-US" dirty="0" smtClean="0"/>
+              <a:t>标准进行计算机模拟。</a:t>
             </a:r>
             <a:endParaRPr lang="en-US" altLang="zh-CN" dirty="0" smtClean="0"/>
           </a:p>
           <a:p>
-            <a:pPr lvl="1"/>
-            <a:r>
-              <a:rPr lang="zh-CN" altLang="en-US" dirty="0" smtClean="0"/>
-              <a:t>中断间隔时间</a:t>
-            </a:r>
-            <a:endParaRPr lang="en-US" altLang="zh-CN" dirty="0" smtClean="0"/>
-          </a:p>
-          <a:p>
-            <a:r>
-              <a:rPr lang="zh-CN" altLang="en-US" dirty="0" smtClean="0"/>
-              <a:t>这些随机性被加入到了</a:t>
-            </a:r>
-            <a:r>
-              <a:rPr lang="en-US" altLang="zh-CN" dirty="0" smtClean="0"/>
-              <a:t>”entropy</a:t>
-            </a:r>
-            <a:r>
-              <a:rPr lang="zh-CN" altLang="en-US" dirty="0" smtClean="0"/>
-              <a:t> </a:t>
-            </a:r>
-            <a:r>
-              <a:rPr lang="en-US" altLang="zh-CN" dirty="0" smtClean="0"/>
-              <a:t>pool”</a:t>
-            </a:r>
-          </a:p>
-          <a:p>
-            <a:endParaRPr lang="en-US" altLang="zh-CN" dirty="0"/>
-          </a:p>
-          <a:p>
-            <a:r>
-              <a:rPr lang="en-US" altLang="zh-CN" dirty="0" smtClean="0"/>
-              <a:t>Linux</a:t>
-            </a:r>
-            <a:r>
-              <a:rPr lang="zh-CN" altLang="en-US" dirty="0" smtClean="0"/>
-              <a:t> 系统接口</a:t>
-            </a:r>
-            <a:endParaRPr lang="en-US" altLang="zh-CN" dirty="0" smtClean="0"/>
-          </a:p>
-          <a:p>
-            <a:pPr lvl="1"/>
-            <a:r>
-              <a:rPr lang="en-US" altLang="zh-CN" dirty="0" smtClean="0"/>
-              <a:t>Output</a:t>
-            </a:r>
-            <a:r>
-              <a:rPr lang="zh-CN" altLang="en-US" dirty="0" smtClean="0"/>
-              <a:t> </a:t>
-            </a:r>
-            <a:r>
-              <a:rPr lang="en-US" altLang="zh-CN" dirty="0" smtClean="0"/>
-              <a:t>interface:</a:t>
-            </a:r>
-          </a:p>
-          <a:p>
-            <a:pPr lvl="2"/>
-            <a:r>
-              <a:rPr lang="en-US" i="1" dirty="0"/>
-              <a:t>void </a:t>
-            </a:r>
-            <a:r>
-              <a:rPr lang="en-US" i="1" dirty="0" err="1"/>
-              <a:t>get_random_bytes</a:t>
-            </a:r>
-            <a:r>
-              <a:rPr lang="en-US" i="1" dirty="0"/>
-              <a:t>(void *</a:t>
-            </a:r>
-            <a:r>
-              <a:rPr lang="en-US" i="1" dirty="0" err="1"/>
-              <a:t>buf</a:t>
-            </a:r>
-            <a:r>
-              <a:rPr lang="en-US" i="1" dirty="0"/>
-              <a:t>, </a:t>
-            </a:r>
-            <a:r>
-              <a:rPr lang="en-US" i="1" dirty="0" err="1"/>
-              <a:t>int</a:t>
-            </a:r>
-            <a:r>
-              <a:rPr lang="en-US" i="1" dirty="0"/>
-              <a:t> </a:t>
-            </a:r>
-            <a:r>
-              <a:rPr lang="en-US" i="1" dirty="0" err="1"/>
-              <a:t>nbytes</a:t>
-            </a:r>
-            <a:r>
-              <a:rPr lang="en-US" i="1" dirty="0" smtClean="0"/>
-              <a:t>);</a:t>
-            </a:r>
-            <a:r>
-              <a:rPr lang="zh-CN" altLang="en-US" i="1" dirty="0" smtClean="0"/>
-              <a:t> </a:t>
-            </a:r>
-            <a:endParaRPr lang="en-US" altLang="zh-CN" dirty="0" smtClean="0"/>
-          </a:p>
-          <a:p>
-            <a:pPr lvl="2"/>
-            <a:r>
-              <a:rPr lang="en-US" altLang="zh-CN" dirty="0" smtClean="0"/>
-              <a:t>/dev/random</a:t>
-            </a:r>
-            <a:r>
-              <a:rPr lang="zh-CN" altLang="en-US" dirty="0" smtClean="0"/>
-              <a:t>，用于产生高质量的随机数，但是当随机数使用完时，读取文件会产生阻塞效果</a:t>
-            </a:r>
-            <a:endParaRPr lang="en-US" altLang="zh-CN" dirty="0" smtClean="0"/>
-          </a:p>
-          <a:p>
-            <a:pPr lvl="2"/>
-            <a:r>
-              <a:rPr lang="en-US" altLang="zh-CN" dirty="0" smtClean="0"/>
-              <a:t>/dev/</a:t>
+            <a:endParaRPr lang="en-US" dirty="0"/>
+          </a:p>
+          <a:p>
+            <a:r>
+              <a:rPr lang="zh-CN" altLang="en-US" dirty="0" smtClean="0"/>
+              <a:t>涉及对性能要求较高部分的计算部分</a:t>
+            </a:r>
+            <a:r>
+              <a:rPr lang="en-US" altLang="zh-CN" dirty="0" smtClean="0"/>
+              <a:t>,</a:t>
+            </a:r>
+            <a:r>
+              <a:rPr lang="zh-CN" altLang="en-US" dirty="0" smtClean="0"/>
+              <a:t> 我采用纯</a:t>
+            </a:r>
+            <a:r>
+              <a:rPr lang="en-US" altLang="zh-CN" dirty="0" smtClean="0"/>
+              <a:t>C;</a:t>
+            </a:r>
+            <a:r>
+              <a:rPr lang="zh-CN" altLang="en-US" dirty="0" smtClean="0"/>
+              <a:t> 而作为系统中的一部分，比如利用</a:t>
             </a:r>
             <a:r>
               <a:rPr lang="en-US" altLang="zh-CN" dirty="0" err="1" smtClean="0"/>
-              <a:t>urandom</a:t>
-            </a:r>
-            <a:r>
-              <a:rPr lang="zh-CN" altLang="en-US" dirty="0" smtClean="0"/>
-              <a:t> 并不会产生阻塞效果，但随机质量要差很多。</a:t>
-            </a:r>
-            <a:endParaRPr lang="en-US" altLang="zh-CN" dirty="0"/>
-          </a:p>
-          <a:p>
-            <a:pPr lvl="1"/>
-            <a:r>
-              <a:rPr lang="zh-CN" altLang="en-US" dirty="0" smtClean="0"/>
-              <a:t>用法：</a:t>
-            </a:r>
-            <a:endParaRPr lang="en-US" altLang="zh-CN" dirty="0" smtClean="0"/>
-          </a:p>
-          <a:p>
-            <a:pPr lvl="2"/>
-            <a:r>
-              <a:rPr lang="zh-CN" altLang="en-US" dirty="0" smtClean="0"/>
-              <a:t>作为“加密伪随机数序列生成器”</a:t>
-            </a:r>
-            <a:r>
-              <a:rPr lang="en-US" altLang="zh-CN" dirty="0" smtClean="0"/>
-              <a:t>(CPRNG)</a:t>
-            </a:r>
-          </a:p>
-          <a:p>
-            <a:pPr lvl="2"/>
-            <a:r>
-              <a:rPr lang="zh-CN" altLang="en-US" dirty="0" smtClean="0"/>
-              <a:t>伪随机数序列通过递推公式产生近似均匀的均匀分布</a:t>
-            </a:r>
-            <a:endParaRPr lang="en-US" altLang="zh-CN" dirty="0" smtClean="0"/>
-          </a:p>
-          <a:p>
-            <a:r>
-              <a:rPr lang="en-US" altLang="zh-CN" dirty="0" err="1" smtClean="0"/>
-              <a:t>MacOS</a:t>
-            </a:r>
-            <a:r>
-              <a:rPr lang="zh-CN" altLang="en-US" dirty="0" smtClean="0"/>
-              <a:t> </a:t>
-            </a:r>
-            <a:r>
-              <a:rPr lang="en-US" altLang="zh-CN" dirty="0" smtClean="0"/>
-              <a:t>X</a:t>
-            </a:r>
-            <a:r>
-              <a:rPr lang="zh-CN" altLang="en-US" dirty="0" smtClean="0"/>
-              <a:t> 定义了兼容的接口但使用了不同的算法</a:t>
-            </a:r>
-            <a:endParaRPr lang="en-US" altLang="zh-CN" dirty="0" smtClean="0"/>
-          </a:p>
-          <a:p>
-            <a:pPr lvl="1"/>
-            <a:r>
-              <a:rPr lang="en-US" altLang="zh-CN" dirty="0" err="1" smtClean="0"/>
-              <a:t>MacOSX</a:t>
-            </a:r>
-            <a:r>
-              <a:rPr lang="zh-CN" altLang="en-US" dirty="0" smtClean="0"/>
-              <a:t> 推测使用了和</a:t>
-            </a:r>
-            <a:r>
-              <a:rPr lang="en-US" altLang="zh-CN" dirty="0" smtClean="0"/>
-              <a:t>FreeBSD</a:t>
-            </a:r>
-            <a:r>
-              <a:rPr lang="zh-CN" altLang="en-US" dirty="0" smtClean="0"/>
-              <a:t>相同的算法</a:t>
-            </a:r>
-            <a:endParaRPr lang="en-US" altLang="zh-CN" dirty="0" smtClean="0"/>
-          </a:p>
-          <a:p>
-            <a:pPr lvl="1"/>
-            <a:r>
-              <a:rPr lang="en-US" altLang="zh-CN" dirty="0" smtClean="0"/>
-              <a:t>/dev/random</a:t>
-            </a:r>
-            <a:r>
-              <a:rPr lang="zh-CN" altLang="en-US" dirty="0" smtClean="0"/>
-              <a:t> 没有阻塞效果</a:t>
-            </a:r>
-            <a:endParaRPr lang="en-US" altLang="zh-CN" dirty="0" smtClean="0"/>
-          </a:p>
-          <a:p>
+              <a:t>glog</a:t>
+            </a:r>
+            <a:r>
+              <a:rPr lang="zh-CN" altLang="en-US" dirty="0" smtClean="0"/>
+              <a:t>等库，我们采用混合编译，只需要对</a:t>
+            </a:r>
+            <a:r>
+              <a:rPr lang="en-US" altLang="zh-CN" dirty="0" smtClean="0"/>
+              <a:t>C</a:t>
+            </a:r>
+            <a:r>
+              <a:rPr lang="zh-CN" altLang="en-US" dirty="0" smtClean="0"/>
+              <a:t>源文件和头文件稍作修改即可。</a:t>
+            </a:r>
             <a:endParaRPr lang="en-US" dirty="0"/>
           </a:p>
-          <a:p>
-            <a:r>
-              <a:rPr lang="zh-CN" altLang="en-US" dirty="0" smtClean="0"/>
-              <a:t>补充资料阅读：</a:t>
-            </a:r>
-            <a:r>
-              <a:rPr lang="en-US" dirty="0" smtClean="0"/>
-              <a:t>#include </a:t>
-            </a:r>
-            <a:r>
-              <a:rPr lang="en-US" dirty="0"/>
-              <a:t>&lt;</a:t>
-            </a:r>
-            <a:r>
-              <a:rPr lang="en-US" dirty="0">
-                <a:hlinkClick r:id="rId3" action="ppaction://hlinkfile"/>
-              </a:rPr>
-              <a:t>linux/random.h</a:t>
-            </a:r>
-            <a:r>
-              <a:rPr lang="en-US" dirty="0" smtClean="0"/>
-              <a:t>&gt;</a:t>
-            </a:r>
-            <a:r>
-              <a:rPr lang="zh-CN" altLang="en-US" dirty="0" smtClean="0"/>
-              <a:t> 或手册 </a:t>
-            </a:r>
-            <a:r>
-              <a:rPr lang="en-US" altLang="zh-CN" dirty="0" err="1" smtClean="0"/>
-              <a:t>linux</a:t>
-            </a:r>
-            <a:r>
-              <a:rPr lang="zh-CN" altLang="en-US" dirty="0" smtClean="0"/>
-              <a:t> </a:t>
-            </a:r>
-            <a:r>
-              <a:rPr lang="en-US" altLang="zh-CN" dirty="0" smtClean="0"/>
-              <a:t>man</a:t>
-            </a:r>
-            <a:endParaRPr lang="en-US" dirty="0" smtClean="0"/>
-          </a:p>
-          <a:p>
-            <a:endParaRPr lang="en-US" dirty="0"/>
-          </a:p>
-          <a:p>
-            <a:endParaRPr lang="en-US" dirty="0"/>
-          </a:p>
-        </p:txBody>
-      </p:sp>
-      <p:sp>
-        <p:nvSpPr>
-          <p:cNvPr id="4" name="Text Placeholder 3"/>
-          <p:cNvSpPr>
-            <a:spLocks noGrp="1"/>
-          </p:cNvSpPr>
-          <p:nvPr>
-            <p:ph type="body" sz="half" idx="2"/>
-          </p:nvPr>
-        </p:nvSpPr>
-        <p:spPr/>
-        <p:txBody>
-          <a:bodyPr>
-            <a:normAutofit/>
-          </a:bodyPr>
-          <a:lstStyle/>
-          <a:p>
-            <a:endParaRPr lang="en-US" altLang="zh-CN" sz="2000" dirty="0" smtClean="0"/>
-          </a:p>
-          <a:p>
-            <a:r>
-              <a:rPr lang="zh-CN" altLang="en-US" sz="2000" dirty="0" smtClean="0"/>
-              <a:t>物理真随机变量</a:t>
-            </a:r>
-            <a:endParaRPr lang="en-US" sz="2000" dirty="0"/>
-          </a:p>
-        </p:txBody>
-      </p:sp>
-      <p:sp>
-        <p:nvSpPr>
-          <p:cNvPr id="5" name="Date Placeholder 4"/>
+        </p:txBody>
+      </p:sp>
+      <p:sp>
+        <p:nvSpPr>
+          <p:cNvPr id="4" name="Date Placeholder 3"/>
           <p:cNvSpPr>
             <a:spLocks noGrp="1"/>
           </p:cNvSpPr>
@@ -5005,9 +4768,9 @@
           <a:bodyPr/>
           <a:lstStyle/>
           <a:p>
-            <a:fld id="{0DE4D621-9597-A54E-9D45-88BD6D319C77}" type="datetime1">
+            <a:fld id="{359F0E00-F99A-CD43-9FC0-8678B475E476}" type="datetime1">
               <a:rPr lang="en-SG" smtClean="0"/>
-              <a:t>18/3/17</a:t>
+              <a:t>19/3/17</a:t>
             </a:fld>
             <a:endParaRPr lang="en-US"/>
           </a:p>
@@ -5015,7 +4778,7 @@
       </p:sp>
       <p:sp>
         <p:nvSpPr>
-          <p:cNvPr id="6" name="Footer Placeholder 5"/>
+          <p:cNvPr id="5" name="Footer Placeholder 4"/>
           <p:cNvSpPr>
             <a:spLocks noGrp="1"/>
           </p:cNvSpPr>
@@ -5039,7 +4802,7 @@
     </p:spTree>
     <p:extLst>
       <p:ext uri="{BB962C8B-B14F-4D97-AF65-F5344CB8AC3E}">
-        <p14:creationId xmlns:p14="http://schemas.microsoft.com/office/powerpoint/2010/main" val="435677948"/>
+        <p14:creationId xmlns:p14="http://schemas.microsoft.com/office/powerpoint/2010/main" val="1151115558"/>
       </p:ext>
     </p:extLst>
   </p:cSld>
@@ -5088,12 +4851,428 @@
           <a:bodyPr/>
           <a:lstStyle/>
           <a:p>
+            <a:r>
+              <a:rPr lang="zh-CN" altLang="en-US" dirty="0" smtClean="0"/>
+              <a:t>基本概念和方法</a:t>
+            </a:r>
+            <a:endParaRPr lang="en-US" dirty="0"/>
+          </a:p>
+        </p:txBody>
+      </p:sp>
+      <p:sp>
+        <p:nvSpPr>
+          <p:cNvPr id="3" name="Content Placeholder 2"/>
+          <p:cNvSpPr>
+            <a:spLocks noGrp="1"/>
+          </p:cNvSpPr>
+          <p:nvPr>
+            <p:ph idx="1"/>
+          </p:nvPr>
+        </p:nvSpPr>
+        <p:spPr/>
+        <p:txBody>
+          <a:bodyPr>
+            <a:normAutofit/>
+          </a:bodyPr>
+          <a:lstStyle/>
+          <a:p>
+            <a:r>
+              <a:rPr lang="zh-CN" altLang="en-US" dirty="0" smtClean="0"/>
+              <a:t>计算机和多次实验的随机变量</a:t>
+            </a:r>
+            <a:endParaRPr lang="en-US" altLang="zh-CN" dirty="0" smtClean="0"/>
+          </a:p>
+          <a:p>
+            <a:r>
+              <a:rPr lang="zh-CN" altLang="en-US" dirty="0" smtClean="0"/>
+              <a:t>通过</a:t>
+            </a:r>
+            <a:r>
+              <a:rPr lang="en-US" altLang="zh-CN" dirty="0"/>
+              <a:t>`</a:t>
+            </a:r>
+            <a:r>
+              <a:rPr lang="zh-CN" altLang="en-US" dirty="0" smtClean="0"/>
+              <a:t>事件转换</a:t>
+            </a:r>
+            <a:r>
+              <a:rPr lang="en-US" altLang="zh-CN" dirty="0" smtClean="0"/>
+              <a:t>`,</a:t>
+            </a:r>
+            <a:r>
+              <a:rPr lang="zh-CN" altLang="en-US" dirty="0" smtClean="0"/>
+              <a:t> 计算机产生随机变量分为“物理真随机变量”和“抽样序列伪随机变量”</a:t>
+            </a:r>
+            <a:endParaRPr lang="en-US" altLang="zh-CN" dirty="0" smtClean="0"/>
+          </a:p>
+          <a:p>
+            <a:endParaRPr lang="en-US" altLang="zh-CN" dirty="0" smtClean="0"/>
+          </a:p>
+          <a:p>
+            <a:pPr lvl="1"/>
+            <a:r>
+              <a:rPr lang="zh-CN" altLang="en-US" dirty="0" smtClean="0"/>
+              <a:t>物理真随机变量：通过计算机的一些物理特性，或者其他</a:t>
+            </a:r>
+            <a:r>
+              <a:rPr lang="en-US" altLang="zh-CN" dirty="0" smtClean="0"/>
+              <a:t>·</a:t>
+            </a:r>
+            <a:r>
+              <a:rPr lang="zh-CN" altLang="en-US" dirty="0" smtClean="0"/>
+              <a:t>事件特性</a:t>
+            </a:r>
+            <a:r>
+              <a:rPr lang="en-US" altLang="zh-CN" dirty="0" smtClean="0"/>
+              <a:t>·</a:t>
+            </a:r>
+            <a:r>
+              <a:rPr lang="zh-CN" altLang="en-US" dirty="0" smtClean="0"/>
+              <a:t>得到一个真概率分布。通常是均匀分布</a:t>
+            </a:r>
+            <a:r>
+              <a:rPr lang="en-US" altLang="zh-CN" dirty="0" smtClean="0"/>
+              <a:t>U(0,</a:t>
+            </a:r>
+            <a:r>
+              <a:rPr lang="zh-CN" altLang="en-US" dirty="0" smtClean="0"/>
+              <a:t> </a:t>
+            </a:r>
+            <a:r>
+              <a:rPr lang="en-US" altLang="zh-CN" dirty="0" smtClean="0"/>
+              <a:t>M)</a:t>
+            </a:r>
+            <a:r>
+              <a:rPr lang="zh-CN" altLang="en-US" dirty="0" smtClean="0"/>
+              <a:t>，通过技术手段我们可以把</a:t>
+            </a:r>
+            <a:r>
+              <a:rPr lang="en-US" altLang="zh-CN" dirty="0" smtClean="0"/>
+              <a:t>U(0,</a:t>
+            </a:r>
+            <a:r>
+              <a:rPr lang="zh-CN" altLang="en-US" dirty="0" smtClean="0"/>
+              <a:t> </a:t>
+            </a:r>
+            <a:r>
+              <a:rPr lang="en-US" altLang="zh-CN" dirty="0" smtClean="0"/>
+              <a:t>M)</a:t>
+            </a:r>
+            <a:r>
+              <a:rPr lang="zh-CN" altLang="en-US" dirty="0" smtClean="0"/>
+              <a:t>转换成</a:t>
+            </a:r>
+            <a:r>
+              <a:rPr lang="en-US" altLang="zh-CN" dirty="0" smtClean="0"/>
+              <a:t>U(0,</a:t>
+            </a:r>
+            <a:r>
+              <a:rPr lang="zh-CN" altLang="en-US" dirty="0" smtClean="0"/>
+              <a:t> </a:t>
+            </a:r>
+            <a:r>
+              <a:rPr lang="en-US" altLang="zh-CN" dirty="0" smtClean="0"/>
+              <a:t>1)</a:t>
+            </a:r>
+            <a:r>
+              <a:rPr lang="zh-CN" altLang="en-US" dirty="0" smtClean="0"/>
+              <a:t>，并通过其他手段转换成任意概率分布所对应的随机变量</a:t>
+            </a:r>
+            <a:endParaRPr lang="en-US" altLang="zh-CN" dirty="0" smtClean="0"/>
+          </a:p>
+          <a:p>
+            <a:pPr lvl="1"/>
+            <a:endParaRPr lang="en-US" altLang="zh-CN" dirty="0"/>
+          </a:p>
+          <a:p>
+            <a:pPr lvl="2"/>
+            <a:r>
+              <a:rPr lang="en-US" altLang="zh-CN" dirty="0" smtClean="0"/>
+              <a:t>”Random</a:t>
+            </a:r>
+            <a:r>
+              <a:rPr lang="zh-CN" altLang="en-US" dirty="0" smtClean="0"/>
+              <a:t> </a:t>
+            </a:r>
+            <a:r>
+              <a:rPr lang="en-US" altLang="zh-CN" dirty="0" smtClean="0"/>
+              <a:t>number</a:t>
+            </a:r>
+            <a:r>
+              <a:rPr lang="zh-CN" altLang="en-US" dirty="0" smtClean="0"/>
+              <a:t> </a:t>
+            </a:r>
+            <a:r>
+              <a:rPr lang="en-US" altLang="zh-CN" dirty="0" smtClean="0"/>
+              <a:t>generation</a:t>
+            </a:r>
+            <a:r>
+              <a:rPr lang="zh-CN" altLang="en-US" dirty="0" smtClean="0"/>
+              <a:t> </a:t>
+            </a:r>
+            <a:r>
+              <a:rPr lang="en-US" altLang="zh-CN" dirty="0" smtClean="0"/>
+              <a:t>from</a:t>
+            </a:r>
+            <a:r>
+              <a:rPr lang="zh-CN" altLang="en-US" dirty="0" smtClean="0"/>
+              <a:t> </a:t>
+            </a:r>
+            <a:r>
+              <a:rPr lang="en-US" altLang="zh-CN" dirty="0" smtClean="0"/>
+              <a:t>kernel</a:t>
+            </a:r>
+            <a:r>
+              <a:rPr lang="zh-CN" altLang="en-US" dirty="0" smtClean="0"/>
+              <a:t> </a:t>
+            </a:r>
+            <a:r>
+              <a:rPr lang="en-US" altLang="zh-CN" dirty="0" smtClean="0"/>
+              <a:t>space</a:t>
+            </a:r>
+            <a:r>
+              <a:rPr lang="zh-CN" altLang="en-US" dirty="0" smtClean="0"/>
+              <a:t> </a:t>
+            </a:r>
+            <a:r>
+              <a:rPr lang="en-US" altLang="zh-CN" dirty="0" smtClean="0"/>
+              <a:t>was</a:t>
+            </a:r>
+            <a:r>
+              <a:rPr lang="zh-CN" altLang="en-US" dirty="0" smtClean="0"/>
+              <a:t> </a:t>
+            </a:r>
+            <a:r>
+              <a:rPr lang="en-US" altLang="zh-CN" dirty="0" smtClean="0"/>
+              <a:t>implemented</a:t>
+            </a:r>
+            <a:r>
+              <a:rPr lang="zh-CN" altLang="en-US" dirty="0" smtClean="0"/>
+              <a:t> </a:t>
+            </a:r>
+            <a:r>
+              <a:rPr lang="en-US" altLang="zh-CN" dirty="0" smtClean="0"/>
+              <a:t>for</a:t>
+            </a:r>
+            <a:r>
+              <a:rPr lang="zh-CN" altLang="en-US" dirty="0" smtClean="0"/>
+              <a:t> </a:t>
+            </a:r>
+            <a:r>
+              <a:rPr lang="en-US" altLang="zh-CN" dirty="0" smtClean="0"/>
+              <a:t>the</a:t>
+            </a:r>
+            <a:r>
+              <a:rPr lang="zh-CN" altLang="en-US" dirty="0" smtClean="0"/>
+              <a:t> </a:t>
+            </a:r>
+            <a:r>
+              <a:rPr lang="en-US" altLang="zh-CN" dirty="0" smtClean="0"/>
+              <a:t>first</a:t>
+            </a:r>
+            <a:r>
+              <a:rPr lang="zh-CN" altLang="en-US" dirty="0" smtClean="0"/>
+              <a:t> </a:t>
+            </a:r>
+            <a:r>
+              <a:rPr lang="en-US" altLang="zh-CN" dirty="0" smtClean="0"/>
+              <a:t>time</a:t>
+            </a:r>
+            <a:r>
+              <a:rPr lang="zh-CN" altLang="en-US" dirty="0" smtClean="0"/>
+              <a:t>  </a:t>
+            </a:r>
+            <a:r>
+              <a:rPr lang="en-US" altLang="zh-CN" dirty="0" smtClean="0"/>
+              <a:t>for</a:t>
+            </a:r>
+            <a:r>
+              <a:rPr lang="zh-CN" altLang="en-US" dirty="0" smtClean="0"/>
+              <a:t> </a:t>
+            </a:r>
+            <a:r>
+              <a:rPr lang="en-US" altLang="zh-CN" dirty="0" smtClean="0"/>
+              <a:t>Linux</a:t>
+            </a:r>
+            <a:r>
+              <a:rPr lang="zh-CN" altLang="en-US" dirty="0" smtClean="0"/>
+              <a:t> </a:t>
+            </a:r>
+            <a:r>
+              <a:rPr lang="en-US" altLang="zh-CN" dirty="0" smtClean="0"/>
+              <a:t>in</a:t>
+            </a:r>
+            <a:r>
+              <a:rPr lang="zh-CN" altLang="en-US" dirty="0" smtClean="0"/>
+              <a:t> </a:t>
+            </a:r>
+            <a:r>
+              <a:rPr lang="en-US" altLang="zh-CN" dirty="0" smtClean="0"/>
+              <a:t>1994</a:t>
+            </a:r>
+            <a:r>
+              <a:rPr lang="zh-CN" altLang="en-US" dirty="0" smtClean="0"/>
+              <a:t> </a:t>
+            </a:r>
+            <a:r>
+              <a:rPr lang="en-US" altLang="zh-CN" dirty="0" smtClean="0"/>
+              <a:t>by</a:t>
+            </a:r>
+            <a:r>
+              <a:rPr lang="zh-CN" altLang="en-US" dirty="0" smtClean="0"/>
+              <a:t> </a:t>
+            </a:r>
+            <a:r>
+              <a:rPr lang="en-US" dirty="0"/>
+              <a:t> </a:t>
+            </a:r>
+            <a:r>
+              <a:rPr lang="en-US" u="sng" dirty="0">
+                <a:hlinkClick r:id="rId2" tooltip="Theodore Ts'o"/>
+              </a:rPr>
+              <a:t>Theodore </a:t>
+            </a:r>
+            <a:r>
+              <a:rPr lang="en-US" u="sng" dirty="0" smtClean="0">
+                <a:hlinkClick r:id="rId2" tooltip="Theodore Ts'o"/>
+              </a:rPr>
+              <a:t>Ts‘o</a:t>
+            </a:r>
+            <a:r>
+              <a:rPr lang="en-US" altLang="zh-CN" dirty="0" smtClean="0"/>
+              <a:t>”</a:t>
+            </a:r>
+            <a:r>
+              <a:rPr lang="zh-CN" altLang="en-US" dirty="0" smtClean="0"/>
+              <a:t> </a:t>
+            </a:r>
+            <a:r>
+              <a:rPr lang="en-US" altLang="zh-CN" dirty="0" smtClean="0"/>
+              <a:t>(Wikipedia)</a:t>
+            </a:r>
+          </a:p>
+          <a:p>
+            <a:pPr lvl="2"/>
+            <a:endParaRPr lang="en-US" altLang="zh-CN" dirty="0"/>
+          </a:p>
+          <a:p>
+            <a:pPr lvl="2"/>
+            <a:endParaRPr lang="en-US" altLang="zh-CN" dirty="0"/>
+          </a:p>
+          <a:p>
+            <a:pPr lvl="1"/>
+            <a:endParaRPr lang="en-US" altLang="zh-CN" dirty="0" smtClean="0"/>
+          </a:p>
+        </p:txBody>
+      </p:sp>
+      <p:sp>
+        <p:nvSpPr>
+          <p:cNvPr id="4" name="Date Placeholder 3"/>
+          <p:cNvSpPr>
+            <a:spLocks noGrp="1"/>
+          </p:cNvSpPr>
+          <p:nvPr>
+            <p:ph type="dt" sz="half" idx="10"/>
+          </p:nvPr>
+        </p:nvSpPr>
+        <p:spPr/>
+        <p:txBody>
+          <a:bodyPr/>
+          <a:lstStyle/>
+          <a:p>
+            <a:fld id="{359F0E00-F99A-CD43-9FC0-8678B475E476}" type="datetime1">
+              <a:rPr lang="en-SG" smtClean="0"/>
+              <a:t>19/3/17</a:t>
+            </a:fld>
             <a:endParaRPr lang="en-US"/>
           </a:p>
         </p:txBody>
       </p:sp>
       <p:sp>
         <p:nvSpPr>
+          <p:cNvPr id="5" name="Footer Placeholder 4"/>
+          <p:cNvSpPr>
+            <a:spLocks noGrp="1"/>
+          </p:cNvSpPr>
+          <p:nvPr>
+            <p:ph type="ftr" sz="quarter" idx="11"/>
+          </p:nvPr>
+        </p:nvSpPr>
+        <p:spPr/>
+        <p:txBody>
+          <a:bodyPr/>
+          <a:lstStyle/>
+          <a:p>
+            <a:r>
+              <a:rPr lang="en-US" smtClean="0"/>
+              <a:t>王翼 yiak.wy@gmail.com </a:t>
+            </a:r>
+            <a:endParaRPr lang="en-US"/>
+          </a:p>
+        </p:txBody>
+      </p:sp>
+    </p:spTree>
+    <p:extLst>
+      <p:ext uri="{BB962C8B-B14F-4D97-AF65-F5344CB8AC3E}">
+        <p14:creationId xmlns:p14="http://schemas.microsoft.com/office/powerpoint/2010/main" val="602602607"/>
+      </p:ext>
+    </p:extLst>
+  </p:cSld>
+  <p:clrMapOvr>
+    <a:masterClrMapping/>
+  </p:clrMapOvr>
+  <p:timing>
+    <p:tnLst>
+      <p:par>
+        <p:cTn id="1" dur="indefinite" restart="never" nodeType="tmRoot"/>
+      </p:par>
+    </p:tnLst>
+  </p:timing>
+</p:sld>
+</file>
+
+<file path=ppt/slides/slide13.xml><?xml version="1.0" encoding="utf-8"?>
+<p:sld xmlns:a="http://schemas.openxmlformats.org/drawingml/2006/main" xmlns:r="http://schemas.openxmlformats.org/officeDocument/2006/relationships" xmlns:p="http://schemas.openxmlformats.org/presentationml/2006/main">
+  <p:cSld>
+    <p:spTree>
+      <p:nvGrpSpPr>
+        <p:cNvPr id="1" name=""/>
+        <p:cNvGrpSpPr/>
+        <p:nvPr/>
+      </p:nvGrpSpPr>
+      <p:grpSpPr>
+        <a:xfrm>
+          <a:off x="0" y="0"/>
+          <a:ext cx="0" cy="0"/>
+          <a:chOff x="0" y="0"/>
+          <a:chExt cx="0" cy="0"/>
+        </a:xfrm>
+      </p:grpSpPr>
+      <p:sp>
+        <p:nvSpPr>
+          <p:cNvPr id="2" name="Title 1"/>
+          <p:cNvSpPr>
+            <a:spLocks noGrp="1"/>
+          </p:cNvSpPr>
+          <p:nvPr>
+            <p:ph type="title"/>
+          </p:nvPr>
+        </p:nvSpPr>
+        <p:spPr/>
+        <p:txBody>
+          <a:bodyPr/>
+          <a:lstStyle/>
+          <a:p>
+            <a:r>
+              <a:rPr lang="zh-CN" altLang="en-US" dirty="0" smtClean="0"/>
+              <a:t>基本概念和方法</a:t>
+            </a:r>
+            <a:endParaRPr lang="en-US" dirty="0"/>
+          </a:p>
+        </p:txBody>
+      </p:sp>
+      <p:sp>
+        <p:nvSpPr>
           <p:cNvPr id="3" name="Content Placeholder 2"/>
           <p:cNvSpPr>
             <a:spLocks noGrp="1"/>
@@ -5104,10 +5283,279 @@
         </p:nvSpPr>
         <p:spPr/>
         <p:txBody>
-          <a:bodyPr/>
-          <a:lstStyle/>
-          <a:p>
-            <a:endParaRPr lang="en-US"/>
+          <a:bodyPr>
+            <a:normAutofit fontScale="47500" lnSpcReduction="20000"/>
+          </a:bodyPr>
+          <a:lstStyle/>
+          <a:p>
+            <a:r>
+              <a:rPr lang="zh-CN" altLang="en-US" dirty="0" smtClean="0"/>
+              <a:t>随机性由操作系统内核中类似于随机过程的事件来转换：</a:t>
+            </a:r>
+            <a:endParaRPr lang="en-US" altLang="zh-CN" dirty="0" smtClean="0"/>
+          </a:p>
+          <a:p>
+            <a:pPr lvl="1"/>
+            <a:r>
+              <a:rPr lang="zh-CN" altLang="en-US" dirty="0" smtClean="0"/>
+              <a:t>键盘敲击时间间隔</a:t>
+            </a:r>
+            <a:endParaRPr lang="en-US" altLang="zh-CN" dirty="0" smtClean="0"/>
+          </a:p>
+          <a:p>
+            <a:pPr lvl="1"/>
+            <a:r>
+              <a:rPr lang="zh-CN" altLang="en-US" dirty="0" smtClean="0"/>
+              <a:t>中断间隔时间</a:t>
+            </a:r>
+            <a:endParaRPr lang="en-US" altLang="zh-CN" dirty="0" smtClean="0"/>
+          </a:p>
+          <a:p>
+            <a:r>
+              <a:rPr lang="zh-CN" altLang="en-US" dirty="0" smtClean="0"/>
+              <a:t>这些随机性被加入到了</a:t>
+            </a:r>
+            <a:r>
+              <a:rPr lang="en-US" altLang="zh-CN" dirty="0" smtClean="0"/>
+              <a:t>”entropy</a:t>
+            </a:r>
+            <a:r>
+              <a:rPr lang="zh-CN" altLang="en-US" dirty="0" smtClean="0"/>
+              <a:t> </a:t>
+            </a:r>
+            <a:r>
+              <a:rPr lang="en-US" altLang="zh-CN" dirty="0" smtClean="0"/>
+              <a:t>pool”</a:t>
+            </a:r>
+          </a:p>
+          <a:p>
+            <a:endParaRPr lang="en-US" altLang="zh-CN" dirty="0"/>
+          </a:p>
+          <a:p>
+            <a:r>
+              <a:rPr lang="en-US" altLang="zh-CN" dirty="0" smtClean="0"/>
+              <a:t>Linux</a:t>
+            </a:r>
+            <a:r>
+              <a:rPr lang="zh-CN" altLang="en-US" dirty="0" smtClean="0"/>
+              <a:t> 系统接口</a:t>
+            </a:r>
+            <a:endParaRPr lang="en-US" altLang="zh-CN" dirty="0" smtClean="0"/>
+          </a:p>
+          <a:p>
+            <a:pPr lvl="1"/>
+            <a:r>
+              <a:rPr lang="en-US" altLang="zh-CN" dirty="0" smtClean="0"/>
+              <a:t>Output</a:t>
+            </a:r>
+            <a:r>
+              <a:rPr lang="zh-CN" altLang="en-US" dirty="0" smtClean="0"/>
+              <a:t> </a:t>
+            </a:r>
+            <a:r>
+              <a:rPr lang="en-US" altLang="zh-CN" dirty="0" smtClean="0"/>
+              <a:t>interface:</a:t>
+            </a:r>
+          </a:p>
+          <a:p>
+            <a:pPr lvl="2"/>
+            <a:r>
+              <a:rPr lang="en-US" i="1" dirty="0"/>
+              <a:t>void </a:t>
+            </a:r>
+            <a:r>
+              <a:rPr lang="en-US" i="1" dirty="0" err="1"/>
+              <a:t>get_random_bytes</a:t>
+            </a:r>
+            <a:r>
+              <a:rPr lang="en-US" i="1" dirty="0"/>
+              <a:t>(void *</a:t>
+            </a:r>
+            <a:r>
+              <a:rPr lang="en-US" i="1" dirty="0" err="1"/>
+              <a:t>buf</a:t>
+            </a:r>
+            <a:r>
+              <a:rPr lang="en-US" i="1" dirty="0"/>
+              <a:t>, </a:t>
+            </a:r>
+            <a:r>
+              <a:rPr lang="en-US" i="1" dirty="0" err="1"/>
+              <a:t>int</a:t>
+            </a:r>
+            <a:r>
+              <a:rPr lang="en-US" i="1" dirty="0"/>
+              <a:t> </a:t>
+            </a:r>
+            <a:r>
+              <a:rPr lang="en-US" i="1" dirty="0" err="1"/>
+              <a:t>nbytes</a:t>
+            </a:r>
+            <a:r>
+              <a:rPr lang="en-US" i="1" dirty="0" smtClean="0"/>
+              <a:t>);</a:t>
+            </a:r>
+            <a:r>
+              <a:rPr lang="zh-CN" altLang="en-US" i="1" dirty="0" smtClean="0"/>
+              <a:t> </a:t>
+            </a:r>
+            <a:endParaRPr lang="en-US" altLang="zh-CN" dirty="0" smtClean="0"/>
+          </a:p>
+          <a:p>
+            <a:pPr lvl="2"/>
+            <a:r>
+              <a:rPr lang="en-US" altLang="zh-CN" dirty="0" smtClean="0"/>
+              <a:t>/dev/random</a:t>
+            </a:r>
+            <a:r>
+              <a:rPr lang="zh-CN" altLang="en-US" dirty="0" smtClean="0"/>
+              <a:t>，用于产生高质量的随机数，但是当随机数使用完时，读取文件会产生阻塞效果</a:t>
+            </a:r>
+            <a:endParaRPr lang="en-US" altLang="zh-CN" dirty="0" smtClean="0"/>
+          </a:p>
+          <a:p>
+            <a:pPr lvl="2"/>
+            <a:r>
+              <a:rPr lang="en-US" altLang="zh-CN" dirty="0" smtClean="0"/>
+              <a:t>/dev/</a:t>
+            </a:r>
+            <a:r>
+              <a:rPr lang="en-US" altLang="zh-CN" dirty="0" err="1" smtClean="0"/>
+              <a:t>urandom</a:t>
+            </a:r>
+            <a:r>
+              <a:rPr lang="zh-CN" altLang="en-US" dirty="0" smtClean="0"/>
+              <a:t> 并不会产生阻塞效果，但随机质量要差很多。</a:t>
+            </a:r>
+            <a:endParaRPr lang="en-US" altLang="zh-CN" dirty="0"/>
+          </a:p>
+          <a:p>
+            <a:pPr lvl="1"/>
+            <a:r>
+              <a:rPr lang="zh-CN" altLang="en-US" dirty="0" smtClean="0"/>
+              <a:t>用法：</a:t>
+            </a:r>
+            <a:endParaRPr lang="en-US" altLang="zh-CN" dirty="0" smtClean="0"/>
+          </a:p>
+          <a:p>
+            <a:pPr lvl="2"/>
+            <a:r>
+              <a:rPr lang="zh-CN" altLang="en-US" dirty="0" smtClean="0"/>
+              <a:t>作为“加密伪随机数序列生成器”</a:t>
+            </a:r>
+            <a:r>
+              <a:rPr lang="en-US" altLang="zh-CN" dirty="0" smtClean="0"/>
+              <a:t>(CPRNG)</a:t>
+            </a:r>
+          </a:p>
+          <a:p>
+            <a:pPr lvl="2"/>
+            <a:r>
+              <a:rPr lang="zh-CN" altLang="en-US" dirty="0" smtClean="0"/>
+              <a:t>伪随机数序列通过递推公式产生近似均匀的均匀分布</a:t>
+            </a:r>
+            <a:endParaRPr lang="en-US" altLang="zh-CN" dirty="0" smtClean="0"/>
+          </a:p>
+          <a:p>
+            <a:r>
+              <a:rPr lang="en-US" altLang="zh-CN" dirty="0" err="1" smtClean="0"/>
+              <a:t>MacOS</a:t>
+            </a:r>
+            <a:r>
+              <a:rPr lang="zh-CN" altLang="en-US" dirty="0" smtClean="0"/>
+              <a:t> </a:t>
+            </a:r>
+            <a:r>
+              <a:rPr lang="en-US" altLang="zh-CN" dirty="0" smtClean="0"/>
+              <a:t>X</a:t>
+            </a:r>
+            <a:r>
+              <a:rPr lang="zh-CN" altLang="en-US" dirty="0" smtClean="0"/>
+              <a:t> 定义了兼容的接口但使用了不同的算法</a:t>
+            </a:r>
+            <a:endParaRPr lang="en-US" altLang="zh-CN" dirty="0" smtClean="0"/>
+          </a:p>
+          <a:p>
+            <a:pPr lvl="1"/>
+            <a:r>
+              <a:rPr lang="en-US" altLang="zh-CN" dirty="0" err="1" smtClean="0"/>
+              <a:t>MacOSX</a:t>
+            </a:r>
+            <a:r>
+              <a:rPr lang="zh-CN" altLang="en-US" dirty="0" smtClean="0"/>
+              <a:t> 推测使用了和</a:t>
+            </a:r>
+            <a:r>
+              <a:rPr lang="en-US" altLang="zh-CN" dirty="0" smtClean="0"/>
+              <a:t>FreeBSD</a:t>
+            </a:r>
+            <a:r>
+              <a:rPr lang="zh-CN" altLang="en-US" dirty="0" smtClean="0"/>
+              <a:t>相同的算法</a:t>
+            </a:r>
+            <a:endParaRPr lang="en-US" altLang="zh-CN" dirty="0" smtClean="0"/>
+          </a:p>
+          <a:p>
+            <a:pPr lvl="1"/>
+            <a:r>
+              <a:rPr lang="en-US" altLang="zh-CN" dirty="0" smtClean="0"/>
+              <a:t>/dev/random</a:t>
+            </a:r>
+            <a:r>
+              <a:rPr lang="zh-CN" altLang="en-US" dirty="0" smtClean="0"/>
+              <a:t> 没有阻塞效果</a:t>
+            </a:r>
+            <a:endParaRPr lang="en-US" altLang="zh-CN" dirty="0" smtClean="0"/>
+          </a:p>
+          <a:p>
+            <a:endParaRPr lang="en-US" dirty="0"/>
+          </a:p>
+          <a:p>
+            <a:r>
+              <a:rPr lang="zh-CN" altLang="en-US" dirty="0" smtClean="0"/>
+              <a:t>补充资料阅读：</a:t>
+            </a:r>
+            <a:r>
+              <a:rPr lang="en-US" dirty="0" smtClean="0"/>
+              <a:t>#include </a:t>
+            </a:r>
+            <a:r>
+              <a:rPr lang="en-US" dirty="0"/>
+              <a:t>&lt;</a:t>
+            </a:r>
+            <a:r>
+              <a:rPr lang="en-US" dirty="0">
+                <a:hlinkClick r:id="rId3" action="ppaction://hlinkfile"/>
+              </a:rPr>
+              <a:t>linux/random.h</a:t>
+            </a:r>
+            <a:r>
+              <a:rPr lang="en-US" dirty="0" smtClean="0"/>
+              <a:t>&gt;</a:t>
+            </a:r>
+            <a:r>
+              <a:rPr lang="zh-CN" altLang="en-US" dirty="0" smtClean="0"/>
+              <a:t> 或手册 </a:t>
+            </a:r>
+            <a:r>
+              <a:rPr lang="en-US" altLang="zh-CN" dirty="0" err="1" smtClean="0"/>
+              <a:t>linux</a:t>
+            </a:r>
+            <a:r>
+              <a:rPr lang="zh-CN" altLang="en-US" dirty="0" smtClean="0"/>
+              <a:t> </a:t>
+            </a:r>
+            <a:r>
+              <a:rPr lang="en-US" altLang="zh-CN" dirty="0" smtClean="0"/>
+              <a:t>man</a:t>
+            </a:r>
+            <a:endParaRPr lang="en-US" dirty="0" smtClean="0"/>
+          </a:p>
+          <a:p>
+            <a:endParaRPr lang="en-US" dirty="0"/>
+          </a:p>
+          <a:p>
+            <a:endParaRPr lang="en-US" dirty="0"/>
           </a:p>
         </p:txBody>
       </p:sp>
@@ -5123,10 +5571,19 @@
         </p:nvSpPr>
         <p:spPr/>
         <p:txBody>
-          <a:bodyPr/>
-          <a:lstStyle/>
-          <a:p>
-            <a:endParaRPr lang="en-US"/>
+          <a:bodyPr>
+            <a:normAutofit/>
+          </a:bodyPr>
+          <a:lstStyle/>
+          <a:p>
+            <a:endParaRPr lang="en-US" altLang="zh-CN" sz="2000" dirty="0" smtClean="0"/>
+          </a:p>
+          <a:p>
+            <a:r>
+              <a:rPr lang="zh-CN" altLang="en-US" sz="2000" dirty="0" smtClean="0"/>
+              <a:t>物理真随机变量</a:t>
+            </a:r>
+            <a:endParaRPr lang="en-US" sz="2000" dirty="0"/>
           </a:p>
         </p:txBody>
       </p:sp>
@@ -5147,7 +5604,7 @@
           <a:p>
             <a:fld id="{0DE4D621-9597-A54E-9D45-88BD6D319C77}" type="datetime1">
               <a:rPr lang="en-SG" smtClean="0"/>
-              <a:t>18/3/17</a:t>
+              <a:t>19/3/17</a:t>
             </a:fld>
             <a:endParaRPr lang="en-US"/>
           </a:p>
@@ -5176,6 +5633,200 @@
           </a:p>
         </p:txBody>
       </p:sp>
+    </p:spTree>
+    <p:extLst>
+      <p:ext uri="{BB962C8B-B14F-4D97-AF65-F5344CB8AC3E}">
+        <p14:creationId xmlns:p14="http://schemas.microsoft.com/office/powerpoint/2010/main" val="435677948"/>
+      </p:ext>
+    </p:extLst>
+  </p:cSld>
+  <p:clrMapOvr>
+    <a:masterClrMapping/>
+  </p:clrMapOvr>
+  <p:timing>
+    <p:tnLst>
+      <p:par>
+        <p:cTn id="1" dur="indefinite" restart="never" nodeType="tmRoot"/>
+      </p:par>
+    </p:tnLst>
+  </p:timing>
+</p:sld>
+</file>
+
+<file path=ppt/slides/slide14.xml><?xml version="1.0" encoding="utf-8"?>
+<p:sld xmlns:a="http://schemas.openxmlformats.org/drawingml/2006/main" xmlns:r="http://schemas.openxmlformats.org/officeDocument/2006/relationships" xmlns:p="http://schemas.openxmlformats.org/presentationml/2006/main">
+  <p:cSld>
+    <p:spTree>
+      <p:nvGrpSpPr>
+        <p:cNvPr id="1" name=""/>
+        <p:cNvGrpSpPr/>
+        <p:nvPr/>
+      </p:nvGrpSpPr>
+      <p:grpSpPr>
+        <a:xfrm>
+          <a:off x="0" y="0"/>
+          <a:ext cx="0" cy="0"/>
+          <a:chOff x="0" y="0"/>
+          <a:chExt cx="0" cy="0"/>
+        </a:xfrm>
+      </p:grpSpPr>
+      <p:sp>
+        <p:nvSpPr>
+          <p:cNvPr id="2" name="Title 1"/>
+          <p:cNvSpPr>
+            <a:spLocks noGrp="1"/>
+          </p:cNvSpPr>
+          <p:nvPr>
+            <p:ph type="title"/>
+          </p:nvPr>
+        </p:nvSpPr>
+        <p:spPr/>
+        <p:txBody>
+          <a:bodyPr/>
+          <a:lstStyle/>
+          <a:p>
+            <a:r>
+              <a:rPr lang="zh-CN" altLang="en-US" dirty="0"/>
+              <a:t>基本概念和方法</a:t>
+            </a:r>
+            <a:endParaRPr lang="en-US" dirty="0"/>
+          </a:p>
+        </p:txBody>
+      </p:sp>
+      <p:sp>
+        <p:nvSpPr>
+          <p:cNvPr id="3" name="Content Placeholder 2"/>
+          <p:cNvSpPr>
+            <a:spLocks noGrp="1"/>
+          </p:cNvSpPr>
+          <p:nvPr>
+            <p:ph idx="1"/>
+          </p:nvPr>
+        </p:nvSpPr>
+        <p:spPr/>
+        <p:txBody>
+          <a:bodyPr/>
+          <a:lstStyle/>
+          <a:p>
+            <a:r>
+              <a:rPr lang="en-US" dirty="0" err="1" smtClean="0"/>
+              <a:t>Caffe</a:t>
+            </a:r>
+            <a:r>
+              <a:rPr lang="en-US" dirty="0" smtClean="0"/>
+              <a:t> Code:</a:t>
+            </a:r>
+          </a:p>
+          <a:p>
+            <a:endParaRPr lang="en-US" dirty="0"/>
+          </a:p>
+          <a:p>
+            <a:endParaRPr lang="en-US" dirty="0"/>
+          </a:p>
+        </p:txBody>
+      </p:sp>
+      <p:sp>
+        <p:nvSpPr>
+          <p:cNvPr id="4" name="Text Placeholder 3"/>
+          <p:cNvSpPr>
+            <a:spLocks noGrp="1"/>
+          </p:cNvSpPr>
+          <p:nvPr>
+            <p:ph type="body" sz="half" idx="2"/>
+          </p:nvPr>
+        </p:nvSpPr>
+        <p:spPr/>
+        <p:txBody>
+          <a:bodyPr/>
+          <a:lstStyle/>
+          <a:p>
+            <a:r>
+              <a:rPr lang="zh-CN" altLang="en-US" dirty="0"/>
+              <a:t>物理真随机变量</a:t>
+            </a:r>
+            <a:endParaRPr lang="en-US" dirty="0"/>
+          </a:p>
+          <a:p>
+            <a:endParaRPr lang="en-US" dirty="0"/>
+          </a:p>
+        </p:txBody>
+      </p:sp>
+      <p:sp>
+        <p:nvSpPr>
+          <p:cNvPr id="5" name="Date Placeholder 4"/>
+          <p:cNvSpPr>
+            <a:spLocks noGrp="1"/>
+          </p:cNvSpPr>
+          <p:nvPr>
+            <p:ph type="dt" sz="half" idx="10"/>
+          </p:nvPr>
+        </p:nvSpPr>
+        <p:spPr/>
+        <p:txBody>
+          <a:bodyPr/>
+          <a:lstStyle/>
+          <a:p>
+            <a:fld id="{0DE4D621-9597-A54E-9D45-88BD6D319C77}" type="datetime1">
+              <a:rPr lang="en-SG" smtClean="0"/>
+              <a:t>19/3/17</a:t>
+            </a:fld>
+            <a:endParaRPr lang="en-US"/>
+          </a:p>
+        </p:txBody>
+      </p:sp>
+      <p:sp>
+        <p:nvSpPr>
+          <p:cNvPr id="6" name="Footer Placeholder 5"/>
+          <p:cNvSpPr>
+            <a:spLocks noGrp="1"/>
+          </p:cNvSpPr>
+          <p:nvPr>
+            <p:ph type="ftr" sz="quarter" idx="11"/>
+          </p:nvPr>
+        </p:nvSpPr>
+        <p:spPr/>
+        <p:txBody>
+          <a:bodyPr/>
+          <a:lstStyle/>
+          <a:p>
+            <a:r>
+              <a:rPr lang="en-US" smtClean="0"/>
+              <a:t>王翼 yiak.wy@gmail.com </a:t>
+            </a:r>
+            <a:endParaRPr lang="en-US"/>
+          </a:p>
+        </p:txBody>
+      </p:sp>
+      <p:pic>
+        <p:nvPicPr>
+          <p:cNvPr id="8" name="Picture 7"/>
+          <p:cNvPicPr>
+            <a:picLocks noChangeAspect="1"/>
+          </p:cNvPicPr>
+          <p:nvPr/>
+        </p:nvPicPr>
+        <p:blipFill>
+          <a:blip r:embed="rId2">
+            <a:extLst>
+              <a:ext uri="{28A0092B-C50C-407E-A947-70E740481C1C}">
+                <a14:useLocalDpi xmlns:a14="http://schemas.microsoft.com/office/drawing/2010/main" val="0"/>
+              </a:ext>
+            </a:extLst>
+          </a:blip>
+          <a:stretch>
+            <a:fillRect/>
+          </a:stretch>
+        </p:blipFill>
+        <p:spPr>
+          <a:xfrm>
+            <a:off x="4776788" y="1544638"/>
+            <a:ext cx="6578600" cy="3670300"/>
+          </a:xfrm>
+          <a:prstGeom prst="rect">
+            <a:avLst/>
+          </a:prstGeom>
+        </p:spPr>
+      </p:pic>
     </p:spTree>
     <p:extLst>
       <p:ext uri="{BB962C8B-B14F-4D97-AF65-F5344CB8AC3E}">
@@ -5196,6 +5847,1864 @@
 </p:sld>
 </file>
 
+<file path=ppt/slides/slide15.xml><?xml version="1.0" encoding="utf-8"?>
+<p:sld xmlns:a="http://schemas.openxmlformats.org/drawingml/2006/main" xmlns:r="http://schemas.openxmlformats.org/officeDocument/2006/relationships" xmlns:p="http://schemas.openxmlformats.org/presentationml/2006/main">
+  <p:cSld>
+    <p:spTree>
+      <p:nvGrpSpPr>
+        <p:cNvPr id="1" name=""/>
+        <p:cNvGrpSpPr/>
+        <p:nvPr/>
+      </p:nvGrpSpPr>
+      <p:grpSpPr>
+        <a:xfrm>
+          <a:off x="0" y="0"/>
+          <a:ext cx="0" cy="0"/>
+          <a:chOff x="0" y="0"/>
+          <a:chExt cx="0" cy="0"/>
+        </a:xfrm>
+      </p:grpSpPr>
+      <p:sp>
+        <p:nvSpPr>
+          <p:cNvPr id="2" name="Title 1"/>
+          <p:cNvSpPr>
+            <a:spLocks noGrp="1"/>
+          </p:cNvSpPr>
+          <p:nvPr>
+            <p:ph type="title"/>
+          </p:nvPr>
+        </p:nvSpPr>
+        <p:spPr/>
+        <p:txBody>
+          <a:bodyPr/>
+          <a:lstStyle/>
+          <a:p>
+            <a:r>
+              <a:rPr lang="zh-CN" altLang="en-US" dirty="0"/>
+              <a:t>基本概念和方法</a:t>
+            </a:r>
+            <a:endParaRPr lang="en-US" dirty="0"/>
+          </a:p>
+        </p:txBody>
+      </p:sp>
+      <p:sp>
+        <p:nvSpPr>
+          <p:cNvPr id="3" name="Content Placeholder 2"/>
+          <p:cNvSpPr>
+            <a:spLocks noGrp="1"/>
+          </p:cNvSpPr>
+          <p:nvPr>
+            <p:ph idx="1"/>
+          </p:nvPr>
+        </p:nvSpPr>
+        <p:spPr/>
+        <p:txBody>
+          <a:bodyPr>
+            <a:normAutofit fontScale="92500"/>
+          </a:bodyPr>
+          <a:lstStyle/>
+          <a:p>
+            <a:endParaRPr lang="en-US" dirty="0"/>
+          </a:p>
+          <a:p>
+            <a:r>
+              <a:rPr lang="en-US" altLang="zh-CN" dirty="0" smtClean="0"/>
+              <a:t>“</a:t>
+            </a:r>
+            <a:r>
+              <a:rPr lang="en-US" altLang="zh-CN" dirty="0" err="1" smtClean="0"/>
+              <a:t>rsand</a:t>
+            </a:r>
+            <a:r>
+              <a:rPr lang="en-US" altLang="zh-CN" dirty="0" smtClean="0"/>
+              <a:t>”,</a:t>
+            </a:r>
+            <a:r>
+              <a:rPr lang="zh-CN" altLang="en-US" dirty="0" smtClean="0"/>
+              <a:t> </a:t>
+            </a:r>
+            <a:r>
+              <a:rPr lang="en-US" altLang="zh-CN" dirty="0" smtClean="0"/>
+              <a:t>“rand”,</a:t>
+            </a:r>
+            <a:r>
+              <a:rPr lang="zh-CN" altLang="en-US" dirty="0" smtClean="0"/>
+              <a:t> </a:t>
+            </a:r>
+            <a:r>
+              <a:rPr lang="en-US" altLang="zh-CN" dirty="0" smtClean="0"/>
+              <a:t>“</a:t>
+            </a:r>
+            <a:r>
+              <a:rPr lang="en-US" altLang="zh-CN" dirty="0" err="1" smtClean="0"/>
+              <a:t>time.h</a:t>
+            </a:r>
+            <a:r>
+              <a:rPr lang="en-US" altLang="zh-CN" dirty="0" smtClean="0"/>
+              <a:t>”</a:t>
+            </a:r>
+          </a:p>
+          <a:p>
+            <a:r>
+              <a:rPr lang="zh-CN" altLang="en-US" dirty="0" smtClean="0"/>
+              <a:t>这三个概念是通常传统方法使用的。先声明伪随机数种子，有三种方式：</a:t>
+            </a:r>
+            <a:endParaRPr lang="en-US" altLang="zh-CN" dirty="0" smtClean="0"/>
+          </a:p>
+          <a:p>
+            <a:pPr lvl="1"/>
+            <a:r>
+              <a:rPr lang="zh-CN" altLang="en-US" dirty="0" smtClean="0"/>
+              <a:t>使用时间</a:t>
+            </a:r>
+            <a:endParaRPr lang="en-US" altLang="zh-CN" dirty="0" smtClean="0"/>
+          </a:p>
+          <a:p>
+            <a:pPr lvl="2"/>
+            <a:r>
+              <a:rPr lang="zh-CN" altLang="en-US" dirty="0" smtClean="0"/>
+              <a:t>缺点对于</a:t>
+            </a:r>
+            <a:r>
+              <a:rPr lang="en-US" altLang="zh-CN" dirty="0" smtClean="0"/>
+              <a:t>for</a:t>
+            </a:r>
+            <a:r>
+              <a:rPr lang="zh-CN" altLang="en-US" dirty="0" smtClean="0"/>
+              <a:t>语句，等大量快死重复试验，，并不凑效，原因是“系统时钟非常快”</a:t>
+            </a:r>
+            <a:endParaRPr lang="en-US" altLang="zh-CN" dirty="0" smtClean="0"/>
+          </a:p>
+          <a:p>
+            <a:pPr lvl="1"/>
+            <a:r>
+              <a:rPr lang="zh-CN" altLang="en-US" dirty="0" smtClean="0"/>
+              <a:t>如前所述，使用文件系统读取</a:t>
+            </a:r>
+            <a:r>
+              <a:rPr lang="en-US" altLang="zh-CN" dirty="0" err="1" smtClean="0"/>
+              <a:t>random.h</a:t>
+            </a:r>
+            <a:r>
+              <a:rPr lang="zh-CN" altLang="en-US" dirty="0" smtClean="0"/>
+              <a:t>的接口文件</a:t>
+            </a:r>
+            <a:r>
+              <a:rPr lang="en-US" altLang="zh-CN" dirty="0" smtClean="0"/>
+              <a:t>”/dev/</a:t>
+            </a:r>
+            <a:r>
+              <a:rPr lang="en-US" altLang="zh-CN" dirty="0" err="1" smtClean="0"/>
+              <a:t>urandom</a:t>
+            </a:r>
+            <a:r>
+              <a:rPr lang="en-US" altLang="zh-CN" dirty="0" smtClean="0"/>
+              <a:t>”,</a:t>
+            </a:r>
+            <a:r>
+              <a:rPr lang="zh-CN" altLang="en-US" dirty="0" smtClean="0"/>
+              <a:t> </a:t>
+            </a:r>
+            <a:r>
+              <a:rPr lang="en-US" altLang="zh-CN" dirty="0" smtClean="0"/>
+              <a:t>“/dev/random”</a:t>
+            </a:r>
+            <a:r>
+              <a:rPr lang="zh-CN" altLang="en-US" dirty="0" smtClean="0"/>
+              <a:t>，通常还需要额外的数学变换</a:t>
+            </a:r>
+            <a:endParaRPr lang="en-US" altLang="zh-CN" dirty="0" smtClean="0"/>
+          </a:p>
+        </p:txBody>
+      </p:sp>
+      <p:sp>
+        <p:nvSpPr>
+          <p:cNvPr id="4" name="Text Placeholder 3"/>
+          <p:cNvSpPr>
+            <a:spLocks noGrp="1"/>
+          </p:cNvSpPr>
+          <p:nvPr>
+            <p:ph type="body" sz="half" idx="2"/>
+          </p:nvPr>
+        </p:nvSpPr>
+        <p:spPr/>
+        <p:txBody>
+          <a:bodyPr/>
+          <a:lstStyle/>
+          <a:p>
+            <a:r>
+              <a:rPr lang="zh-CN" altLang="en-US" dirty="0"/>
+              <a:t>物理真随机</a:t>
+            </a:r>
+            <a:r>
+              <a:rPr lang="zh-CN" altLang="en-US" dirty="0" smtClean="0"/>
+              <a:t>变量</a:t>
+            </a:r>
+            <a:endParaRPr lang="en-US" altLang="zh-CN" dirty="0" smtClean="0"/>
+          </a:p>
+          <a:p>
+            <a:r>
+              <a:rPr lang="en-US" dirty="0"/>
+              <a:t>	</a:t>
+            </a:r>
+            <a:r>
+              <a:rPr lang="zh-CN" altLang="en-US" dirty="0" smtClean="0"/>
+              <a:t>传统随机数声明方法</a:t>
+            </a:r>
+            <a:r>
+              <a:rPr lang="en-US" altLang="zh-CN" dirty="0" smtClean="0"/>
+              <a:t>C++99</a:t>
+            </a:r>
+          </a:p>
+          <a:p>
+            <a:r>
+              <a:rPr lang="en-US" dirty="0"/>
+              <a:t>	</a:t>
+            </a:r>
+            <a:r>
+              <a:rPr lang="en-US" altLang="zh-CN" dirty="0" smtClean="0">
+                <a:solidFill>
+                  <a:schemeClr val="bg1">
+                    <a:lumMod val="75000"/>
+                  </a:schemeClr>
+                </a:solidFill>
+              </a:rPr>
+              <a:t>C++11</a:t>
+            </a:r>
+            <a:r>
+              <a:rPr lang="zh-CN" altLang="en-US" dirty="0" smtClean="0">
+                <a:solidFill>
+                  <a:schemeClr val="bg1">
+                    <a:lumMod val="75000"/>
+                  </a:schemeClr>
+                </a:solidFill>
+              </a:rPr>
+              <a:t>以后随机数使用方法</a:t>
+            </a:r>
+            <a:endParaRPr lang="en-US" dirty="0">
+              <a:solidFill>
+                <a:schemeClr val="bg1">
+                  <a:lumMod val="75000"/>
+                </a:schemeClr>
+              </a:solidFill>
+            </a:endParaRPr>
+          </a:p>
+          <a:p>
+            <a:endParaRPr lang="en-US" dirty="0"/>
+          </a:p>
+        </p:txBody>
+      </p:sp>
+      <p:sp>
+        <p:nvSpPr>
+          <p:cNvPr id="5" name="Date Placeholder 4"/>
+          <p:cNvSpPr>
+            <a:spLocks noGrp="1"/>
+          </p:cNvSpPr>
+          <p:nvPr>
+            <p:ph type="dt" sz="half" idx="10"/>
+          </p:nvPr>
+        </p:nvSpPr>
+        <p:spPr/>
+        <p:txBody>
+          <a:bodyPr/>
+          <a:lstStyle/>
+          <a:p>
+            <a:fld id="{0DE4D621-9597-A54E-9D45-88BD6D319C77}" type="datetime1">
+              <a:rPr lang="en-SG" smtClean="0"/>
+              <a:t>19/3/17</a:t>
+            </a:fld>
+            <a:endParaRPr lang="en-US"/>
+          </a:p>
+        </p:txBody>
+      </p:sp>
+      <p:sp>
+        <p:nvSpPr>
+          <p:cNvPr id="6" name="Footer Placeholder 5"/>
+          <p:cNvSpPr>
+            <a:spLocks noGrp="1"/>
+          </p:cNvSpPr>
+          <p:nvPr>
+            <p:ph type="ftr" sz="quarter" idx="11"/>
+          </p:nvPr>
+        </p:nvSpPr>
+        <p:spPr/>
+        <p:txBody>
+          <a:bodyPr/>
+          <a:lstStyle/>
+          <a:p>
+            <a:r>
+              <a:rPr lang="en-US" smtClean="0"/>
+              <a:t>王翼 yiak.wy@gmail.com </a:t>
+            </a:r>
+            <a:endParaRPr lang="en-US"/>
+          </a:p>
+        </p:txBody>
+      </p:sp>
+      <p:sp>
+        <p:nvSpPr>
+          <p:cNvPr id="9" name="TextBox 8"/>
+          <p:cNvSpPr txBox="1"/>
+          <p:nvPr/>
+        </p:nvSpPr>
+        <p:spPr>
+          <a:xfrm>
+            <a:off x="2374900" y="2235200"/>
+            <a:ext cx="184731" cy="369332"/>
+          </a:xfrm>
+          <a:prstGeom prst="rect">
+            <a:avLst/>
+          </a:prstGeom>
+          <a:noFill/>
+        </p:spPr>
+        <p:txBody>
+          <a:bodyPr wrap="none" rtlCol="0">
+            <a:spAutoFit/>
+          </a:bodyPr>
+          <a:lstStyle/>
+          <a:p>
+            <a:endParaRPr lang="en-US" dirty="0"/>
+          </a:p>
+        </p:txBody>
+      </p:sp>
+    </p:spTree>
+    <p:extLst>
+      <p:ext uri="{BB962C8B-B14F-4D97-AF65-F5344CB8AC3E}">
+        <p14:creationId xmlns:p14="http://schemas.microsoft.com/office/powerpoint/2010/main" val="528155066"/>
+      </p:ext>
+    </p:extLst>
+  </p:cSld>
+  <p:clrMapOvr>
+    <a:masterClrMapping/>
+  </p:clrMapOvr>
+  <p:timing>
+    <p:tnLst>
+      <p:par>
+        <p:cTn id="1" dur="indefinite" restart="never" nodeType="tmRoot"/>
+      </p:par>
+    </p:tnLst>
+  </p:timing>
+</p:sld>
+</file>
+
+<file path=ppt/slides/slide16.xml><?xml version="1.0" encoding="utf-8"?>
+<p:sld xmlns:a="http://schemas.openxmlformats.org/drawingml/2006/main" xmlns:r="http://schemas.openxmlformats.org/officeDocument/2006/relationships" xmlns:p="http://schemas.openxmlformats.org/presentationml/2006/main">
+  <p:cSld>
+    <p:spTree>
+      <p:nvGrpSpPr>
+        <p:cNvPr id="1" name=""/>
+        <p:cNvGrpSpPr/>
+        <p:nvPr/>
+      </p:nvGrpSpPr>
+      <p:grpSpPr>
+        <a:xfrm>
+          <a:off x="0" y="0"/>
+          <a:ext cx="0" cy="0"/>
+          <a:chOff x="0" y="0"/>
+          <a:chExt cx="0" cy="0"/>
+        </a:xfrm>
+      </p:grpSpPr>
+      <p:sp>
+        <p:nvSpPr>
+          <p:cNvPr id="2" name="Title 1"/>
+          <p:cNvSpPr>
+            <a:spLocks noGrp="1"/>
+          </p:cNvSpPr>
+          <p:nvPr>
+            <p:ph type="title"/>
+          </p:nvPr>
+        </p:nvSpPr>
+        <p:spPr/>
+        <p:txBody>
+          <a:bodyPr/>
+          <a:lstStyle/>
+          <a:p>
+            <a:r>
+              <a:rPr lang="zh-CN" altLang="en-US" dirty="0"/>
+              <a:t>基本概念和方法</a:t>
+            </a:r>
+            <a:endParaRPr lang="en-US" dirty="0"/>
+          </a:p>
+        </p:txBody>
+      </p:sp>
+      <p:sp>
+        <p:nvSpPr>
+          <p:cNvPr id="3" name="Content Placeholder 2"/>
+          <p:cNvSpPr>
+            <a:spLocks noGrp="1"/>
+          </p:cNvSpPr>
+          <p:nvPr>
+            <p:ph idx="1"/>
+          </p:nvPr>
+        </p:nvSpPr>
+        <p:spPr/>
+        <p:txBody>
+          <a:bodyPr>
+            <a:normAutofit fontScale="92500" lnSpcReduction="20000"/>
+          </a:bodyPr>
+          <a:lstStyle/>
+          <a:p>
+            <a:endParaRPr lang="en-US" dirty="0"/>
+          </a:p>
+          <a:p>
+            <a:r>
+              <a:rPr lang="en-US" altLang="zh-CN" dirty="0" smtClean="0"/>
+              <a:t>Boost</a:t>
+            </a:r>
+            <a:r>
+              <a:rPr lang="zh-CN" altLang="en-US" dirty="0" smtClean="0"/>
+              <a:t>是</a:t>
+            </a:r>
+            <a:r>
+              <a:rPr lang="en-US" altLang="zh-CN" dirty="0" smtClean="0"/>
+              <a:t>C++</a:t>
+            </a:r>
+            <a:r>
+              <a:rPr lang="zh-CN" altLang="en-US" dirty="0" smtClean="0"/>
+              <a:t>的一个性能十分优良的库，许多先进的概念都是从里面先出来。</a:t>
+            </a:r>
+            <a:endParaRPr lang="en-US" altLang="zh-CN" dirty="0" smtClean="0"/>
+          </a:p>
+          <a:p>
+            <a:r>
+              <a:rPr lang="en-US" altLang="zh-CN" dirty="0" smtClean="0"/>
+              <a:t>C++11</a:t>
+            </a:r>
+            <a:r>
+              <a:rPr lang="zh-CN" altLang="en-US" dirty="0" smtClean="0"/>
+              <a:t>以后采用了，更加方便和明确的封装，帮助用户，正确使用随机数。为此</a:t>
+            </a:r>
+            <a:r>
+              <a:rPr lang="en-US" altLang="zh-CN" dirty="0" err="1" smtClean="0"/>
+              <a:t>c++</a:t>
+            </a:r>
+            <a:r>
+              <a:rPr lang="en-US" altLang="zh-CN" dirty="0" smtClean="0"/>
+              <a:t>11</a:t>
+            </a:r>
+            <a:r>
+              <a:rPr lang="zh-CN" altLang="en-US" dirty="0" smtClean="0"/>
+              <a:t>提出了一下概念：</a:t>
+            </a:r>
+            <a:endParaRPr lang="en-US" altLang="zh-CN" dirty="0" smtClean="0"/>
+          </a:p>
+          <a:p>
+            <a:pPr lvl="1"/>
+            <a:r>
+              <a:rPr lang="zh-CN" altLang="en-US" dirty="0" smtClean="0"/>
+              <a:t>标准随机设备 </a:t>
+            </a:r>
+            <a:r>
+              <a:rPr lang="en-US" altLang="zh-CN" dirty="0" err="1" smtClean="0"/>
+              <a:t>std</a:t>
+            </a:r>
+            <a:r>
+              <a:rPr lang="en-US" altLang="zh-CN" dirty="0" smtClean="0"/>
+              <a:t>::</a:t>
+            </a:r>
+            <a:r>
+              <a:rPr lang="en-US" altLang="zh-CN" dirty="0" err="1" smtClean="0"/>
+              <a:t>random_device</a:t>
+            </a:r>
+            <a:r>
+              <a:rPr lang="zh-CN" altLang="en-US" dirty="0" smtClean="0"/>
+              <a:t>，该类实际上封装了对</a:t>
+            </a:r>
+            <a:r>
+              <a:rPr lang="en-US" altLang="zh-CN" dirty="0" smtClean="0"/>
+              <a:t>”/dev/</a:t>
+            </a:r>
+            <a:r>
+              <a:rPr lang="en-US" altLang="zh-CN" dirty="0" err="1" smtClean="0"/>
+              <a:t>urandom</a:t>
+            </a:r>
+            <a:r>
+              <a:rPr lang="en-US" altLang="zh-CN" dirty="0" smtClean="0"/>
+              <a:t>”</a:t>
+            </a:r>
+            <a:r>
+              <a:rPr lang="zh-CN" altLang="en-US" dirty="0" smtClean="0"/>
+              <a:t>操作</a:t>
+            </a:r>
+            <a:endParaRPr lang="en-US" altLang="zh-CN" dirty="0" smtClean="0"/>
+          </a:p>
+          <a:p>
+            <a:pPr lvl="1"/>
+            <a:r>
+              <a:rPr lang="zh-CN" altLang="en-US" dirty="0" smtClean="0"/>
+              <a:t>分布</a:t>
+            </a:r>
+            <a:r>
+              <a:rPr lang="en-US" altLang="zh-CN" dirty="0" smtClean="0"/>
+              <a:t>distribution</a:t>
+            </a:r>
+            <a:r>
+              <a:rPr lang="zh-CN" altLang="en-US" dirty="0" smtClean="0"/>
+              <a:t>。</a:t>
+            </a:r>
+            <a:r>
+              <a:rPr lang="en-US" altLang="zh-CN" dirty="0" smtClean="0"/>
+              <a:t>C++11,</a:t>
+            </a:r>
+            <a:r>
+              <a:rPr lang="zh-CN" altLang="en-US" dirty="0" smtClean="0"/>
+              <a:t> </a:t>
+            </a:r>
+            <a:r>
+              <a:rPr lang="en-US" altLang="zh-CN" dirty="0" err="1" smtClean="0"/>
+              <a:t>libc</a:t>
+            </a:r>
+            <a:r>
+              <a:rPr lang="en-US" altLang="zh-CN" dirty="0" smtClean="0"/>
+              <a:t>++</a:t>
+            </a:r>
+            <a:r>
+              <a:rPr lang="zh-CN" altLang="en-US" dirty="0" smtClean="0"/>
+              <a:t>标准库提供了很多基本数值类型的均匀分布。都支持生成器接口。</a:t>
+            </a:r>
+            <a:endParaRPr lang="en-US" altLang="zh-CN" dirty="0" smtClean="0"/>
+          </a:p>
+          <a:p>
+            <a:pPr lvl="2"/>
+            <a:r>
+              <a:rPr lang="en-US" dirty="0"/>
+              <a:t>using </a:t>
+            </a:r>
+            <a:r>
+              <a:rPr lang="en-US" dirty="0" err="1"/>
+              <a:t>std</a:t>
+            </a:r>
+            <a:r>
+              <a:rPr lang="en-US" dirty="0"/>
+              <a:t>::</a:t>
+            </a:r>
+            <a:r>
+              <a:rPr lang="en-US" dirty="0" err="1"/>
+              <a:t>bernoulli_distribution</a:t>
+            </a:r>
+            <a:r>
+              <a:rPr lang="en-US" dirty="0" smtClean="0"/>
+              <a:t>;</a:t>
+            </a:r>
+          </a:p>
+          <a:p>
+            <a:pPr lvl="2"/>
+            <a:endParaRPr lang="en-US" dirty="0"/>
+          </a:p>
+          <a:p>
+            <a:pPr lvl="2"/>
+            <a:endParaRPr lang="en-US" dirty="0"/>
+          </a:p>
+        </p:txBody>
+      </p:sp>
+      <p:sp>
+        <p:nvSpPr>
+          <p:cNvPr id="4" name="Text Placeholder 3"/>
+          <p:cNvSpPr>
+            <a:spLocks noGrp="1"/>
+          </p:cNvSpPr>
+          <p:nvPr>
+            <p:ph type="body" sz="half" idx="2"/>
+          </p:nvPr>
+        </p:nvSpPr>
+        <p:spPr/>
+        <p:txBody>
+          <a:bodyPr/>
+          <a:lstStyle/>
+          <a:p>
+            <a:r>
+              <a:rPr lang="zh-CN" altLang="en-US" dirty="0"/>
+              <a:t>物理真随机</a:t>
+            </a:r>
+            <a:r>
+              <a:rPr lang="zh-CN" altLang="en-US" dirty="0" smtClean="0"/>
+              <a:t>变量</a:t>
+            </a:r>
+            <a:endParaRPr lang="en-US" altLang="zh-CN" dirty="0" smtClean="0"/>
+          </a:p>
+          <a:p>
+            <a:r>
+              <a:rPr lang="en-US" dirty="0"/>
+              <a:t>	</a:t>
+            </a:r>
+            <a:r>
+              <a:rPr lang="zh-CN" altLang="en-US" dirty="0" smtClean="0">
+                <a:solidFill>
+                  <a:schemeClr val="bg1">
+                    <a:lumMod val="75000"/>
+                  </a:schemeClr>
+                </a:solidFill>
+              </a:rPr>
+              <a:t>传统随机数声明方法</a:t>
+            </a:r>
+            <a:r>
+              <a:rPr lang="en-US" altLang="zh-CN" dirty="0" smtClean="0">
+                <a:solidFill>
+                  <a:schemeClr val="bg1">
+                    <a:lumMod val="75000"/>
+                  </a:schemeClr>
+                </a:solidFill>
+              </a:rPr>
+              <a:t>C++99</a:t>
+            </a:r>
+          </a:p>
+          <a:p>
+            <a:r>
+              <a:rPr lang="en-US" dirty="0"/>
+              <a:t>	</a:t>
+            </a:r>
+            <a:r>
+              <a:rPr lang="en-US" altLang="zh-CN" dirty="0" smtClean="0"/>
+              <a:t>C++11</a:t>
+            </a:r>
+            <a:r>
+              <a:rPr lang="zh-CN" altLang="en-US" dirty="0" smtClean="0"/>
+              <a:t>以后随机数使用方法</a:t>
+            </a:r>
+            <a:endParaRPr lang="en-US" dirty="0"/>
+          </a:p>
+          <a:p>
+            <a:endParaRPr lang="en-US" dirty="0"/>
+          </a:p>
+        </p:txBody>
+      </p:sp>
+      <p:sp>
+        <p:nvSpPr>
+          <p:cNvPr id="5" name="Date Placeholder 4"/>
+          <p:cNvSpPr>
+            <a:spLocks noGrp="1"/>
+          </p:cNvSpPr>
+          <p:nvPr>
+            <p:ph type="dt" sz="half" idx="10"/>
+          </p:nvPr>
+        </p:nvSpPr>
+        <p:spPr/>
+        <p:txBody>
+          <a:bodyPr/>
+          <a:lstStyle/>
+          <a:p>
+            <a:fld id="{0DE4D621-9597-A54E-9D45-88BD6D319C77}" type="datetime1">
+              <a:rPr lang="en-SG" smtClean="0"/>
+              <a:t>19/3/17</a:t>
+            </a:fld>
+            <a:endParaRPr lang="en-US"/>
+          </a:p>
+        </p:txBody>
+      </p:sp>
+      <p:sp>
+        <p:nvSpPr>
+          <p:cNvPr id="6" name="Footer Placeholder 5"/>
+          <p:cNvSpPr>
+            <a:spLocks noGrp="1"/>
+          </p:cNvSpPr>
+          <p:nvPr>
+            <p:ph type="ftr" sz="quarter" idx="11"/>
+          </p:nvPr>
+        </p:nvSpPr>
+        <p:spPr/>
+        <p:txBody>
+          <a:bodyPr/>
+          <a:lstStyle/>
+          <a:p>
+            <a:r>
+              <a:rPr lang="en-US" smtClean="0"/>
+              <a:t>王翼 yiak.wy@gmail.com </a:t>
+            </a:r>
+            <a:endParaRPr lang="en-US"/>
+          </a:p>
+        </p:txBody>
+      </p:sp>
+      <p:sp>
+        <p:nvSpPr>
+          <p:cNvPr id="9" name="TextBox 8"/>
+          <p:cNvSpPr txBox="1"/>
+          <p:nvPr/>
+        </p:nvSpPr>
+        <p:spPr>
+          <a:xfrm>
+            <a:off x="2374900" y="2235200"/>
+            <a:ext cx="184731" cy="369332"/>
+          </a:xfrm>
+          <a:prstGeom prst="rect">
+            <a:avLst/>
+          </a:prstGeom>
+          <a:noFill/>
+        </p:spPr>
+        <p:txBody>
+          <a:bodyPr wrap="none" rtlCol="0">
+            <a:spAutoFit/>
+          </a:bodyPr>
+          <a:lstStyle/>
+          <a:p>
+            <a:endParaRPr lang="en-US" dirty="0"/>
+          </a:p>
+        </p:txBody>
+      </p:sp>
+      <p:pic>
+        <p:nvPicPr>
+          <p:cNvPr id="7" name="Picture 6"/>
+          <p:cNvPicPr>
+            <a:picLocks noChangeAspect="1"/>
+          </p:cNvPicPr>
+          <p:nvPr/>
+        </p:nvPicPr>
+        <p:blipFill>
+          <a:blip r:embed="rId2">
+            <a:extLst>
+              <a:ext uri="{28A0092B-C50C-407E-A947-70E740481C1C}">
+                <a14:useLocalDpi xmlns:a14="http://schemas.microsoft.com/office/drawing/2010/main" val="0"/>
+              </a:ext>
+            </a:extLst>
+          </a:blip>
+          <a:stretch>
+            <a:fillRect/>
+          </a:stretch>
+        </p:blipFill>
+        <p:spPr>
+          <a:xfrm>
+            <a:off x="6389688" y="5753100"/>
+            <a:ext cx="3759200" cy="711200"/>
+          </a:xfrm>
+          <a:prstGeom prst="rect">
+            <a:avLst/>
+          </a:prstGeom>
+        </p:spPr>
+      </p:pic>
+    </p:spTree>
+    <p:extLst>
+      <p:ext uri="{BB962C8B-B14F-4D97-AF65-F5344CB8AC3E}">
+        <p14:creationId xmlns:p14="http://schemas.microsoft.com/office/powerpoint/2010/main" val="2006140449"/>
+      </p:ext>
+    </p:extLst>
+  </p:cSld>
+  <p:clrMapOvr>
+    <a:masterClrMapping/>
+  </p:clrMapOvr>
+  <p:timing>
+    <p:tnLst>
+      <p:par>
+        <p:cTn id="1" dur="indefinite" restart="never" nodeType="tmRoot"/>
+      </p:par>
+    </p:tnLst>
+  </p:timing>
+</p:sld>
+</file>
+
+<file path=ppt/slides/slide17.xml><?xml version="1.0" encoding="utf-8"?>
+<p:sld xmlns:a="http://schemas.openxmlformats.org/drawingml/2006/main" xmlns:r="http://schemas.openxmlformats.org/officeDocument/2006/relationships" xmlns:p="http://schemas.openxmlformats.org/presentationml/2006/main">
+  <p:cSld>
+    <p:spTree>
+      <p:nvGrpSpPr>
+        <p:cNvPr id="1" name=""/>
+        <p:cNvGrpSpPr/>
+        <p:nvPr/>
+      </p:nvGrpSpPr>
+      <p:grpSpPr>
+        <a:xfrm>
+          <a:off x="0" y="0"/>
+          <a:ext cx="0" cy="0"/>
+          <a:chOff x="0" y="0"/>
+          <a:chExt cx="0" cy="0"/>
+        </a:xfrm>
+      </p:grpSpPr>
+      <p:sp>
+        <p:nvSpPr>
+          <p:cNvPr id="2" name="Title 1"/>
+          <p:cNvSpPr>
+            <a:spLocks noGrp="1"/>
+          </p:cNvSpPr>
+          <p:nvPr>
+            <p:ph type="title"/>
+          </p:nvPr>
+        </p:nvSpPr>
+        <p:spPr/>
+        <p:txBody>
+          <a:bodyPr/>
+          <a:lstStyle/>
+          <a:p>
+            <a:r>
+              <a:rPr lang="zh-CN" altLang="en-US" dirty="0" smtClean="0"/>
+              <a:t>均匀采样</a:t>
+            </a:r>
+            <a:endParaRPr lang="en-US" dirty="0"/>
+          </a:p>
+        </p:txBody>
+      </p:sp>
+      <p:sp>
+        <p:nvSpPr>
+          <p:cNvPr id="3" name="Content Placeholder 2"/>
+          <p:cNvSpPr>
+            <a:spLocks noGrp="1"/>
+          </p:cNvSpPr>
+          <p:nvPr>
+            <p:ph idx="1"/>
+          </p:nvPr>
+        </p:nvSpPr>
+        <p:spPr/>
+        <p:txBody>
+          <a:bodyPr/>
+          <a:lstStyle/>
+          <a:p>
+            <a:r>
+              <a:rPr lang="en-US" altLang="zh-CN" dirty="0" smtClean="0"/>
+              <a:t>1.</a:t>
+            </a:r>
+            <a:r>
+              <a:rPr lang="zh-CN" altLang="en-US" dirty="0" smtClean="0"/>
+              <a:t> 计算机图像处理的一个经典问题：</a:t>
+            </a:r>
+            <a:endParaRPr lang="en-US" altLang="zh-CN" dirty="0" smtClean="0"/>
+          </a:p>
+          <a:p>
+            <a:pPr marL="0" indent="0">
+              <a:buNone/>
+            </a:pPr>
+            <a:r>
+              <a:rPr lang="zh-CN" altLang="en-US" sz="4000" dirty="0" smtClean="0"/>
+              <a:t>            </a:t>
+            </a:r>
+            <a:r>
+              <a:rPr lang="en-US" altLang="zh-CN" sz="4000" dirty="0" smtClean="0"/>
+              <a:t>equalization</a:t>
+            </a:r>
+          </a:p>
+          <a:p>
+            <a:pPr marL="0" indent="0">
+              <a:buNone/>
+            </a:pPr>
+            <a:endParaRPr lang="en-US" altLang="zh-CN" sz="1600" dirty="0" smtClean="0"/>
+          </a:p>
+          <a:p>
+            <a:pPr marL="0" indent="0">
+              <a:buNone/>
+            </a:pPr>
+            <a:r>
+              <a:rPr lang="zh-CN" altLang="en-US" sz="1600" dirty="0" smtClean="0"/>
+              <a:t>问题： 已经知道一张图片比较模糊，请将其变清晰明亮？</a:t>
+            </a:r>
+            <a:endParaRPr lang="en-US" altLang="zh-CN" sz="1600" dirty="0" smtClean="0"/>
+          </a:p>
+          <a:p>
+            <a:pPr marL="0" indent="0">
+              <a:buNone/>
+            </a:pPr>
+            <a:endParaRPr lang="en-US" altLang="zh-CN" sz="1600" dirty="0"/>
+          </a:p>
+          <a:p>
+            <a:pPr marL="0" indent="0">
+              <a:buNone/>
+            </a:pPr>
+            <a:r>
+              <a:rPr lang="en-US" altLang="zh-CN" sz="1600" dirty="0" smtClean="0"/>
+              <a:t>2.</a:t>
+            </a:r>
+            <a:r>
+              <a:rPr lang="zh-CN" altLang="en-US" sz="1600" dirty="0" smtClean="0"/>
+              <a:t> 该问题转换成，已经知道分布</a:t>
+            </a:r>
+            <a:r>
+              <a:rPr lang="en-US" altLang="zh-CN" sz="1600" dirty="0" smtClean="0"/>
+              <a:t>F</a:t>
+            </a:r>
+            <a:r>
+              <a:rPr lang="zh-CN" altLang="en-US" sz="1600" dirty="0" smtClean="0"/>
+              <a:t>，如何将其变为</a:t>
+            </a:r>
+            <a:endParaRPr lang="en-US" altLang="zh-CN" sz="1600" dirty="0" smtClean="0"/>
+          </a:p>
+          <a:p>
+            <a:pPr marL="0" indent="0">
+              <a:buNone/>
+            </a:pPr>
+            <a:r>
+              <a:rPr lang="zh-CN" altLang="en-US" sz="1600" dirty="0" smtClean="0"/>
+              <a:t>为均匀分布</a:t>
+            </a:r>
+            <a:r>
+              <a:rPr lang="en-US" altLang="zh-CN" sz="1600" dirty="0" smtClean="0"/>
+              <a:t>U</a:t>
+            </a:r>
+            <a:r>
+              <a:rPr lang="zh-CN" altLang="en-US" sz="1600" dirty="0" smtClean="0"/>
+              <a:t>？</a:t>
+            </a:r>
+            <a:endParaRPr lang="en-US" altLang="zh-CN" sz="1600" dirty="0" smtClean="0"/>
+          </a:p>
+          <a:p>
+            <a:endParaRPr lang="en-US" dirty="0"/>
+          </a:p>
+        </p:txBody>
+      </p:sp>
+      <p:sp>
+        <p:nvSpPr>
+          <p:cNvPr id="4" name="Date Placeholder 3"/>
+          <p:cNvSpPr>
+            <a:spLocks noGrp="1"/>
+          </p:cNvSpPr>
+          <p:nvPr>
+            <p:ph type="dt" sz="half" idx="10"/>
+          </p:nvPr>
+        </p:nvSpPr>
+        <p:spPr/>
+        <p:txBody>
+          <a:bodyPr/>
+          <a:lstStyle/>
+          <a:p>
+            <a:fld id="{359F0E00-F99A-CD43-9FC0-8678B475E476}" type="datetime1">
+              <a:rPr lang="en-SG" smtClean="0"/>
+              <a:t>19/3/17</a:t>
+            </a:fld>
+            <a:endParaRPr lang="en-US"/>
+          </a:p>
+        </p:txBody>
+      </p:sp>
+      <p:sp>
+        <p:nvSpPr>
+          <p:cNvPr id="5" name="Footer Placeholder 4"/>
+          <p:cNvSpPr>
+            <a:spLocks noGrp="1"/>
+          </p:cNvSpPr>
+          <p:nvPr>
+            <p:ph type="ftr" sz="quarter" idx="11"/>
+          </p:nvPr>
+        </p:nvSpPr>
+        <p:spPr/>
+        <p:txBody>
+          <a:bodyPr/>
+          <a:lstStyle/>
+          <a:p>
+            <a:r>
+              <a:rPr lang="en-US" smtClean="0"/>
+              <a:t>王翼 yiak.wy@gmail.com </a:t>
+            </a:r>
+            <a:endParaRPr lang="en-US"/>
+          </a:p>
+        </p:txBody>
+      </p:sp>
+      <p:pic>
+        <p:nvPicPr>
+          <p:cNvPr id="6" name="Picture 5"/>
+          <p:cNvPicPr>
+            <a:picLocks noChangeAspect="1"/>
+          </p:cNvPicPr>
+          <p:nvPr/>
+        </p:nvPicPr>
+        <p:blipFill>
+          <a:blip r:embed="rId2">
+            <a:extLst>
+              <a:ext uri="{28A0092B-C50C-407E-A947-70E740481C1C}">
+                <a14:useLocalDpi xmlns:a14="http://schemas.microsoft.com/office/drawing/2010/main" val="0"/>
+              </a:ext>
+            </a:extLst>
+          </a:blip>
+          <a:stretch>
+            <a:fillRect/>
+          </a:stretch>
+        </p:blipFill>
+        <p:spPr>
+          <a:xfrm>
+            <a:off x="6769100" y="-844550"/>
+            <a:ext cx="6472237" cy="6858000"/>
+          </a:xfrm>
+          <a:prstGeom prst="rect">
+            <a:avLst/>
+          </a:prstGeom>
+        </p:spPr>
+      </p:pic>
+    </p:spTree>
+    <p:extLst>
+      <p:ext uri="{BB962C8B-B14F-4D97-AF65-F5344CB8AC3E}">
+        <p14:creationId xmlns:p14="http://schemas.microsoft.com/office/powerpoint/2010/main" val="455892805"/>
+      </p:ext>
+    </p:extLst>
+  </p:cSld>
+  <p:clrMapOvr>
+    <a:masterClrMapping/>
+  </p:clrMapOvr>
+</p:sld>
+</file>
+
+<file path=ppt/slides/slide18.xml><?xml version="1.0" encoding="utf-8"?>
+<p:sld xmlns:a="http://schemas.openxmlformats.org/drawingml/2006/main" xmlns:r="http://schemas.openxmlformats.org/officeDocument/2006/relationships" xmlns:p="http://schemas.openxmlformats.org/presentationml/2006/main">
+  <p:cSld>
+    <p:spTree>
+      <p:nvGrpSpPr>
+        <p:cNvPr id="1" name=""/>
+        <p:cNvGrpSpPr/>
+        <p:nvPr/>
+      </p:nvGrpSpPr>
+      <p:grpSpPr>
+        <a:xfrm>
+          <a:off x="0" y="0"/>
+          <a:ext cx="0" cy="0"/>
+          <a:chOff x="0" y="0"/>
+          <a:chExt cx="0" cy="0"/>
+        </a:xfrm>
+      </p:grpSpPr>
+      <p:sp>
+        <p:nvSpPr>
+          <p:cNvPr id="2" name="Title 1"/>
+          <p:cNvSpPr>
+            <a:spLocks noGrp="1"/>
+          </p:cNvSpPr>
+          <p:nvPr>
+            <p:ph type="title"/>
+          </p:nvPr>
+        </p:nvSpPr>
+        <p:spPr/>
+        <p:txBody>
+          <a:bodyPr/>
+          <a:lstStyle/>
+          <a:p>
+            <a:r>
+              <a:rPr lang="zh-CN" altLang="en-US" dirty="0" smtClean="0"/>
+              <a:t>均匀采样方法</a:t>
+            </a:r>
+            <a:endParaRPr lang="en-US" dirty="0"/>
+          </a:p>
+        </p:txBody>
+      </p:sp>
+      <mc:AlternateContent xmlns:mc="http://schemas.openxmlformats.org/markup-compatibility/2006" xmlns:a14="http://schemas.microsoft.com/office/drawing/2010/main">
+        <mc:Choice Requires="a14">
+          <p:sp>
+            <p:nvSpPr>
+              <p:cNvPr id="3" name="Content Placeholder 2"/>
+              <p:cNvSpPr>
+                <a:spLocks noGrp="1"/>
+              </p:cNvSpPr>
+              <p:nvPr>
+                <p:ph idx="1"/>
+              </p:nvPr>
+            </p:nvSpPr>
+            <p:spPr/>
+            <p:txBody>
+              <a:bodyPr>
+                <a:normAutofit fontScale="77500" lnSpcReduction="20000"/>
+              </a:bodyPr>
+              <a:lstStyle/>
+              <a:p>
+                <a:r>
+                  <a:rPr lang="zh-CN" altLang="en-US" dirty="0" smtClean="0"/>
+                  <a:t>我们知道</a:t>
+                </a:r>
+                <a:r>
+                  <a:rPr lang="en-US" altLang="zh-CN" dirty="0"/>
+                  <a:t>F</a:t>
+                </a:r>
+                <a:r>
+                  <a:rPr lang="zh-CN" altLang="en-US" dirty="0"/>
+                  <a:t>可以是“累和函数”（单调递增</a:t>
+                </a:r>
+                <a:r>
+                  <a:rPr lang="zh-CN" altLang="en-US" dirty="0" smtClean="0"/>
+                  <a:t>）</a:t>
+                </a:r>
+                <a:r>
+                  <a:rPr lang="en-US" altLang="zh-CN" dirty="0" smtClean="0"/>
+                  <a:t>,</a:t>
+                </a:r>
+                <a:r>
+                  <a:rPr lang="zh-CN" altLang="en-US" dirty="0" smtClean="0"/>
+                  <a:t> 因此</a:t>
+                </a:r>
+                <a:r>
+                  <a:rPr lang="en-US" altLang="zh-CN" dirty="0" smtClean="0"/>
+                  <a:t>F</a:t>
+                </a:r>
+                <a:r>
+                  <a:rPr lang="zh-CN" altLang="en-US" dirty="0" smtClean="0"/>
+                  <a:t>本身就是均匀分布</a:t>
+                </a:r>
+                <a:r>
+                  <a:rPr lang="en-US" altLang="zh-CN" dirty="0" smtClean="0"/>
+                  <a:t>U(0,</a:t>
+                </a:r>
+                <a:r>
+                  <a:rPr lang="zh-CN" altLang="en-US" dirty="0" smtClean="0"/>
+                  <a:t> </a:t>
+                </a:r>
+                <a:r>
+                  <a:rPr lang="en-US" altLang="zh-CN" dirty="0"/>
+                  <a:t>1</a:t>
+                </a:r>
+                <a:r>
+                  <a:rPr lang="en-US" altLang="zh-CN" dirty="0" smtClean="0"/>
+                  <a:t>)</a:t>
+                </a:r>
+                <a:r>
+                  <a:rPr lang="zh-CN" altLang="en-US" dirty="0" smtClean="0"/>
+                  <a:t>。 这个结论实际上也是可以通过后面方法推导得出的，他被广泛运用于计算机计算中</a:t>
+                </a:r>
+                <a:endParaRPr lang="en-US" altLang="zh-CN" dirty="0" smtClean="0"/>
+              </a:p>
+              <a:p>
+                <a:endParaRPr lang="en-US" altLang="zh-CN" dirty="0"/>
+              </a:p>
+              <a:p>
+                <a:r>
+                  <a:rPr lang="zh-CN" altLang="en-US" dirty="0" smtClean="0"/>
+                  <a:t>若</a:t>
+                </a:r>
+                <a:r>
+                  <a:rPr lang="en-US" altLang="zh-CN" dirty="0" smtClean="0"/>
+                  <a:t>F</a:t>
+                </a:r>
+                <a:r>
+                  <a:rPr lang="zh-CN" altLang="en-US" dirty="0" smtClean="0"/>
+                  <a:t>连续，根据泛函</a:t>
+                </a:r>
+                <a:r>
+                  <a:rPr lang="en-US" altLang="zh-CN" dirty="0" smtClean="0"/>
+                  <a:t>F</a:t>
+                </a:r>
+                <a:r>
+                  <a:rPr lang="zh-CN" altLang="en-US" dirty="0" smtClean="0"/>
+                  <a:t>的性质，我们知道</a:t>
+                </a:r>
+                <a:r>
+                  <a:rPr lang="en-US" altLang="zh-CN" dirty="0" smtClean="0"/>
+                  <a:t>F</a:t>
+                </a:r>
+                <a:r>
+                  <a:rPr lang="zh-CN" altLang="en-US" dirty="0" smtClean="0"/>
+                  <a:t>可以是“累和函数”（单调递增），故可逆。设定</a:t>
+                </a:r>
+                <a:r>
+                  <a:rPr lang="en-US" altLang="zh-CN" dirty="0" smtClean="0"/>
+                  <a:t>R</a:t>
+                </a:r>
+                <a:r>
+                  <a:rPr lang="zh-CN" altLang="en-US" dirty="0" smtClean="0"/>
+                  <a:t>是</a:t>
+                </a:r>
+                <a:r>
+                  <a:rPr lang="en-US" altLang="zh-CN" dirty="0" smtClean="0"/>
+                  <a:t>F</a:t>
+                </a:r>
+                <a:r>
+                  <a:rPr lang="zh-CN" altLang="en-US" dirty="0" smtClean="0"/>
+                  <a:t>对应的随机变量，其取值是</a:t>
+                </a:r>
+                <a:r>
+                  <a:rPr lang="en-US" altLang="zh-CN" dirty="0" smtClean="0"/>
+                  <a:t>r</a:t>
+                </a:r>
+                <a:r>
+                  <a:rPr lang="zh-CN" altLang="en-US" dirty="0" smtClean="0"/>
+                  <a:t>；我们希望得到一个随机变量</a:t>
+                </a:r>
+                <a:r>
+                  <a:rPr lang="en-US" altLang="zh-CN" dirty="0" smtClean="0"/>
+                  <a:t>S,</a:t>
+                </a:r>
+                <a:r>
+                  <a:rPr lang="zh-CN" altLang="en-US" dirty="0" smtClean="0"/>
+                  <a:t> 使其取值满足均匀分布</a:t>
+                </a:r>
+                <a:r>
+                  <a:rPr lang="en-US" altLang="zh-CN" dirty="0" smtClean="0"/>
+                  <a:t>U(0,</a:t>
+                </a:r>
+                <a:r>
+                  <a:rPr lang="zh-CN" altLang="en-US" dirty="0" smtClean="0"/>
+                  <a:t> </a:t>
+                </a:r>
+                <a:r>
+                  <a:rPr lang="en-US" altLang="zh-CN" dirty="0" smtClean="0"/>
+                  <a:t>L),</a:t>
+                </a:r>
+                <a:r>
+                  <a:rPr lang="zh-CN" altLang="en-US" dirty="0" smtClean="0"/>
+                  <a:t> 其中</a:t>
+                </a:r>
+                <a:r>
+                  <a:rPr lang="en-US" altLang="zh-CN" dirty="0" smtClean="0"/>
+                  <a:t>L</a:t>
+                </a:r>
+                <a:r>
+                  <a:rPr lang="zh-CN" altLang="en-US" dirty="0" smtClean="0"/>
+                  <a:t>是常数。</a:t>
+                </a:r>
+                <a:endParaRPr lang="en-US" altLang="zh-CN" dirty="0" smtClean="0"/>
+              </a:p>
+              <a:p>
+                <a:endParaRPr lang="en-US" altLang="zh-CN" dirty="0" smtClean="0"/>
+              </a:p>
+              <a:p>
+                <a:pPr lvl="1"/>
+                <a:r>
+                  <a:rPr lang="zh-CN" altLang="en-US" dirty="0" smtClean="0"/>
+                  <a:t>假定 </a:t>
+                </a:r>
+                <a:r>
+                  <a:rPr lang="en-US" altLang="zh-CN" dirty="0"/>
+                  <a:t>s</a:t>
+                </a:r>
+                <a:r>
+                  <a:rPr lang="en-US" altLang="zh-CN" dirty="0" smtClean="0"/>
+                  <a:t>=A(r),</a:t>
+                </a:r>
+                <a:r>
+                  <a:rPr lang="zh-CN" altLang="en-US" dirty="0" smtClean="0"/>
+                  <a:t> 我们姑且认为 </a:t>
+                </a:r>
+                <a:r>
+                  <a:rPr lang="en-US" altLang="zh-CN" dirty="0" smtClean="0"/>
+                  <a:t>R</a:t>
+                </a:r>
+                <a:r>
+                  <a:rPr lang="zh-CN" altLang="en-US" dirty="0" smtClean="0"/>
+                  <a:t>和</a:t>
+                </a:r>
+                <a:r>
+                  <a:rPr lang="en-US" altLang="zh-CN" dirty="0" smtClean="0"/>
+                  <a:t>S</a:t>
+                </a:r>
+                <a:r>
+                  <a:rPr lang="zh-CN" altLang="en-US" dirty="0" smtClean="0"/>
+                  <a:t>满足函数关系，看看能不能找到这样的关系；若不能找到，我们再另试它法。</a:t>
+                </a:r>
+                <a:endParaRPr lang="en-US" altLang="zh-CN" dirty="0" smtClean="0"/>
+              </a:p>
+              <a:p>
+                <a:pPr marL="0" indent="0" algn="ctr">
+                  <a:buNone/>
+                </a:pPr>
+                <a14:m>
+                  <m:oMathPara xmlns:m="http://schemas.openxmlformats.org/officeDocument/2006/math">
+                    <m:oMathParaPr>
+                      <m:jc m:val="center"/>
+                    </m:oMathParaPr>
+                    <m:oMath xmlns:m="http://schemas.openxmlformats.org/officeDocument/2006/math">
+                      <m:r>
+                        <a:rPr lang="en-US" altLang="zh-CN" b="0" i="1" dirty="0" smtClean="0">
+                          <a:latin typeface="Cambria Math" charset="0"/>
+                        </a:rPr>
+                        <m:t>𝑃</m:t>
+                      </m:r>
+                      <m:d>
+                        <m:dPr>
+                          <m:ctrlPr>
+                            <a:rPr lang="en-US" altLang="zh-CN" b="0" i="1" dirty="0" smtClean="0">
+                              <a:latin typeface="Cambria Math" charset="0"/>
+                            </a:rPr>
+                          </m:ctrlPr>
+                        </m:dPr>
+                        <m:e>
+                          <m:r>
+                            <a:rPr lang="en-US" altLang="zh-CN" b="0" i="1" dirty="0" smtClean="0">
+                              <a:latin typeface="Cambria Math" charset="0"/>
+                            </a:rPr>
+                            <m:t>𝑅</m:t>
+                          </m:r>
+                          <m:r>
+                            <a:rPr lang="en-US" altLang="zh-CN" b="0" i="1" dirty="0" smtClean="0">
+                              <a:latin typeface="Cambria Math" charset="0"/>
+                            </a:rPr>
+                            <m:t>≤</m:t>
+                          </m:r>
+                          <m:r>
+                            <a:rPr lang="en-US" altLang="zh-CN" b="0" i="1" dirty="0" smtClean="0">
+                              <a:latin typeface="Cambria Math" charset="0"/>
+                            </a:rPr>
+                            <m:t>𝑟</m:t>
+                          </m:r>
+                        </m:e>
+                      </m:d>
+                      <m:r>
+                        <a:rPr lang="en-US" altLang="zh-CN" b="0" i="1" dirty="0" smtClean="0">
+                          <a:latin typeface="Cambria Math" charset="0"/>
+                        </a:rPr>
+                        <m:t>=</m:t>
+                      </m:r>
+                      <m:r>
+                        <a:rPr lang="en-US" altLang="zh-CN" b="0" i="1" dirty="0" smtClean="0">
+                          <a:latin typeface="Cambria Math" charset="0"/>
+                        </a:rPr>
+                        <m:t>𝐹</m:t>
+                      </m:r>
+                      <m:r>
+                        <a:rPr lang="en-US" altLang="zh-CN" b="0" i="1" dirty="0" smtClean="0">
+                          <a:latin typeface="Cambria Math" charset="0"/>
+                        </a:rPr>
+                        <m:t>(</m:t>
+                      </m:r>
+                      <m:r>
+                        <a:rPr lang="en-US" altLang="zh-CN" b="0" i="1" dirty="0" smtClean="0">
+                          <a:latin typeface="Cambria Math" charset="0"/>
+                        </a:rPr>
+                        <m:t>𝑟</m:t>
+                      </m:r>
+                      <m:r>
+                        <a:rPr lang="en-US" altLang="zh-CN" b="0" i="1" dirty="0" smtClean="0">
+                          <a:latin typeface="Cambria Math" charset="0"/>
+                        </a:rPr>
+                        <m:t>)</m:t>
+                      </m:r>
+                    </m:oMath>
+                  </m:oMathPara>
+                </a14:m>
+                <a:endParaRPr lang="en-US" altLang="zh-CN" dirty="0" smtClean="0"/>
+              </a:p>
+              <a:p>
+                <a:pPr marL="0" indent="0" algn="ctr">
+                  <a:buNone/>
+                </a:pPr>
+                <a14:m>
+                  <m:oMathPara xmlns:m="http://schemas.openxmlformats.org/officeDocument/2006/math">
+                    <m:oMathParaPr>
+                      <m:jc m:val="center"/>
+                    </m:oMathParaPr>
+                    <m:oMath xmlns:m="http://schemas.openxmlformats.org/officeDocument/2006/math">
+                      <m:r>
+                        <a:rPr lang="en-US" altLang="zh-CN" i="1" dirty="0">
+                          <a:latin typeface="Cambria Math" charset="0"/>
+                        </a:rPr>
+                        <m:t>𝑃</m:t>
+                      </m:r>
+                      <m:d>
+                        <m:dPr>
+                          <m:ctrlPr>
+                            <a:rPr lang="en-US" altLang="zh-CN" i="1" dirty="0">
+                              <a:latin typeface="Cambria Math" charset="0"/>
+                            </a:rPr>
+                          </m:ctrlPr>
+                        </m:dPr>
+                        <m:e>
+                          <m:r>
+                            <a:rPr lang="en-US" altLang="zh-CN" b="0" i="1" dirty="0" smtClean="0">
+                              <a:latin typeface="Cambria Math" charset="0"/>
+                            </a:rPr>
+                            <m:t>𝑆</m:t>
+                          </m:r>
+                          <m:r>
+                            <a:rPr lang="en-US" altLang="zh-CN" i="1" dirty="0">
+                              <a:latin typeface="Cambria Math" charset="0"/>
+                            </a:rPr>
+                            <m:t>≤</m:t>
+                          </m:r>
+                          <m:r>
+                            <a:rPr lang="en-US" altLang="zh-CN" b="0" i="1" dirty="0" smtClean="0">
+                              <a:latin typeface="Cambria Math" charset="0"/>
+                            </a:rPr>
+                            <m:t>𝐴</m:t>
+                          </m:r>
+                          <m:r>
+                            <a:rPr lang="en-US" altLang="zh-CN" b="0" i="1" dirty="0" smtClean="0">
+                              <a:latin typeface="Cambria Math" charset="0"/>
+                            </a:rPr>
+                            <m:t>(</m:t>
+                          </m:r>
+                          <m:r>
+                            <a:rPr lang="en-US" altLang="zh-CN" b="0" i="1" dirty="0" smtClean="0">
+                              <a:latin typeface="Cambria Math" charset="0"/>
+                            </a:rPr>
+                            <m:t>𝑟</m:t>
+                          </m:r>
+                          <m:r>
+                            <a:rPr lang="en-US" altLang="zh-CN" b="0" i="1" dirty="0" smtClean="0">
+                              <a:latin typeface="Cambria Math" charset="0"/>
+                            </a:rPr>
+                            <m:t>)</m:t>
+                          </m:r>
+                        </m:e>
+                      </m:d>
+                      <m:r>
+                        <a:rPr lang="en-US" altLang="zh-CN" i="1" dirty="0">
+                          <a:latin typeface="Cambria Math" charset="0"/>
+                        </a:rPr>
+                        <m:t>=</m:t>
+                      </m:r>
+                      <m:r>
+                        <a:rPr lang="en-US" altLang="zh-CN" i="1" dirty="0">
+                          <a:latin typeface="Cambria Math" charset="0"/>
+                        </a:rPr>
+                        <m:t>𝐹</m:t>
+                      </m:r>
+                      <m:d>
+                        <m:dPr>
+                          <m:ctrlPr>
+                            <a:rPr lang="en-US" altLang="zh-CN" i="1" dirty="0">
+                              <a:latin typeface="Cambria Math" charset="0"/>
+                            </a:rPr>
+                          </m:ctrlPr>
+                        </m:dPr>
+                        <m:e>
+                          <m:r>
+                            <a:rPr lang="en-US" altLang="zh-CN" i="1" dirty="0">
+                              <a:latin typeface="Cambria Math" charset="0"/>
+                            </a:rPr>
+                            <m:t>𝑟</m:t>
+                          </m:r>
+                        </m:e>
+                      </m:d>
+                    </m:oMath>
+                  </m:oMathPara>
+                </a14:m>
+                <a:endParaRPr lang="en-US" altLang="zh-CN" dirty="0" smtClean="0"/>
+              </a:p>
+              <a:p>
+                <a:pPr lvl="1"/>
+                <a:r>
+                  <a:rPr lang="zh-CN" altLang="en-US" dirty="0" smtClean="0"/>
+                  <a:t>显然</a:t>
+                </a:r>
+                <a:r>
+                  <a:rPr lang="en-US" altLang="zh-CN" dirty="0" smtClean="0"/>
+                  <a:t>A(r)</a:t>
+                </a:r>
+                <a:r>
+                  <a:rPr lang="zh-CN" altLang="en-US" dirty="0" smtClean="0"/>
+                  <a:t>是</a:t>
+                </a:r>
+                <a:r>
+                  <a:rPr lang="en-US" altLang="zh-CN" dirty="0" smtClean="0"/>
+                  <a:t>S</a:t>
+                </a:r>
+                <a:r>
+                  <a:rPr lang="zh-CN" altLang="en-US" dirty="0" smtClean="0"/>
+                  <a:t>的取值范围，故给定一个</a:t>
+                </a:r>
+                <a:r>
+                  <a:rPr lang="en-US" altLang="zh-CN" dirty="0" smtClean="0"/>
+                  <a:t>s=A(r)</a:t>
+                </a:r>
+                <a:r>
+                  <a:rPr lang="zh-CN" altLang="en-US" dirty="0" smtClean="0"/>
+                  <a:t>，有</a:t>
+                </a:r>
+                <a:endParaRPr lang="en-US" altLang="zh-CN" dirty="0" smtClean="0"/>
+              </a:p>
+              <a:p>
+                <a:pPr marL="0" indent="0">
+                  <a:buNone/>
+                </a:pPr>
+                <a14:m>
+                  <m:oMathPara xmlns:m="http://schemas.openxmlformats.org/officeDocument/2006/math">
+                    <m:oMathParaPr>
+                      <m:jc m:val="center"/>
+                    </m:oMathParaPr>
+                    <m:oMath xmlns:m="http://schemas.openxmlformats.org/officeDocument/2006/math">
+                      <m:r>
+                        <a:rPr lang="en-US" altLang="zh-CN" i="1" dirty="0">
+                          <a:latin typeface="Cambria Math" charset="0"/>
+                        </a:rPr>
+                        <m:t>𝑃</m:t>
+                      </m:r>
+                      <m:d>
+                        <m:dPr>
+                          <m:ctrlPr>
+                            <a:rPr lang="en-US" altLang="zh-CN" i="1" dirty="0">
+                              <a:latin typeface="Cambria Math" charset="0"/>
+                            </a:rPr>
+                          </m:ctrlPr>
+                        </m:dPr>
+                        <m:e>
+                          <m:r>
+                            <a:rPr lang="en-US" altLang="zh-CN" i="1" dirty="0">
+                              <a:latin typeface="Cambria Math" charset="0"/>
+                            </a:rPr>
+                            <m:t>𝑆</m:t>
+                          </m:r>
+                          <m:r>
+                            <a:rPr lang="en-US" altLang="zh-CN" i="1" dirty="0">
+                              <a:latin typeface="Cambria Math" charset="0"/>
+                            </a:rPr>
+                            <m:t>≤</m:t>
+                          </m:r>
+                          <m:r>
+                            <a:rPr lang="en-US" altLang="zh-CN" b="0" i="1" dirty="0" smtClean="0">
+                              <a:latin typeface="Cambria Math" charset="0"/>
+                            </a:rPr>
+                            <m:t>𝑠</m:t>
+                          </m:r>
+                        </m:e>
+                      </m:d>
+                      <m:r>
+                        <a:rPr lang="en-US" altLang="zh-CN" i="1" dirty="0">
+                          <a:latin typeface="Cambria Math" charset="0"/>
+                        </a:rPr>
+                        <m:t>=</m:t>
+                      </m:r>
+                      <m:r>
+                        <a:rPr lang="en-US" altLang="zh-CN" i="1" dirty="0">
+                          <a:latin typeface="Cambria Math" charset="0"/>
+                        </a:rPr>
+                        <m:t>𝐹</m:t>
+                      </m:r>
+                      <m:r>
+                        <a:rPr lang="en-US" altLang="zh-CN" i="1" dirty="0">
+                          <a:latin typeface="Cambria Math" charset="0"/>
+                        </a:rPr>
+                        <m:t>(</m:t>
+                      </m:r>
+                      <m:sSup>
+                        <m:sSupPr>
+                          <m:ctrlPr>
+                            <a:rPr lang="en-US" altLang="zh-CN" b="0" i="1" dirty="0" smtClean="0">
+                              <a:latin typeface="Cambria Math" charset="0"/>
+                            </a:rPr>
+                          </m:ctrlPr>
+                        </m:sSupPr>
+                        <m:e>
+                          <m:r>
+                            <a:rPr lang="en-US" altLang="zh-CN" b="0" i="1" dirty="0" smtClean="0">
+                              <a:latin typeface="Cambria Math" charset="0"/>
+                            </a:rPr>
+                            <m:t>𝐴</m:t>
+                          </m:r>
+                        </m:e>
+                        <m:sup>
+                          <m:r>
+                            <a:rPr lang="en-US" altLang="zh-CN" b="0" i="1" dirty="0" smtClean="0">
+                              <a:latin typeface="Cambria Math" charset="0"/>
+                            </a:rPr>
+                            <m:t>−1</m:t>
+                          </m:r>
+                        </m:sup>
+                      </m:sSup>
+                      <m:r>
+                        <a:rPr lang="en-US" altLang="zh-CN" b="0" i="1" dirty="0" smtClean="0">
+                          <a:latin typeface="Cambria Math" charset="0"/>
+                        </a:rPr>
+                        <m:t>(</m:t>
+                      </m:r>
+                      <m:r>
+                        <a:rPr lang="en-US" altLang="zh-CN" b="0" i="1" dirty="0" smtClean="0">
+                          <a:latin typeface="Cambria Math" charset="0"/>
+                        </a:rPr>
+                        <m:t>𝑠</m:t>
+                      </m:r>
+                      <m:r>
+                        <a:rPr lang="en-US" altLang="zh-CN" b="0" i="1" dirty="0" smtClean="0">
+                          <a:latin typeface="Cambria Math" charset="0"/>
+                        </a:rPr>
+                        <m:t>))</m:t>
+                      </m:r>
+                    </m:oMath>
+                  </m:oMathPara>
+                </a14:m>
+                <a:endParaRPr lang="en-US" altLang="zh-CN" dirty="0"/>
+              </a:p>
+              <a:p>
+                <a:pPr lvl="1"/>
+                <a:r>
+                  <a:rPr lang="zh-CN" altLang="en-US" dirty="0" smtClean="0"/>
+                  <a:t>根据定义</a:t>
+                </a:r>
+                <a14:m>
+                  <m:oMath xmlns:m="http://schemas.openxmlformats.org/officeDocument/2006/math">
+                    <m:r>
+                      <a:rPr lang="en-US" altLang="zh-CN" i="1" dirty="0">
+                        <a:latin typeface="Cambria Math" charset="0"/>
+                      </a:rPr>
+                      <m:t>𝐹</m:t>
+                    </m:r>
+                    <m:d>
+                      <m:dPr>
+                        <m:ctrlPr>
+                          <a:rPr lang="en-US" altLang="zh-CN" i="1" dirty="0">
+                            <a:latin typeface="Cambria Math" charset="0"/>
+                          </a:rPr>
+                        </m:ctrlPr>
+                      </m:dPr>
+                      <m:e>
+                        <m:sSup>
+                          <m:sSupPr>
+                            <m:ctrlPr>
+                              <a:rPr lang="en-US" altLang="zh-CN" i="1" dirty="0">
+                                <a:latin typeface="Cambria Math" charset="0"/>
+                              </a:rPr>
+                            </m:ctrlPr>
+                          </m:sSupPr>
+                          <m:e>
+                            <m:r>
+                              <a:rPr lang="en-US" altLang="zh-CN" i="1" dirty="0">
+                                <a:latin typeface="Cambria Math" charset="0"/>
+                              </a:rPr>
+                              <m:t>𝐴</m:t>
+                            </m:r>
+                          </m:e>
+                          <m:sup>
+                            <m:r>
+                              <a:rPr lang="en-US" altLang="zh-CN" i="1" dirty="0">
+                                <a:latin typeface="Cambria Math" charset="0"/>
+                              </a:rPr>
+                              <m:t>−1</m:t>
+                            </m:r>
+                          </m:sup>
+                        </m:sSup>
+                        <m:r>
+                          <a:rPr lang="en-US" altLang="zh-CN" i="1" dirty="0">
+                            <a:latin typeface="Cambria Math" charset="0"/>
+                          </a:rPr>
+                          <m:t>𝑠</m:t>
+                        </m:r>
+                      </m:e>
+                    </m:d>
+                    <m:r>
+                      <a:rPr lang="zh-CN" altLang="en-US" i="1" dirty="0" smtClean="0">
+                        <a:latin typeface="Cambria Math" charset="0"/>
+                      </a:rPr>
+                      <m:t>就是</m:t>
+                    </m:r>
+                  </m:oMath>
+                </a14:m>
+                <a:r>
+                  <a:rPr lang="en-US" altLang="zh-CN" dirty="0" smtClean="0"/>
+                  <a:t>S</a:t>
+                </a:r>
+                <a:r>
+                  <a:rPr lang="zh-CN" altLang="en-US" dirty="0" smtClean="0"/>
+                  <a:t>的一个分布。</a:t>
+                </a:r>
+                <a:endParaRPr lang="en-US" altLang="zh-CN" dirty="0" smtClean="0"/>
+              </a:p>
+              <a:p>
+                <a:pPr marL="0" indent="0">
+                  <a:buNone/>
+                </a:pPr>
+                <a:endParaRPr lang="en-US" altLang="zh-CN" dirty="0"/>
+              </a:p>
+              <a:p>
+                <a:endParaRPr lang="en-US" altLang="zh-CN" dirty="0"/>
+              </a:p>
+              <a:p>
+                <a:endParaRPr lang="en-US" altLang="zh-CN" dirty="0" smtClean="0"/>
+              </a:p>
+            </p:txBody>
+          </p:sp>
+        </mc:Choice>
+        <mc:Fallback xmlns="">
+          <p:sp>
+            <p:nvSpPr>
+              <p:cNvPr id="3" name="Content Placeholder 2"/>
+              <p:cNvSpPr>
+                <a:spLocks noGrp="1" noRot="1" noChangeAspect="1" noMove="1" noResize="1" noEditPoints="1" noAdjustHandles="1" noChangeArrowheads="1" noChangeShapeType="1" noTextEdit="1"/>
+              </p:cNvSpPr>
+              <p:nvPr>
+                <p:ph idx="1"/>
+              </p:nvPr>
+            </p:nvSpPr>
+            <p:spPr>
+              <a:blipFill rotWithShape="0">
+                <a:blip r:embed="rId2"/>
+                <a:stretch>
+                  <a:fillRect l="-696" t="-2801"/>
+                </a:stretch>
+              </a:blipFill>
+            </p:spPr>
+            <p:txBody>
+              <a:bodyPr/>
+              <a:lstStyle/>
+              <a:p>
+                <a:r>
+                  <a:rPr lang="en-US">
+                    <a:noFill/>
+                  </a:rPr>
+                  <a:t> </a:t>
+                </a:r>
+              </a:p>
+            </p:txBody>
+          </p:sp>
+        </mc:Fallback>
+      </mc:AlternateContent>
+      <p:sp>
+        <p:nvSpPr>
+          <p:cNvPr id="4" name="Date Placeholder 3"/>
+          <p:cNvSpPr>
+            <a:spLocks noGrp="1"/>
+          </p:cNvSpPr>
+          <p:nvPr>
+            <p:ph type="dt" sz="half" idx="10"/>
+          </p:nvPr>
+        </p:nvSpPr>
+        <p:spPr/>
+        <p:txBody>
+          <a:bodyPr/>
+          <a:lstStyle/>
+          <a:p>
+            <a:fld id="{359F0E00-F99A-CD43-9FC0-8678B475E476}" type="datetime1">
+              <a:rPr lang="en-SG" smtClean="0"/>
+              <a:t>19/3/17</a:t>
+            </a:fld>
+            <a:endParaRPr lang="en-US"/>
+          </a:p>
+        </p:txBody>
+      </p:sp>
+      <p:sp>
+        <p:nvSpPr>
+          <p:cNvPr id="5" name="Footer Placeholder 4"/>
+          <p:cNvSpPr>
+            <a:spLocks noGrp="1"/>
+          </p:cNvSpPr>
+          <p:nvPr>
+            <p:ph type="ftr" sz="quarter" idx="11"/>
+          </p:nvPr>
+        </p:nvSpPr>
+        <p:spPr/>
+        <p:txBody>
+          <a:bodyPr/>
+          <a:lstStyle/>
+          <a:p>
+            <a:r>
+              <a:rPr lang="en-US" smtClean="0"/>
+              <a:t>王翼 yiak.wy@gmail.com </a:t>
+            </a:r>
+            <a:endParaRPr lang="en-US"/>
+          </a:p>
+        </p:txBody>
+      </p:sp>
+    </p:spTree>
+    <p:extLst>
+      <p:ext uri="{BB962C8B-B14F-4D97-AF65-F5344CB8AC3E}">
+        <p14:creationId xmlns:p14="http://schemas.microsoft.com/office/powerpoint/2010/main" val="1338575807"/>
+      </p:ext>
+    </p:extLst>
+  </p:cSld>
+  <p:clrMapOvr>
+    <a:masterClrMapping/>
+  </p:clrMapOvr>
+</p:sld>
+</file>
+
+<file path=ppt/slides/slide19.xml><?xml version="1.0" encoding="utf-8"?>
+<p:sld xmlns:a="http://schemas.openxmlformats.org/drawingml/2006/main" xmlns:r="http://schemas.openxmlformats.org/officeDocument/2006/relationships" xmlns:p="http://schemas.openxmlformats.org/presentationml/2006/main">
+  <p:cSld>
+    <p:spTree>
+      <p:nvGrpSpPr>
+        <p:cNvPr id="1" name=""/>
+        <p:cNvGrpSpPr/>
+        <p:nvPr/>
+      </p:nvGrpSpPr>
+      <p:grpSpPr>
+        <a:xfrm>
+          <a:off x="0" y="0"/>
+          <a:ext cx="0" cy="0"/>
+          <a:chOff x="0" y="0"/>
+          <a:chExt cx="0" cy="0"/>
+        </a:xfrm>
+      </p:grpSpPr>
+      <p:sp>
+        <p:nvSpPr>
+          <p:cNvPr id="2" name="Title 1"/>
+          <p:cNvSpPr>
+            <a:spLocks noGrp="1"/>
+          </p:cNvSpPr>
+          <p:nvPr>
+            <p:ph type="title"/>
+          </p:nvPr>
+        </p:nvSpPr>
+        <p:spPr/>
+        <p:txBody>
+          <a:bodyPr/>
+          <a:lstStyle/>
+          <a:p>
+            <a:r>
+              <a:rPr lang="zh-CN" altLang="en-US" dirty="0" smtClean="0"/>
+              <a:t>均匀采样方法</a:t>
+            </a:r>
+            <a:endParaRPr lang="en-US" dirty="0"/>
+          </a:p>
+        </p:txBody>
+      </p:sp>
+      <p:sp>
+        <p:nvSpPr>
+          <p:cNvPr id="3" name="Content Placeholder 2"/>
+          <p:cNvSpPr>
+            <a:spLocks noGrp="1"/>
+          </p:cNvSpPr>
+          <p:nvPr>
+            <p:ph idx="1"/>
+          </p:nvPr>
+        </p:nvSpPr>
+        <p:spPr/>
+        <p:txBody>
+          <a:bodyPr/>
+          <a:lstStyle/>
+          <a:p>
+            <a:r>
+              <a:rPr lang="zh-CN" altLang="en-US" dirty="0" smtClean="0"/>
+              <a:t>拒绝采样</a:t>
+            </a:r>
+            <a:endParaRPr lang="en-US" altLang="zh-CN" dirty="0" smtClean="0"/>
+          </a:p>
+          <a:p>
+            <a:pPr lvl="1"/>
+            <a:r>
+              <a:rPr lang="zh-CN" altLang="en-US" dirty="0" smtClean="0"/>
+              <a:t>约定概率密度函数记做</a:t>
+            </a:r>
+            <a:r>
+              <a:rPr lang="en-US" altLang="zh-CN" dirty="0" err="1" smtClean="0"/>
+              <a:t>p.d.f</a:t>
+            </a:r>
+            <a:r>
+              <a:rPr lang="zh-CN" altLang="en-US" dirty="0" smtClean="0"/>
+              <a:t>，用小写字母表示。</a:t>
+            </a:r>
+            <a:endParaRPr lang="en-US" dirty="0"/>
+          </a:p>
+        </p:txBody>
+      </p:sp>
+      <p:sp>
+        <p:nvSpPr>
+          <p:cNvPr id="4" name="Date Placeholder 3"/>
+          <p:cNvSpPr>
+            <a:spLocks noGrp="1"/>
+          </p:cNvSpPr>
+          <p:nvPr>
+            <p:ph type="dt" sz="half" idx="10"/>
+          </p:nvPr>
+        </p:nvSpPr>
+        <p:spPr/>
+        <p:txBody>
+          <a:bodyPr/>
+          <a:lstStyle/>
+          <a:p>
+            <a:fld id="{359F0E00-F99A-CD43-9FC0-8678B475E476}" type="datetime1">
+              <a:rPr lang="en-SG" smtClean="0"/>
+              <a:t>19/3/17</a:t>
+            </a:fld>
+            <a:endParaRPr lang="en-US"/>
+          </a:p>
+        </p:txBody>
+      </p:sp>
+      <p:sp>
+        <p:nvSpPr>
+          <p:cNvPr id="5" name="Footer Placeholder 4"/>
+          <p:cNvSpPr>
+            <a:spLocks noGrp="1"/>
+          </p:cNvSpPr>
+          <p:nvPr>
+            <p:ph type="ftr" sz="quarter" idx="11"/>
+          </p:nvPr>
+        </p:nvSpPr>
+        <p:spPr/>
+        <p:txBody>
+          <a:bodyPr/>
+          <a:lstStyle/>
+          <a:p>
+            <a:r>
+              <a:rPr lang="en-US" smtClean="0"/>
+              <a:t>王翼 yiak.wy@gmail.com </a:t>
+            </a:r>
+            <a:endParaRPr lang="en-US"/>
+          </a:p>
+        </p:txBody>
+      </p:sp>
+    </p:spTree>
+    <p:extLst>
+      <p:ext uri="{BB962C8B-B14F-4D97-AF65-F5344CB8AC3E}">
+        <p14:creationId xmlns:p14="http://schemas.microsoft.com/office/powerpoint/2010/main" val="1070694626"/>
+      </p:ext>
+    </p:extLst>
+  </p:cSld>
+  <p:clrMapOvr>
+    <a:masterClrMapping/>
+  </p:clrMapOvr>
+</p:sld>
+</file>
+
 <file path=ppt/slides/slide2.xml><?xml version="1.0" encoding="utf-8"?>
 <p:sld xmlns:a="http://schemas.openxmlformats.org/drawingml/2006/main" xmlns:r="http://schemas.openxmlformats.org/officeDocument/2006/relationships" xmlns:p="http://schemas.openxmlformats.org/presentationml/2006/main">
   <p:cSld>
@@ -5249,7 +7758,7 @@
         <p:spPr/>
         <p:txBody>
           <a:bodyPr>
-            <a:normAutofit fontScale="40000" lnSpcReduction="20000"/>
+            <a:normAutofit fontScale="32500" lnSpcReduction="20000"/>
           </a:bodyPr>
           <a:lstStyle/>
           <a:p>
@@ -5346,6 +7855,26 @@
             <a:r>
               <a:rPr lang="zh-CN" altLang="en-US" dirty="0" smtClean="0"/>
               <a:t>任意概率分布的重建与推导</a:t>
+            </a:r>
+            <a:endParaRPr lang="en-US" altLang="zh-CN" dirty="0" smtClean="0"/>
+          </a:p>
+          <a:p>
+            <a:pPr lvl="3"/>
+            <a:r>
+              <a:rPr lang="en-US" altLang="zh-CN" dirty="0" err="1" smtClean="0"/>
+              <a:t>Kmeans</a:t>
+            </a:r>
+            <a:r>
+              <a:rPr lang="zh-CN" altLang="en-US" dirty="0" smtClean="0"/>
+              <a:t> </a:t>
+            </a:r>
+            <a:r>
+              <a:rPr lang="en-US" altLang="zh-CN" dirty="0" smtClean="0"/>
+              <a:t>++</a:t>
+            </a:r>
+            <a:r>
+              <a:rPr lang="zh-CN" altLang="en-US" dirty="0" smtClean="0"/>
+              <a:t>种子分布推倒和书写</a:t>
             </a:r>
             <a:endParaRPr lang="en-US" altLang="zh-CN" dirty="0" smtClean="0"/>
           </a:p>
@@ -5498,7 +8027,7 @@
           <a:p>
             <a:fld id="{4A76FF2F-BA17-7C49-8A91-6731E63A1A5D}" type="datetime1">
               <a:rPr lang="en-SG" smtClean="0"/>
-              <a:t>17/3/17</a:t>
+              <a:t>19/3/17</a:t>
             </a:fld>
             <a:endParaRPr lang="en-US"/>
           </a:p>
@@ -5547,6 +8076,485 @@
 </p:sld>
 </file>
 
+<file path=ppt/slides/slide20.xml><?xml version="1.0" encoding="utf-8"?>
+<p:sld xmlns:a="http://schemas.openxmlformats.org/drawingml/2006/main" xmlns:r="http://schemas.openxmlformats.org/officeDocument/2006/relationships" xmlns:p="http://schemas.openxmlformats.org/presentationml/2006/main">
+  <p:cSld>
+    <p:spTree>
+      <p:nvGrpSpPr>
+        <p:cNvPr id="1" name=""/>
+        <p:cNvGrpSpPr/>
+        <p:nvPr/>
+      </p:nvGrpSpPr>
+      <p:grpSpPr>
+        <a:xfrm>
+          <a:off x="0" y="0"/>
+          <a:ext cx="0" cy="0"/>
+          <a:chOff x="0" y="0"/>
+          <a:chExt cx="0" cy="0"/>
+        </a:xfrm>
+      </p:grpSpPr>
+      <p:sp>
+        <p:nvSpPr>
+          <p:cNvPr id="2" name="Title 1"/>
+          <p:cNvSpPr>
+            <a:spLocks noGrp="1"/>
+          </p:cNvSpPr>
+          <p:nvPr>
+            <p:ph type="title"/>
+          </p:nvPr>
+        </p:nvSpPr>
+        <p:spPr/>
+        <p:txBody>
+          <a:bodyPr/>
+          <a:lstStyle/>
+          <a:p>
+            <a:r>
+              <a:rPr lang="zh-CN" altLang="en-US" dirty="0" smtClean="0"/>
+              <a:t>任意分布生成</a:t>
+            </a:r>
+            <a:endParaRPr lang="en-US" dirty="0"/>
+          </a:p>
+        </p:txBody>
+      </p:sp>
+      <p:sp>
+        <p:nvSpPr>
+          <p:cNvPr id="3" name="Content Placeholder 2"/>
+          <p:cNvSpPr>
+            <a:spLocks noGrp="1"/>
+          </p:cNvSpPr>
+          <p:nvPr>
+            <p:ph idx="1"/>
+          </p:nvPr>
+        </p:nvSpPr>
+        <p:spPr/>
+        <p:txBody>
+          <a:bodyPr/>
+          <a:lstStyle/>
+          <a:p>
+            <a:r>
+              <a:rPr lang="zh-CN" altLang="en-US" dirty="0" smtClean="0"/>
+              <a:t>给定均匀分布</a:t>
+            </a:r>
+            <a:r>
+              <a:rPr lang="en-US" altLang="zh-CN" dirty="0" smtClean="0"/>
+              <a:t>U,</a:t>
+            </a:r>
+            <a:r>
+              <a:rPr lang="zh-CN" altLang="en-US" dirty="0" smtClean="0"/>
+              <a:t>求正态分布</a:t>
+            </a:r>
+            <a:r>
+              <a:rPr lang="en-US" altLang="zh-CN" dirty="0" smtClean="0"/>
+              <a:t>E(</a:t>
+            </a:r>
+            <a:r>
+              <a:rPr lang="en-US" altLang="zh-CN" dirty="0" err="1" smtClean="0"/>
+              <a:t>miu</a:t>
+            </a:r>
+            <a:r>
+              <a:rPr lang="en-US" altLang="zh-CN" dirty="0" smtClean="0"/>
+              <a:t>,</a:t>
+            </a:r>
+            <a:r>
+              <a:rPr lang="zh-CN" altLang="en-US" dirty="0" smtClean="0"/>
+              <a:t> </a:t>
+            </a:r>
+            <a:r>
+              <a:rPr lang="en-US" altLang="zh-CN" dirty="0" smtClean="0"/>
+              <a:t>delta)?</a:t>
+            </a:r>
+          </a:p>
+          <a:p>
+            <a:r>
+              <a:rPr lang="zh-CN" altLang="en-US" dirty="0" smtClean="0"/>
+              <a:t>如前所述</a:t>
+            </a:r>
+            <a:r>
+              <a:rPr lang="en-US" altLang="zh-CN" dirty="0" smtClean="0"/>
+              <a:t>F</a:t>
+            </a:r>
+            <a:r>
+              <a:rPr lang="zh-CN" altLang="en-US" dirty="0" smtClean="0"/>
+              <a:t>既是可逆映射，又是均匀变量故，有一下策略</a:t>
+            </a:r>
+            <a:endParaRPr lang="en-US" altLang="zh-CN" dirty="0" smtClean="0"/>
+          </a:p>
+          <a:p>
+            <a:pPr lvl="1"/>
+            <a:r>
+              <a:rPr lang="zh-CN" altLang="en-US" dirty="0" smtClean="0"/>
+              <a:t>从</a:t>
+            </a:r>
+            <a:r>
+              <a:rPr lang="en-US" altLang="zh-CN" dirty="0" smtClean="0"/>
+              <a:t>U(0,1)</a:t>
+            </a:r>
+            <a:r>
+              <a:rPr lang="zh-CN" altLang="en-US" dirty="0" smtClean="0"/>
+              <a:t>采样</a:t>
+            </a:r>
+            <a:endParaRPr lang="en-US" altLang="zh-CN" dirty="0" smtClean="0"/>
+          </a:p>
+          <a:p>
+            <a:pPr lvl="1"/>
+            <a:r>
+              <a:rPr lang="zh-CN" altLang="en-US" dirty="0" smtClean="0"/>
+              <a:t>若</a:t>
+            </a:r>
+            <a:r>
+              <a:rPr lang="en-US" altLang="zh-CN" dirty="0" smtClean="0"/>
+              <a:t>F</a:t>
+            </a:r>
+            <a:r>
+              <a:rPr lang="zh-CN" altLang="en-US" dirty="0" smtClean="0"/>
+              <a:t>连续，取</a:t>
+            </a:r>
+            <a:r>
+              <a:rPr lang="en-US" altLang="zh-CN" dirty="0" err="1" smtClean="0"/>
+              <a:t>Finv</a:t>
+            </a:r>
+            <a:r>
+              <a:rPr lang="zh-CN" altLang="en-US" dirty="0" smtClean="0"/>
+              <a:t> </a:t>
+            </a:r>
+            <a:r>
+              <a:rPr lang="en-US" altLang="zh-CN" dirty="0" smtClean="0"/>
+              <a:t>=</a:t>
+            </a:r>
+            <a:r>
+              <a:rPr lang="zh-CN" altLang="en-US" dirty="0" smtClean="0"/>
+              <a:t> </a:t>
+            </a:r>
+            <a:r>
+              <a:rPr lang="en-US" altLang="zh-CN" dirty="0" smtClean="0"/>
+              <a:t>F</a:t>
+            </a:r>
+            <a:r>
+              <a:rPr lang="zh-CN" altLang="en-US" dirty="0" smtClean="0"/>
+              <a:t>的逆函数</a:t>
+            </a:r>
+            <a:endParaRPr lang="en-US" altLang="zh-CN" dirty="0" smtClean="0"/>
+          </a:p>
+          <a:p>
+            <a:pPr lvl="1"/>
+            <a:r>
+              <a:rPr lang="zh-CN" altLang="en-US" dirty="0" smtClean="0"/>
+              <a:t>否则，取 </a:t>
+            </a:r>
+            <a:r>
+              <a:rPr lang="en-US" altLang="zh-CN" dirty="0" err="1" smtClean="0"/>
+              <a:t>Finv</a:t>
+            </a:r>
+            <a:r>
+              <a:rPr lang="zh-CN" altLang="en-US" dirty="0" smtClean="0"/>
+              <a:t> </a:t>
+            </a:r>
+            <a:r>
+              <a:rPr lang="en-US" altLang="zh-CN" dirty="0" smtClean="0"/>
+              <a:t>(u)=</a:t>
+            </a:r>
+            <a:r>
+              <a:rPr lang="zh-CN" altLang="en-US" dirty="0" smtClean="0"/>
+              <a:t> </a:t>
+            </a:r>
+            <a:r>
+              <a:rPr lang="en-US" altLang="zh-CN" dirty="0" smtClean="0"/>
+              <a:t>min</a:t>
+            </a:r>
+            <a:r>
+              <a:rPr lang="zh-CN" altLang="en-US" dirty="0" smtClean="0"/>
+              <a:t> </a:t>
+            </a:r>
+            <a:r>
+              <a:rPr lang="en-US" altLang="zh-CN" dirty="0" smtClean="0"/>
+              <a:t>{x:</a:t>
+            </a:r>
+            <a:r>
+              <a:rPr lang="zh-CN" altLang="en-US" dirty="0" smtClean="0"/>
+              <a:t> </a:t>
+            </a:r>
+            <a:r>
+              <a:rPr lang="en-US" altLang="zh-CN" dirty="0" smtClean="0"/>
+              <a:t>F(x)</a:t>
+            </a:r>
+            <a:r>
+              <a:rPr lang="zh-CN" altLang="en-US" dirty="0" smtClean="0"/>
+              <a:t> </a:t>
+            </a:r>
+            <a:r>
+              <a:rPr lang="en-US" altLang="zh-CN" dirty="0" smtClean="0"/>
+              <a:t>&gt;=</a:t>
+            </a:r>
+            <a:r>
+              <a:rPr lang="zh-CN" altLang="en-US" dirty="0" smtClean="0"/>
+              <a:t> </a:t>
+            </a:r>
+            <a:r>
+              <a:rPr lang="en-US" altLang="zh-CN" dirty="0" smtClean="0"/>
+              <a:t>u}</a:t>
+            </a:r>
+          </a:p>
+          <a:p>
+            <a:pPr lvl="1"/>
+            <a:r>
+              <a:rPr lang="zh-CN" altLang="en-US" dirty="0" smtClean="0"/>
+              <a:t>返回 </a:t>
+            </a:r>
+            <a:r>
+              <a:rPr lang="en-US" altLang="zh-CN" dirty="0" err="1" smtClean="0"/>
+              <a:t>Finv</a:t>
+            </a:r>
+            <a:r>
+              <a:rPr lang="en-US" altLang="zh-CN" dirty="0" smtClean="0"/>
+              <a:t>(U),</a:t>
+            </a:r>
+            <a:r>
+              <a:rPr lang="zh-CN" altLang="en-US" dirty="0" smtClean="0"/>
+              <a:t> 则是我们要求的任意分布</a:t>
+            </a:r>
+            <a:r>
+              <a:rPr lang="en-US" altLang="zh-CN" dirty="0" smtClean="0"/>
+              <a:t>F</a:t>
+            </a:r>
+            <a:r>
+              <a:rPr lang="zh-CN" altLang="en-US" dirty="0" smtClean="0"/>
+              <a:t>的随机变量。</a:t>
+            </a:r>
+            <a:endParaRPr lang="en-US" altLang="zh-CN" dirty="0" smtClean="0"/>
+          </a:p>
+          <a:p>
+            <a:pPr lvl="1"/>
+            <a:endParaRPr lang="en-US" dirty="0"/>
+          </a:p>
+        </p:txBody>
+      </p:sp>
+      <p:sp>
+        <p:nvSpPr>
+          <p:cNvPr id="4" name="Date Placeholder 3"/>
+          <p:cNvSpPr>
+            <a:spLocks noGrp="1"/>
+          </p:cNvSpPr>
+          <p:nvPr>
+            <p:ph type="dt" sz="half" idx="10"/>
+          </p:nvPr>
+        </p:nvSpPr>
+        <p:spPr/>
+        <p:txBody>
+          <a:bodyPr/>
+          <a:lstStyle/>
+          <a:p>
+            <a:fld id="{359F0E00-F99A-CD43-9FC0-8678B475E476}" type="datetime1">
+              <a:rPr lang="en-SG" smtClean="0"/>
+              <a:t>19/3/17</a:t>
+            </a:fld>
+            <a:endParaRPr lang="en-US"/>
+          </a:p>
+        </p:txBody>
+      </p:sp>
+      <p:sp>
+        <p:nvSpPr>
+          <p:cNvPr id="5" name="Footer Placeholder 4"/>
+          <p:cNvSpPr>
+            <a:spLocks noGrp="1"/>
+          </p:cNvSpPr>
+          <p:nvPr>
+            <p:ph type="ftr" sz="quarter" idx="11"/>
+          </p:nvPr>
+        </p:nvSpPr>
+        <p:spPr/>
+        <p:txBody>
+          <a:bodyPr/>
+          <a:lstStyle/>
+          <a:p>
+            <a:r>
+              <a:rPr lang="en-US" smtClean="0"/>
+              <a:t>王翼 yiak.wy@gmail.com </a:t>
+            </a:r>
+            <a:endParaRPr lang="en-US"/>
+          </a:p>
+        </p:txBody>
+      </p:sp>
+    </p:spTree>
+    <p:extLst>
+      <p:ext uri="{BB962C8B-B14F-4D97-AF65-F5344CB8AC3E}">
+        <p14:creationId xmlns:p14="http://schemas.microsoft.com/office/powerpoint/2010/main" val="1193595306"/>
+      </p:ext>
+    </p:extLst>
+  </p:cSld>
+  <p:clrMapOvr>
+    <a:masterClrMapping/>
+  </p:clrMapOvr>
+</p:sld>
+</file>
+
+<file path=ppt/slides/slide21.xml><?xml version="1.0" encoding="utf-8"?>
+<p:sld xmlns:a="http://schemas.openxmlformats.org/drawingml/2006/main" xmlns:r="http://schemas.openxmlformats.org/officeDocument/2006/relationships" xmlns:p="http://schemas.openxmlformats.org/presentationml/2006/main">
+  <p:cSld>
+    <p:spTree>
+      <p:nvGrpSpPr>
+        <p:cNvPr id="1" name=""/>
+        <p:cNvGrpSpPr/>
+        <p:nvPr/>
+      </p:nvGrpSpPr>
+      <p:grpSpPr>
+        <a:xfrm>
+          <a:off x="0" y="0"/>
+          <a:ext cx="0" cy="0"/>
+          <a:chOff x="0" y="0"/>
+          <a:chExt cx="0" cy="0"/>
+        </a:xfrm>
+      </p:grpSpPr>
+      <p:sp>
+        <p:nvSpPr>
+          <p:cNvPr id="2" name="Title 1"/>
+          <p:cNvSpPr>
+            <a:spLocks noGrp="1"/>
+          </p:cNvSpPr>
+          <p:nvPr>
+            <p:ph type="title"/>
+          </p:nvPr>
+        </p:nvSpPr>
+        <p:spPr/>
+        <p:txBody>
+          <a:bodyPr/>
+          <a:lstStyle/>
+          <a:p>
+            <a:r>
+              <a:rPr lang="zh-CN" altLang="en-US" dirty="0" smtClean="0"/>
+              <a:t>采样与统计</a:t>
+            </a:r>
+            <a:endParaRPr lang="en-US" dirty="0"/>
+          </a:p>
+        </p:txBody>
+      </p:sp>
+      <p:sp>
+        <p:nvSpPr>
+          <p:cNvPr id="3" name="Content Placeholder 2"/>
+          <p:cNvSpPr>
+            <a:spLocks noGrp="1"/>
+          </p:cNvSpPr>
+          <p:nvPr>
+            <p:ph idx="1"/>
+          </p:nvPr>
+        </p:nvSpPr>
+        <p:spPr/>
+        <p:txBody>
+          <a:bodyPr/>
+          <a:lstStyle/>
+          <a:p>
+            <a:r>
+              <a:rPr lang="zh-CN" altLang="en-US" dirty="0" smtClean="0"/>
+              <a:t>通常实际工作中，我们</a:t>
+            </a:r>
+            <a:r>
+              <a:rPr lang="zh-CN" altLang="en-US" dirty="0" smtClean="0"/>
+              <a:t>是先有数据</a:t>
+            </a:r>
+            <a:r>
+              <a:rPr lang="zh-CN" altLang="en-US" dirty="0" smtClean="0"/>
+              <a:t>后有</a:t>
+            </a:r>
+            <a:r>
+              <a:rPr lang="zh-CN" altLang="en-US" dirty="0" smtClean="0"/>
+              <a:t>观测</a:t>
+            </a:r>
+            <a:r>
+              <a:rPr lang="zh-CN" altLang="en-US" dirty="0" smtClean="0"/>
+              <a:t>，我们希望通过</a:t>
+            </a:r>
+            <a:r>
+              <a:rPr lang="zh-CN" altLang="en-US" dirty="0" smtClean="0"/>
+              <a:t>数据观测（</a:t>
+            </a:r>
+            <a:r>
+              <a:rPr lang="en-US" altLang="zh-CN" dirty="0" smtClean="0"/>
+              <a:t>configuration</a:t>
+            </a:r>
+            <a:r>
+              <a:rPr lang="zh-CN" altLang="en-US" dirty="0" smtClean="0"/>
+              <a:t> </a:t>
+            </a:r>
+            <a:r>
+              <a:rPr lang="en-US" altLang="zh-CN" dirty="0" smtClean="0"/>
+              <a:t>observation</a:t>
+            </a:r>
+            <a:r>
+              <a:rPr lang="zh-CN" altLang="en-US" dirty="0" smtClean="0"/>
+              <a:t>）归纳</a:t>
+            </a:r>
+            <a:r>
+              <a:rPr lang="zh-CN" altLang="en-US" dirty="0" smtClean="0"/>
+              <a:t>出数据的概率规律。本课程是通识课程，主要讨论基本规律和方法。</a:t>
+            </a:r>
+            <a:endParaRPr lang="en-US" altLang="zh-CN" dirty="0" smtClean="0"/>
+          </a:p>
+          <a:p>
+            <a:endParaRPr lang="en-US" dirty="0"/>
+          </a:p>
+          <a:p>
+            <a:endParaRPr lang="en-US" dirty="0"/>
+          </a:p>
+        </p:txBody>
+      </p:sp>
+      <p:sp>
+        <p:nvSpPr>
+          <p:cNvPr id="4" name="Date Placeholder 3"/>
+          <p:cNvSpPr>
+            <a:spLocks noGrp="1"/>
+          </p:cNvSpPr>
+          <p:nvPr>
+            <p:ph type="dt" sz="half" idx="10"/>
+          </p:nvPr>
+        </p:nvSpPr>
+        <p:spPr/>
+        <p:txBody>
+          <a:bodyPr/>
+          <a:lstStyle/>
+          <a:p>
+            <a:fld id="{359F0E00-F99A-CD43-9FC0-8678B475E476}" type="datetime1">
+              <a:rPr lang="en-SG" smtClean="0"/>
+              <a:t>19/3/17</a:t>
+            </a:fld>
+            <a:endParaRPr lang="en-US"/>
+          </a:p>
+        </p:txBody>
+      </p:sp>
+      <p:sp>
+        <p:nvSpPr>
+          <p:cNvPr id="5" name="Footer Placeholder 4"/>
+          <p:cNvSpPr>
+            <a:spLocks noGrp="1"/>
+          </p:cNvSpPr>
+          <p:nvPr>
+            <p:ph type="ftr" sz="quarter" idx="11"/>
+          </p:nvPr>
+        </p:nvSpPr>
+        <p:spPr/>
+        <p:txBody>
+          <a:bodyPr/>
+          <a:lstStyle/>
+          <a:p>
+            <a:r>
+              <a:rPr lang="en-US" smtClean="0"/>
+              <a:t>王翼 yiak.wy@gmail.com </a:t>
+            </a:r>
+            <a:endParaRPr lang="en-US"/>
+          </a:p>
+        </p:txBody>
+      </p:sp>
+    </p:spTree>
+    <p:extLst>
+      <p:ext uri="{BB962C8B-B14F-4D97-AF65-F5344CB8AC3E}">
+        <p14:creationId xmlns:p14="http://schemas.microsoft.com/office/powerpoint/2010/main" val="1495789367"/>
+      </p:ext>
+    </p:extLst>
+  </p:cSld>
+  <p:clrMapOvr>
+    <a:masterClrMapping/>
+  </p:clrMapOvr>
+</p:sld>
+</file>
+
 <file path=ppt/slides/slide3.xml><?xml version="1.0" encoding="utf-8"?>
 <p:sld xmlns:a="http://schemas.openxmlformats.org/drawingml/2006/main" xmlns:r="http://schemas.openxmlformats.org/officeDocument/2006/relationships" xmlns:p="http://schemas.openxmlformats.org/presentationml/2006/main">
   <p:cSld>
@@ -5759,7 +8767,7 @@
           <a:p>
             <a:fld id="{5F49D035-CA57-594C-9664-D023E14F6318}" type="datetime1">
               <a:rPr lang="en-SG" smtClean="0"/>
-              <a:t>17/3/17</a:t>
+              <a:t>19/3/17</a:t>
             </a:fld>
             <a:endParaRPr lang="en-US"/>
           </a:p>
@@ -6091,7 +9099,7 @@
           <a:p>
             <a:fld id="{ED03BA12-7352-7D46-ACA0-CF824E1FDA47}" type="datetime1">
               <a:rPr lang="en-SG" smtClean="0"/>
-              <a:t>17/3/17</a:t>
+              <a:t>19/3/17</a:t>
             </a:fld>
             <a:endParaRPr lang="en-US"/>
           </a:p>
@@ -6311,7 +9319,7 @@
           <a:p>
             <a:fld id="{69982556-B10B-5E4F-A557-AB928A6368F4}" type="datetime1">
               <a:rPr lang="en-SG" smtClean="0"/>
-              <a:t>17/3/17</a:t>
+              <a:t>19/3/17</a:t>
             </a:fld>
             <a:endParaRPr lang="en-US"/>
           </a:p>
@@ -6751,7 +9759,7 @@
           <a:p>
             <a:fld id="{359F0E00-F99A-CD43-9FC0-8678B475E476}" type="datetime1">
               <a:rPr lang="en-SG" smtClean="0"/>
-              <a:t>17/3/17</a:t>
+              <a:t>19/3/17</a:t>
             </a:fld>
             <a:endParaRPr lang="en-US"/>
           </a:p>
@@ -6880,57 +9888,703 @@
           </a:p>
         </p:txBody>
       </p:sp>
-      <p:sp>
-        <p:nvSpPr>
-          <p:cNvPr id="3" name="Content Placeholder 2"/>
-          <p:cNvSpPr>
-            <a:spLocks noGrp="1"/>
-          </p:cNvSpPr>
-          <p:nvPr>
-            <p:ph idx="1"/>
-          </p:nvPr>
-        </p:nvSpPr>
-        <p:spPr/>
-        <p:txBody>
-          <a:bodyPr/>
-          <a:lstStyle/>
-          <a:p>
-            <a:r>
-              <a:rPr lang="en-US" altLang="zh-CN" dirty="0" smtClean="0"/>
-              <a:t>1.</a:t>
-            </a:r>
-            <a:r>
-              <a:rPr lang="zh-CN" altLang="en-US" dirty="0" smtClean="0"/>
-              <a:t> 一个简单的问题：</a:t>
-            </a:r>
-            <a:endParaRPr lang="en-US" altLang="zh-CN" dirty="0" smtClean="0"/>
-          </a:p>
-          <a:p>
-            <a:pPr lvl="1"/>
-            <a:r>
-              <a:rPr lang="zh-CN" altLang="en-US" dirty="0" smtClean="0"/>
-              <a:t>抛硬币</a:t>
-            </a:r>
-            <a:r>
-              <a:rPr lang="en-US" altLang="zh-CN" dirty="0" smtClean="0"/>
-              <a:t>3</a:t>
-            </a:r>
-            <a:r>
-              <a:rPr lang="zh-CN" altLang="en-US" dirty="0" smtClean="0"/>
-              <a:t>次有这样两种结果： 正正反， 反反正。求问他们结果一样吗？</a:t>
-            </a:r>
-            <a:endParaRPr lang="en-US" altLang="zh-CN" dirty="0" smtClean="0"/>
-          </a:p>
-          <a:p>
-            <a:pPr lvl="1"/>
-            <a:r>
-              <a:rPr lang="zh-CN" altLang="en-US" dirty="0" smtClean="0"/>
-              <a:t>计算机模拟</a:t>
-            </a:r>
-            <a:endParaRPr lang="en-US" altLang="zh-CN" dirty="0" smtClean="0"/>
-          </a:p>
-        </p:txBody>
-      </p:sp>
+      <mc:AlternateContent xmlns:mc="http://schemas.openxmlformats.org/markup-compatibility/2006" xmlns:a14="http://schemas.microsoft.com/office/drawing/2010/main">
+        <mc:Choice Requires="a14">
+          <p:sp>
+            <p:nvSpPr>
+              <p:cNvPr id="3" name="Content Placeholder 2"/>
+              <p:cNvSpPr>
+                <a:spLocks noGrp="1"/>
+              </p:cNvSpPr>
+              <p:nvPr>
+                <p:ph idx="1"/>
+              </p:nvPr>
+            </p:nvSpPr>
+            <p:spPr/>
+            <p:txBody>
+              <a:bodyPr>
+                <a:normAutofit fontScale="62500" lnSpcReduction="20000"/>
+              </a:bodyPr>
+              <a:lstStyle/>
+              <a:p>
+                <a:r>
+                  <a:rPr lang="en-US" altLang="zh-CN" dirty="0" smtClean="0"/>
+                  <a:t>1.</a:t>
+                </a:r>
+                <a:r>
+                  <a:rPr lang="zh-CN" altLang="en-US" dirty="0" smtClean="0"/>
+                  <a:t> 一个简单的问题：</a:t>
+                </a:r>
+                <a:endParaRPr lang="en-US" altLang="zh-CN" dirty="0" smtClean="0"/>
+              </a:p>
+              <a:p>
+                <a:pPr lvl="1"/>
+                <a:r>
+                  <a:rPr lang="zh-CN" altLang="en-US" dirty="0" smtClean="0"/>
+                  <a:t>抛硬币</a:t>
+                </a:r>
+                <a:r>
+                  <a:rPr lang="en-US" altLang="zh-CN" dirty="0" smtClean="0"/>
+                  <a:t>3</a:t>
+                </a:r>
+                <a:r>
+                  <a:rPr lang="zh-CN" altLang="en-US" dirty="0" smtClean="0"/>
+                  <a:t>次有这样两种结果： 正正反， 反反正。求问他们结果一样吗？</a:t>
+                </a:r>
+                <a:endParaRPr lang="en-US" altLang="zh-CN" dirty="0" smtClean="0"/>
+              </a:p>
+              <a:p>
+                <a:pPr lvl="1"/>
+                <a:r>
+                  <a:rPr lang="zh-CN" altLang="en-US" dirty="0" smtClean="0">
+                    <a:hlinkClick r:id="rId2" invalidUrl="https://github.com/yiakwy/yiak.github.io/blob/develop/Computing Random Variables/Materials/simulating-0.1/src/main.cpp"/>
+                  </a:rPr>
+                  <a:t>计算机模拟</a:t>
+                </a:r>
+                <a:r>
+                  <a:rPr lang="en-US" altLang="zh-CN" dirty="0" smtClean="0"/>
+                  <a:t> (develop branch)</a:t>
+                </a:r>
+              </a:p>
+              <a:p>
+                <a:pPr lvl="2"/>
+                <a:r>
+                  <a:rPr lang="zh-CN" altLang="en-US" dirty="0" smtClean="0"/>
+                  <a:t>我们希望通过大量，根据大数收敛定理来逼近理论概率值</a:t>
+                </a:r>
+                <a:endParaRPr lang="en-US" altLang="zh-CN" dirty="0"/>
+              </a:p>
+              <a:p>
+                <a:pPr lvl="2"/>
+                <a:r>
+                  <a:rPr lang="zh-CN" altLang="en-US" dirty="0" smtClean="0"/>
+                  <a:t>通过问题转换，用已知分布来推导 （</a:t>
+                </a:r>
+                <a:r>
+                  <a:rPr lang="en-US" altLang="zh-CN" dirty="0" err="1" smtClean="0"/>
+                  <a:t>Kmeans</a:t>
+                </a:r>
+                <a:r>
+                  <a:rPr lang="en-US" altLang="zh-CN" dirty="0" smtClean="0"/>
+                  <a:t>++</a:t>
+                </a:r>
+                <a:r>
+                  <a:rPr lang="zh-CN" altLang="en-US" dirty="0" smtClean="0"/>
+                  <a:t>）</a:t>
+                </a:r>
+                <a:endParaRPr lang="en-US" altLang="zh-CN" dirty="0"/>
+              </a:p>
+              <a:p>
+                <a:pPr lvl="3"/>
+                <a:r>
+                  <a:rPr lang="zh-CN" altLang="en-US" dirty="0" smtClean="0"/>
+                  <a:t>形式化的数学方法，递归，微分</a:t>
+                </a:r>
+                <a:r>
+                  <a:rPr lang="mr-IN" altLang="zh-CN" dirty="0" smtClean="0"/>
+                  <a:t>…</a:t>
+                </a:r>
+                <a:endParaRPr lang="en-US" altLang="zh-CN" dirty="0" smtClean="0"/>
+              </a:p>
+              <a:p>
+                <a:pPr lvl="3"/>
+                <a:endParaRPr lang="en-US" altLang="zh-CN" dirty="0" smtClean="0"/>
+              </a:p>
+              <a:p>
+                <a:r>
+                  <a:rPr lang="en-US" altLang="zh-CN" dirty="0" smtClean="0"/>
+                  <a:t>2.</a:t>
+                </a:r>
+                <a:r>
+                  <a:rPr lang="zh-CN" altLang="en-US" dirty="0" smtClean="0"/>
+                  <a:t> 回顾查询表算法</a:t>
+                </a:r>
+                <a:r>
+                  <a:rPr lang="en-US" altLang="zh-CN" dirty="0" smtClean="0"/>
+                  <a:t>-KMP/Boyer</a:t>
+                </a:r>
+                <a:r>
+                  <a:rPr lang="zh-CN" altLang="en-US" dirty="0" smtClean="0"/>
+                  <a:t> </a:t>
+                </a:r>
+                <a:r>
+                  <a:rPr lang="en-US" altLang="zh-CN" dirty="0" smtClean="0"/>
+                  <a:t>Moore</a:t>
+                </a:r>
+                <a:r>
+                  <a:rPr lang="zh-CN" altLang="en-US" dirty="0" smtClean="0"/>
+                  <a:t>思路：</a:t>
+                </a:r>
+                <a:endParaRPr lang="en-US" altLang="zh-CN" dirty="0"/>
+              </a:p>
+              <a:p>
+                <a:pPr lvl="1"/>
+                <a:r>
+                  <a:rPr lang="zh-CN" altLang="en-US" dirty="0" smtClean="0"/>
+                  <a:t>这里仅举例子</a:t>
+                </a:r>
+                <a:r>
+                  <a:rPr lang="en-US" altLang="zh-CN" dirty="0" smtClean="0"/>
+                  <a:t>KMP</a:t>
+                </a:r>
+              </a:p>
+              <a:p>
+                <a:pPr lvl="1"/>
+                <a:r>
+                  <a:rPr lang="zh-CN" altLang="en-US" dirty="0" smtClean="0"/>
+                  <a:t>当前串是</a:t>
+                </a:r>
+                <a:r>
+                  <a:rPr lang="en-US" altLang="zh-CN" dirty="0" smtClean="0"/>
+                  <a:t>T</a:t>
+                </a:r>
+                <a:r>
+                  <a:rPr lang="zh-CN" altLang="en-US" dirty="0" smtClean="0"/>
+                  <a:t>， 模式串是</a:t>
+                </a:r>
+                <a:r>
+                  <a:rPr lang="en-US" altLang="zh-CN" dirty="0" smtClean="0"/>
+                  <a:t>P</a:t>
+                </a:r>
+                <a:r>
+                  <a:rPr lang="zh-CN" altLang="en-US" dirty="0" smtClean="0"/>
+                  <a:t>，</a:t>
+                </a:r>
+                <a:r>
+                  <a:rPr lang="en-US" altLang="zh-CN" dirty="0" smtClean="0"/>
+                  <a:t>T</a:t>
+                </a:r>
+                <a:r>
+                  <a:rPr lang="zh-CN" altLang="en-US" dirty="0" smtClean="0"/>
+                  <a:t>匹配到位置</a:t>
+                </a:r>
+                <a:r>
+                  <a:rPr lang="en-US" altLang="zh-CN" dirty="0" err="1" smtClean="0"/>
+                  <a:t>i</a:t>
+                </a:r>
+                <a:r>
+                  <a:rPr lang="zh-CN" altLang="en-US" dirty="0" smtClean="0"/>
+                  <a:t> </a:t>
+                </a:r>
+                <a:r>
+                  <a:rPr lang="en-US" altLang="zh-CN" dirty="0" smtClean="0"/>
+                  <a:t>P</a:t>
+                </a:r>
+                <a:r>
+                  <a:rPr lang="zh-CN" altLang="en-US" dirty="0" smtClean="0"/>
+                  <a:t>匹配到未知</a:t>
+                </a:r>
+                <a:r>
+                  <a:rPr lang="en-US" altLang="zh-CN" dirty="0" smtClean="0"/>
+                  <a:t>j,</a:t>
+                </a:r>
+                <a:r>
+                  <a:rPr lang="zh-CN" altLang="en-US" dirty="0" smtClean="0"/>
+                  <a:t> 此时第一次发生 </a:t>
+                </a:r>
+                <a14:m>
+                  <m:oMath xmlns:m="http://schemas.openxmlformats.org/officeDocument/2006/math">
+                    <m:r>
+                      <m:rPr>
+                        <m:sty m:val="p"/>
+                      </m:rPr>
+                      <a:rPr lang="en-US" altLang="zh-CN" b="0" i="0" smtClean="0">
+                        <a:latin typeface="Cambria Math" charset="0"/>
+                        <a:ea typeface="Cambria Math" charset="0"/>
+                        <a:cs typeface="Cambria Math" charset="0"/>
+                      </a:rPr>
+                      <m:t>T</m:t>
+                    </m:r>
+                    <m:d>
+                      <m:dPr>
+                        <m:begChr m:val="["/>
+                        <m:endChr m:val="]"/>
+                        <m:ctrlPr>
+                          <a:rPr lang="en-US" altLang="zh-CN" b="0" i="1" smtClean="0">
+                            <a:latin typeface="Cambria Math" charset="0"/>
+                            <a:ea typeface="Cambria Math" charset="0"/>
+                            <a:cs typeface="Cambria Math" charset="0"/>
+                          </a:rPr>
+                        </m:ctrlPr>
+                      </m:dPr>
+                      <m:e>
+                        <m:r>
+                          <m:rPr>
+                            <m:sty m:val="p"/>
+                          </m:rPr>
+                          <a:rPr lang="en-US" altLang="zh-CN" b="0" i="0" smtClean="0">
+                            <a:latin typeface="Cambria Math" charset="0"/>
+                            <a:ea typeface="Cambria Math" charset="0"/>
+                            <a:cs typeface="Cambria Math" charset="0"/>
+                          </a:rPr>
+                          <m:t>i</m:t>
+                        </m:r>
+                      </m:e>
+                    </m:d>
+                    <m:r>
+                      <a:rPr lang="en-US" altLang="zh-CN" i="1" smtClean="0">
+                        <a:latin typeface="Cambria Math" charset="0"/>
+                        <a:ea typeface="Cambria Math" charset="0"/>
+                        <a:cs typeface="Cambria Math" charset="0"/>
+                      </a:rPr>
+                      <m:t>≠</m:t>
+                    </m:r>
+                    <m:r>
+                      <a:rPr lang="en-US" altLang="zh-CN" b="0" i="1" smtClean="0">
+                        <a:latin typeface="Cambria Math" charset="0"/>
+                        <a:ea typeface="Cambria Math" charset="0"/>
+                        <a:cs typeface="Cambria Math" charset="0"/>
+                      </a:rPr>
+                      <m:t>𝑇</m:t>
+                    </m:r>
+                    <m:d>
+                      <m:dPr>
+                        <m:begChr m:val="["/>
+                        <m:endChr m:val="]"/>
+                        <m:ctrlPr>
+                          <a:rPr lang="en-US" altLang="zh-CN" b="0" i="1" smtClean="0">
+                            <a:latin typeface="Cambria Math" charset="0"/>
+                            <a:ea typeface="Cambria Math" charset="0"/>
+                            <a:cs typeface="Cambria Math" charset="0"/>
+                          </a:rPr>
+                        </m:ctrlPr>
+                      </m:dPr>
+                      <m:e>
+                        <m:r>
+                          <a:rPr lang="en-US" altLang="zh-CN" b="0" i="1" smtClean="0">
+                            <a:latin typeface="Cambria Math" charset="0"/>
+                            <a:ea typeface="Cambria Math" charset="0"/>
+                            <a:cs typeface="Cambria Math" charset="0"/>
+                          </a:rPr>
+                          <m:t>𝑗</m:t>
+                        </m:r>
+                      </m:e>
+                    </m:d>
+                  </m:oMath>
+                </a14:m>
+                <a:r>
+                  <a:rPr lang="zh-CN" altLang="en-US" dirty="0" smtClean="0"/>
+                  <a:t>，考虑一个特殊情况，</a:t>
+                </a:r>
+                <a:r>
+                  <a:rPr lang="en-US" altLang="zh-CN" dirty="0" smtClean="0"/>
+                  <a:t>P</a:t>
+                </a:r>
+                <a:r>
+                  <a:rPr lang="zh-CN" altLang="en-US" dirty="0" smtClean="0"/>
+                  <a:t>串字符都不相同的先验信息，那么</a:t>
+                </a:r>
+                <a:r>
+                  <a:rPr lang="en-US" altLang="zh-CN" dirty="0" smtClean="0"/>
+                  <a:t>P</a:t>
+                </a:r>
+                <a:r>
+                  <a:rPr lang="zh-CN" altLang="en-US" dirty="0" smtClean="0"/>
+                  <a:t>串就可以相比较原始的暴力匹配，可以直接对齐</a:t>
+                </a:r>
+                <a:r>
+                  <a:rPr lang="en-US" altLang="zh-CN" dirty="0" smtClean="0"/>
+                  <a:t>T</a:t>
+                </a:r>
+                <a:r>
+                  <a:rPr lang="zh-CN" altLang="en-US" dirty="0" smtClean="0"/>
+                  <a:t>中</a:t>
+                </a:r>
+                <a:r>
+                  <a:rPr lang="en-US" altLang="zh-CN" dirty="0" smtClean="0"/>
+                  <a:t>i+1</a:t>
+                </a:r>
+                <a:r>
+                  <a:rPr lang="zh-CN" altLang="en-US" dirty="0" smtClean="0"/>
+                  <a:t>位置重新检索，前进</a:t>
+                </a:r>
+                <a:r>
+                  <a:rPr lang="en-US" altLang="zh-CN" dirty="0" smtClean="0"/>
+                  <a:t>j</a:t>
+                </a:r>
+                <a:r>
+                  <a:rPr lang="zh-CN" altLang="en-US" dirty="0" smtClean="0"/>
+                  <a:t>位。</a:t>
+                </a:r>
+                <a:endParaRPr lang="en-US" altLang="zh-CN" dirty="0" smtClean="0"/>
+              </a:p>
+              <a:p>
+                <a:pPr lvl="1"/>
+                <a:r>
+                  <a:rPr lang="zh-CN" altLang="en-US" dirty="0" smtClean="0"/>
+                  <a:t>于是考虑一般情况，若</a:t>
+                </a:r>
+                <a:r>
+                  <a:rPr lang="en-US" altLang="zh-CN" dirty="0" smtClean="0"/>
+                  <a:t>P</a:t>
+                </a:r>
+                <a:r>
+                  <a:rPr lang="zh-CN" altLang="en-US" dirty="0" smtClean="0"/>
+                  <a:t>串前进</a:t>
+                </a:r>
+                <a:r>
+                  <a:rPr lang="en-US" altLang="zh-CN" dirty="0" smtClean="0"/>
+                  <a:t>j-k</a:t>
+                </a:r>
+                <a:r>
+                  <a:rPr lang="zh-CN" altLang="en-US" dirty="0" smtClean="0"/>
+                  <a:t>位，进行匹配：</a:t>
+                </a:r>
+                <a:endParaRPr lang="en-US" altLang="zh-CN" dirty="0" smtClean="0"/>
+              </a:p>
+              <a:p>
+                <a:pPr lvl="2"/>
+                <a:r>
+                  <a:rPr lang="zh-CN" altLang="en-US" dirty="0" smtClean="0"/>
+                  <a:t>若其实有意义的，必须确保（必要条件）：</a:t>
+                </a:r>
+                <a:endParaRPr lang="en-US" altLang="zh-CN" dirty="0" smtClean="0"/>
+              </a:p>
+              <a:p>
+                <a:pPr lvl="3"/>
+                <a:r>
+                  <a:rPr lang="en-US" altLang="zh-CN" dirty="0" smtClean="0"/>
+                  <a:t>T[</a:t>
+                </a:r>
+                <a:r>
+                  <a:rPr lang="en-US" altLang="zh-CN" dirty="0" err="1" smtClean="0"/>
+                  <a:t>i</a:t>
+                </a:r>
+                <a:r>
+                  <a:rPr lang="en-US" altLang="zh-CN" dirty="0" smtClean="0"/>
+                  <a:t>-k..</a:t>
+                </a:r>
+                <a:r>
+                  <a:rPr lang="en-US" altLang="zh-CN" dirty="0" err="1" smtClean="0"/>
+                  <a:t>i</a:t>
+                </a:r>
+                <a:r>
+                  <a:rPr lang="en-US" altLang="zh-CN" dirty="0" smtClean="0"/>
+                  <a:t>]</a:t>
+                </a:r>
+                <a:r>
+                  <a:rPr lang="zh-CN" altLang="en-US" dirty="0" smtClean="0"/>
+                  <a:t> </a:t>
+                </a:r>
+                <a:r>
+                  <a:rPr lang="en-US" altLang="zh-CN" dirty="0" smtClean="0"/>
+                  <a:t>=</a:t>
+                </a:r>
+                <a:r>
+                  <a:rPr lang="zh-CN" altLang="en-US" dirty="0" smtClean="0"/>
+                  <a:t> </a:t>
+                </a:r>
+                <a:r>
+                  <a:rPr lang="en-US" altLang="zh-CN" dirty="0" smtClean="0"/>
+                  <a:t>P[0..k],</a:t>
+                </a:r>
+                <a:r>
+                  <a:rPr lang="zh-CN" altLang="en-US" dirty="0" smtClean="0"/>
+                  <a:t> 而我们已经知道了</a:t>
+                </a:r>
+                <a:r>
+                  <a:rPr lang="en-US" altLang="zh-CN" dirty="0" smtClean="0"/>
+                  <a:t>T[</a:t>
+                </a:r>
+                <a:r>
+                  <a:rPr lang="en-US" altLang="zh-CN" dirty="0" err="1" smtClean="0"/>
+                  <a:t>i</a:t>
+                </a:r>
+                <a:r>
+                  <a:rPr lang="en-US" altLang="zh-CN" dirty="0" smtClean="0"/>
+                  <a:t>-j,</a:t>
+                </a:r>
+                <a:r>
+                  <a:rPr lang="zh-CN" altLang="en-US" dirty="0" smtClean="0"/>
+                  <a:t> </a:t>
+                </a:r>
+                <a:r>
+                  <a:rPr lang="en-US" altLang="zh-CN" dirty="0" smtClean="0"/>
+                  <a:t>i-1]</a:t>
+                </a:r>
+                <a:r>
+                  <a:rPr lang="zh-CN" altLang="en-US" dirty="0" smtClean="0"/>
+                  <a:t> </a:t>
+                </a:r>
+                <a:r>
+                  <a:rPr lang="en-US" altLang="zh-CN" dirty="0" smtClean="0"/>
+                  <a:t>==</a:t>
+                </a:r>
+                <a:r>
+                  <a:rPr lang="zh-CN" altLang="en-US" dirty="0" smtClean="0"/>
+                  <a:t> </a:t>
+                </a:r>
+                <a:r>
+                  <a:rPr lang="en-US" altLang="zh-CN" dirty="0" smtClean="0"/>
+                  <a:t>P[0..j-1],</a:t>
+                </a:r>
+                <a:r>
+                  <a:rPr lang="zh-CN" altLang="en-US" dirty="0" smtClean="0"/>
+                  <a:t> </a:t>
+                </a:r>
+                <a:r>
+                  <a:rPr lang="en-US" altLang="zh-CN" dirty="0" smtClean="0"/>
+                  <a:t>T[</a:t>
+                </a:r>
+                <a:r>
+                  <a:rPr lang="en-US" altLang="zh-CN" dirty="0" err="1" smtClean="0"/>
+                  <a:t>i</a:t>
+                </a:r>
+                <a:r>
+                  <a:rPr lang="en-US" altLang="zh-CN" dirty="0" smtClean="0"/>
+                  <a:t>]</a:t>
+                </a:r>
+                <a14:m>
+                  <m:oMath xmlns:m="http://schemas.openxmlformats.org/officeDocument/2006/math">
+                    <m:r>
+                      <a:rPr lang="en-US" altLang="zh-CN" b="0" i="1" smtClean="0">
+                        <a:latin typeface="Cambria Math" charset="0"/>
+                        <a:ea typeface="Cambria Math" charset="0"/>
+                        <a:cs typeface="Cambria Math" charset="0"/>
+                      </a:rPr>
+                      <m:t>≠</m:t>
+                    </m:r>
+                    <m:r>
+                      <a:rPr lang="en-US" altLang="zh-CN" b="0" i="1" smtClean="0">
+                        <a:latin typeface="Cambria Math" charset="0"/>
+                        <a:ea typeface="Cambria Math" charset="0"/>
+                        <a:cs typeface="Cambria Math" charset="0"/>
+                      </a:rPr>
+                      <m:t>𝑇</m:t>
+                    </m:r>
+                    <m:r>
+                      <a:rPr lang="en-US" altLang="zh-CN" b="0" i="1" smtClean="0">
+                        <a:latin typeface="Cambria Math" charset="0"/>
+                        <a:ea typeface="Cambria Math" charset="0"/>
+                        <a:cs typeface="Cambria Math" charset="0"/>
+                      </a:rPr>
+                      <m:t>[</m:t>
+                    </m:r>
+                    <m:r>
+                      <a:rPr lang="en-US" altLang="zh-CN" b="0" i="1" smtClean="0">
+                        <a:latin typeface="Cambria Math" charset="0"/>
+                        <a:ea typeface="Cambria Math" charset="0"/>
+                        <a:cs typeface="Cambria Math" charset="0"/>
+                      </a:rPr>
+                      <m:t>𝑗</m:t>
+                    </m:r>
+                    <m:r>
+                      <a:rPr lang="en-US" altLang="zh-CN" b="0" i="1" smtClean="0">
+                        <a:latin typeface="Cambria Math" charset="0"/>
+                        <a:ea typeface="Cambria Math" charset="0"/>
+                        <a:cs typeface="Cambria Math" charset="0"/>
+                      </a:rPr>
+                      <m:t>]</m:t>
+                    </m:r>
+                  </m:oMath>
+                </a14:m>
+                <a:r>
+                  <a:rPr lang="zh-CN" altLang="en-US" dirty="0" smtClean="0"/>
+                  <a:t>（标号通过相减验证步长）</a:t>
+                </a:r>
+                <a:endParaRPr lang="en-US" altLang="zh-CN" dirty="0" smtClean="0"/>
+              </a:p>
+              <a:p>
+                <a:pPr lvl="3"/>
+                <a:r>
+                  <a:rPr lang="zh-CN" altLang="en-US" dirty="0" smtClean="0"/>
+                  <a:t>因此，得到一个完全关于已知的</a:t>
+                </a:r>
+                <a:r>
+                  <a:rPr lang="en-US" altLang="zh-CN" dirty="0" smtClean="0"/>
+                  <a:t>P</a:t>
+                </a:r>
+                <a:r>
+                  <a:rPr lang="zh-CN" altLang="en-US" dirty="0" smtClean="0"/>
+                  <a:t>串信息：</a:t>
+                </a:r>
+                <a:endParaRPr lang="en-US" altLang="zh-CN" dirty="0" smtClean="0"/>
+              </a:p>
+              <a:p>
+                <a:pPr lvl="4"/>
+                <a:r>
+                  <a:rPr lang="en-US" altLang="zh-CN" dirty="0" smtClean="0"/>
+                  <a:t>T[</a:t>
+                </a:r>
+                <a:r>
+                  <a:rPr lang="en-US" altLang="zh-CN" dirty="0" err="1" smtClean="0"/>
+                  <a:t>i</a:t>
+                </a:r>
+                <a:r>
+                  <a:rPr lang="en-US" altLang="zh-CN" dirty="0" smtClean="0"/>
+                  <a:t>-k,</a:t>
+                </a:r>
+                <a:r>
+                  <a:rPr lang="zh-CN" altLang="en-US" dirty="0" smtClean="0"/>
+                  <a:t> </a:t>
+                </a:r>
+                <a:r>
+                  <a:rPr lang="en-US" altLang="zh-CN" dirty="0" smtClean="0"/>
+                  <a:t>i-1]</a:t>
+                </a:r>
+                <a:r>
+                  <a:rPr lang="zh-CN" altLang="en-US" dirty="0" smtClean="0"/>
+                  <a:t> </a:t>
+                </a:r>
+                <a:r>
+                  <a:rPr lang="en-US" altLang="zh-CN" dirty="0" smtClean="0"/>
+                  <a:t>=</a:t>
+                </a:r>
+                <a:r>
+                  <a:rPr lang="zh-CN" altLang="en-US" dirty="0" smtClean="0"/>
+                  <a:t> </a:t>
+                </a:r>
+                <a:r>
+                  <a:rPr lang="en-US" altLang="zh-CN" dirty="0" smtClean="0"/>
+                  <a:t>P[0..k-1]</a:t>
+                </a:r>
+                <a:r>
+                  <a:rPr lang="zh-CN" altLang="en-US" dirty="0" smtClean="0"/>
+                  <a:t> </a:t>
+                </a:r>
+                <a:r>
+                  <a:rPr lang="en-US" altLang="zh-CN" dirty="0" smtClean="0"/>
+                  <a:t>=</a:t>
+                </a:r>
+                <a:r>
+                  <a:rPr lang="zh-CN" altLang="en-US" dirty="0" smtClean="0"/>
+                  <a:t> </a:t>
+                </a:r>
+                <a:r>
+                  <a:rPr lang="en-US" altLang="zh-CN" dirty="0" smtClean="0"/>
+                  <a:t>P[(</a:t>
+                </a:r>
+                <a:r>
+                  <a:rPr lang="en-US" altLang="zh-CN" dirty="0" err="1" smtClean="0"/>
+                  <a:t>i</a:t>
+                </a:r>
+                <a:r>
+                  <a:rPr lang="en-US" altLang="zh-CN" dirty="0" smtClean="0"/>
+                  <a:t>-k)-(</a:t>
+                </a:r>
+                <a:r>
+                  <a:rPr lang="en-US" altLang="zh-CN" dirty="0" err="1" smtClean="0"/>
+                  <a:t>i</a:t>
+                </a:r>
+                <a:r>
+                  <a:rPr lang="en-US" altLang="zh-CN" dirty="0" smtClean="0"/>
+                  <a:t>-j)..j-1]</a:t>
+                </a:r>
+                <a:r>
+                  <a:rPr lang="zh-CN" altLang="en-US" dirty="0" smtClean="0"/>
+                  <a:t> </a:t>
+                </a:r>
+                <a:r>
+                  <a:rPr lang="en-US" altLang="zh-CN" dirty="0" smtClean="0"/>
+                  <a:t>==</a:t>
+                </a:r>
+                <a:r>
+                  <a:rPr lang="zh-CN" altLang="en-US" dirty="0" smtClean="0"/>
+                  <a:t> </a:t>
+                </a:r>
+                <a:r>
+                  <a:rPr lang="en-US" altLang="zh-CN" dirty="0" smtClean="0"/>
+                  <a:t>P[j-k..j-1]</a:t>
+                </a:r>
+                <a:r>
+                  <a:rPr lang="zh-CN" altLang="en-US" dirty="0" smtClean="0"/>
+                  <a:t> </a:t>
+                </a:r>
+                <a:r>
+                  <a:rPr lang="en-US" altLang="zh-CN" dirty="0" err="1" smtClean="0"/>
+                  <a:t>i.e</a:t>
+                </a:r>
+                <a:r>
+                  <a:rPr lang="en-US" altLang="zh-CN" dirty="0" smtClean="0"/>
+                  <a:t>:</a:t>
+                </a:r>
+                <a:r>
+                  <a:rPr lang="zh-CN" altLang="en-US" dirty="0" smtClean="0"/>
+                  <a:t>  </a:t>
+                </a:r>
+                <a:r>
+                  <a:rPr lang="en-US" altLang="zh-CN" dirty="0" smtClean="0"/>
+                  <a:t>P[0..k-1]</a:t>
+                </a:r>
+                <a:r>
+                  <a:rPr lang="zh-CN" altLang="en-US" dirty="0" smtClean="0"/>
+                  <a:t> </a:t>
+                </a:r>
+                <a:r>
+                  <a:rPr lang="en-US" altLang="zh-CN" dirty="0" smtClean="0"/>
+                  <a:t>=</a:t>
+                </a:r>
+                <a:r>
+                  <a:rPr lang="zh-CN" altLang="en-US" dirty="0" smtClean="0"/>
+                  <a:t> </a:t>
+                </a:r>
+                <a:r>
+                  <a:rPr lang="en-US" altLang="zh-CN" dirty="0" smtClean="0"/>
+                  <a:t>P[j-k..j-1]</a:t>
+                </a:r>
+                <a:r>
+                  <a:rPr lang="zh-CN" altLang="en-US" dirty="0" smtClean="0"/>
+                  <a:t>，其中</a:t>
+                </a:r>
+                <a:r>
+                  <a:rPr lang="en-US" altLang="zh-CN" dirty="0" smtClean="0"/>
+                  <a:t>k</a:t>
+                </a:r>
+                <a:r>
+                  <a:rPr lang="zh-CN" altLang="en-US" dirty="0" smtClean="0"/>
+                  <a:t>满足该条件若干种步长。因为这是必要条件，故我们考虑对改善算法的最弱情况，即最小步长就可以有效改进算法。</a:t>
+                </a:r>
+                <a:endParaRPr lang="en-US" altLang="zh-CN" dirty="0" smtClean="0"/>
+              </a:p>
+              <a:p>
+                <a:pPr lvl="5"/>
+                <a:endParaRPr lang="en-US" altLang="zh-CN" dirty="0"/>
+              </a:p>
+              <a:p>
+                <a:pPr lvl="1"/>
+                <a:r>
+                  <a:rPr lang="zh-CN" altLang="en-US" dirty="0" smtClean="0"/>
+                  <a:t>为什么称其为查询表算法，本质是挖掘先验信息的方法来解决概率问题！注意到上面，我们只是考虑到一定会出现的情况，而忽略了“可能会出现的情况”，因此本算法核心思路就是继续在挖掘先验信息的基础上，将多种情况以概率的形式表达出来。这里概率是未知的，我们按照方法的原则，尝试构建数学形式推理：</a:t>
+                </a:r>
+                <a:endParaRPr lang="en-US" altLang="zh-CN" dirty="0" smtClean="0"/>
+              </a:p>
+            </p:txBody>
+          </p:sp>
+        </mc:Choice>
+        <mc:Fallback xmlns="">
+          <p:sp>
+            <p:nvSpPr>
+              <p:cNvPr id="3" name="Content Placeholder 2"/>
+              <p:cNvSpPr>
+                <a:spLocks noGrp="1" noRot="1" noChangeAspect="1" noMove="1" noResize="1" noEditPoints="1" noAdjustHandles="1" noChangeArrowheads="1" noChangeShapeType="1" noTextEdit="1"/>
+              </p:cNvSpPr>
+              <p:nvPr>
+                <p:ph idx="1"/>
+              </p:nvPr>
+            </p:nvSpPr>
+            <p:spPr>
+              <a:blipFill rotWithShape="0">
+                <a:blip r:embed="rId3"/>
+                <a:stretch>
+                  <a:fillRect l="-406" t="-2241"/>
+                </a:stretch>
+              </a:blipFill>
+            </p:spPr>
+            <p:txBody>
+              <a:bodyPr/>
+              <a:lstStyle/>
+              <a:p>
+                <a:r>
+                  <a:rPr lang="en-US">
+                    <a:noFill/>
+                  </a:rPr>
+                  <a:t> </a:t>
+                </a:r>
+              </a:p>
+            </p:txBody>
+          </p:sp>
+        </mc:Fallback>
+      </mc:AlternateContent>
       <p:sp>
         <p:nvSpPr>
           <p:cNvPr id="4" name="Date Placeholder 3"/>
@@ -6948,7 +10602,7 @@
           <a:p>
             <a:fld id="{359F0E00-F99A-CD43-9FC0-8678B475E476}" type="datetime1">
               <a:rPr lang="en-SG" smtClean="0"/>
-              <a:t>18/3/17</a:t>
+              <a:t>19/3/17</a:t>
             </a:fld>
             <a:endParaRPr lang="en-US"/>
           </a:p>
@@ -7031,213 +10685,1526 @@
           <a:p>
             <a:r>
               <a:rPr lang="zh-CN" altLang="en-US" dirty="0" smtClean="0"/>
-              <a:t>基本概念和方法</a:t>
+              <a:t>跟定母串</a:t>
+            </a:r>
+            <a:r>
+              <a:rPr lang="en-US" altLang="zh-CN" dirty="0" smtClean="0"/>
+              <a:t>T</a:t>
+            </a:r>
+            <a:r>
+              <a:rPr lang="zh-CN" altLang="en-US" dirty="0" smtClean="0"/>
+              <a:t>长度</a:t>
+            </a:r>
+            <a:r>
+              <a:rPr lang="en-US" altLang="zh-CN" dirty="0" smtClean="0"/>
+              <a:t>L</a:t>
+            </a:r>
+            <a:r>
+              <a:rPr lang="zh-CN" altLang="en-US" dirty="0" smtClean="0"/>
+              <a:t>，和模式串</a:t>
+            </a:r>
+            <a:r>
+              <a:rPr lang="en-US" altLang="zh-CN" dirty="0" smtClean="0"/>
+              <a:t>M,</a:t>
+            </a:r>
+            <a:r>
+              <a:rPr lang="zh-CN" altLang="en-US" dirty="0" smtClean="0"/>
+              <a:t> 长</a:t>
+            </a:r>
+            <a:r>
+              <a:rPr lang="en-US" altLang="zh-CN" dirty="0" smtClean="0"/>
+              <a:t>M_L</a:t>
+            </a:r>
+            <a:r>
+              <a:rPr lang="zh-CN" altLang="en-US" dirty="0" smtClean="0"/>
+              <a:t>，求</a:t>
+            </a:r>
+            <a:r>
+              <a:rPr lang="en-US" altLang="zh-CN" dirty="0"/>
+              <a:t>M</a:t>
+            </a:r>
+            <a:r>
+              <a:rPr lang="zh-CN" altLang="en-US" dirty="0" smtClean="0"/>
+              <a:t>在</a:t>
+            </a:r>
+            <a:r>
+              <a:rPr lang="en-US" altLang="zh-CN" dirty="0" smtClean="0"/>
+              <a:t>T</a:t>
+            </a:r>
+            <a:r>
+              <a:rPr lang="zh-CN" altLang="en-US" dirty="0" smtClean="0"/>
+              <a:t>中出现的概率</a:t>
             </a:r>
             <a:endParaRPr lang="en-US" dirty="0"/>
           </a:p>
         </p:txBody>
       </p:sp>
-      <p:sp>
-        <p:nvSpPr>
-          <p:cNvPr id="3" name="Content Placeholder 2"/>
-          <p:cNvSpPr>
-            <a:spLocks noGrp="1"/>
-          </p:cNvSpPr>
-          <p:nvPr>
-            <p:ph idx="1"/>
-          </p:nvPr>
-        </p:nvSpPr>
-        <p:spPr/>
-        <p:txBody>
-          <a:bodyPr>
-            <a:normAutofit fontScale="62500" lnSpcReduction="20000"/>
-          </a:bodyPr>
-          <a:lstStyle/>
-          <a:p>
-            <a:r>
-              <a:rPr lang="zh-CN" altLang="en-US" dirty="0" smtClean="0"/>
-              <a:t>概率是极限意义下，某个事件发生，或者说集合中的子集出现的稳定数值观察机会</a:t>
-            </a:r>
-            <a:endParaRPr lang="en-US" altLang="zh-CN" dirty="0" smtClean="0"/>
-          </a:p>
-          <a:p>
-            <a:endParaRPr lang="en-US" altLang="zh-CN" dirty="0"/>
-          </a:p>
-          <a:p>
-            <a:r>
-              <a:rPr lang="zh-CN" altLang="en-US" dirty="0" smtClean="0"/>
-              <a:t>定义</a:t>
-            </a:r>
-            <a:r>
-              <a:rPr lang="en-US" altLang="zh-CN" dirty="0" smtClean="0"/>
-              <a:t>1</a:t>
-            </a:r>
-            <a:r>
-              <a:rPr lang="zh-CN" altLang="en-US" dirty="0" smtClean="0"/>
-              <a:t>：一个事件</a:t>
-            </a:r>
-            <a:r>
-              <a:rPr lang="en-US" altLang="zh-CN" dirty="0"/>
-              <a:t>X</a:t>
-            </a:r>
-            <a:r>
-              <a:rPr lang="zh-CN" altLang="en-US" dirty="0" smtClean="0"/>
-              <a:t>的所有结果是一个集合</a:t>
-            </a:r>
-            <a:r>
-              <a:rPr lang="en-US" altLang="zh-CN" dirty="0"/>
-              <a:t>S</a:t>
-            </a:r>
-            <a:r>
-              <a:rPr lang="zh-CN" altLang="en-US" dirty="0" smtClean="0"/>
-              <a:t>；</a:t>
-            </a:r>
-            <a:r>
-              <a:rPr lang="en-US" altLang="zh-CN" dirty="0"/>
-              <a:t>X</a:t>
-            </a:r>
-            <a:r>
-              <a:rPr lang="zh-CN" altLang="en-US" dirty="0" smtClean="0"/>
-              <a:t>的每次结果都是不能预料的，称</a:t>
-            </a:r>
-            <a:r>
-              <a:rPr lang="en-US" altLang="zh-CN" dirty="0" smtClean="0"/>
-              <a:t>X</a:t>
-            </a:r>
-            <a:r>
-              <a:rPr lang="zh-CN" altLang="en-US" dirty="0" smtClean="0"/>
-              <a:t>为随机事件，</a:t>
-            </a:r>
-            <a:r>
-              <a:rPr lang="en-US" altLang="zh-CN" dirty="0" smtClean="0"/>
-              <a:t>X</a:t>
-            </a:r>
-            <a:r>
-              <a:rPr lang="zh-CN" altLang="en-US" dirty="0" smtClean="0"/>
-              <a:t> 包含于 </a:t>
-            </a:r>
-            <a:r>
-              <a:rPr lang="en-US" altLang="zh-CN" dirty="0" smtClean="0"/>
-              <a:t>S</a:t>
-            </a:r>
-          </a:p>
-          <a:p>
-            <a:r>
-              <a:rPr lang="zh-CN" altLang="en-US" dirty="0" smtClean="0"/>
-              <a:t>定义</a:t>
-            </a:r>
-            <a:r>
-              <a:rPr lang="en-US" altLang="zh-CN" dirty="0" smtClean="0"/>
-              <a:t>2</a:t>
-            </a:r>
-            <a:r>
-              <a:rPr lang="zh-CN" altLang="en-US" dirty="0" smtClean="0"/>
-              <a:t>：一旦随机事件</a:t>
-            </a:r>
-            <a:r>
-              <a:rPr lang="en-US" altLang="zh-CN" dirty="0" smtClean="0"/>
-              <a:t>X</a:t>
-            </a:r>
-            <a:r>
-              <a:rPr lang="zh-CN" altLang="en-US" dirty="0" smtClean="0"/>
-              <a:t>确立，立刻就拥有一个“累积函数”与之对应；累积函数</a:t>
-            </a:r>
-            <a:r>
-              <a:rPr lang="en-US" altLang="zh-CN" dirty="0" smtClean="0"/>
-              <a:t>F</a:t>
-            </a:r>
-            <a:r>
-              <a:rPr lang="zh-CN" altLang="en-US" dirty="0" smtClean="0"/>
-              <a:t>满足</a:t>
-            </a:r>
-            <a:endParaRPr lang="en-US" altLang="zh-CN" dirty="0" smtClean="0"/>
-          </a:p>
-          <a:p>
-            <a:pPr lvl="1"/>
-            <a:r>
-              <a:rPr lang="zh-CN" altLang="en-US" dirty="0" smtClean="0"/>
-              <a:t>单调增加，故可逆映射（微分，或差分）</a:t>
-            </a:r>
-            <a:endParaRPr lang="en-US" altLang="zh-CN" dirty="0" smtClean="0"/>
-          </a:p>
-          <a:p>
-            <a:pPr lvl="1"/>
-            <a:r>
-              <a:rPr lang="en-US" altLang="zh-CN" dirty="0" smtClean="0"/>
-              <a:t>0&lt;=F&lt;=1,</a:t>
-            </a:r>
-            <a:r>
-              <a:rPr lang="zh-CN" altLang="en-US" dirty="0" smtClean="0"/>
-              <a:t> 有上下界，故有收敛子序列</a:t>
-            </a:r>
-            <a:endParaRPr lang="en-US" altLang="zh-CN" dirty="0" smtClean="0"/>
-          </a:p>
-          <a:p>
-            <a:endParaRPr lang="en-US" altLang="zh-CN" dirty="0" smtClean="0"/>
-          </a:p>
-          <a:p>
-            <a:r>
-              <a:rPr lang="zh-CN" altLang="en-US" dirty="0" smtClean="0"/>
-              <a:t>现有鸡还是现有蛋？先有分布，随机变量；还是现有数据表现结果？</a:t>
-            </a:r>
-            <a:endParaRPr lang="en-US" altLang="zh-CN" dirty="0" smtClean="0"/>
-          </a:p>
-          <a:p>
-            <a:pPr lvl="1"/>
-            <a:r>
-              <a:rPr lang="zh-CN" altLang="en-US" dirty="0" smtClean="0"/>
-              <a:t>在概率论科学世界里，先有随机变量和分布，然后有数据的表现结果，即结果是按照确定的规律产生，我们只需要研究这个规律，就可以分析结果。</a:t>
-            </a:r>
-            <a:endParaRPr lang="en-US" altLang="zh-CN" dirty="0" smtClean="0"/>
-          </a:p>
-          <a:p>
-            <a:pPr lvl="1"/>
-            <a:endParaRPr lang="en-US" altLang="zh-CN" dirty="0"/>
-          </a:p>
-          <a:p>
-            <a:r>
-              <a:rPr lang="zh-CN" altLang="en-US" dirty="0" smtClean="0"/>
-              <a:t>因为结果是按照规律产生的，我们只要将这个结果用稳定的方式表达出来，就可以反推出随机变量</a:t>
-            </a:r>
-            <a:r>
-              <a:rPr lang="en-US" altLang="zh-CN" dirty="0" smtClean="0"/>
-              <a:t>X</a:t>
-            </a:r>
-            <a:r>
-              <a:rPr lang="zh-CN" altLang="en-US" dirty="0" smtClean="0"/>
-              <a:t>和它的分布</a:t>
-            </a:r>
-            <a:endParaRPr lang="en-US" altLang="zh-CN" dirty="0" smtClean="0"/>
-          </a:p>
-          <a:p>
-            <a:pPr lvl="1"/>
-            <a:r>
-              <a:rPr lang="zh-CN" altLang="en-US" dirty="0" smtClean="0"/>
-              <a:t>样本空间方法</a:t>
-            </a:r>
-            <a:endParaRPr lang="en-US" altLang="zh-CN" dirty="0" smtClean="0"/>
-          </a:p>
-          <a:p>
-            <a:pPr lvl="1"/>
-            <a:r>
-              <a:rPr lang="zh-CN" altLang="en-US" dirty="0" smtClean="0"/>
-              <a:t>几何概型和计算机模拟</a:t>
-            </a:r>
-            <a:endParaRPr lang="en-US" altLang="zh-CN" dirty="0" smtClean="0"/>
-          </a:p>
-          <a:p>
-            <a:pPr lvl="1"/>
-            <a:r>
-              <a:rPr lang="zh-CN" altLang="en-US" dirty="0" smtClean="0"/>
-              <a:t>基于数学规则的形式推理</a:t>
-            </a:r>
-            <a:endParaRPr lang="en-US" altLang="zh-CN" dirty="0" smtClean="0"/>
-          </a:p>
-          <a:p>
-            <a:endParaRPr lang="en-US" dirty="0"/>
-          </a:p>
-        </p:txBody>
-      </p:sp>
+      <mc:AlternateContent xmlns:mc="http://schemas.openxmlformats.org/markup-compatibility/2006" xmlns:a14="http://schemas.microsoft.com/office/drawing/2010/main">
+        <mc:Choice Requires="a14">
+          <p:sp>
+            <p:nvSpPr>
+              <p:cNvPr id="3" name="Content Placeholder 2"/>
+              <p:cNvSpPr>
+                <a:spLocks noGrp="1"/>
+              </p:cNvSpPr>
+              <p:nvPr>
+                <p:ph idx="1"/>
+              </p:nvPr>
+            </p:nvSpPr>
+            <p:spPr/>
+            <p:txBody>
+              <a:bodyPr>
+                <a:normAutofit fontScale="55000" lnSpcReduction="20000"/>
+              </a:bodyPr>
+              <a:lstStyle/>
+              <a:p>
+                <a:r>
+                  <a:rPr lang="en-US" altLang="zh-CN" dirty="0" smtClean="0"/>
+                  <a:t>3</a:t>
+                </a:r>
+                <a:r>
+                  <a:rPr lang="zh-CN" altLang="en-US" dirty="0" smtClean="0"/>
+                  <a:t> 以</a:t>
+                </a:r>
+                <a:r>
+                  <a:rPr lang="en-US" altLang="zh-CN" dirty="0" smtClean="0"/>
+                  <a:t>KMP</a:t>
+                </a:r>
+                <a:r>
+                  <a:rPr lang="zh-CN" altLang="en-US" dirty="0" smtClean="0"/>
+                  <a:t>思路求解分析：</a:t>
+                </a:r>
+                <a:endParaRPr lang="en-US" altLang="zh-CN" dirty="0"/>
+              </a:p>
+              <a:p>
+                <a:r>
+                  <a:rPr lang="zh-CN" altLang="en-US" dirty="0" smtClean="0"/>
+                  <a:t>母串为</a:t>
+                </a:r>
+                <a:r>
+                  <a:rPr lang="en-US" altLang="zh-CN" dirty="0" smtClean="0"/>
+                  <a:t>T</a:t>
+                </a:r>
+                <a:r>
+                  <a:rPr lang="zh-CN" altLang="en-US" dirty="0" smtClean="0"/>
+                  <a:t>，模式串为</a:t>
+                </a:r>
+                <a:r>
+                  <a:rPr lang="en-US" altLang="zh-CN" dirty="0" smtClean="0"/>
+                  <a:t>M,</a:t>
+                </a:r>
+                <a:r>
+                  <a:rPr lang="zh-CN" altLang="en-US" dirty="0" smtClean="0"/>
+                  <a:t> 我们要求的是匹配长度为</a:t>
+                </a:r>
+                <a:r>
+                  <a:rPr lang="en-US" altLang="zh-CN" dirty="0" smtClean="0"/>
+                  <a:t>L</a:t>
+                </a:r>
+                <a:r>
+                  <a:rPr lang="zh-CN" altLang="en-US" dirty="0" smtClean="0"/>
+                  <a:t>时候，模式串能出现在</a:t>
+                </a:r>
+                <a:r>
+                  <a:rPr lang="en-US" altLang="zh-CN" dirty="0" smtClean="0"/>
+                  <a:t>M_L</a:t>
+                </a:r>
+                <a:r>
+                  <a:rPr lang="zh-CN" altLang="en-US" dirty="0" smtClean="0"/>
+                  <a:t> 位置的概率。假定当前匹配到</a:t>
+                </a:r>
+                <a:r>
+                  <a:rPr lang="en-US" altLang="zh-CN" dirty="0" smtClean="0"/>
+                  <a:t>T</a:t>
+                </a:r>
+                <a:r>
+                  <a:rPr lang="zh-CN" altLang="en-US" dirty="0" smtClean="0"/>
+                  <a:t>位置</a:t>
+                </a:r>
+                <a:r>
+                  <a:rPr lang="en-US" altLang="zh-CN" dirty="0" smtClean="0"/>
+                  <a:t>I,</a:t>
+                </a:r>
+                <a:r>
+                  <a:rPr lang="zh-CN" altLang="en-US" dirty="0" smtClean="0"/>
+                  <a:t> 匹配到</a:t>
+                </a:r>
+                <a:r>
+                  <a:rPr lang="en-US" altLang="zh-CN" dirty="0" smtClean="0"/>
+                  <a:t>M</a:t>
+                </a:r>
+                <a:r>
+                  <a:rPr lang="zh-CN" altLang="en-US" dirty="0" smtClean="0"/>
+                  <a:t> 位置</a:t>
+                </a:r>
+                <a:r>
+                  <a:rPr lang="en-US" altLang="zh-CN" dirty="0" smtClean="0"/>
+                  <a:t>j(j</a:t>
+                </a:r>
+                <a:r>
+                  <a:rPr lang="zh-CN" altLang="en-US" dirty="0" smtClean="0"/>
+                  <a:t> </a:t>
+                </a:r>
+                <a:r>
+                  <a:rPr lang="en-US" altLang="zh-CN" dirty="0" smtClean="0"/>
+                  <a:t>&lt;</a:t>
+                </a:r>
+                <a:r>
+                  <a:rPr lang="zh-CN" altLang="en-US" dirty="0" smtClean="0"/>
+                  <a:t> </a:t>
+                </a:r>
+                <a:r>
+                  <a:rPr lang="en-US" altLang="zh-CN" dirty="0" smtClean="0"/>
+                  <a:t>M_L)</a:t>
+                </a:r>
+                <a:r>
+                  <a:rPr lang="zh-CN" altLang="en-US" dirty="0" smtClean="0"/>
+                  <a:t>，以概率</a:t>
+                </a:r>
+                <a:r>
+                  <a:rPr lang="en-US" altLang="zh-CN" dirty="0" smtClean="0"/>
+                  <a:t>Q(j)</a:t>
+                </a:r>
+                <a:r>
+                  <a:rPr lang="zh-CN" altLang="en-US" dirty="0" smtClean="0"/>
+                  <a:t>发生不匹配，则：</a:t>
+                </a:r>
+                <a:endParaRPr lang="en-US" altLang="zh-CN" dirty="0" smtClean="0"/>
+              </a:p>
+              <a:p>
+                <a:pPr lvl="1"/>
+                <a:r>
+                  <a:rPr lang="zh-CN" altLang="en-US" dirty="0" smtClean="0"/>
+                  <a:t>若不匹配发生，如前所述，我们会计算出一个</a:t>
+                </a:r>
+                <a:r>
+                  <a:rPr lang="en-US" altLang="zh-CN" dirty="0" err="1" smtClean="0"/>
+                  <a:t>next_step</a:t>
+                </a:r>
+                <a:r>
+                  <a:rPr lang="zh-CN" altLang="en-US" dirty="0" smtClean="0"/>
+                  <a:t>，然后移动</a:t>
+                </a:r>
+                <a:r>
+                  <a:rPr lang="en-US" altLang="zh-CN" dirty="0" smtClean="0"/>
+                  <a:t>M</a:t>
+                </a:r>
+                <a:r>
+                  <a:rPr lang="zh-CN" altLang="en-US" dirty="0" smtClean="0"/>
+                  <a:t>，从</a:t>
+                </a:r>
+                <a:r>
+                  <a:rPr lang="en-US" altLang="zh-CN" dirty="0" err="1" smtClean="0"/>
+                  <a:t>i+next_step</a:t>
+                </a:r>
+                <a:r>
+                  <a:rPr lang="zh-CN" altLang="en-US" dirty="0" smtClean="0"/>
+                  <a:t>位置继续匹配，相当于开始子问题 </a:t>
+                </a:r>
+                <a:r>
+                  <a:rPr lang="en-US" altLang="zh-CN" dirty="0" smtClean="0"/>
+                  <a:t>P(L-</a:t>
+                </a:r>
+                <a:r>
+                  <a:rPr lang="en-US" altLang="zh-CN" dirty="0" err="1" smtClean="0"/>
+                  <a:t>i</a:t>
+                </a:r>
+                <a:r>
+                  <a:rPr lang="en-US" altLang="zh-CN" dirty="0" smtClean="0"/>
+                  <a:t>-</a:t>
+                </a:r>
+                <a:r>
+                  <a:rPr lang="en-US" altLang="zh-CN" dirty="0" err="1" smtClean="0"/>
+                  <a:t>next_step</a:t>
+                </a:r>
+                <a:r>
+                  <a:rPr lang="en-US" altLang="zh-CN" dirty="0" smtClean="0"/>
+                  <a:t>(j)+1,</a:t>
+                </a:r>
+                <a:r>
+                  <a:rPr lang="zh-CN" altLang="en-US" dirty="0" smtClean="0"/>
+                  <a:t> </a:t>
+                </a:r>
+                <a:r>
+                  <a:rPr lang="en-US" altLang="zh-CN" dirty="0" smtClean="0"/>
+                  <a:t>M_L)</a:t>
+                </a:r>
+              </a:p>
+              <a:p>
+                <a:pPr lvl="1"/>
+                <a:r>
+                  <a:rPr lang="zh-CN" altLang="en-US" dirty="0" smtClean="0"/>
+                  <a:t>若发生匹配，则我们进一步考虑</a:t>
+                </a:r>
+                <a:r>
+                  <a:rPr lang="en-US" altLang="zh-CN" dirty="0" smtClean="0"/>
+                  <a:t>i+1,</a:t>
+                </a:r>
+                <a:r>
+                  <a:rPr lang="zh-CN" altLang="en-US" dirty="0" smtClean="0"/>
+                  <a:t> </a:t>
+                </a:r>
+                <a:r>
+                  <a:rPr lang="en-US" altLang="zh-CN" dirty="0" smtClean="0"/>
+                  <a:t>j+1</a:t>
+                </a:r>
+                <a:r>
+                  <a:rPr lang="zh-CN" altLang="en-US" dirty="0" smtClean="0"/>
+                  <a:t>问题，知道</a:t>
+                </a:r>
+                <a:r>
+                  <a:rPr lang="en-US" altLang="zh-CN" dirty="0" smtClean="0"/>
+                  <a:t>j</a:t>
+                </a:r>
+                <a:r>
+                  <a:rPr lang="zh-CN" altLang="en-US" dirty="0" smtClean="0"/>
+                  <a:t> </a:t>
+                </a:r>
+                <a:r>
+                  <a:rPr lang="en-US" altLang="zh-CN" dirty="0" smtClean="0"/>
+                  <a:t>=</a:t>
+                </a:r>
+                <a:r>
+                  <a:rPr lang="zh-CN" altLang="en-US" dirty="0" smtClean="0"/>
+                  <a:t> </a:t>
+                </a:r>
+                <a:r>
+                  <a:rPr lang="en-US" altLang="zh-CN" dirty="0" smtClean="0"/>
+                  <a:t>M_L</a:t>
+                </a:r>
+                <a:r>
+                  <a:rPr lang="zh-CN" altLang="en-US" dirty="0" smtClean="0"/>
+                  <a:t>或不匹配发生：</a:t>
+                </a:r>
+                <a:endParaRPr lang="en-US" altLang="zh-CN" dirty="0" smtClean="0"/>
+              </a:p>
+              <a:p>
+                <a:pPr lvl="2"/>
+                <a:endParaRPr lang="en-US" altLang="zh-CN" dirty="0" smtClean="0"/>
+              </a:p>
+              <a:p>
+                <a:pPr lvl="2"/>
+                <a14:m>
+                  <m:oMath xmlns:m="http://schemas.openxmlformats.org/officeDocument/2006/math">
+                    <m:r>
+                      <m:rPr>
+                        <m:nor/>
+                      </m:rPr>
+                      <a:rPr lang="en-US" altLang="zh-CN" i="1" dirty="0" smtClean="0"/>
+                      <m:t>P</m:t>
+                    </m:r>
+                    <m:r>
+                      <m:rPr>
+                        <m:nor/>
+                      </m:rPr>
+                      <a:rPr lang="en-US" altLang="zh-CN" i="1" dirty="0" smtClean="0"/>
+                      <m:t>(</m:t>
+                    </m:r>
+                    <m:r>
+                      <m:rPr>
+                        <m:nor/>
+                      </m:rPr>
+                      <a:rPr lang="en-US" altLang="zh-CN" i="1" dirty="0" smtClean="0"/>
+                      <m:t>i</m:t>
+                    </m:r>
+                    <m:r>
+                      <m:rPr>
+                        <m:nor/>
+                      </m:rPr>
+                      <a:rPr lang="en-US" altLang="zh-CN" i="1" dirty="0" smtClean="0"/>
+                      <m:t>,</m:t>
+                    </m:r>
+                    <m:r>
+                      <m:rPr>
+                        <m:nor/>
+                      </m:rPr>
+                      <a:rPr lang="zh-CN" altLang="en-US" i="1" dirty="0" smtClean="0"/>
+                      <m:t> </m:t>
+                    </m:r>
+                    <m:r>
+                      <m:rPr>
+                        <m:nor/>
+                      </m:rPr>
+                      <a:rPr lang="en-US" altLang="zh-CN" i="1" dirty="0" smtClean="0"/>
+                      <m:t>j</m:t>
+                    </m:r>
+                    <m:r>
+                      <m:rPr>
+                        <m:nor/>
+                      </m:rPr>
+                      <a:rPr lang="en-US" altLang="zh-CN" i="1" dirty="0" smtClean="0"/>
+                      <m:t>,</m:t>
+                    </m:r>
+                    <m:r>
+                      <m:rPr>
+                        <m:nor/>
+                      </m:rPr>
+                      <a:rPr lang="zh-CN" altLang="en-US" i="1" dirty="0" smtClean="0"/>
+                      <m:t> </m:t>
+                    </m:r>
+                    <m:r>
+                      <m:rPr>
+                        <m:nor/>
+                      </m:rPr>
+                      <a:rPr lang="en-US" altLang="zh-CN" i="1" dirty="0" smtClean="0"/>
+                      <m:t>L</m:t>
+                    </m:r>
+                    <m:r>
+                      <m:rPr>
+                        <m:nor/>
+                      </m:rPr>
+                      <a:rPr lang="en-US" altLang="zh-CN" i="1" dirty="0" smtClean="0"/>
+                      <m:t>,</m:t>
+                    </m:r>
+                    <m:r>
+                      <m:rPr>
+                        <m:nor/>
+                      </m:rPr>
+                      <a:rPr lang="zh-CN" altLang="en-US" i="1" dirty="0" smtClean="0"/>
+                      <m:t> </m:t>
+                    </m:r>
+                    <m:r>
+                      <m:rPr>
+                        <m:nor/>
+                      </m:rPr>
+                      <a:rPr lang="en-US" altLang="zh-CN" i="1" dirty="0" smtClean="0"/>
+                      <m:t>M</m:t>
+                    </m:r>
+                    <m:r>
+                      <m:rPr>
+                        <m:nor/>
+                      </m:rPr>
+                      <a:rPr lang="en-US" altLang="zh-CN" b="0" i="1" dirty="0" smtClean="0"/>
+                      <m:t>_</m:t>
+                    </m:r>
+                    <m:r>
+                      <m:rPr>
+                        <m:nor/>
+                      </m:rPr>
+                      <a:rPr lang="en-US" altLang="zh-CN" b="0" i="1" dirty="0" smtClean="0"/>
+                      <m:t>L</m:t>
+                    </m:r>
+                    <m:r>
+                      <m:rPr>
+                        <m:nor/>
+                      </m:rPr>
+                      <a:rPr lang="en-US" altLang="zh-CN" i="1" dirty="0" smtClean="0"/>
+                      <m:t>)</m:t>
+                    </m:r>
+                    <m:r>
+                      <m:rPr>
+                        <m:nor/>
+                      </m:rPr>
+                      <a:rPr lang="zh-CN" altLang="en-US" i="1" dirty="0" smtClean="0"/>
+                      <m:t> </m:t>
+                    </m:r>
+                    <m:r>
+                      <m:rPr>
+                        <m:nor/>
+                      </m:rPr>
+                      <a:rPr lang="en-US" altLang="zh-CN" i="1" dirty="0" smtClean="0"/>
+                      <m:t>=</m:t>
+                    </m:r>
+                    <m:r>
+                      <m:rPr>
+                        <m:nor/>
+                      </m:rPr>
+                      <a:rPr lang="zh-CN" altLang="en-US" i="1" dirty="0" smtClean="0"/>
+                      <m:t> </m:t>
+                    </m:r>
+                    <m:r>
+                      <m:rPr>
+                        <m:nor/>
+                      </m:rPr>
+                      <a:rPr lang="en-US" altLang="zh-CN" i="1" dirty="0" smtClean="0"/>
+                      <m:t>Q</m:t>
+                    </m:r>
+                    <m:r>
+                      <m:rPr>
+                        <m:nor/>
+                      </m:rPr>
+                      <a:rPr lang="en-US" altLang="zh-CN" i="1" dirty="0" smtClean="0"/>
+                      <m:t>(</m:t>
+                    </m:r>
+                    <m:r>
+                      <m:rPr>
+                        <m:nor/>
+                      </m:rPr>
+                      <a:rPr lang="en-US" altLang="zh-CN" i="1" dirty="0" smtClean="0"/>
+                      <m:t>j</m:t>
+                    </m:r>
+                    <m:r>
+                      <m:rPr>
+                        <m:nor/>
+                      </m:rPr>
+                      <a:rPr lang="en-US" altLang="zh-CN" i="1" dirty="0" smtClean="0"/>
+                      <m:t>)</m:t>
+                    </m:r>
+                    <m:r>
+                      <a:rPr lang="en-US" altLang="zh-CN" i="1" dirty="0" smtClean="0">
+                        <a:latin typeface="Cambria Math" charset="0"/>
+                        <a:ea typeface="Cambria Math" charset="0"/>
+                        <a:cs typeface="Cambria Math" charset="0"/>
+                      </a:rPr>
+                      <m:t>∙</m:t>
+                    </m:r>
+                    <m:r>
+                      <m:rPr>
+                        <m:nor/>
+                      </m:rPr>
+                      <a:rPr lang="en-US" altLang="zh-CN" i="1" dirty="0" smtClean="0"/>
+                      <m:t>P</m:t>
+                    </m:r>
+                    <m:r>
+                      <m:rPr>
+                        <m:nor/>
+                      </m:rPr>
+                      <a:rPr lang="en-US" altLang="zh-CN" i="1" dirty="0" smtClean="0"/>
+                      <m:t>(0,</m:t>
+                    </m:r>
+                    <m:r>
+                      <m:rPr>
+                        <m:nor/>
+                      </m:rPr>
+                      <a:rPr lang="zh-CN" altLang="en-US" i="1" dirty="0" smtClean="0"/>
+                      <m:t> </m:t>
+                    </m:r>
+                    <m:r>
+                      <m:rPr>
+                        <m:nor/>
+                      </m:rPr>
+                      <a:rPr lang="en-US" altLang="zh-CN" i="1" dirty="0" smtClean="0"/>
+                      <m:t>0,</m:t>
+                    </m:r>
+                    <m:r>
+                      <m:rPr>
+                        <m:nor/>
+                      </m:rPr>
+                      <a:rPr lang="zh-CN" altLang="en-US" i="1" dirty="0" smtClean="0"/>
+                      <m:t> </m:t>
+                    </m:r>
+                    <m:r>
+                      <m:rPr>
+                        <m:nor/>
+                      </m:rPr>
+                      <a:rPr lang="en-US" altLang="zh-CN" i="1" dirty="0" smtClean="0"/>
+                      <m:t>L</m:t>
+                    </m:r>
+                    <m:r>
+                      <m:rPr>
+                        <m:nor/>
+                      </m:rPr>
+                      <a:rPr lang="en-US" altLang="zh-CN" i="1" dirty="0" smtClean="0"/>
+                      <m:t>−</m:t>
+                    </m:r>
+                    <m:r>
+                      <m:rPr>
+                        <m:nor/>
+                      </m:rPr>
+                      <a:rPr lang="en-US" altLang="zh-CN" i="1" dirty="0" smtClean="0"/>
+                      <m:t>i</m:t>
+                    </m:r>
+                    <m:r>
+                      <m:rPr>
+                        <m:nor/>
+                      </m:rPr>
+                      <a:rPr lang="en-US" altLang="zh-CN" i="1" dirty="0" smtClean="0"/>
+                      <m:t>−</m:t>
+                    </m:r>
+                    <m:r>
+                      <m:rPr>
+                        <m:nor/>
+                      </m:rPr>
+                      <a:rPr lang="en-US" altLang="zh-CN" b="0" i="1" dirty="0" smtClean="0"/>
+                      <m:t>next</m:t>
+                    </m:r>
+                    <m:r>
+                      <m:rPr>
+                        <m:nor/>
+                      </m:rPr>
+                      <a:rPr lang="en-US" altLang="zh-CN" b="0" i="1" dirty="0" smtClean="0"/>
+                      <m:t>_</m:t>
+                    </m:r>
+                    <m:r>
+                      <m:rPr>
+                        <m:nor/>
+                      </m:rPr>
+                      <a:rPr lang="en-US" altLang="zh-CN" b="0" i="1" dirty="0" smtClean="0"/>
+                      <m:t>step</m:t>
+                    </m:r>
+                    <m:r>
+                      <m:rPr>
+                        <m:nor/>
+                      </m:rPr>
+                      <a:rPr lang="en-US" altLang="zh-CN" b="0" i="1" dirty="0" smtClean="0"/>
+                      <m:t>(</m:t>
+                    </m:r>
+                    <m:r>
+                      <m:rPr>
+                        <m:nor/>
+                      </m:rPr>
+                      <a:rPr lang="en-US" altLang="zh-CN" b="0" i="1" dirty="0" smtClean="0"/>
+                      <m:t>j</m:t>
+                    </m:r>
+                    <m:r>
+                      <m:rPr>
+                        <m:nor/>
+                      </m:rPr>
+                      <a:rPr lang="en-US" altLang="zh-CN" b="0" i="1" dirty="0" smtClean="0"/>
+                      <m:t>)+1,</m:t>
+                    </m:r>
+                    <m:r>
+                      <m:rPr>
+                        <m:nor/>
+                      </m:rPr>
+                      <a:rPr lang="zh-CN" altLang="en-US" i="1" dirty="0" smtClean="0"/>
+                      <m:t> </m:t>
+                    </m:r>
+                    <m:r>
+                      <m:rPr>
+                        <m:nor/>
+                      </m:rPr>
+                      <a:rPr lang="en-US" altLang="zh-CN" i="1" dirty="0" smtClean="0"/>
+                      <m:t>M</m:t>
+                    </m:r>
+                    <m:r>
+                      <m:rPr>
+                        <m:nor/>
+                      </m:rPr>
+                      <a:rPr lang="en-US" altLang="zh-CN" i="1" dirty="0" smtClean="0"/>
+                      <m:t>_</m:t>
+                    </m:r>
+                    <m:r>
+                      <m:rPr>
+                        <m:nor/>
+                      </m:rPr>
+                      <a:rPr lang="en-US" altLang="zh-CN" i="1" dirty="0" smtClean="0"/>
+                      <m:t>L</m:t>
+                    </m:r>
+                    <m:r>
+                      <m:rPr>
+                        <m:nor/>
+                      </m:rPr>
+                      <a:rPr lang="en-US" altLang="zh-CN" i="1" dirty="0" smtClean="0"/>
+                      <m:t>)</m:t>
+                    </m:r>
+                    <m:r>
+                      <m:rPr>
+                        <m:nor/>
+                      </m:rPr>
+                      <a:rPr lang="zh-CN" altLang="en-US" i="1" dirty="0" smtClean="0"/>
+                      <m:t> </m:t>
+                    </m:r>
+                    <m:r>
+                      <m:rPr>
+                        <m:nor/>
+                      </m:rPr>
+                      <a:rPr lang="en-US" altLang="zh-CN" i="1" dirty="0" smtClean="0"/>
+                      <m:t>+</m:t>
+                    </m:r>
+                    <m:r>
+                      <m:rPr>
+                        <m:nor/>
+                      </m:rPr>
+                      <a:rPr lang="en-US" altLang="zh-CN" b="0" i="1" dirty="0" smtClean="0"/>
+                      <m:t>(1−</m:t>
+                    </m:r>
+                    <m:r>
+                      <m:rPr>
+                        <m:nor/>
+                      </m:rPr>
+                      <a:rPr lang="en-US" altLang="zh-CN" b="0" i="1" dirty="0" smtClean="0"/>
+                      <m:t>Q</m:t>
+                    </m:r>
+                    <m:r>
+                      <m:rPr>
+                        <m:nor/>
+                      </m:rPr>
+                      <a:rPr lang="en-US" altLang="zh-CN" b="0" i="1" dirty="0" smtClean="0"/>
+                      <m:t>(</m:t>
+                    </m:r>
+                    <m:r>
+                      <m:rPr>
+                        <m:nor/>
+                      </m:rPr>
+                      <a:rPr lang="en-US" altLang="zh-CN" b="0" i="1" dirty="0" smtClean="0"/>
+                      <m:t>j</m:t>
+                    </m:r>
+                    <m:r>
+                      <m:rPr>
+                        <m:nor/>
+                      </m:rPr>
+                      <a:rPr lang="en-US" altLang="zh-CN" b="0" i="1" dirty="0" smtClean="0"/>
+                      <m:t>))</m:t>
+                    </m:r>
+                    <m:r>
+                      <a:rPr lang="en-US" altLang="zh-CN" b="0" i="1" dirty="0" smtClean="0">
+                        <a:latin typeface="Cambria Math" charset="0"/>
+                        <a:ea typeface="Cambria Math" charset="0"/>
+                        <a:cs typeface="Cambria Math" charset="0"/>
+                      </a:rPr>
+                      <m:t>∙</m:t>
+                    </m:r>
+                    <m:r>
+                      <a:rPr lang="en-US" altLang="zh-CN" b="0" i="1" dirty="0" smtClean="0">
+                        <a:latin typeface="Cambria Math" charset="0"/>
+                        <a:ea typeface="Cambria Math" charset="0"/>
+                        <a:cs typeface="Cambria Math" charset="0"/>
+                      </a:rPr>
+                      <m:t>𝑃</m:t>
+                    </m:r>
+                    <m:r>
+                      <a:rPr lang="en-US" altLang="zh-CN" b="0" i="1" dirty="0" smtClean="0">
+                        <a:latin typeface="Cambria Math" charset="0"/>
+                        <a:ea typeface="Cambria Math" charset="0"/>
+                        <a:cs typeface="Cambria Math" charset="0"/>
+                      </a:rPr>
+                      <m:t>(</m:t>
+                    </m:r>
+                    <m:r>
+                      <a:rPr lang="en-US" altLang="zh-CN" b="0" i="1" dirty="0" smtClean="0">
+                        <a:latin typeface="Cambria Math" charset="0"/>
+                        <a:ea typeface="Cambria Math" charset="0"/>
+                        <a:cs typeface="Cambria Math" charset="0"/>
+                      </a:rPr>
+                      <m:t>𝑖</m:t>
+                    </m:r>
+                    <m:r>
+                      <a:rPr lang="en-US" altLang="zh-CN" b="0" i="1" dirty="0" smtClean="0">
+                        <a:latin typeface="Cambria Math" charset="0"/>
+                        <a:ea typeface="Cambria Math" charset="0"/>
+                        <a:cs typeface="Cambria Math" charset="0"/>
+                      </a:rPr>
+                      <m:t>+1,</m:t>
+                    </m:r>
+                    <m:r>
+                      <a:rPr lang="en-US" altLang="zh-CN" b="0" i="1" dirty="0" smtClean="0">
+                        <a:latin typeface="Cambria Math" charset="0"/>
+                        <a:ea typeface="Cambria Math" charset="0"/>
+                        <a:cs typeface="Cambria Math" charset="0"/>
+                      </a:rPr>
+                      <m:t>𝑗</m:t>
+                    </m:r>
+                    <m:r>
+                      <a:rPr lang="en-US" altLang="zh-CN" b="0" i="1" dirty="0" smtClean="0">
+                        <a:latin typeface="Cambria Math" charset="0"/>
+                        <a:ea typeface="Cambria Math" charset="0"/>
+                        <a:cs typeface="Cambria Math" charset="0"/>
+                      </a:rPr>
+                      <m:t>+1,</m:t>
+                    </m:r>
+                    <m:r>
+                      <a:rPr lang="en-US" altLang="zh-CN" b="0" i="1" dirty="0" smtClean="0">
+                        <a:latin typeface="Cambria Math" charset="0"/>
+                        <a:ea typeface="Cambria Math" charset="0"/>
+                        <a:cs typeface="Cambria Math" charset="0"/>
+                      </a:rPr>
+                      <m:t>𝐿</m:t>
+                    </m:r>
+                    <m:r>
+                      <a:rPr lang="en-US" altLang="zh-CN" b="0" i="1" dirty="0" smtClean="0">
+                        <a:latin typeface="Cambria Math" charset="0"/>
+                        <a:ea typeface="Cambria Math" charset="0"/>
+                        <a:cs typeface="Cambria Math" charset="0"/>
+                      </a:rPr>
+                      <m:t>, </m:t>
+                    </m:r>
+                    <m:r>
+                      <a:rPr lang="en-US" altLang="zh-CN" b="0" i="1" dirty="0" smtClean="0">
+                        <a:latin typeface="Cambria Math" charset="0"/>
+                        <a:ea typeface="Cambria Math" charset="0"/>
+                        <a:cs typeface="Cambria Math" charset="0"/>
+                      </a:rPr>
+                      <m:t>𝑀</m:t>
+                    </m:r>
+                    <m:r>
+                      <a:rPr lang="en-US" altLang="zh-CN" b="0" i="1" dirty="0" smtClean="0">
+                        <a:latin typeface="Cambria Math" charset="0"/>
+                        <a:ea typeface="Cambria Math" charset="0"/>
+                        <a:cs typeface="Cambria Math" charset="0"/>
+                      </a:rPr>
+                      <m:t>_</m:t>
+                    </m:r>
+                    <m:r>
+                      <a:rPr lang="en-US" altLang="zh-CN" b="0" i="1" dirty="0" smtClean="0">
+                        <a:latin typeface="Cambria Math" charset="0"/>
+                        <a:ea typeface="Cambria Math" charset="0"/>
+                        <a:cs typeface="Cambria Math" charset="0"/>
+                      </a:rPr>
+                      <m:t>𝐿</m:t>
+                    </m:r>
+                    <m:r>
+                      <a:rPr lang="en-US" altLang="zh-CN" b="0" i="1" dirty="0" smtClean="0">
+                        <a:latin typeface="Cambria Math" charset="0"/>
+                        <a:ea typeface="Cambria Math" charset="0"/>
+                        <a:cs typeface="Cambria Math" charset="0"/>
+                      </a:rPr>
+                      <m:t>)</m:t>
+                    </m:r>
+                    <m:r>
+                      <m:rPr>
+                        <m:nor/>
+                      </m:rPr>
+                      <a:rPr lang="zh-CN" altLang="en-US" dirty="0" smtClean="0"/>
+                      <m:t> </m:t>
+                    </m:r>
+                  </m:oMath>
+                </a14:m>
+                <a:endParaRPr lang="en-US" altLang="zh-CN" dirty="0" smtClean="0"/>
+              </a:p>
+              <a:p>
+                <a:pPr lvl="2"/>
+                <a:endParaRPr lang="en-US" altLang="zh-CN" dirty="0" smtClean="0"/>
+              </a:p>
+              <a:p>
+                <a:r>
+                  <a:rPr lang="zh-CN" altLang="en-US" dirty="0" smtClean="0"/>
+                  <a:t>思考</a:t>
+                </a:r>
+                <a:r>
+                  <a:rPr lang="en-US" altLang="zh-CN" dirty="0" smtClean="0"/>
+                  <a:t>1</a:t>
+                </a:r>
+                <a:r>
+                  <a:rPr lang="zh-CN" altLang="en-US" dirty="0" smtClean="0"/>
+                  <a:t>，这个形式是否是合理的并帮助我们计算最终结果，是否还有其他形式？</a:t>
+                </a:r>
+                <a:endParaRPr lang="en-US" altLang="zh-CN" dirty="0" smtClean="0"/>
+              </a:p>
+              <a:p>
+                <a:r>
+                  <a:rPr lang="zh-CN" altLang="en-US" dirty="0" smtClean="0"/>
+                  <a:t>思考</a:t>
+                </a:r>
+                <a:r>
+                  <a:rPr lang="en-US" altLang="zh-CN" dirty="0" smtClean="0"/>
+                  <a:t>2</a:t>
+                </a:r>
+                <a:r>
+                  <a:rPr lang="zh-CN" altLang="en-US" dirty="0" smtClean="0"/>
+                  <a:t>，位置</a:t>
+                </a:r>
+                <a:r>
+                  <a:rPr lang="en-US" altLang="zh-CN" dirty="0" err="1" smtClean="0"/>
+                  <a:t>i</a:t>
+                </a:r>
+                <a:r>
+                  <a:rPr lang="zh-CN" altLang="en-US" dirty="0" smtClean="0"/>
+                  <a:t>是否有用，如何定义子规模问题？</a:t>
+                </a:r>
+                <a:endParaRPr lang="en-US" altLang="zh-CN" dirty="0" smtClean="0"/>
+              </a:p>
+              <a:p>
+                <a:r>
+                  <a:rPr lang="zh-CN" altLang="en-US" dirty="0" smtClean="0"/>
+                  <a:t>因此我们可以获得， </a:t>
+                </a:r>
+                <a:r>
+                  <a:rPr lang="zh-CN" altLang="en-US" dirty="0" smtClean="0">
+                    <a:solidFill>
+                      <a:srgbClr val="FF0000"/>
+                    </a:solidFill>
+                  </a:rPr>
+                  <a:t>正确 </a:t>
+                </a:r>
+                <a:r>
+                  <a:rPr lang="en-US" altLang="zh-CN" dirty="0" smtClean="0">
+                    <a:solidFill>
+                      <a:srgbClr val="FF0000"/>
+                    </a:solidFill>
+                  </a:rPr>
+                  <a:t>or</a:t>
+                </a:r>
+                <a:r>
+                  <a:rPr lang="zh-CN" altLang="en-US" dirty="0" smtClean="0">
+                    <a:solidFill>
+                      <a:srgbClr val="FF0000"/>
+                    </a:solidFill>
+                  </a:rPr>
+                  <a:t> 错误</a:t>
+                </a:r>
+                <a:r>
+                  <a:rPr lang="zh-CN" altLang="en-US" dirty="0" smtClean="0"/>
+                  <a:t>？：</a:t>
+                </a:r>
+                <a:endParaRPr lang="en-US" altLang="zh-CN" dirty="0" smtClean="0"/>
+              </a:p>
+              <a:p>
+                <a:pPr lvl="1"/>
+                <a14:m>
+                  <m:oMath xmlns:m="http://schemas.openxmlformats.org/officeDocument/2006/math">
+                    <m:r>
+                      <m:rPr>
+                        <m:nor/>
+                      </m:rPr>
+                      <a:rPr lang="en-US" altLang="zh-CN" i="1" dirty="0" smtClean="0"/>
+                      <m:t>P</m:t>
+                    </m:r>
+                    <m:r>
+                      <m:rPr>
+                        <m:nor/>
+                      </m:rPr>
+                      <a:rPr lang="en-US" altLang="zh-CN" i="1" dirty="0" smtClean="0"/>
+                      <m:t>(0,</m:t>
+                    </m:r>
+                    <m:r>
+                      <m:rPr>
+                        <m:nor/>
+                      </m:rPr>
+                      <a:rPr lang="zh-CN" altLang="en-US" i="1" dirty="0" smtClean="0"/>
+                      <m:t> </m:t>
+                    </m:r>
+                    <m:r>
+                      <m:rPr>
+                        <m:nor/>
+                      </m:rPr>
+                      <a:rPr lang="en-US" altLang="zh-CN" b="0" i="1" dirty="0" smtClean="0"/>
+                      <m:t>0</m:t>
+                    </m:r>
+                    <m:r>
+                      <m:rPr>
+                        <m:nor/>
+                      </m:rPr>
+                      <a:rPr lang="en-US" altLang="zh-CN" i="1" dirty="0" smtClean="0"/>
+                      <m:t>,</m:t>
+                    </m:r>
+                    <m:r>
+                      <m:rPr>
+                        <m:nor/>
+                      </m:rPr>
+                      <a:rPr lang="zh-CN" altLang="en-US" i="1" dirty="0" smtClean="0"/>
+                      <m:t> </m:t>
+                    </m:r>
+                    <m:r>
+                      <m:rPr>
+                        <m:nor/>
+                      </m:rPr>
+                      <a:rPr lang="en-US" altLang="zh-CN" i="1" dirty="0" smtClean="0"/>
+                      <m:t>L</m:t>
+                    </m:r>
+                    <m:r>
+                      <m:rPr>
+                        <m:nor/>
+                      </m:rPr>
+                      <a:rPr lang="en-US" altLang="zh-CN" i="1" dirty="0" smtClean="0"/>
+                      <m:t>)</m:t>
+                    </m:r>
+                    <m:r>
+                      <m:rPr>
+                        <m:nor/>
+                      </m:rPr>
+                      <a:rPr lang="zh-CN" altLang="en-US" i="1" dirty="0" smtClean="0"/>
+                      <m:t> </m:t>
+                    </m:r>
+                    <m:r>
+                      <m:rPr>
+                        <m:nor/>
+                      </m:rPr>
+                      <a:rPr lang="en-US" altLang="zh-CN" i="1" dirty="0" smtClean="0"/>
+                      <m:t>=</m:t>
+                    </m:r>
+                    <m:r>
+                      <m:rPr>
+                        <m:nor/>
+                      </m:rPr>
+                      <a:rPr lang="zh-CN" altLang="en-US" i="1" dirty="0" smtClean="0"/>
+                      <m:t> </m:t>
+                    </m:r>
+                    <m:nary>
+                      <m:naryPr>
+                        <m:chr m:val="∑"/>
+                        <m:ctrlPr>
+                          <a:rPr lang="is-IS" altLang="zh-CN" i="1" dirty="0" smtClean="0">
+                            <a:latin typeface="Cambria Math" charset="0"/>
+                          </a:rPr>
+                        </m:ctrlPr>
+                      </m:naryPr>
+                      <m:sub>
+                        <m:r>
+                          <m:rPr>
+                            <m:brk m:alnAt="23"/>
+                          </m:rPr>
+                          <a:rPr lang="en-US" altLang="zh-CN" b="0" i="1" dirty="0" smtClean="0">
+                            <a:latin typeface="Cambria Math" charset="0"/>
+                          </a:rPr>
+                          <m:t>𝑘</m:t>
+                        </m:r>
+                        <m:r>
+                          <a:rPr lang="en-US" altLang="zh-CN" b="0" i="1" dirty="0" smtClean="0">
+                            <a:latin typeface="Cambria Math" charset="0"/>
+                          </a:rPr>
+                          <m:t>=1</m:t>
+                        </m:r>
+                      </m:sub>
+                      <m:sup>
+                        <m:sSub>
+                          <m:sSubPr>
+                            <m:ctrlPr>
+                              <a:rPr lang="en-US" altLang="zh-CN" b="0" i="1" dirty="0" smtClean="0">
+                                <a:latin typeface="Cambria Math" charset="0"/>
+                              </a:rPr>
+                            </m:ctrlPr>
+                          </m:sSubPr>
+                          <m:e>
+                            <m:r>
+                              <a:rPr lang="en-US" altLang="zh-CN" b="0" i="1" dirty="0" smtClean="0">
+                                <a:latin typeface="Cambria Math" charset="0"/>
+                              </a:rPr>
+                              <m:t>𝑀</m:t>
+                            </m:r>
+                          </m:e>
+                          <m:sub>
+                            <m:r>
+                              <a:rPr lang="en-US" altLang="zh-CN" b="0" i="1" dirty="0" smtClean="0">
+                                <a:latin typeface="Cambria Math" charset="0"/>
+                              </a:rPr>
+                              <m:t>𝐿</m:t>
+                            </m:r>
+                          </m:sub>
+                        </m:sSub>
+                      </m:sup>
+                      <m:e>
+                        <m:r>
+                          <a:rPr lang="en-US" altLang="zh-CN" b="0" i="1" dirty="0" smtClean="0">
+                            <a:latin typeface="Cambria Math" charset="0"/>
+                          </a:rPr>
+                          <m:t>(1−</m:t>
+                        </m:r>
+                        <m:sSub>
+                          <m:sSubPr>
+                            <m:ctrlPr>
+                              <a:rPr lang="en-US" altLang="zh-CN" b="0" i="1" dirty="0" smtClean="0">
+                                <a:latin typeface="Cambria Math" charset="0"/>
+                              </a:rPr>
+                            </m:ctrlPr>
+                          </m:sSubPr>
+                          <m:e>
+                            <m:r>
+                              <a:rPr lang="en-US" altLang="zh-CN" b="0" i="1" dirty="0" smtClean="0">
+                                <a:latin typeface="Cambria Math" charset="0"/>
+                              </a:rPr>
+                              <m:t>𝑄</m:t>
+                            </m:r>
+                          </m:e>
+                          <m:sub>
+                            <m:r>
+                              <a:rPr lang="en-US" altLang="zh-CN" b="0" i="1" dirty="0" smtClean="0">
+                                <a:latin typeface="Cambria Math" charset="0"/>
+                              </a:rPr>
+                              <m:t>𝑘</m:t>
+                            </m:r>
+                            <m:r>
+                              <a:rPr lang="en-US" altLang="zh-CN" b="0" i="1" dirty="0" smtClean="0">
+                                <a:latin typeface="Cambria Math" charset="0"/>
+                              </a:rPr>
+                              <m:t>−1</m:t>
+                            </m:r>
+                          </m:sub>
+                        </m:sSub>
+                        <m:r>
+                          <a:rPr lang="en-US" altLang="zh-CN" b="0" i="1" dirty="0" smtClean="0">
+                            <a:latin typeface="Cambria Math" charset="0"/>
+                          </a:rPr>
+                          <m:t>)</m:t>
+                        </m:r>
+                        <m:sSub>
+                          <m:sSubPr>
+                            <m:ctrlPr>
+                              <a:rPr lang="en-US" altLang="zh-CN" b="0" i="1" dirty="0" smtClean="0">
+                                <a:latin typeface="Cambria Math" charset="0"/>
+                              </a:rPr>
+                            </m:ctrlPr>
+                          </m:sSubPr>
+                          <m:e>
+                            <m:r>
+                              <a:rPr lang="en-US" altLang="zh-CN" b="0" i="1" dirty="0" smtClean="0">
+                                <a:latin typeface="Cambria Math" charset="0"/>
+                              </a:rPr>
+                              <m:t>𝑄</m:t>
+                            </m:r>
+                          </m:e>
+                          <m:sub>
+                            <m:r>
+                              <a:rPr lang="en-US" altLang="zh-CN" b="0" i="1" dirty="0" smtClean="0">
+                                <a:latin typeface="Cambria Math" charset="0"/>
+                              </a:rPr>
+                              <m:t>𝑘</m:t>
+                            </m:r>
+                          </m:sub>
+                        </m:sSub>
+                        <m:r>
+                          <a:rPr lang="en-US" altLang="zh-CN" b="0" i="1" dirty="0" smtClean="0">
+                            <a:latin typeface="Cambria Math" charset="0"/>
+                            <a:ea typeface="Cambria Math" charset="0"/>
+                            <a:cs typeface="Cambria Math" charset="0"/>
+                          </a:rPr>
+                          <m:t>∙</m:t>
+                        </m:r>
+                        <m:r>
+                          <m:rPr>
+                            <m:nor/>
+                          </m:rPr>
+                          <a:rPr lang="en-US" altLang="zh-CN" i="1" dirty="0" smtClean="0"/>
+                          <m:t>P</m:t>
+                        </m:r>
+                        <m:r>
+                          <m:rPr>
+                            <m:nor/>
+                          </m:rPr>
+                          <a:rPr lang="en-US" altLang="zh-CN" i="1" dirty="0" smtClean="0"/>
+                          <m:t>(0,</m:t>
+                        </m:r>
+                        <m:r>
+                          <m:rPr>
+                            <m:nor/>
+                          </m:rPr>
+                          <a:rPr lang="zh-CN" altLang="en-US" i="1" dirty="0" smtClean="0"/>
+                          <m:t> </m:t>
+                        </m:r>
+                        <m:r>
+                          <m:rPr>
+                            <m:nor/>
+                          </m:rPr>
+                          <a:rPr lang="en-US" altLang="zh-CN" i="1" dirty="0" smtClean="0"/>
+                          <m:t>0,</m:t>
+                        </m:r>
+                        <m:r>
+                          <m:rPr>
+                            <m:nor/>
+                          </m:rPr>
+                          <a:rPr lang="zh-CN" altLang="en-US" i="1" dirty="0" smtClean="0"/>
+                          <m:t> </m:t>
+                        </m:r>
+                        <m:r>
+                          <m:rPr>
+                            <m:nor/>
+                          </m:rPr>
+                          <a:rPr lang="en-US" altLang="zh-CN" i="1" dirty="0" smtClean="0"/>
+                          <m:t>L</m:t>
+                        </m:r>
+                        <m:r>
+                          <m:rPr>
+                            <m:nor/>
+                          </m:rPr>
+                          <a:rPr lang="en-US" altLang="zh-CN" i="1" dirty="0" smtClean="0"/>
+                          <m:t>−</m:t>
+                        </m:r>
+                        <m:r>
+                          <m:rPr>
+                            <m:nor/>
+                          </m:rPr>
+                          <a:rPr lang="en-US" altLang="zh-CN" i="1" dirty="0" smtClean="0"/>
+                          <m:t>i</m:t>
+                        </m:r>
+                        <m:r>
+                          <m:rPr>
+                            <m:nor/>
+                          </m:rPr>
+                          <a:rPr lang="en-US" altLang="zh-CN" i="1" dirty="0" smtClean="0"/>
+                          <m:t>−</m:t>
+                        </m:r>
+                        <m:r>
+                          <m:rPr>
+                            <m:nor/>
+                          </m:rPr>
+                          <a:rPr lang="en-US" altLang="zh-CN" b="0" i="1" dirty="0" smtClean="0"/>
+                          <m:t>next</m:t>
+                        </m:r>
+                        <m:r>
+                          <m:rPr>
+                            <m:nor/>
+                          </m:rPr>
+                          <a:rPr lang="en-US" altLang="zh-CN" b="0" i="1" dirty="0" smtClean="0"/>
+                          <m:t>_</m:t>
+                        </m:r>
+                        <m:r>
+                          <m:rPr>
+                            <m:nor/>
+                          </m:rPr>
+                          <a:rPr lang="en-US" altLang="zh-CN" b="0" i="1" dirty="0" smtClean="0"/>
+                          <m:t>step</m:t>
+                        </m:r>
+                        <m:r>
+                          <m:rPr>
+                            <m:nor/>
+                          </m:rPr>
+                          <a:rPr lang="en-US" altLang="zh-CN" b="0" i="1" dirty="0" smtClean="0"/>
+                          <m:t>(</m:t>
+                        </m:r>
+                        <m:r>
+                          <m:rPr>
+                            <m:nor/>
+                          </m:rPr>
+                          <a:rPr lang="en-US" altLang="zh-CN" b="0" i="1" dirty="0" smtClean="0"/>
+                          <m:t>k</m:t>
+                        </m:r>
+                        <m:r>
+                          <m:rPr>
+                            <m:nor/>
+                          </m:rPr>
+                          <a:rPr lang="en-US" altLang="zh-CN" b="0" i="1" dirty="0" smtClean="0"/>
+                          <m:t>)+1)</m:t>
+                        </m:r>
+                      </m:e>
+                    </m:nary>
+                    <m:r>
+                      <a:rPr lang="en-US" altLang="zh-CN" i="1" dirty="0" smtClean="0">
+                        <a:latin typeface="Cambria Math" charset="0"/>
+                        <a:ea typeface="Cambria Math" charset="0"/>
+                        <a:cs typeface="Cambria Math" charset="0"/>
+                      </a:rPr>
+                      <m:t>∙</m:t>
+                    </m:r>
+                  </m:oMath>
+                </a14:m>
+                <a:r>
+                  <a:rPr lang="en-US" altLang="zh-CN" dirty="0"/>
+                  <a:t> </a:t>
+                </a:r>
+                <a14:m>
+                  <m:oMath xmlns:m="http://schemas.openxmlformats.org/officeDocument/2006/math">
+                    <m:r>
+                      <m:rPr>
+                        <m:nor/>
+                      </m:rPr>
+                      <a:rPr lang="en-US" altLang="zh-CN" i="1" dirty="0"/>
+                      <m:t>+</m:t>
+                    </m:r>
+                    <m:nary>
+                      <m:naryPr>
+                        <m:chr m:val="∏"/>
+                        <m:subHide m:val="on"/>
+                        <m:supHide m:val="on"/>
+                        <m:ctrlPr>
+                          <a:rPr lang="en-US" altLang="zh-CN" i="1" dirty="0">
+                            <a:latin typeface="Cambria Math" charset="0"/>
+                          </a:rPr>
+                        </m:ctrlPr>
+                      </m:naryPr>
+                      <m:sub/>
+                      <m:sup/>
+                      <m:e>
+                        <m:r>
+                          <a:rPr lang="en-US" altLang="zh-CN" i="1" dirty="0" smtClean="0">
+                            <a:latin typeface="Cambria Math" charset="0"/>
+                          </a:rPr>
+                          <m:t> </m:t>
+                        </m:r>
+                        <m:r>
+                          <m:rPr>
+                            <m:nor/>
+                          </m:rPr>
+                          <a:rPr lang="en-US" altLang="zh-CN" b="0" i="1" dirty="0" smtClean="0">
+                            <a:latin typeface="Cambria Math" charset="0"/>
+                          </a:rPr>
+                          <m:t>(</m:t>
+                        </m:r>
+                        <m:r>
+                          <m:rPr>
+                            <m:nor/>
+                          </m:rPr>
+                          <a:rPr lang="en-US" altLang="zh-CN" i="1" dirty="0"/>
+                          <m:t>1−</m:t>
+                        </m:r>
+                        <m:sSub>
+                          <m:sSubPr>
+                            <m:ctrlPr>
+                              <a:rPr lang="en-US" altLang="zh-CN" i="1" dirty="0">
+                                <a:latin typeface="Cambria Math" charset="0"/>
+                              </a:rPr>
+                            </m:ctrlPr>
+                          </m:sSubPr>
+                          <m:e>
+                            <m:r>
+                              <a:rPr lang="en-US" altLang="zh-CN" i="1" dirty="0">
+                                <a:latin typeface="Cambria Math" charset="0"/>
+                              </a:rPr>
+                              <m:t>𝑄</m:t>
+                            </m:r>
+                          </m:e>
+                          <m:sub>
+                            <m:r>
+                              <a:rPr lang="en-US" altLang="zh-CN" b="0" i="1" dirty="0" smtClean="0">
+                                <a:latin typeface="Cambria Math" charset="0"/>
+                              </a:rPr>
+                              <m:t>𝑘</m:t>
+                            </m:r>
+                          </m:sub>
+                        </m:sSub>
+                        <m:r>
+                          <m:rPr>
+                            <m:nor/>
+                          </m:rPr>
+                          <a:rPr lang="en-US" altLang="zh-CN" i="1" dirty="0"/>
+                          <m:t>)</m:t>
+                        </m:r>
+                        <m:r>
+                          <a:rPr lang="en-US" altLang="zh-CN" i="1" dirty="0">
+                            <a:latin typeface="Cambria Math" charset="0"/>
+                            <a:ea typeface="Cambria Math" charset="0"/>
+                            <a:cs typeface="Cambria Math" charset="0"/>
+                          </a:rPr>
+                          <m:t>∙</m:t>
+                        </m:r>
+                        <m:r>
+                          <a:rPr lang="en-US" altLang="zh-CN" i="1" dirty="0">
+                            <a:latin typeface="Cambria Math" charset="0"/>
+                            <a:ea typeface="Cambria Math" charset="0"/>
+                            <a:cs typeface="Cambria Math" charset="0"/>
+                          </a:rPr>
+                          <m:t>𝑃</m:t>
+                        </m:r>
+                        <m:d>
+                          <m:dPr>
+                            <m:ctrlPr>
+                              <a:rPr lang="en-US" altLang="zh-CN" i="1" dirty="0">
+                                <a:latin typeface="Cambria Math" charset="0"/>
+                                <a:ea typeface="Cambria Math" charset="0"/>
+                                <a:cs typeface="Cambria Math" charset="0"/>
+                              </a:rPr>
+                            </m:ctrlPr>
+                          </m:dPr>
+                          <m:e>
+                            <m:sSub>
+                              <m:sSubPr>
+                                <m:ctrlPr>
+                                  <a:rPr lang="en-US" altLang="zh-CN" b="0" i="1" dirty="0" smtClean="0">
+                                    <a:latin typeface="Cambria Math" charset="0"/>
+                                    <a:ea typeface="Cambria Math" charset="0"/>
+                                    <a:cs typeface="Cambria Math" charset="0"/>
+                                  </a:rPr>
+                                </m:ctrlPr>
+                              </m:sSubPr>
+                              <m:e>
+                                <m:r>
+                                  <a:rPr lang="en-US" altLang="zh-CN" b="0" i="1" dirty="0" smtClean="0">
+                                    <a:latin typeface="Cambria Math" charset="0"/>
+                                    <a:ea typeface="Cambria Math" charset="0"/>
+                                    <a:cs typeface="Cambria Math" charset="0"/>
+                                  </a:rPr>
+                                  <m:t>𝑀</m:t>
+                                </m:r>
+                              </m:e>
+                              <m:sub>
+                                <m:r>
+                                  <a:rPr lang="en-US" altLang="zh-CN" b="0" i="1" dirty="0" smtClean="0">
+                                    <a:latin typeface="Cambria Math" charset="0"/>
+                                    <a:ea typeface="Cambria Math" charset="0"/>
+                                    <a:cs typeface="Cambria Math" charset="0"/>
+                                  </a:rPr>
+                                  <m:t>𝐿</m:t>
+                                </m:r>
+                              </m:sub>
+                            </m:sSub>
+                            <m:r>
+                              <a:rPr lang="en-US" altLang="zh-CN" b="0" i="1" dirty="0" smtClean="0">
+                                <a:latin typeface="Cambria Math" charset="0"/>
+                                <a:ea typeface="Cambria Math" charset="0"/>
+                                <a:cs typeface="Cambria Math" charset="0"/>
+                              </a:rPr>
+                              <m:t>−1</m:t>
+                            </m:r>
+                            <m:r>
+                              <a:rPr lang="en-US" altLang="zh-CN" i="1" dirty="0">
+                                <a:latin typeface="Cambria Math" charset="0"/>
+                                <a:ea typeface="Cambria Math" charset="0"/>
+                                <a:cs typeface="Cambria Math" charset="0"/>
+                              </a:rPr>
+                              <m:t>,</m:t>
+                            </m:r>
+                            <m:sSub>
+                              <m:sSubPr>
+                                <m:ctrlPr>
+                                  <a:rPr lang="en-US" altLang="zh-CN" b="0" i="1" dirty="0" smtClean="0">
+                                    <a:latin typeface="Cambria Math" charset="0"/>
+                                    <a:ea typeface="Cambria Math" charset="0"/>
+                                    <a:cs typeface="Cambria Math" charset="0"/>
+                                  </a:rPr>
+                                </m:ctrlPr>
+                              </m:sSubPr>
+                              <m:e>
+                                <m:r>
+                                  <a:rPr lang="en-US" altLang="zh-CN" b="0" i="1" dirty="0" smtClean="0">
+                                    <a:latin typeface="Cambria Math" charset="0"/>
+                                    <a:ea typeface="Cambria Math" charset="0"/>
+                                    <a:cs typeface="Cambria Math" charset="0"/>
+                                  </a:rPr>
+                                  <m:t>𝑀</m:t>
+                                </m:r>
+                              </m:e>
+                              <m:sub>
+                                <m:r>
+                                  <a:rPr lang="en-US" altLang="zh-CN" b="0" i="1" dirty="0" smtClean="0">
+                                    <a:latin typeface="Cambria Math" charset="0"/>
+                                    <a:ea typeface="Cambria Math" charset="0"/>
+                                    <a:cs typeface="Cambria Math" charset="0"/>
+                                  </a:rPr>
+                                  <m:t>𝐿</m:t>
+                                </m:r>
+                              </m:sub>
+                            </m:sSub>
+                            <m:r>
+                              <a:rPr lang="en-US" altLang="zh-CN" b="0" i="1" dirty="0" smtClean="0">
+                                <a:latin typeface="Cambria Math" charset="0"/>
+                                <a:ea typeface="Cambria Math" charset="0"/>
+                                <a:cs typeface="Cambria Math" charset="0"/>
+                              </a:rPr>
+                              <m:t>−1</m:t>
+                            </m:r>
+                            <m:r>
+                              <a:rPr lang="en-US" altLang="zh-CN" i="1" dirty="0">
+                                <a:latin typeface="Cambria Math" charset="0"/>
+                                <a:ea typeface="Cambria Math" charset="0"/>
+                                <a:cs typeface="Cambria Math" charset="0"/>
+                              </a:rPr>
+                              <m:t>,</m:t>
+                            </m:r>
+                            <m:r>
+                              <a:rPr lang="en-US" altLang="zh-CN" i="1" dirty="0">
+                                <a:latin typeface="Cambria Math" charset="0"/>
+                                <a:ea typeface="Cambria Math" charset="0"/>
+                                <a:cs typeface="Cambria Math" charset="0"/>
+                              </a:rPr>
+                              <m:t>𝐿</m:t>
+                            </m:r>
+                          </m:e>
+                        </m:d>
+                      </m:e>
+                    </m:nary>
+                  </m:oMath>
+                </a14:m>
+                <a:endParaRPr lang="en-US" altLang="zh-CN" b="0" i="1" dirty="0" smtClean="0">
+                  <a:latin typeface="Cambria Math" charset="0"/>
+                  <a:ea typeface="Cambria Math" charset="0"/>
+                  <a:cs typeface="Cambria Math" charset="0"/>
+                </a:endParaRPr>
+              </a:p>
+              <a:p>
+                <a:pPr lvl="1"/>
+                <a14:m>
+                  <m:oMath xmlns:m="http://schemas.openxmlformats.org/officeDocument/2006/math">
+                    <m:sSub>
+                      <m:sSubPr>
+                        <m:ctrlPr>
+                          <a:rPr lang="en-US" altLang="zh-CN" b="0" i="1" smtClean="0">
+                            <a:latin typeface="Cambria Math" charset="0"/>
+                          </a:rPr>
+                        </m:ctrlPr>
+                      </m:sSubPr>
+                      <m:e>
+                        <m:r>
+                          <a:rPr lang="zh-CN" altLang="en-US" i="1" smtClean="0">
+                            <a:latin typeface="Cambria Math" charset="0"/>
+                          </a:rPr>
+                          <m:t>定义</m:t>
+                        </m:r>
+                        <m:r>
+                          <a:rPr lang="en-US" altLang="zh-CN" b="0" i="1" smtClean="0">
+                            <a:latin typeface="Cambria Math" charset="0"/>
+                          </a:rPr>
+                          <m:t>𝑄</m:t>
+                        </m:r>
+                      </m:e>
+                      <m:sub>
+                        <m:r>
+                          <a:rPr lang="en-US" altLang="zh-CN" b="0" i="1" smtClean="0">
+                            <a:latin typeface="Cambria Math" charset="0"/>
+                          </a:rPr>
+                          <m:t>0</m:t>
+                        </m:r>
+                      </m:sub>
+                    </m:sSub>
+                    <m:r>
+                      <a:rPr lang="en-US" altLang="zh-CN" b="0" i="1" smtClean="0">
+                        <a:latin typeface="Cambria Math" charset="0"/>
+                      </a:rPr>
+                      <m:t>=0</m:t>
+                    </m:r>
+                  </m:oMath>
+                </a14:m>
+                <a:r>
+                  <a:rPr lang="en-US" altLang="zh-CN" dirty="0" smtClean="0"/>
+                  <a:t>,</a:t>
+                </a:r>
+                <a:r>
+                  <a:rPr lang="zh-CN" altLang="en-US" dirty="0" smtClean="0"/>
+                  <a:t> </a:t>
+                </a:r>
+                <a:r>
+                  <a:rPr lang="en-US" altLang="zh-CN" dirty="0" err="1" smtClean="0"/>
+                  <a:t>next_step</a:t>
+                </a:r>
+                <a:r>
+                  <a:rPr lang="zh-CN" altLang="en-US" dirty="0" smtClean="0"/>
+                  <a:t>是根据查询表规则可以获得的已知信息。</a:t>
+                </a:r>
+                <a:endParaRPr lang="en-US" altLang="zh-CN" dirty="0" smtClean="0"/>
+              </a:p>
+              <a:p>
+                <a:r>
+                  <a:rPr lang="en-US" altLang="zh-CN" dirty="0" smtClean="0"/>
+                  <a:t>4</a:t>
+                </a:r>
+                <a:r>
+                  <a:rPr lang="zh-CN" altLang="en-US" dirty="0" smtClean="0"/>
+                  <a:t> 练习，以</a:t>
+                </a:r>
+                <a:r>
+                  <a:rPr lang="en-US" altLang="zh-CN" dirty="0" smtClean="0">
+                    <a:hlinkClick r:id="rId2"/>
+                  </a:rPr>
+                  <a:t>Boyer-Moore</a:t>
+                </a:r>
+                <a:r>
+                  <a:rPr lang="zh-CN" altLang="en-US" dirty="0" smtClean="0"/>
+                  <a:t>思路分析。并上机给出两种方法的优劣（单元测试标准）。教师提供部分测试样例。学生有权限注册新的测试样例，若通过机器审核，可以入库，根据其淘汰有效性定时更新其重要性。</a:t>
+                </a:r>
+                <a:endParaRPr lang="en-US" altLang="zh-CN" dirty="0" smtClean="0"/>
+              </a:p>
+              <a:p>
+                <a:pPr lvl="1"/>
+                <a:r>
+                  <a:rPr lang="en-US" altLang="zh-CN" dirty="0" smtClean="0"/>
+                  <a:t>Boyer-Moore/test</a:t>
+                </a:r>
+              </a:p>
+            </p:txBody>
+          </p:sp>
+        </mc:Choice>
+        <mc:Fallback xmlns="">
+          <p:sp>
+            <p:nvSpPr>
+              <p:cNvPr id="3" name="Content Placeholder 2"/>
+              <p:cNvSpPr>
+                <a:spLocks noGrp="1" noRot="1" noChangeAspect="1" noMove="1" noResize="1" noEditPoints="1" noAdjustHandles="1" noChangeArrowheads="1" noChangeShapeType="1" noTextEdit="1"/>
+              </p:cNvSpPr>
+              <p:nvPr>
+                <p:ph idx="1"/>
+              </p:nvPr>
+            </p:nvSpPr>
+            <p:spPr>
+              <a:blipFill rotWithShape="0">
+                <a:blip r:embed="rId3"/>
+                <a:stretch>
+                  <a:fillRect l="-174" t="-1541"/>
+                </a:stretch>
+              </a:blipFill>
+            </p:spPr>
+            <p:txBody>
+              <a:bodyPr/>
+              <a:lstStyle/>
+              <a:p>
+                <a:r>
+                  <a:rPr lang="en-US">
+                    <a:noFill/>
+                  </a:rPr>
+                  <a:t> </a:t>
+                </a:r>
+              </a:p>
+            </p:txBody>
+          </p:sp>
+        </mc:Fallback>
+      </mc:AlternateContent>
       <p:sp>
         <p:nvSpPr>
           <p:cNvPr id="4" name="Date Placeholder 3"/>
@@ -7255,7 +12222,7 @@
           <a:p>
             <a:fld id="{359F0E00-F99A-CD43-9FC0-8678B475E476}" type="datetime1">
               <a:rPr lang="en-SG" smtClean="0"/>
-              <a:t>17/3/17</a:t>
+              <a:t>19/3/17</a:t>
             </a:fld>
             <a:endParaRPr lang="en-US"/>
           </a:p>
@@ -7287,7 +12254,7 @@
     </p:spTree>
     <p:extLst>
       <p:ext uri="{BB962C8B-B14F-4D97-AF65-F5344CB8AC3E}">
-        <p14:creationId xmlns:p14="http://schemas.microsoft.com/office/powerpoint/2010/main" val="187009368"/>
+        <p14:creationId xmlns:p14="http://schemas.microsoft.com/office/powerpoint/2010/main" val="1805415242"/>
       </p:ext>
     </p:extLst>
   </p:cSld>
@@ -7337,8 +12304,56 @@
           <a:lstStyle/>
           <a:p>
             <a:r>
-              <a:rPr lang="zh-CN" altLang="en-US" dirty="0" smtClean="0"/>
-              <a:t>基本概念和方法</a:t>
+              <a:rPr lang="zh-CN" altLang="en-US" dirty="0"/>
+              <a:t>跟定母串</a:t>
+            </a:r>
+            <a:r>
+              <a:rPr lang="en-US" altLang="zh-CN" dirty="0"/>
+              <a:t>T</a:t>
+            </a:r>
+            <a:r>
+              <a:rPr lang="zh-CN" altLang="en-US" dirty="0"/>
+              <a:t>长度</a:t>
+            </a:r>
+            <a:r>
+              <a:rPr lang="en-US" altLang="zh-CN" dirty="0"/>
+              <a:t>L</a:t>
+            </a:r>
+            <a:r>
+              <a:rPr lang="zh-CN" altLang="en-US" dirty="0"/>
+              <a:t>，和模式串</a:t>
+            </a:r>
+            <a:r>
+              <a:rPr lang="en-US" altLang="zh-CN" dirty="0"/>
+              <a:t>M,</a:t>
+            </a:r>
+            <a:r>
+              <a:rPr lang="zh-CN" altLang="en-US" dirty="0"/>
+              <a:t> 长</a:t>
+            </a:r>
+            <a:r>
+              <a:rPr lang="en-US" altLang="zh-CN" dirty="0"/>
+              <a:t>M_L</a:t>
+            </a:r>
+            <a:r>
+              <a:rPr lang="zh-CN" altLang="en-US" dirty="0"/>
+              <a:t>，求</a:t>
+            </a:r>
+            <a:r>
+              <a:rPr lang="en-US" altLang="zh-CN" dirty="0"/>
+              <a:t>M</a:t>
+            </a:r>
+            <a:r>
+              <a:rPr lang="zh-CN" altLang="en-US" dirty="0"/>
+              <a:t>在</a:t>
+            </a:r>
+            <a:r>
+              <a:rPr lang="en-US" altLang="zh-CN" dirty="0"/>
+              <a:t>T</a:t>
+            </a:r>
+            <a:r>
+              <a:rPr lang="zh-CN" altLang="en-US" dirty="0"/>
+              <a:t>中出现的概率</a:t>
             </a:r>
             <a:endParaRPr lang="en-US" dirty="0"/>
           </a:p>
@@ -7356,118 +12371,18 @@
         </p:nvSpPr>
         <p:spPr/>
         <p:txBody>
-          <a:bodyPr>
-            <a:normAutofit lnSpcReduction="10000"/>
-          </a:bodyPr>
-          <a:lstStyle/>
-          <a:p>
-            <a:r>
-              <a:rPr lang="zh-CN" altLang="en-US" dirty="0" smtClean="0"/>
-              <a:t>我们的课程原则， </a:t>
-            </a:r>
-            <a:r>
-              <a:rPr lang="en-US" altLang="zh-CN" dirty="0" smtClean="0"/>
-              <a:t>test</a:t>
-            </a:r>
-            <a:r>
-              <a:rPr lang="zh-CN" altLang="en-US" dirty="0" smtClean="0"/>
-              <a:t> </a:t>
-            </a:r>
-            <a:r>
-              <a:rPr lang="en-US" altLang="zh-CN" dirty="0" smtClean="0"/>
-              <a:t>driven</a:t>
-            </a:r>
-            <a:r>
-              <a:rPr lang="zh-CN" altLang="en-US" dirty="0" smtClean="0"/>
-              <a:t> </a:t>
-            </a:r>
-            <a:r>
-              <a:rPr lang="en-US" altLang="zh-CN" dirty="0" smtClean="0"/>
-              <a:t>development</a:t>
-            </a:r>
-            <a:r>
-              <a:rPr lang="zh-CN" altLang="en-US" dirty="0" smtClean="0"/>
-              <a:t> </a:t>
-            </a:r>
-            <a:r>
-              <a:rPr lang="en-US" altLang="zh-CN" dirty="0" smtClean="0"/>
-              <a:t>or</a:t>
-            </a:r>
-            <a:r>
-              <a:rPr lang="zh-CN" altLang="en-US" dirty="0" smtClean="0"/>
-              <a:t> </a:t>
-            </a:r>
-            <a:r>
-              <a:rPr lang="en-US" altLang="zh-CN" dirty="0" smtClean="0"/>
-              <a:t>bug</a:t>
-            </a:r>
-            <a:r>
-              <a:rPr lang="zh-CN" altLang="en-US" dirty="0" smtClean="0"/>
-              <a:t> </a:t>
-            </a:r>
-            <a:r>
-              <a:rPr lang="en-US" altLang="zh-CN" dirty="0" smtClean="0"/>
-              <a:t>driven</a:t>
-            </a:r>
-            <a:r>
-              <a:rPr lang="zh-CN" altLang="en-US" dirty="0" smtClean="0"/>
-              <a:t> </a:t>
-            </a:r>
-            <a:r>
-              <a:rPr lang="en-US" altLang="zh-CN" dirty="0" smtClean="0"/>
-              <a:t>development</a:t>
-            </a:r>
-          </a:p>
-          <a:p>
-            <a:endParaRPr lang="en-US" dirty="0" smtClean="0"/>
-          </a:p>
-          <a:p>
-            <a:r>
-              <a:rPr lang="zh-CN" altLang="en-US" dirty="0" smtClean="0"/>
-              <a:t>因此我们需要搭建实验环境，进行实验模拟，这是样本空间方法和几何面积方法的表现。然后通过合适的转换将冗余表达方式转换成清晰的紧缩格式</a:t>
-            </a:r>
-            <a:r>
-              <a:rPr lang="en-US" altLang="zh-CN" dirty="0" smtClean="0"/>
-              <a:t>----</a:t>
-            </a:r>
-            <a:r>
-              <a:rPr lang="zh-CN" altLang="en-US" dirty="0" smtClean="0"/>
-              <a:t>如二项分布，这是数学形式推理。进行数学形式推理，</a:t>
-            </a:r>
+          <a:bodyPr/>
+          <a:lstStyle/>
+          <a:p>
             <a:r>
               <a:rPr lang="zh-CN" altLang="en-US" dirty="0" smtClean="0">
-                <a:solidFill>
-                  <a:srgbClr val="FF0000"/>
-                </a:solidFill>
+                <a:hlinkClick r:id="rId2"/>
               </a:rPr>
-              <a:t>需要理解它满足的前提条件，否则不可进行</a:t>
-            </a:r>
-            <a:r>
-              <a:rPr lang="zh-CN" altLang="en-US" dirty="0" smtClean="0"/>
-              <a:t>。</a:t>
+              <a:t>代码</a:t>
             </a:r>
             <a:endParaRPr lang="en-US" altLang="zh-CN" dirty="0" smtClean="0"/>
           </a:p>
           <a:p>
-            <a:endParaRPr lang="en-US" dirty="0" smtClean="0"/>
-          </a:p>
-          <a:p>
-            <a:r>
-              <a:rPr lang="zh-CN" altLang="en-US" dirty="0" smtClean="0"/>
-              <a:t>如前所述，本课程兼容高性能计算作为后续进阶课程，故采用</a:t>
-            </a:r>
-            <a:r>
-              <a:rPr lang="en-US" altLang="zh-CN" dirty="0" err="1" smtClean="0"/>
-              <a:t>c++</a:t>
-            </a:r>
-            <a:r>
-              <a:rPr lang="en-US" altLang="zh-CN" dirty="0" smtClean="0"/>
-              <a:t>11/14</a:t>
-            </a:r>
-            <a:r>
-              <a:rPr lang="zh-CN" altLang="en-US" dirty="0" smtClean="0"/>
-              <a:t>标准进行计算机模拟。</a:t>
-            </a:r>
             <a:endParaRPr lang="en-US" dirty="0"/>
           </a:p>
         </p:txBody>
@@ -7489,7 +12404,7 @@
           <a:p>
             <a:fld id="{359F0E00-F99A-CD43-9FC0-8678B475E476}" type="datetime1">
               <a:rPr lang="en-SG" smtClean="0"/>
-              <a:t>17/3/17</a:t>
+              <a:t>19/3/17</a:t>
             </a:fld>
             <a:endParaRPr lang="en-US"/>
           </a:p>
@@ -7521,7 +12436,7 @@
     </p:spTree>
     <p:extLst>
       <p:ext uri="{BB962C8B-B14F-4D97-AF65-F5344CB8AC3E}">
-        <p14:creationId xmlns:p14="http://schemas.microsoft.com/office/powerpoint/2010/main" val="1151115558"/>
+        <p14:creationId xmlns:p14="http://schemas.microsoft.com/office/powerpoint/2010/main" val="1889523062"/>
       </p:ext>
     </p:extLst>
   </p:cSld>

--- a/Computing Random Variables/Computing Random Variables.pptx
+++ b/Computing Random Variables/Computing Random Variables.pptx
@@ -217,7 +217,7 @@
           <a:p>
             <a:fld id="{DC78B61A-9D36-CF47-98EF-C95C99C43905}" type="datetimeFigureOut">
               <a:rPr lang="en-US" smtClean="0"/>
-              <a:t>3/19/17</a:t>
+              <a:t>4/1/17</a:t>
             </a:fld>
             <a:endParaRPr lang="en-US"/>
           </a:p>
@@ -1281,7 +1281,7 @@
           <a:p>
             <a:fld id="{42BD3AEC-69D1-3944-86C2-ABDFC0B2AB50}" type="datetime1">
               <a:rPr lang="en-SG" smtClean="0"/>
-              <a:t>19/3/17</a:t>
+              <a:t>1/4/17</a:t>
             </a:fld>
             <a:endParaRPr lang="en-US"/>
           </a:p>
@@ -1455,7 +1455,7 @@
           <a:p>
             <a:fld id="{1FB2FB74-29A5-894E-B0AE-D8443C8E5543}" type="datetime1">
               <a:rPr lang="en-SG" smtClean="0"/>
-              <a:t>19/3/17</a:t>
+              <a:t>1/4/17</a:t>
             </a:fld>
             <a:endParaRPr lang="en-US"/>
           </a:p>
@@ -1639,7 +1639,7 @@
           <a:p>
             <a:fld id="{F6D55DC9-5E96-ED42-974C-1C13141CA784}" type="datetime1">
               <a:rPr lang="en-SG" smtClean="0"/>
-              <a:t>19/3/17</a:t>
+              <a:t>1/4/17</a:t>
             </a:fld>
             <a:endParaRPr lang="en-US"/>
           </a:p>
@@ -1813,7 +1813,7 @@
           <a:p>
             <a:fld id="{359F0E00-F99A-CD43-9FC0-8678B475E476}" type="datetime1">
               <a:rPr lang="en-SG" smtClean="0"/>
-              <a:t>19/3/17</a:t>
+              <a:t>1/4/17</a:t>
             </a:fld>
             <a:endParaRPr lang="en-US"/>
           </a:p>
@@ -2063,7 +2063,7 @@
           <a:p>
             <a:fld id="{C7849700-CE13-0E46-B4F1-AD6A8DFE59A3}" type="datetime1">
               <a:rPr lang="en-SG" smtClean="0"/>
-              <a:t>19/3/17</a:t>
+              <a:t>1/4/17</a:t>
             </a:fld>
             <a:endParaRPr lang="en-US"/>
           </a:p>
@@ -2299,7 +2299,7 @@
           <a:p>
             <a:fld id="{9E90D171-74B6-BE49-982D-9A604CD9E91D}" type="datetime1">
               <a:rPr lang="en-SG" smtClean="0"/>
-              <a:t>19/3/17</a:t>
+              <a:t>1/4/17</a:t>
             </a:fld>
             <a:endParaRPr lang="en-US"/>
           </a:p>
@@ -2670,7 +2670,7 @@
           <a:p>
             <a:fld id="{A26A5E23-D288-684B-9805-018463E07CED}" type="datetime1">
               <a:rPr lang="en-SG" smtClean="0"/>
-              <a:t>19/3/17</a:t>
+              <a:t>1/4/17</a:t>
             </a:fld>
             <a:endParaRPr lang="en-US"/>
           </a:p>
@@ -2792,7 +2792,7 @@
           <a:p>
             <a:fld id="{F046C154-F737-2344-AB11-09F45B239B90}" type="datetime1">
               <a:rPr lang="en-SG" smtClean="0"/>
-              <a:t>19/3/17</a:t>
+              <a:t>1/4/17</a:t>
             </a:fld>
             <a:endParaRPr lang="en-US"/>
           </a:p>
@@ -2891,7 +2891,7 @@
           <a:p>
             <a:fld id="{76496BF0-3959-3544-A2B1-0CBE5E870752}" type="datetime1">
               <a:rPr lang="en-SG" smtClean="0"/>
-              <a:t>19/3/17</a:t>
+              <a:t>1/4/17</a:t>
             </a:fld>
             <a:endParaRPr lang="en-US"/>
           </a:p>
@@ -3172,7 +3172,7 @@
           <a:p>
             <a:fld id="{0DE4D621-9597-A54E-9D45-88BD6D319C77}" type="datetime1">
               <a:rPr lang="en-SG" smtClean="0"/>
-              <a:t>19/3/17</a:t>
+              <a:t>1/4/17</a:t>
             </a:fld>
             <a:endParaRPr lang="en-US"/>
           </a:p>
@@ -3429,7 +3429,7 @@
           <a:p>
             <a:fld id="{F0DC582E-A02D-354D-98D2-E0191274527E}" type="datetime1">
               <a:rPr lang="en-SG" smtClean="0"/>
-              <a:t>19/3/17</a:t>
+              <a:t>1/4/17</a:t>
             </a:fld>
             <a:endParaRPr lang="en-US"/>
           </a:p>
@@ -3646,7 +3646,7 @@
           <a:p>
             <a:fld id="{8AB7E958-FFD8-594B-9E4C-DB4C7041F24C}" type="datetime1">
               <a:rPr lang="en-SG" smtClean="0"/>
-              <a:t>19/3/17</a:t>
+              <a:t>1/4/17</a:t>
             </a:fld>
             <a:endParaRPr lang="en-US"/>
           </a:p>
@@ -4165,7 +4165,7 @@
           <a:p>
             <a:fld id="{38ACE9AB-2AF1-9D47-B873-769E850AD551}" type="datetime1">
               <a:rPr lang="en-SG" smtClean="0"/>
-              <a:t>19/3/17</a:t>
+              <a:t>1/4/17</a:t>
             </a:fld>
             <a:endParaRPr lang="en-US"/>
           </a:p>
@@ -4494,7 +4494,7 @@
           <a:p>
             <a:fld id="{359F0E00-F99A-CD43-9FC0-8678B475E476}" type="datetime1">
               <a:rPr lang="en-SG" smtClean="0"/>
-              <a:t>19/3/17</a:t>
+              <a:t>1/4/17</a:t>
             </a:fld>
             <a:endParaRPr lang="en-US"/>
           </a:p>
@@ -4770,7 +4770,7 @@
           <a:p>
             <a:fld id="{359F0E00-F99A-CD43-9FC0-8678B475E476}" type="datetime1">
               <a:rPr lang="en-SG" smtClean="0"/>
-              <a:t>19/3/17</a:t>
+              <a:t>1/4/17</a:t>
             </a:fld>
             <a:endParaRPr lang="en-US"/>
           </a:p>
@@ -5182,7 +5182,7 @@
           <a:p>
             <a:fld id="{359F0E00-F99A-CD43-9FC0-8678B475E476}" type="datetime1">
               <a:rPr lang="en-SG" smtClean="0"/>
-              <a:t>19/3/17</a:t>
+              <a:t>1/4/17</a:t>
             </a:fld>
             <a:endParaRPr lang="en-US"/>
           </a:p>
@@ -5604,7 +5604,7 @@
           <a:p>
             <a:fld id="{0DE4D621-9597-A54E-9D45-88BD6D319C77}" type="datetime1">
               <a:rPr lang="en-SG" smtClean="0"/>
-              <a:t>19/3/17</a:t>
+              <a:t>1/4/17</a:t>
             </a:fld>
             <a:endParaRPr lang="en-US"/>
           </a:p>
@@ -5768,7 +5768,7 @@
           <a:p>
             <a:fld id="{0DE4D621-9597-A54E-9D45-88BD6D319C77}" type="datetime1">
               <a:rPr lang="en-SG" smtClean="0"/>
-              <a:t>19/3/17</a:t>
+              <a:t>1/4/17</a:t>
             </a:fld>
             <a:endParaRPr lang="en-US"/>
           </a:p>
@@ -6111,7 +6111,7 @@
           <a:p>
             <a:fld id="{0DE4D621-9597-A54E-9D45-88BD6D319C77}" type="datetime1">
               <a:rPr lang="en-SG" smtClean="0"/>
-              <a:t>19/3/17</a:t>
+              <a:t>1/4/17</a:t>
             </a:fld>
             <a:endParaRPr lang="en-US"/>
           </a:p>
@@ -6484,7 +6484,7 @@
           <a:p>
             <a:fld id="{0DE4D621-9597-A54E-9D45-88BD6D319C77}" type="datetime1">
               <a:rPr lang="en-SG" smtClean="0"/>
-              <a:t>19/3/17</a:t>
+              <a:t>1/4/17</a:t>
             </a:fld>
             <a:endParaRPr lang="en-US"/>
           </a:p>
@@ -6751,7 +6751,7 @@
           <a:p>
             <a:fld id="{359F0E00-F99A-CD43-9FC0-8678B475E476}" type="datetime1">
               <a:rPr lang="en-SG" smtClean="0"/>
-              <a:t>19/3/17</a:t>
+              <a:t>1/4/17</a:t>
             </a:fld>
             <a:endParaRPr lang="en-US"/>
           </a:p>
@@ -7525,7 +7525,7 @@
           <a:p>
             <a:fld id="{359F0E00-F99A-CD43-9FC0-8678B475E476}" type="datetime1">
               <a:rPr lang="en-SG" smtClean="0"/>
-              <a:t>19/3/17</a:t>
+              <a:t>1/4/17</a:t>
             </a:fld>
             <a:endParaRPr lang="en-US"/>
           </a:p>
@@ -7663,7 +7663,7 @@
           <a:p>
             <a:fld id="{359F0E00-F99A-CD43-9FC0-8678B475E476}" type="datetime1">
               <a:rPr lang="en-SG" smtClean="0"/>
-              <a:t>19/3/17</a:t>
+              <a:t>1/4/17</a:t>
             </a:fld>
             <a:endParaRPr lang="en-US"/>
           </a:p>
@@ -8027,7 +8027,7 @@
           <a:p>
             <a:fld id="{4A76FF2F-BA17-7C49-8A91-6731E63A1A5D}" type="datetime1">
               <a:rPr lang="en-SG" smtClean="0"/>
-              <a:t>19/3/17</a:t>
+              <a:t>1/4/17</a:t>
             </a:fld>
             <a:endParaRPr lang="en-US"/>
           </a:p>
@@ -8345,7 +8345,7 @@
           <a:p>
             <a:fld id="{359F0E00-F99A-CD43-9FC0-8678B475E476}" type="datetime1">
               <a:rPr lang="en-SG" smtClean="0"/>
-              <a:t>19/3/17</a:t>
+              <a:t>1/4/17</a:t>
             </a:fld>
             <a:endParaRPr lang="en-US"/>
           </a:p>
@@ -8444,27 +8444,7 @@
           <a:p>
             <a:r>
               <a:rPr lang="zh-CN" altLang="en-US" dirty="0" smtClean="0"/>
-              <a:t>通常实际工作中，我们</a:t>
-            </a:r>
-            <a:r>
-              <a:rPr lang="zh-CN" altLang="en-US" dirty="0" smtClean="0"/>
-              <a:t>是先有数据</a:t>
-            </a:r>
-            <a:r>
-              <a:rPr lang="zh-CN" altLang="en-US" dirty="0" smtClean="0"/>
-              <a:t>后有</a:t>
-            </a:r>
-            <a:r>
-              <a:rPr lang="zh-CN" altLang="en-US" dirty="0" smtClean="0"/>
-              <a:t>观测</a:t>
-            </a:r>
-            <a:r>
-              <a:rPr lang="zh-CN" altLang="en-US" dirty="0" smtClean="0"/>
-              <a:t>，我们希望通过</a:t>
-            </a:r>
-            <a:r>
-              <a:rPr lang="zh-CN" altLang="en-US" dirty="0" smtClean="0"/>
-              <a:t>数据观测（</a:t>
+              <a:t>通常实际工作中，我们是先有数据后有观测，我们希望通过数据观测（</a:t>
             </a:r>
             <a:r>
               <a:rPr lang="en-US" altLang="zh-CN" dirty="0" smtClean="0"/>
@@ -8480,11 +8460,7 @@
             </a:r>
             <a:r>
               <a:rPr lang="zh-CN" altLang="en-US" dirty="0" smtClean="0"/>
-              <a:t>）归纳</a:t>
-            </a:r>
-            <a:r>
-              <a:rPr lang="zh-CN" altLang="en-US" dirty="0" smtClean="0"/>
-              <a:t>出数据的概率规律。本课程是通识课程，主要讨论基本规律和方法。</a:t>
+              <a:t>）归纳出数据的概率规律。本课程是通识课程，主要讨论基本规律和方法。</a:t>
             </a:r>
             <a:endParaRPr lang="en-US" altLang="zh-CN" dirty="0" smtClean="0"/>
           </a:p>
@@ -8513,7 +8489,7 @@
           <a:p>
             <a:fld id="{359F0E00-F99A-CD43-9FC0-8678B475E476}" type="datetime1">
               <a:rPr lang="en-SG" smtClean="0"/>
-              <a:t>19/3/17</a:t>
+              <a:t>1/4/17</a:t>
             </a:fld>
             <a:endParaRPr lang="en-US"/>
           </a:p>
@@ -8767,7 +8743,7 @@
           <a:p>
             <a:fld id="{5F49D035-CA57-594C-9664-D023E14F6318}" type="datetime1">
               <a:rPr lang="en-SG" smtClean="0"/>
-              <a:t>19/3/17</a:t>
+              <a:t>1/4/17</a:t>
             </a:fld>
             <a:endParaRPr lang="en-US"/>
           </a:p>
@@ -9099,7 +9075,7 @@
           <a:p>
             <a:fld id="{ED03BA12-7352-7D46-ACA0-CF824E1FDA47}" type="datetime1">
               <a:rPr lang="en-SG" smtClean="0"/>
-              <a:t>19/3/17</a:t>
+              <a:t>1/4/17</a:t>
             </a:fld>
             <a:endParaRPr lang="en-US"/>
           </a:p>
@@ -9319,7 +9295,7 @@
           <a:p>
             <a:fld id="{69982556-B10B-5E4F-A557-AB928A6368F4}" type="datetime1">
               <a:rPr lang="en-SG" smtClean="0"/>
-              <a:t>19/3/17</a:t>
+              <a:t>1/4/17</a:t>
             </a:fld>
             <a:endParaRPr lang="en-US"/>
           </a:p>
@@ -9759,7 +9735,7 @@
           <a:p>
             <a:fld id="{359F0E00-F99A-CD43-9FC0-8678B475E476}" type="datetime1">
               <a:rPr lang="en-SG" smtClean="0"/>
-              <a:t>19/3/17</a:t>
+              <a:t>1/4/17</a:t>
             </a:fld>
             <a:endParaRPr lang="en-US"/>
           </a:p>
@@ -10602,7 +10578,7 @@
           <a:p>
             <a:fld id="{359F0E00-F99A-CD43-9FC0-8678B475E476}" type="datetime1">
               <a:rPr lang="en-SG" smtClean="0"/>
-              <a:t>19/3/17</a:t>
+              <a:t>1/4/17</a:t>
             </a:fld>
             <a:endParaRPr lang="en-US"/>
           </a:p>
@@ -10739,8 +10715,8 @@
           </a:p>
         </p:txBody>
       </p:sp>
-      <mc:AlternateContent xmlns:mc="http://schemas.openxmlformats.org/markup-compatibility/2006" xmlns:a14="http://schemas.microsoft.com/office/drawing/2010/main">
-        <mc:Choice Requires="a14">
+      <mc:AlternateContent xmlns:mc="http://schemas.openxmlformats.org/markup-compatibility/2006">
+        <mc:Choice xmlns:a14="http://schemas.microsoft.com/office/drawing/2010/main" Requires="a14">
           <p:sp>
             <p:nvSpPr>
               <p:cNvPr id="3" name="Content Placeholder 2"/>
@@ -10803,15 +10779,23 @@
                 </a:r>
                 <a:r>
                   <a:rPr lang="zh-CN" altLang="en-US" dirty="0" smtClean="0"/>
-                  <a:t>时候，模式串能出现在</a:t>
-                </a:r>
-                <a:r>
-                  <a:rPr lang="en-US" altLang="zh-CN" dirty="0" smtClean="0"/>
-                  <a:t>M_L</a:t>
+                  <a:t>时候，模式串能出现</a:t>
                 </a:r>
                 <a:r>
                   <a:rPr lang="zh-CN" altLang="en-US" dirty="0" smtClean="0"/>
-                  <a:t> 位置的概率。假定当前匹配到</a:t>
+                  <a:t>在</a:t>
+                </a:r>
+                <a:r>
+                  <a:rPr lang="en-US" altLang="zh-CN" dirty="0" err="1" smtClean="0"/>
+                  <a:t>pttn_len</a:t>
+                </a:r>
+                <a:r>
+                  <a:rPr lang="zh-CN" altLang="en-US" dirty="0" smtClean="0"/>
+                  <a:t>位置</a:t>
+                </a:r>
+                <a:r>
+                  <a:rPr lang="zh-CN" altLang="en-US" dirty="0" smtClean="0"/>
+                  <a:t>的概率。假定当前匹配到</a:t>
                 </a:r>
                 <a:r>
                   <a:rPr lang="en-US" altLang="zh-CN" dirty="0" smtClean="0"/>
@@ -10822,12 +10806,20 @@
                   <a:t>位置</a:t>
                 </a:r>
                 <a:r>
+                  <a:rPr lang="en-US" altLang="zh-CN" dirty="0"/>
+                  <a:t>i</a:t>
+                </a:r>
+                <a:r>
                   <a:rPr lang="en-US" altLang="zh-CN" dirty="0" smtClean="0"/>
-                  <a:t>I,</a:t>
+                  <a:t>,</a:t>
                 </a:r>
                 <a:r>
                   <a:rPr lang="zh-CN" altLang="en-US" dirty="0" smtClean="0"/>
-                  <a:t> 匹配到</a:t>
+                  <a:t> </a:t>
+                </a:r>
+                <a:r>
+                  <a:rPr lang="zh-CN" altLang="en-US" dirty="0" smtClean="0"/>
+                  <a:t>匹配到</a:t>
                 </a:r>
                 <a:r>
                   <a:rPr lang="en-US" altLang="zh-CN" dirty="0" smtClean="0"/>
@@ -10835,11 +10827,31 @@
                 </a:r>
                 <a:r>
                   <a:rPr lang="zh-CN" altLang="en-US" dirty="0" smtClean="0"/>
-                  <a:t> 位置</a:t>
+                  <a:t> </a:t>
+                </a:r>
+                <a:r>
+                  <a:rPr lang="zh-CN" altLang="en-US" dirty="0" smtClean="0"/>
+                  <a:t>位置</a:t>
                 </a:r>
                 <a:r>
                   <a:rPr lang="en-US" altLang="zh-CN" dirty="0" smtClean="0"/>
-                  <a:t>j(j</a:t>
+                  <a:t> </a:t>
+                </a:r>
+                <a:r>
+                  <a:rPr lang="en-US" altLang="zh-CN" dirty="0" err="1" smtClean="0"/>
+                  <a:t>mtched</a:t>
+                </a:r>
+                <a:r>
+                  <a:rPr lang="en-US" altLang="zh-CN" dirty="0" smtClean="0"/>
+                  <a:t> </a:t>
+                </a:r>
+                <a:r>
+                  <a:rPr lang="en-US" altLang="zh-CN" dirty="0" smtClean="0"/>
+                  <a:t>(</a:t>
+                </a:r>
+                <a:r>
+                  <a:rPr lang="en-US" altLang="zh-CN" dirty="0" err="1" smtClean="0"/>
+                  <a:t>mtched</a:t>
                 </a:r>
                 <a:r>
                   <a:rPr lang="zh-CN" altLang="en-US" dirty="0" smtClean="0"/>
@@ -10863,7 +10875,15 @@
                 </a:r>
                 <a:r>
                   <a:rPr lang="en-US" altLang="zh-CN" dirty="0" smtClean="0"/>
-                  <a:t>Q(j)</a:t>
+                  <a:t>Q(</a:t>
+                </a:r>
+                <a:r>
+                  <a:rPr lang="en-US" altLang="zh-CN" dirty="0" err="1" smtClean="0"/>
+                  <a:t>mtched</a:t>
+                </a:r>
+                <a:r>
+                  <a:rPr lang="en-US" altLang="zh-CN" dirty="0" smtClean="0"/>
+                  <a:t>)</a:t>
                 </a:r>
                 <a:r>
                   <a:rPr lang="zh-CN" altLang="en-US" dirty="0" smtClean="0"/>
@@ -10883,7 +10903,11 @@
                 </a:r>
                 <a:r>
                   <a:rPr lang="zh-CN" altLang="en-US" dirty="0" smtClean="0"/>
-                  <a:t>，然后移动</a:t>
+                  <a:t>，</a:t>
+                </a:r>
+                <a:r>
+                  <a:rPr lang="zh-CN" altLang="en-US" dirty="0" smtClean="0"/>
+                  <a:t>然后移动</a:t>
                 </a:r>
                 <a:r>
                   <a:rPr lang="en-US" altLang="zh-CN" dirty="0" smtClean="0"/>
@@ -10895,23 +10919,27 @@
                 </a:r>
                 <a:r>
                   <a:rPr lang="en-US" altLang="zh-CN" dirty="0" err="1" smtClean="0"/>
-                  <a:t>i+next_step</a:t>
+                  <a:t>i-next_step</a:t>
                 </a:r>
                 <a:r>
                   <a:rPr lang="zh-CN" altLang="en-US" dirty="0" smtClean="0"/>
-                  <a:t>位置继续匹配，相当于开始子问题 </a:t>
+                  <a:t>位置</a:t>
+                </a:r>
+                <a:r>
+                  <a:rPr lang="zh-CN" altLang="en-US" dirty="0" smtClean="0"/>
+                  <a:t>继续匹配，相当于开始子问题 </a:t>
                 </a:r>
                 <a:r>
                   <a:rPr lang="en-US" altLang="zh-CN" dirty="0" smtClean="0"/>
-                  <a:t>P(L-</a:t>
+                  <a:t>P(</a:t>
                 </a:r>
                 <a:r>
                   <a:rPr lang="en-US" altLang="zh-CN" dirty="0" err="1" smtClean="0"/>
-                  <a:t>i</a:t>
-                </a:r>
-                <a:r>
-                  <a:rPr lang="en-US" altLang="zh-CN" dirty="0" smtClean="0"/>
-                  <a:t>-</a:t>
+                  <a:t>L-i</a:t>
+                </a:r>
+                <a:r>
+                  <a:rPr lang="en-US" altLang="zh-CN" dirty="0" err="1" smtClean="0"/>
+                  <a:t>+</a:t>
                 </a:r>
                 <a:r>
                   <a:rPr lang="en-US" altLang="zh-CN" dirty="0" err="1" smtClean="0"/>
@@ -10919,7 +10947,19 @@
                 </a:r>
                 <a:r>
                   <a:rPr lang="en-US" altLang="zh-CN" dirty="0" smtClean="0"/>
-                  <a:t>(j)+1,</a:t>
+                  <a:t>(</a:t>
+                </a:r>
+                <a:r>
+                  <a:rPr lang="en-US" altLang="zh-CN" dirty="0" err="1" smtClean="0"/>
+                  <a:t>mtched</a:t>
+                </a:r>
+                <a:r>
+                  <a:rPr lang="en-US" altLang="zh-CN" dirty="0" smtClean="0"/>
+                  <a:t>)+</a:t>
+                </a:r>
+                <a:r>
+                  <a:rPr lang="en-US" altLang="zh-CN" dirty="0" smtClean="0"/>
+                  <a:t>1,</a:t>
                 </a:r>
                 <a:r>
                   <a:rPr lang="zh-CN" altLang="en-US" dirty="0" smtClean="0"/>
@@ -10946,7 +10986,11 @@
                 </a:r>
                 <a:r>
                   <a:rPr lang="en-US" altLang="zh-CN" dirty="0" smtClean="0"/>
-                  <a:t>j+1</a:t>
+                  <a:t>mtched</a:t>
+                </a:r>
+                <a:r>
+                  <a:rPr lang="en-US" altLang="zh-CN" dirty="0" smtClean="0"/>
+                  <a:t>+1</a:t>
                 </a:r>
                 <a:r>
                   <a:rPr lang="zh-CN" altLang="en-US" dirty="0" smtClean="0"/>
@@ -10962,19 +11006,31 @@
                 </a:r>
                 <a:r>
                   <a:rPr lang="en-US" altLang="zh-CN" dirty="0" smtClean="0"/>
-                  <a:t>=</a:t>
+                  <a:t>!=0</a:t>
                 </a:r>
                 <a:r>
                   <a:rPr lang="zh-CN" altLang="en-US" dirty="0" smtClean="0"/>
-                  <a:t> </a:t>
+                  <a:t>或</a:t>
                 </a:r>
                 <a:r>
                   <a:rPr lang="en-US" altLang="zh-CN" dirty="0" smtClean="0"/>
-                  <a:t>M_L</a:t>
+                  <a:t> j != </a:t>
+                </a:r>
+                <a:r>
+                  <a:rPr lang="en-US" altLang="zh-CN" dirty="0" err="1" smtClean="0"/>
+                  <a:t>pttn_len</a:t>
+                </a:r>
+                <a:r>
+                  <a:rPr lang="en-US" altLang="zh-CN" dirty="0" smtClean="0"/>
+                  <a:t> - 1</a:t>
                 </a:r>
                 <a:r>
                   <a:rPr lang="zh-CN" altLang="en-US" dirty="0" smtClean="0"/>
-                  <a:t>或不匹配发生：</a:t>
+                  <a:t>不</a:t>
+                </a:r>
+                <a:r>
+                  <a:rPr lang="zh-CN" altLang="en-US" dirty="0" smtClean="0"/>
+                  <a:t>匹配发生：</a:t>
                 </a:r>
                 <a:endParaRPr lang="en-US" altLang="zh-CN" dirty="0" smtClean="0"/>
               </a:p>
@@ -11025,8 +11081,8 @@
                       <m:rPr>
                         <m:nor/>
                       </m:rPr>
-                      <a:rPr lang="en-US" altLang="zh-CN" i="1" dirty="0" smtClean="0"/>
-                      <m:t>j</m:t>
+                      <a:rPr lang="en-US" altLang="zh-CN" b="0" i="1" dirty="0" smtClean="0"/>
+                      <m:t>mtched</m:t>
                     </m:r>
                     <m:r>
                       <m:rPr>
@@ -11041,41 +11097,6 @@
                       </m:rPr>
                       <a:rPr lang="zh-CN" altLang="en-US" i="1" dirty="0" smtClean="0"/>
                       <m:t> </m:t>
-                    </m:r>
-                    <m:r>
-                      <m:rPr>
-                        <m:nor/>
-                      </m:rPr>
-                      <a:rPr lang="en-US" altLang="zh-CN" i="1" dirty="0" smtClean="0"/>
-                      <m:t>L</m:t>
-                    </m:r>
-                    <m:r>
-                      <m:rPr>
-                        <m:nor/>
-                      </m:rPr>
-                      <a:rPr lang="en-US" altLang="zh-CN" i="1" dirty="0" smtClean="0"/>
-                      <m:t>,</m:t>
-                    </m:r>
-                    <m:r>
-                      <m:rPr>
-                        <m:nor/>
-                      </m:rPr>
-                      <a:rPr lang="zh-CN" altLang="en-US" i="1" dirty="0" smtClean="0"/>
-                      <m:t> </m:t>
-                    </m:r>
-                    <m:r>
-                      <m:rPr>
-                        <m:nor/>
-                      </m:rPr>
-                      <a:rPr lang="en-US" altLang="zh-CN" i="1" dirty="0" smtClean="0"/>
-                      <m:t>M</m:t>
-                    </m:r>
-                    <m:r>
-                      <m:rPr>
-                        <m:nor/>
-                      </m:rPr>
-                      <a:rPr lang="en-US" altLang="zh-CN" b="0" i="1" dirty="0" smtClean="0"/>
-                      <m:t>_</m:t>
                     </m:r>
                     <m:r>
                       <m:rPr>
@@ -11160,7 +11181,58 @@
                         <m:nor/>
                       </m:rPr>
                       <a:rPr lang="en-US" altLang="zh-CN" i="1" dirty="0" smtClean="0"/>
-                      <m:t>(0,</m:t>
+                      <m:t>(</m:t>
+                    </m:r>
+                    <m:r>
+                      <m:rPr>
+                        <m:nor/>
+                      </m:rPr>
+                      <a:rPr lang="en-US" altLang="zh-CN" b="0" i="1" dirty="0" smtClean="0"/>
+                      <m:t>next</m:t>
+                    </m:r>
+                    <m:r>
+                      <m:rPr>
+                        <m:nor/>
+                      </m:rPr>
+                      <a:rPr lang="en-US" altLang="zh-CN" b="0" i="1" dirty="0" smtClean="0"/>
+                      <m:t>_</m:t>
+                    </m:r>
+                    <m:r>
+                      <m:rPr>
+                        <m:nor/>
+                      </m:rPr>
+                      <a:rPr lang="en-US" altLang="zh-CN" b="0" i="1" dirty="0" smtClean="0"/>
+                      <m:t>step</m:t>
+                    </m:r>
+                    <m:r>
+                      <m:rPr>
+                        <m:nor/>
+                      </m:rPr>
+                      <a:rPr lang="en-US" altLang="zh-CN" b="0" i="1" dirty="0" smtClean="0"/>
+                      <m:t>(</m:t>
+                    </m:r>
+                    <m:r>
+                      <m:rPr>
+                        <m:sty m:val="p"/>
+                      </m:rPr>
+                      <a:rPr lang="en-US" altLang="zh-CN" i="1" dirty="0" smtClean="0">
+                        <a:latin typeface="Cambria Math" charset="0"/>
+                      </a:rPr>
+                      <m:t>mtched</m:t>
+                    </m:r>
+                    <m:r>
+                      <m:rPr>
+                        <m:nor/>
+                      </m:rPr>
+                      <a:rPr lang="en-US" altLang="zh-CN" b="0" i="1" dirty="0" smtClean="0"/>
+                      <m:t>)</m:t>
+                    </m:r>
+                    <m:r>
+                      <m:rPr>
+                        <m:nor/>
+                      </m:rPr>
+                      <a:rPr lang="en-US" altLang="zh-CN" i="1" dirty="0" smtClean="0"/>
+                      <m:t>,</m:t>
                     </m:r>
                     <m:r>
                       <m:rPr>
@@ -11173,8 +11245,15 @@
                       <m:rPr>
                         <m:nor/>
                       </m:rPr>
+                      <a:rPr lang="en-US" altLang="zh-CN" b="0" i="1" dirty="0" smtClean="0"/>
+                      <m:t>0</m:t>
+                    </m:r>
+                    <m:r>
+                      <m:rPr>
+                        <m:nor/>
+                      </m:rPr>
                       <a:rPr lang="en-US" altLang="zh-CN" i="1" dirty="0" smtClean="0"/>
-                      <m:t>0,</m:t>
+                      <m:t>,</m:t>
                     </m:r>
                     <m:r>
                       <m:rPr>
@@ -11208,8 +11287,8 @@
                       <m:rPr>
                         <m:nor/>
                       </m:rPr>
-                      <a:rPr lang="en-US" altLang="zh-CN" i="1" dirty="0" smtClean="0"/>
-                      <m:t>−</m:t>
+                      <a:rPr lang="en-US" altLang="zh-CN" b="0" i="1" dirty="0" smtClean="0"/>
+                      <m:t>+</m:t>
                     </m:r>
                     <m:r>
                       <m:rPr>
@@ -11244,42 +11323,14 @@
                         <m:nor/>
                       </m:rPr>
                       <a:rPr lang="en-US" altLang="zh-CN" b="0" i="1" dirty="0" smtClean="0"/>
-                      <m:t>j</m:t>
+                      <m:t>mtched</m:t>
                     </m:r>
                     <m:r>
                       <m:rPr>
                         <m:nor/>
                       </m:rPr>
                       <a:rPr lang="en-US" altLang="zh-CN" b="0" i="1" dirty="0" smtClean="0"/>
-                      <m:t>)+1,</m:t>
-                    </m:r>
-                    <m:r>
-                      <m:rPr>
-                        <m:nor/>
-                      </m:rPr>
-                      <a:rPr lang="zh-CN" altLang="en-US" i="1" dirty="0" smtClean="0"/>
-                      <m:t> </m:t>
-                    </m:r>
-                    <m:r>
-                      <m:rPr>
-                        <m:nor/>
-                      </m:rPr>
-                      <a:rPr lang="en-US" altLang="zh-CN" i="1" dirty="0" smtClean="0"/>
-                      <m:t>M</m:t>
-                    </m:r>
-                    <m:r>
-                      <m:rPr>
-                        <m:nor/>
-                      </m:rPr>
-                      <a:rPr lang="en-US" altLang="zh-CN" i="1" dirty="0" smtClean="0"/>
-                      <m:t>_</m:t>
-                    </m:r>
-                    <m:r>
-                      <m:rPr>
-                        <m:nor/>
-                      </m:rPr>
-                      <a:rPr lang="en-US" altLang="zh-CN" i="1" dirty="0" smtClean="0"/>
-                      <m:t>L</m:t>
+                      <m:t>)</m:t>
                     </m:r>
                     <m:r>
                       <m:rPr>
@@ -11328,7 +11379,7 @@
                         <m:nor/>
                       </m:rPr>
                       <a:rPr lang="en-US" altLang="zh-CN" b="0" i="1" dirty="0" smtClean="0"/>
-                      <m:t>j</m:t>
+                      <m:t>mtched</m:t>
                     </m:r>
                     <m:r>
                       <m:rPr>
@@ -11383,7 +11434,7 @@
                         <a:ea typeface="Cambria Math" charset="0"/>
                         <a:cs typeface="Cambria Math" charset="0"/>
                       </a:rPr>
-                      <m:t>𝑗</m:t>
+                      <m:t>𝑚𝑡𝑐h𝑒𝑑</m:t>
                     </m:r>
                     <m:r>
                       <a:rPr lang="en-US" altLang="zh-CN" b="0" i="1" dirty="0" smtClean="0">
@@ -11392,38 +11443,6 @@
                         <a:cs typeface="Cambria Math" charset="0"/>
                       </a:rPr>
                       <m:t>+1,</m:t>
-                    </m:r>
-                    <m:r>
-                      <a:rPr lang="en-US" altLang="zh-CN" b="0" i="1" dirty="0" smtClean="0">
-                        <a:latin typeface="Cambria Math" charset="0"/>
-                        <a:ea typeface="Cambria Math" charset="0"/>
-                        <a:cs typeface="Cambria Math" charset="0"/>
-                      </a:rPr>
-                      <m:t>𝐿</m:t>
-                    </m:r>
-                    <m:r>
-                      <a:rPr lang="en-US" altLang="zh-CN" b="0" i="1" dirty="0" smtClean="0">
-                        <a:latin typeface="Cambria Math" charset="0"/>
-                        <a:ea typeface="Cambria Math" charset="0"/>
-                        <a:cs typeface="Cambria Math" charset="0"/>
-                      </a:rPr>
-                      <m:t>, </m:t>
-                    </m:r>
-                    <m:r>
-                      <a:rPr lang="en-US" altLang="zh-CN" b="0" i="1" dirty="0" smtClean="0">
-                        <a:latin typeface="Cambria Math" charset="0"/>
-                        <a:ea typeface="Cambria Math" charset="0"/>
-                        <a:cs typeface="Cambria Math" charset="0"/>
-                      </a:rPr>
-                      <m:t>𝑀</m:t>
-                    </m:r>
-                    <m:r>
-                      <a:rPr lang="en-US" altLang="zh-CN" b="0" i="1" dirty="0" smtClean="0">
-                        <a:latin typeface="Cambria Math" charset="0"/>
-                        <a:ea typeface="Cambria Math" charset="0"/>
-                        <a:cs typeface="Cambria Math" charset="0"/>
-                      </a:rPr>
-                      <m:t>_</m:t>
                     </m:r>
                     <m:r>
                       <a:rPr lang="en-US" altLang="zh-CN" b="0" i="1" dirty="0" smtClean="0">
@@ -11467,7 +11486,35 @@
                 </a:r>
                 <a:r>
                   <a:rPr lang="zh-CN" altLang="en-US" dirty="0" smtClean="0"/>
-                  <a:t>，这个形式是否是合理的并帮助我们计算最终结果，是否还有其他形式？</a:t>
+                  <a:t>，这个形式是否是合理的并帮助我们计算最终结果，是否还有其他形式</a:t>
+                </a:r>
+                <a:r>
+                  <a:rPr lang="zh-CN" altLang="en-US" dirty="0" smtClean="0"/>
+                  <a:t>？</a:t>
+                </a:r>
+                <a:endParaRPr lang="en-US" altLang="zh-CN" dirty="0" smtClean="0"/>
+              </a:p>
+              <a:p>
+                <a:pPr lvl="1"/>
+                <a:r>
+                  <a:rPr lang="zh-CN" altLang="en-US" dirty="0" smtClean="0"/>
+                  <a:t>如解决其他数学问题一样，我们需要确定该问题的“边界条件”，和 “收敛条件”</a:t>
+                </a:r>
+                <a:r>
+                  <a:rPr lang="en-US" altLang="zh-CN" dirty="0" smtClean="0"/>
+                  <a:t>--</a:t>
+                </a:r>
+                <a:r>
+                  <a:rPr lang="zh-CN" altLang="en-US" dirty="0" smtClean="0"/>
+                  <a:t> 即该</a:t>
+                </a:r>
+                <a:r>
+                  <a:rPr lang="en-US" altLang="zh-CN" dirty="0" smtClean="0"/>
+                  <a:t>DAG</a:t>
+                </a:r>
+                <a:r>
+                  <a:rPr lang="zh-CN" altLang="en-US" dirty="0" smtClean="0"/>
+                  <a:t>图边界问题的收敛条件</a:t>
                 </a:r>
                 <a:endParaRPr lang="en-US" altLang="zh-CN" dirty="0" smtClean="0"/>
               </a:p>
@@ -11593,486 +11640,33 @@
                       <m:rPr>
                         <m:nor/>
                       </m:rPr>
-                      <a:rPr lang="zh-CN" altLang="en-US" i="1" dirty="0" smtClean="0"/>
+                      <a:rPr lang="zh-CN" altLang="en-US" b="0" i="1" dirty="0" smtClean="0"/>
                       <m:t> </m:t>
                     </m:r>
                     <m:r>
-                      <m:rPr>
-                        <m:nor/>
-                      </m:rPr>
-                      <a:rPr lang="en-US" altLang="zh-CN" i="1" dirty="0" smtClean="0"/>
-                      <m:t>=</m:t>
-                    </m:r>
-                    <m:r>
-                      <m:rPr>
-                        <m:nor/>
-                      </m:rPr>
-                      <a:rPr lang="zh-CN" altLang="en-US" i="1" dirty="0" smtClean="0"/>
-                      <m:t> </m:t>
-                    </m:r>
-                    <m:nary>
-                      <m:naryPr>
-                        <m:chr m:val="∑"/>
-                        <m:ctrlPr>
-                          <a:rPr lang="is-IS" altLang="zh-CN" i="1" dirty="0" smtClean="0">
-                            <a:latin typeface="Cambria Math" charset="0"/>
-                          </a:rPr>
-                        </m:ctrlPr>
-                      </m:naryPr>
-                      <m:sub>
-                        <m:r>
-                          <m:rPr>
-                            <m:brk m:alnAt="23"/>
-                          </m:rPr>
-                          <a:rPr lang="en-US" altLang="zh-CN" b="0" i="1" dirty="0" smtClean="0">
-                            <a:latin typeface="Cambria Math" charset="0"/>
-                          </a:rPr>
-                          <m:t>𝑘</m:t>
-                        </m:r>
-                        <m:r>
-                          <a:rPr lang="en-US" altLang="zh-CN" b="0" i="1" dirty="0" smtClean="0">
-                            <a:latin typeface="Cambria Math" charset="0"/>
-                          </a:rPr>
-                          <m:t>=1</m:t>
-                        </m:r>
-                      </m:sub>
-                      <m:sup>
-                        <m:sSub>
-                          <m:sSubPr>
-                            <m:ctrlPr>
-                              <a:rPr lang="en-US" altLang="zh-CN" b="0" i="1" dirty="0" smtClean="0">
-                                <a:latin typeface="Cambria Math" charset="0"/>
-                              </a:rPr>
-                            </m:ctrlPr>
-                          </m:sSubPr>
-                          <m:e>
-                            <m:r>
-                              <a:rPr lang="en-US" altLang="zh-CN" b="0" i="1" dirty="0" smtClean="0">
-                                <a:latin typeface="Cambria Math" charset="0"/>
-                              </a:rPr>
-                              <m:t>𝑀</m:t>
-                            </m:r>
-                          </m:e>
-                          <m:sub>
-                            <m:r>
-                              <a:rPr lang="en-US" altLang="zh-CN" b="0" i="1" dirty="0" smtClean="0">
-                                <a:latin typeface="Cambria Math" charset="0"/>
-                              </a:rPr>
-                              <m:t>𝐿</m:t>
-                            </m:r>
-                          </m:sub>
-                        </m:sSub>
-                      </m:sup>
-                      <m:e>
-                        <m:r>
-                          <a:rPr lang="en-US" altLang="zh-CN" b="0" i="1" dirty="0" smtClean="0">
-                            <a:latin typeface="Cambria Math" charset="0"/>
-                          </a:rPr>
-                          <m:t>(1−</m:t>
-                        </m:r>
-                        <m:sSub>
-                          <m:sSubPr>
-                            <m:ctrlPr>
-                              <a:rPr lang="en-US" altLang="zh-CN" b="0" i="1" dirty="0" smtClean="0">
-                                <a:latin typeface="Cambria Math" charset="0"/>
-                              </a:rPr>
-                            </m:ctrlPr>
-                          </m:sSubPr>
-                          <m:e>
-                            <m:r>
-                              <a:rPr lang="en-US" altLang="zh-CN" b="0" i="1" dirty="0" smtClean="0">
-                                <a:latin typeface="Cambria Math" charset="0"/>
-                              </a:rPr>
-                              <m:t>𝑄</m:t>
-                            </m:r>
-                          </m:e>
-                          <m:sub>
-                            <m:r>
-                              <a:rPr lang="en-US" altLang="zh-CN" b="0" i="1" dirty="0" smtClean="0">
-                                <a:latin typeface="Cambria Math" charset="0"/>
-                              </a:rPr>
-                              <m:t>𝑘</m:t>
-                            </m:r>
-                            <m:r>
-                              <a:rPr lang="en-US" altLang="zh-CN" b="0" i="1" dirty="0" smtClean="0">
-                                <a:latin typeface="Cambria Math" charset="0"/>
-                              </a:rPr>
-                              <m:t>−1</m:t>
-                            </m:r>
-                          </m:sub>
-                        </m:sSub>
-                        <m:r>
-                          <a:rPr lang="en-US" altLang="zh-CN" b="0" i="1" dirty="0" smtClean="0">
-                            <a:latin typeface="Cambria Math" charset="0"/>
-                          </a:rPr>
-                          <m:t>)</m:t>
-                        </m:r>
-                        <m:sSub>
-                          <m:sSubPr>
-                            <m:ctrlPr>
-                              <a:rPr lang="en-US" altLang="zh-CN" b="0" i="1" dirty="0" smtClean="0">
-                                <a:latin typeface="Cambria Math" charset="0"/>
-                              </a:rPr>
-                            </m:ctrlPr>
-                          </m:sSubPr>
-                          <m:e>
-                            <m:r>
-                              <a:rPr lang="en-US" altLang="zh-CN" b="0" i="1" dirty="0" smtClean="0">
-                                <a:latin typeface="Cambria Math" charset="0"/>
-                              </a:rPr>
-                              <m:t>𝑄</m:t>
-                            </m:r>
-                          </m:e>
-                          <m:sub>
-                            <m:r>
-                              <a:rPr lang="en-US" altLang="zh-CN" b="0" i="1" dirty="0" smtClean="0">
-                                <a:latin typeface="Cambria Math" charset="0"/>
-                              </a:rPr>
-                              <m:t>𝑘</m:t>
-                            </m:r>
-                          </m:sub>
-                        </m:sSub>
-                        <m:r>
-                          <a:rPr lang="en-US" altLang="zh-CN" b="0" i="1" dirty="0" smtClean="0">
-                            <a:latin typeface="Cambria Math" charset="0"/>
-                            <a:ea typeface="Cambria Math" charset="0"/>
-                            <a:cs typeface="Cambria Math" charset="0"/>
-                          </a:rPr>
-                          <m:t>∙</m:t>
-                        </m:r>
-                        <m:r>
-                          <m:rPr>
-                            <m:nor/>
-                          </m:rPr>
-                          <a:rPr lang="en-US" altLang="zh-CN" i="1" dirty="0" smtClean="0"/>
-                          <m:t>P</m:t>
-                        </m:r>
-                        <m:r>
-                          <m:rPr>
-                            <m:nor/>
-                          </m:rPr>
-                          <a:rPr lang="en-US" altLang="zh-CN" i="1" dirty="0" smtClean="0"/>
-                          <m:t>(0,</m:t>
-                        </m:r>
-                        <m:r>
-                          <m:rPr>
-                            <m:nor/>
-                          </m:rPr>
-                          <a:rPr lang="zh-CN" altLang="en-US" i="1" dirty="0" smtClean="0"/>
-                          <m:t> </m:t>
-                        </m:r>
-                        <m:r>
-                          <m:rPr>
-                            <m:nor/>
-                          </m:rPr>
-                          <a:rPr lang="en-US" altLang="zh-CN" i="1" dirty="0" smtClean="0"/>
-                          <m:t>0,</m:t>
-                        </m:r>
-                        <m:r>
-                          <m:rPr>
-                            <m:nor/>
-                          </m:rPr>
-                          <a:rPr lang="zh-CN" altLang="en-US" i="1" dirty="0" smtClean="0"/>
-                          <m:t> </m:t>
-                        </m:r>
-                        <m:r>
-                          <m:rPr>
-                            <m:nor/>
-                          </m:rPr>
-                          <a:rPr lang="en-US" altLang="zh-CN" i="1" dirty="0" smtClean="0"/>
-                          <m:t>L</m:t>
-                        </m:r>
-                        <m:r>
-                          <m:rPr>
-                            <m:nor/>
-                          </m:rPr>
-                          <a:rPr lang="en-US" altLang="zh-CN" i="1" dirty="0" smtClean="0"/>
-                          <m:t>−</m:t>
-                        </m:r>
-                        <m:r>
-                          <m:rPr>
-                            <m:nor/>
-                          </m:rPr>
-                          <a:rPr lang="en-US" altLang="zh-CN" i="1" dirty="0" smtClean="0"/>
-                          <m:t>i</m:t>
-                        </m:r>
-                        <m:r>
-                          <m:rPr>
-                            <m:nor/>
-                          </m:rPr>
-                          <a:rPr lang="en-US" altLang="zh-CN" i="1" dirty="0" smtClean="0"/>
-                          <m:t>−</m:t>
-                        </m:r>
-                        <m:r>
-                          <m:rPr>
-                            <m:nor/>
-                          </m:rPr>
-                          <a:rPr lang="en-US" altLang="zh-CN" b="0" i="1" dirty="0" smtClean="0"/>
-                          <m:t>next</m:t>
-                        </m:r>
-                        <m:r>
-                          <m:rPr>
-                            <m:nor/>
-                          </m:rPr>
-                          <a:rPr lang="en-US" altLang="zh-CN" b="0" i="1" dirty="0" smtClean="0"/>
-                          <m:t>_</m:t>
-                        </m:r>
-                        <m:r>
-                          <m:rPr>
-                            <m:nor/>
-                          </m:rPr>
-                          <a:rPr lang="en-US" altLang="zh-CN" b="0" i="1" dirty="0" smtClean="0"/>
-                          <m:t>step</m:t>
-                        </m:r>
-                        <m:r>
-                          <m:rPr>
-                            <m:nor/>
-                          </m:rPr>
-                          <a:rPr lang="en-US" altLang="zh-CN" b="0" i="1" dirty="0" smtClean="0"/>
-                          <m:t>(</m:t>
-                        </m:r>
-                        <m:r>
-                          <m:rPr>
-                            <m:nor/>
-                          </m:rPr>
-                          <a:rPr lang="en-US" altLang="zh-CN" b="0" i="1" dirty="0" smtClean="0"/>
-                          <m:t>k</m:t>
-                        </m:r>
-                        <m:r>
-                          <m:rPr>
-                            <m:nor/>
-                          </m:rPr>
-                          <a:rPr lang="en-US" altLang="zh-CN" b="0" i="1" dirty="0" smtClean="0"/>
-                          <m:t>)+1)</m:t>
-                        </m:r>
-                      </m:e>
-                    </m:nary>
-                    <m:r>
-                      <a:rPr lang="en-US" altLang="zh-CN" i="1" dirty="0" smtClean="0">
+                      <a:rPr lang="zh-CN" altLang="en-US" i="1" dirty="0" smtClean="0">
                         <a:latin typeface="Cambria Math" charset="0"/>
-                        <a:ea typeface="Cambria Math" charset="0"/>
-                        <a:cs typeface="Cambria Math" charset="0"/>
                       </a:rPr>
-                      <m:t>∙</m:t>
+                      <m:t>是否</m:t>
                     </m:r>
                   </m:oMath>
                 </a14:m>
                 <a:r>
-                  <a:rPr lang="en-US" altLang="zh-CN" dirty="0"/>
-                  <a:t> </a:t>
-                </a:r>
-                <a14:m>
-                  <m:oMath xmlns:m="http://schemas.openxmlformats.org/officeDocument/2006/math">
-                    <m:r>
-                      <m:rPr>
-                        <m:nor/>
-                      </m:rPr>
-                      <a:rPr lang="en-US" altLang="zh-CN" i="1" dirty="0"/>
-                      <m:t>+</m:t>
-                    </m:r>
-                    <m:nary>
-                      <m:naryPr>
-                        <m:chr m:val="∏"/>
-                        <m:subHide m:val="on"/>
-                        <m:supHide m:val="on"/>
-                        <m:ctrlPr>
-                          <a:rPr lang="en-US" altLang="zh-CN" i="1" dirty="0">
-                            <a:latin typeface="Cambria Math" charset="0"/>
-                          </a:rPr>
-                        </m:ctrlPr>
-                      </m:naryPr>
-                      <m:sub/>
-                      <m:sup/>
-                      <m:e>
-                        <m:r>
-                          <a:rPr lang="en-US" altLang="zh-CN" i="1" dirty="0" smtClean="0">
-                            <a:latin typeface="Cambria Math" charset="0"/>
-                          </a:rPr>
-                          <m:t> </m:t>
-                        </m:r>
-                        <m:r>
-                          <m:rPr>
-                            <m:nor/>
-                          </m:rPr>
-                          <a:rPr lang="en-US" altLang="zh-CN" b="0" i="1" dirty="0" smtClean="0">
-                            <a:latin typeface="Cambria Math" charset="0"/>
-                          </a:rPr>
-                          <m:t>(</m:t>
-                        </m:r>
-                        <m:r>
-                          <m:rPr>
-                            <m:nor/>
-                          </m:rPr>
-                          <a:rPr lang="en-US" altLang="zh-CN" i="1" dirty="0"/>
-                          <m:t>1−</m:t>
-                        </m:r>
-                        <m:sSub>
-                          <m:sSubPr>
-                            <m:ctrlPr>
-                              <a:rPr lang="en-US" altLang="zh-CN" i="1" dirty="0">
-                                <a:latin typeface="Cambria Math" charset="0"/>
-                              </a:rPr>
-                            </m:ctrlPr>
-                          </m:sSubPr>
-                          <m:e>
-                            <m:r>
-                              <a:rPr lang="en-US" altLang="zh-CN" i="1" dirty="0">
-                                <a:latin typeface="Cambria Math" charset="0"/>
-                              </a:rPr>
-                              <m:t>𝑄</m:t>
-                            </m:r>
-                          </m:e>
-                          <m:sub>
-                            <m:r>
-                              <a:rPr lang="en-US" altLang="zh-CN" b="0" i="1" dirty="0" smtClean="0">
-                                <a:latin typeface="Cambria Math" charset="0"/>
-                              </a:rPr>
-                              <m:t>𝑘</m:t>
-                            </m:r>
-                          </m:sub>
-                        </m:sSub>
-                        <m:r>
-                          <m:rPr>
-                            <m:nor/>
-                          </m:rPr>
-                          <a:rPr lang="en-US" altLang="zh-CN" i="1" dirty="0"/>
-                          <m:t>)</m:t>
-                        </m:r>
-                        <m:r>
-                          <a:rPr lang="en-US" altLang="zh-CN" i="1" dirty="0">
-                            <a:latin typeface="Cambria Math" charset="0"/>
-                            <a:ea typeface="Cambria Math" charset="0"/>
-                            <a:cs typeface="Cambria Math" charset="0"/>
-                          </a:rPr>
-                          <m:t>∙</m:t>
-                        </m:r>
-                        <m:r>
-                          <a:rPr lang="en-US" altLang="zh-CN" i="1" dirty="0">
-                            <a:latin typeface="Cambria Math" charset="0"/>
-                            <a:ea typeface="Cambria Math" charset="0"/>
-                            <a:cs typeface="Cambria Math" charset="0"/>
-                          </a:rPr>
-                          <m:t>𝑃</m:t>
-                        </m:r>
-                        <m:d>
-                          <m:dPr>
-                            <m:ctrlPr>
-                              <a:rPr lang="en-US" altLang="zh-CN" i="1" dirty="0">
-                                <a:latin typeface="Cambria Math" charset="0"/>
-                                <a:ea typeface="Cambria Math" charset="0"/>
-                                <a:cs typeface="Cambria Math" charset="0"/>
-                              </a:rPr>
-                            </m:ctrlPr>
-                          </m:dPr>
-                          <m:e>
-                            <m:sSub>
-                              <m:sSubPr>
-                                <m:ctrlPr>
-                                  <a:rPr lang="en-US" altLang="zh-CN" b="0" i="1" dirty="0" smtClean="0">
-                                    <a:latin typeface="Cambria Math" charset="0"/>
-                                    <a:ea typeface="Cambria Math" charset="0"/>
-                                    <a:cs typeface="Cambria Math" charset="0"/>
-                                  </a:rPr>
-                                </m:ctrlPr>
-                              </m:sSubPr>
-                              <m:e>
-                                <m:r>
-                                  <a:rPr lang="en-US" altLang="zh-CN" b="0" i="1" dirty="0" smtClean="0">
-                                    <a:latin typeface="Cambria Math" charset="0"/>
-                                    <a:ea typeface="Cambria Math" charset="0"/>
-                                    <a:cs typeface="Cambria Math" charset="0"/>
-                                  </a:rPr>
-                                  <m:t>𝑀</m:t>
-                                </m:r>
-                              </m:e>
-                              <m:sub>
-                                <m:r>
-                                  <a:rPr lang="en-US" altLang="zh-CN" b="0" i="1" dirty="0" smtClean="0">
-                                    <a:latin typeface="Cambria Math" charset="0"/>
-                                    <a:ea typeface="Cambria Math" charset="0"/>
-                                    <a:cs typeface="Cambria Math" charset="0"/>
-                                  </a:rPr>
-                                  <m:t>𝐿</m:t>
-                                </m:r>
-                              </m:sub>
-                            </m:sSub>
-                            <m:r>
-                              <a:rPr lang="en-US" altLang="zh-CN" b="0" i="1" dirty="0" smtClean="0">
-                                <a:latin typeface="Cambria Math" charset="0"/>
-                                <a:ea typeface="Cambria Math" charset="0"/>
-                                <a:cs typeface="Cambria Math" charset="0"/>
-                              </a:rPr>
-                              <m:t>−1</m:t>
-                            </m:r>
-                            <m:r>
-                              <a:rPr lang="en-US" altLang="zh-CN" i="1" dirty="0">
-                                <a:latin typeface="Cambria Math" charset="0"/>
-                                <a:ea typeface="Cambria Math" charset="0"/>
-                                <a:cs typeface="Cambria Math" charset="0"/>
-                              </a:rPr>
-                              <m:t>,</m:t>
-                            </m:r>
-                            <m:sSub>
-                              <m:sSubPr>
-                                <m:ctrlPr>
-                                  <a:rPr lang="en-US" altLang="zh-CN" b="0" i="1" dirty="0" smtClean="0">
-                                    <a:latin typeface="Cambria Math" charset="0"/>
-                                    <a:ea typeface="Cambria Math" charset="0"/>
-                                    <a:cs typeface="Cambria Math" charset="0"/>
-                                  </a:rPr>
-                                </m:ctrlPr>
-                              </m:sSubPr>
-                              <m:e>
-                                <m:r>
-                                  <a:rPr lang="en-US" altLang="zh-CN" b="0" i="1" dirty="0" smtClean="0">
-                                    <a:latin typeface="Cambria Math" charset="0"/>
-                                    <a:ea typeface="Cambria Math" charset="0"/>
-                                    <a:cs typeface="Cambria Math" charset="0"/>
-                                  </a:rPr>
-                                  <m:t>𝑀</m:t>
-                                </m:r>
-                              </m:e>
-                              <m:sub>
-                                <m:r>
-                                  <a:rPr lang="en-US" altLang="zh-CN" b="0" i="1" dirty="0" smtClean="0">
-                                    <a:latin typeface="Cambria Math" charset="0"/>
-                                    <a:ea typeface="Cambria Math" charset="0"/>
-                                    <a:cs typeface="Cambria Math" charset="0"/>
-                                  </a:rPr>
-                                  <m:t>𝐿</m:t>
-                                </m:r>
-                              </m:sub>
-                            </m:sSub>
-                            <m:r>
-                              <a:rPr lang="en-US" altLang="zh-CN" b="0" i="1" dirty="0" smtClean="0">
-                                <a:latin typeface="Cambria Math" charset="0"/>
-                                <a:ea typeface="Cambria Math" charset="0"/>
-                                <a:cs typeface="Cambria Math" charset="0"/>
-                              </a:rPr>
-                              <m:t>−1</m:t>
-                            </m:r>
-                            <m:r>
-                              <a:rPr lang="en-US" altLang="zh-CN" i="1" dirty="0">
-                                <a:latin typeface="Cambria Math" charset="0"/>
-                                <a:ea typeface="Cambria Math" charset="0"/>
-                                <a:cs typeface="Cambria Math" charset="0"/>
-                              </a:rPr>
-                              <m:t>,</m:t>
-                            </m:r>
-                            <m:r>
-                              <a:rPr lang="en-US" altLang="zh-CN" i="1" dirty="0">
-                                <a:latin typeface="Cambria Math" charset="0"/>
-                                <a:ea typeface="Cambria Math" charset="0"/>
-                                <a:cs typeface="Cambria Math" charset="0"/>
-                              </a:rPr>
-                              <m:t>𝐿</m:t>
-                            </m:r>
-                          </m:e>
-                        </m:d>
-                      </m:e>
-                    </m:nary>
-                  </m:oMath>
-                </a14:m>
+                  <a:rPr lang="zh-CN" altLang="en-US" b="0" i="1" dirty="0" smtClean="0">
+                    <a:latin typeface="Cambria Math" charset="0"/>
+                    <a:ea typeface="Cambria Math" charset="0"/>
+                    <a:cs typeface="Cambria Math" charset="0"/>
+                  </a:rPr>
+                  <a:t>可以在程序</a:t>
+                </a:r>
+                <a:r>
+                  <a:rPr lang="zh-CN" altLang="en-US" b="0" i="1" smtClean="0">
+                    <a:latin typeface="Cambria Math" charset="0"/>
+                    <a:ea typeface="Cambria Math" charset="0"/>
+                    <a:cs typeface="Cambria Math" charset="0"/>
+                  </a:rPr>
+                  <a:t>之外，获得“紧缩表达式”？</a:t>
+                </a:r>
                 <a:endParaRPr lang="en-US" altLang="zh-CN" b="0" i="1" dirty="0" smtClean="0">
                   <a:latin typeface="Cambria Math" charset="0"/>
                   <a:ea typeface="Cambria Math" charset="0"/>
@@ -12171,7 +11765,7 @@
             </p:txBody>
           </p:sp>
         </mc:Choice>
-        <mc:Fallback xmlns="">
+        <mc:Fallback>
           <p:sp>
             <p:nvSpPr>
               <p:cNvPr id="3" name="Content Placeholder 2"/>
@@ -12222,7 +11816,7 @@
           <a:p>
             <a:fld id="{359F0E00-F99A-CD43-9FC0-8678B475E476}" type="datetime1">
               <a:rPr lang="en-SG" smtClean="0"/>
-              <a:t>19/3/17</a:t>
+              <a:t>1/4/17</a:t>
             </a:fld>
             <a:endParaRPr lang="en-US"/>
           </a:p>
@@ -12404,7 +11998,7 @@
           <a:p>
             <a:fld id="{359F0E00-F99A-CD43-9FC0-8678B475E476}" type="datetime1">
               <a:rPr lang="en-SG" smtClean="0"/>
-              <a:t>19/3/17</a:t>
+              <a:t>1/4/17</a:t>
             </a:fld>
             <a:endParaRPr lang="en-US"/>
           </a:p>

--- a/Computing Random Variables/Computing Random Variables.pptx
+++ b/Computing Random Variables/Computing Random Variables.pptx
@@ -251,7 +251,7 @@
           <a:p>
             <a:fld id="{DC78B61A-9D36-CF47-98EF-C95C99C43905}" type="datetimeFigureOut">
               <a:rPr lang="en-US" smtClean="0"/>
-              <a:t>4/5/17</a:t>
+              <a:t>4/6/17</a:t>
             </a:fld>
             <a:endParaRPr lang="en-US"/>
           </a:p>
@@ -2917,7 +2917,7 @@
           <a:lstStyle/>
           <a:p>
             <a:fld id="{3DEEB8FA-BE23-5545-BF4A-6EB8D4816639}" type="datetime1">
-              <a:t>2017/4/5</a:t>
+              <a:t>2017/4/6</a:t>
             </a:fld>
             <a:endParaRPr lang="en-US"/>
           </a:p>
@@ -3090,7 +3090,7 @@
           <a:lstStyle/>
           <a:p>
             <a:fld id="{0F2B2D94-AA8A-6144-AB64-0E78ECCA573B}" type="datetime1">
-              <a:t>2017/4/5</a:t>
+              <a:t>2017/4/6</a:t>
             </a:fld>
             <a:endParaRPr lang="en-US"/>
           </a:p>
@@ -3273,7 +3273,7 @@
           <a:lstStyle/>
           <a:p>
             <a:fld id="{F2B0A30F-AEA5-5943-B006-9F408C60A252}" type="datetime1">
-              <a:t>2017/4/5</a:t>
+              <a:t>2017/4/6</a:t>
             </a:fld>
             <a:endParaRPr lang="en-US"/>
           </a:p>
@@ -3446,7 +3446,7 @@
           <a:lstStyle/>
           <a:p>
             <a:fld id="{A9C3EEF9-5A0F-084C-8318-ED7902D27402}" type="datetime1">
-              <a:t>2017/4/5</a:t>
+              <a:t>2017/4/6</a:t>
             </a:fld>
             <a:endParaRPr lang="en-US"/>
           </a:p>
@@ -3695,7 +3695,7 @@
           <a:lstStyle/>
           <a:p>
             <a:fld id="{DCC9B718-1C3B-5E43-986F-7E905CFFE73C}" type="datetime1">
-              <a:t>2017/4/5</a:t>
+              <a:t>2017/4/6</a:t>
             </a:fld>
             <a:endParaRPr lang="en-US"/>
           </a:p>
@@ -3930,7 +3930,7 @@
           <a:lstStyle/>
           <a:p>
             <a:fld id="{DC36EED9-90A3-8B40-B811-55B8279FA5F5}" type="datetime1">
-              <a:t>2017/4/5</a:t>
+              <a:t>2017/4/6</a:t>
             </a:fld>
             <a:endParaRPr lang="en-US"/>
           </a:p>
@@ -4300,7 +4300,7 @@
           <a:lstStyle/>
           <a:p>
             <a:fld id="{C3BE899A-0FA6-2D41-AC3F-9C984AEBE645}" type="datetime1">
-              <a:t>2017/4/5</a:t>
+              <a:t>2017/4/6</a:t>
             </a:fld>
             <a:endParaRPr lang="en-US"/>
           </a:p>
@@ -4421,7 +4421,7 @@
           <a:lstStyle/>
           <a:p>
             <a:fld id="{1B9CEF58-CC2B-0148-B304-8BC3FFA6F8F3}" type="datetime1">
-              <a:t>2017/4/5</a:t>
+              <a:t>2017/4/6</a:t>
             </a:fld>
             <a:endParaRPr lang="en-US"/>
           </a:p>
@@ -4519,7 +4519,7 @@
           <a:lstStyle/>
           <a:p>
             <a:fld id="{76C13A98-66B9-4740-853B-9FECF8E3A193}" type="datetime1">
-              <a:t>2017/4/5</a:t>
+              <a:t>2017/4/6</a:t>
             </a:fld>
             <a:endParaRPr lang="en-US"/>
           </a:p>
@@ -4799,7 +4799,7 @@
           <a:lstStyle/>
           <a:p>
             <a:fld id="{39281DAD-D2ED-1242-B8A8-16820E15CD5D}" type="datetime1">
-              <a:t>2017/4/5</a:t>
+              <a:t>2017/4/6</a:t>
             </a:fld>
             <a:endParaRPr lang="en-US"/>
           </a:p>
@@ -5055,7 +5055,7 @@
           <a:lstStyle/>
           <a:p>
             <a:fld id="{3AF0487D-8E58-474C-86E7-E691EBA52C1E}" type="datetime1">
-              <a:t>2017/4/5</a:t>
+              <a:t>2017/4/6</a:t>
             </a:fld>
             <a:endParaRPr lang="en-US"/>
           </a:p>
@@ -5271,7 +5271,7 @@
           </a:lstStyle>
           <a:p>
             <a:fld id="{6645B1B6-826F-8447-B352-85686634A5E2}" type="datetime1">
-              <a:t>2017/4/5</a:t>
+              <a:t>2017/4/6</a:t>
             </a:fld>
             <a:endParaRPr lang="en-US"/>
           </a:p>
@@ -5778,7 +5778,7 @@
           <a:lstStyle/>
           <a:p>
             <a:fld id="{D3E65EC7-DA03-374F-BA80-106FF62C6660}" type="datetime1">
-              <a:t>2017/4/5</a:t>
+              <a:t>2017/4/6</a:t>
             </a:fld>
             <a:endParaRPr lang="en-US"/>
           </a:p>
@@ -6974,7 +6974,7 @@
           <a:lstStyle/>
           <a:p>
             <a:fld id="{99916043-67F5-3041-ADEE-D089CE4A8CF6}" type="datetime1">
-              <a:t>2017/4/5</a:t>
+              <a:t>2017/4/6</a:t>
             </a:fld>
             <a:endParaRPr lang="en-US"/>
           </a:p>
@@ -7759,7 +7759,7 @@
           <a:lstStyle/>
           <a:p>
             <a:fld id="{0FC07689-FDCA-9F49-A823-E31EE766DE66}" type="datetime1">
-              <a:t>2017/4/5</a:t>
+              <a:t>2017/4/6</a:t>
             </a:fld>
             <a:endParaRPr lang="en-US"/>
           </a:p>
@@ -9858,7 +9858,7 @@
           <a:lstStyle/>
           <a:p>
             <a:fld id="{4D2093E3-756D-F642-AA99-D12FB13C4B46}" type="datetime1">
-              <a:t>2017/4/5</a:t>
+              <a:t>2017/4/6</a:t>
             </a:fld>
             <a:endParaRPr lang="en-US"/>
           </a:p>
@@ -10854,7 +10854,7 @@
           <a:lstStyle/>
           <a:p>
             <a:fld id="{FCC97558-B1E2-F24F-89ED-263A13F37908}" type="datetime1">
-              <a:t>2017/4/5</a:t>
+              <a:t>2017/4/6</a:t>
             </a:fld>
             <a:endParaRPr lang="en-US"/>
           </a:p>
@@ -12511,7 +12511,7 @@
           <a:lstStyle/>
           <a:p>
             <a:fld id="{8317B32C-3C12-7E45-A676-1DF1C21B8767}" type="datetime1">
-              <a:t>2017/4/5</a:t>
+              <a:t>2017/4/6</a:t>
             </a:fld>
             <a:endParaRPr lang="en-US"/>
           </a:p>
@@ -15158,7 +15158,7 @@
           <a:lstStyle/>
           <a:p>
             <a:fld id="{1563E986-2784-954B-939D-44FBECB2727A}" type="datetime1">
-              <a:t>2017/4/5</a:t>
+              <a:t>2017/4/6</a:t>
             </a:fld>
             <a:endParaRPr lang="en-US"/>
           </a:p>
@@ -15677,7 +15677,7 @@
           <a:lstStyle/>
           <a:p>
             <a:fld id="{BBF5530D-138C-CD43-8429-1615A9C49E12}" type="datetime1">
-              <a:t>2017/4/5</a:t>
+              <a:t>2017/4/6</a:t>
             </a:fld>
             <a:endParaRPr lang="en-US"/>
           </a:p>
@@ -15918,7 +15918,7 @@
           <a:lstStyle/>
           <a:p>
             <a:fld id="{879BC2CF-A24E-054F-980D-9DAF9ACDFDE4}" type="datetime1">
-              <a:t>2017/4/5</a:t>
+              <a:t>2017/4/6</a:t>
             </a:fld>
             <a:endParaRPr lang="en-US"/>
           </a:p>
@@ -16326,7 +16326,7 @@
           <a:lstStyle/>
           <a:p>
             <a:fld id="{10624FBB-A9A3-2E4E-9D67-788934237D12}" type="datetime1">
-              <a:t>2017/4/5</a:t>
+              <a:t>2017/4/6</a:t>
             </a:fld>
             <a:endParaRPr lang="en-US"/>
           </a:p>
@@ -16547,7 +16547,7 @@
           <a:lstStyle/>
           <a:p>
             <a:fld id="{5823566E-C1C5-D34E-8F56-8E971719967A}" type="datetime1">
-              <a:t>2017/4/5</a:t>
+              <a:t>2017/4/6</a:t>
             </a:fld>
             <a:endParaRPr lang="en-US"/>
           </a:p>
@@ -16886,7 +16886,7 @@
           <a:lstStyle/>
           <a:p>
             <a:fld id="{39DEED49-1C1B-824E-B6EC-A22001794118}" type="datetime1">
-              <a:t>2017/4/5</a:t>
+              <a:t>2017/4/6</a:t>
             </a:fld>
             <a:endParaRPr lang="en-US"/>
           </a:p>
@@ -17581,7 +17581,7 @@
           <a:lstStyle/>
           <a:p>
             <a:fld id="{2880BDC9-7D05-F14E-BE5C-7ED9EADAE1F6}" type="datetime1">
-              <a:t>2017/4/5</a:t>
+              <a:t>2017/4/6</a:t>
             </a:fld>
             <a:endParaRPr lang="en-US"/>
           </a:p>
@@ -18340,7 +18340,7 @@
           <a:lstStyle/>
           <a:p>
             <a:fld id="{F36FDD4E-0158-1246-801D-BB5590E06F53}" type="datetime1">
-              <a:t>2017/4/5</a:t>
+              <a:t>2017/4/6</a:t>
             </a:fld>
             <a:endParaRPr lang="en-US"/>
           </a:p>
@@ -18636,7 +18636,7 @@
           <a:lstStyle/>
           <a:p>
             <a:fld id="{4418F8F2-06D4-A34E-8B05-AEFD9BF96C0D}" type="datetime1">
-              <a:t>2017/4/5</a:t>
+              <a:t>2017/4/6</a:t>
             </a:fld>
             <a:endParaRPr lang="en-US"/>
           </a:p>
@@ -18850,7 +18850,7 @@
           <a:lstStyle/>
           <a:p>
             <a:fld id="{64A97083-1148-8A48-9894-16C263A62818}" type="datetime1">
-              <a:t>2017/4/5</a:t>
+              <a:t>2017/4/6</a:t>
             </a:fld>
             <a:endParaRPr lang="en-US"/>
           </a:p>
@@ -20110,7 +20110,7 @@
           <a:lstStyle/>
           <a:p>
             <a:fld id="{7A9EF631-D7E1-5942-ACD0-E6D6B05F3D83}" type="datetime1">
-              <a:t>2017/4/5</a:t>
+              <a:t>2017/4/6</a:t>
             </a:fld>
             <a:endParaRPr lang="en-US"/>
           </a:p>
@@ -20853,7 +20853,7 @@
           <a:lstStyle/>
           <a:p>
             <a:fld id="{608959DC-D806-FB4C-A8FB-DB9246A56B44}" type="datetime1">
-              <a:t>2017/4/5</a:t>
+              <a:t>2017/4/6</a:t>
             </a:fld>
             <a:endParaRPr lang="en-US"/>
           </a:p>
@@ -21402,7 +21402,7 @@
           <a:lstStyle/>
           <a:p>
             <a:fld id="{656EBC31-3D28-E844-9738-1855CF3BDC34}" type="datetime1">
-              <a:t>2017/4/5</a:t>
+              <a:t>2017/4/6</a:t>
             </a:fld>
             <a:endParaRPr lang="en-US"/>
           </a:p>
@@ -22310,7 +22310,7 @@
           <a:lstStyle/>
           <a:p>
             <a:fld id="{40C637D8-E916-284B-9568-1A7DD9884FD7}" type="datetime1">
-              <a:t>2017/4/5</a:t>
+              <a:t>2017/4/6</a:t>
             </a:fld>
             <a:endParaRPr lang="en-US"/>
           </a:p>
@@ -22447,7 +22447,7 @@
           <a:lstStyle/>
           <a:p>
             <a:fld id="{BC5494BB-07FD-BE40-9046-BB2AD15E0654}" type="datetime1">
-              <a:t>2017/4/5</a:t>
+              <a:t>2017/4/6</a:t>
             </a:fld>
             <a:endParaRPr lang="en-US"/>
           </a:p>
@@ -22555,7 +22555,7 @@
           <a:lstStyle/>
           <a:p>
             <a:fld id="{7F1DEDC5-7D22-7F4A-8FF6-802241F87DFA}" type="datetime1">
-              <a:t>2017/4/5</a:t>
+              <a:t>2017/4/6</a:t>
             </a:fld>
             <a:endParaRPr lang="en-US"/>
           </a:p>
@@ -22904,7 +22904,7 @@
           <a:lstStyle/>
           <a:p>
             <a:fld id="{B583B2E4-A1C2-5441-A7A7-DB6DCEF99D2E}" type="datetime1">
-              <a:t>2017/4/5</a:t>
+              <a:t>2017/4/6</a:t>
             </a:fld>
             <a:endParaRPr lang="en-US"/>
           </a:p>
@@ -23017,8 +23017,8 @@
           </a:p>
         </p:txBody>
       </p:sp>
-      <mc:AlternateContent xmlns:mc="http://schemas.openxmlformats.org/markup-compatibility/2006">
-        <mc:Choice xmlns:a14="http://schemas.microsoft.com/office/drawing/2010/main" Requires="a14">
+      <mc:AlternateContent xmlns:mc="http://schemas.openxmlformats.org/markup-compatibility/2006" xmlns:a14="http://schemas.microsoft.com/office/drawing/2010/main">
+        <mc:Choice Requires="a14">
           <p:sp>
             <p:nvSpPr>
               <p:cNvPr id="3" name="Content Placeholder 2"/>
@@ -23397,7 +23397,7 @@
             </p:txBody>
           </p:sp>
         </mc:Choice>
-        <mc:Fallback>
+        <mc:Fallback xmlns="">
           <p:sp>
             <p:nvSpPr>
               <p:cNvPr id="3" name="Content Placeholder 2"/>
@@ -23447,7 +23447,7 @@
           <a:lstStyle/>
           <a:p>
             <a:fld id="{410CBA5E-BAA6-874A-84C9-4D8BF49F27EA}" type="datetime1">
-              <a:t>2017/4/5</a:t>
+              <a:t>2017/4/6</a:t>
             </a:fld>
             <a:endParaRPr lang="en-US"/>
           </a:p>
@@ -23626,8 +23626,8 @@
           </a:p>
         </p:txBody>
       </p:sp>
-      <mc:AlternateContent xmlns:mc="http://schemas.openxmlformats.org/markup-compatibility/2006">
-        <mc:Choice xmlns:a14="http://schemas.microsoft.com/office/drawing/2010/main" Requires="a14">
+      <mc:AlternateContent xmlns:mc="http://schemas.openxmlformats.org/markup-compatibility/2006" xmlns:a14="http://schemas.microsoft.com/office/drawing/2010/main">
+        <mc:Choice Requires="a14">
           <p:sp>
             <p:nvSpPr>
               <p:cNvPr id="3" name="Content Placeholder 2"/>
@@ -23667,23 +23667,7 @@
                     <a:ea typeface="Abadi MT Condensed Extra Bold" charset="0"/>
                     <a:cs typeface="Abadi MT Condensed Extra Bold" charset="0"/>
                   </a:rPr>
-                  <a:t>p</a:t>
-                </a:r>
-                <a:r>
-                  <a:rPr lang="en-US" altLang="zh-CN" sz="2600" dirty="0" err="1">
-                    <a:latin typeface="Abadi MT Condensed Extra Bold" charset="0"/>
-                    <a:ea typeface="Abadi MT Condensed Extra Bold" charset="0"/>
-                    <a:cs typeface="Abadi MT Condensed Extra Bold" charset="0"/>
-                  </a:rPr>
-                  <a:t>.</a:t>
-                </a:r>
-                <a:r>
-                  <a:rPr lang="en-US" altLang="zh-CN" sz="2600" dirty="0" err="1">
-                    <a:latin typeface="Abadi MT Condensed Extra Bold" charset="0"/>
-                    <a:ea typeface="Abadi MT Condensed Extra Bold" charset="0"/>
-                    <a:cs typeface="Abadi MT Condensed Extra Bold" charset="0"/>
-                  </a:rPr>
-                  <a:t>d.f</a:t>
+                  <a:t>p.d.f</a:t>
                 </a:r>
                 <a:r>
                   <a:rPr lang="zh-CN" altLang="en-US" sz="2600" dirty="0">
@@ -24537,7 +24521,7 @@
             </p:txBody>
           </p:sp>
         </mc:Choice>
-        <mc:Fallback>
+        <mc:Fallback xmlns="">
           <p:sp>
             <p:nvSpPr>
               <p:cNvPr id="3" name="Content Placeholder 2"/>
@@ -24587,7 +24571,7 @@
           <a:lstStyle/>
           <a:p>
             <a:fld id="{F002E5A1-9FA0-9E49-B903-039B4F72177F}" type="datetime1">
-              <a:t>2017/4/5</a:t>
+              <a:t>2017/4/6</a:t>
             </a:fld>
             <a:endParaRPr lang="en-US"/>
           </a:p>
@@ -24676,8 +24660,8 @@
           </a:p>
         </p:txBody>
       </p:sp>
-      <mc:AlternateContent xmlns:mc="http://schemas.openxmlformats.org/markup-compatibility/2006">
-        <mc:Choice xmlns:a14="http://schemas.microsoft.com/office/drawing/2010/main" Requires="a14">
+      <mc:AlternateContent xmlns:mc="http://schemas.openxmlformats.org/markup-compatibility/2006" xmlns:a14="http://schemas.microsoft.com/office/drawing/2010/main">
+        <mc:Choice Requires="a14">
           <p:sp>
             <p:nvSpPr>
               <p:cNvPr id="3" name="Content Placeholder 2"/>
@@ -24786,15 +24770,7 @@
                     <a:ea typeface="Abadi MT Condensed Extra Bold" charset="0"/>
                     <a:cs typeface="Abadi MT Condensed Extra Bold" charset="0"/>
                   </a:rPr>
-                  <a:t>的一个分布。</a:t>
-                </a:r>
-                <a:r>
-                  <a:rPr lang="zh-CN" altLang="en-US" sz="2600" dirty="0">
-                    <a:latin typeface="Abadi MT Condensed Extra Bold" charset="0"/>
-                    <a:ea typeface="Abadi MT Condensed Extra Bold" charset="0"/>
-                    <a:cs typeface="Abadi MT Condensed Extra Bold" charset="0"/>
-                  </a:rPr>
-                  <a:t>故 </a:t>
+                  <a:t>的一个分布。故 </a:t>
                 </a:r>
                 <a14:m>
                   <m:oMath xmlns:m="http://schemas.openxmlformats.org/officeDocument/2006/math">
@@ -25313,15 +25289,7 @@
                     <a:ea typeface="Abadi MT Condensed Extra Bold" charset="0"/>
                     <a:cs typeface="Abadi MT Condensed Extra Bold" charset="0"/>
                   </a:rPr>
-                  <a:t> </a:t>
-                </a:r>
-                <a:r>
-                  <a:rPr lang="zh-CN" altLang="en-US" sz="2200" dirty="0">
-                    <a:latin typeface="Abadi MT Condensed Extra Bold" charset="0"/>
-                    <a:ea typeface="Abadi MT Condensed Extra Bold" charset="0"/>
-                    <a:cs typeface="Abadi MT Condensed Extra Bold" charset="0"/>
-                  </a:rPr>
-                  <a:t>加上合适的假设确定边界条件，便可求解</a:t>
+                  <a:t> 加上合适的假设确定边界条件，便可求解</a:t>
                 </a:r>
                 <a:r>
                   <a:rPr lang="en-US" altLang="zh-CN" sz="2200" dirty="0">
@@ -25716,7 +25684,7 @@
             </p:txBody>
           </p:sp>
         </mc:Choice>
-        <mc:Fallback>
+        <mc:Fallback xmlns="">
           <p:sp>
             <p:nvSpPr>
               <p:cNvPr id="3" name="Content Placeholder 2"/>
@@ -25766,7 +25734,7 @@
           <a:lstStyle/>
           <a:p>
             <a:fld id="{F002E5A1-9FA0-9E49-B903-039B4F72177F}" type="datetime1">
-              <a:t>2017/4/5</a:t>
+              <a:t>2017/4/6</a:t>
             </a:fld>
             <a:endParaRPr lang="en-US"/>
           </a:p>
@@ -26067,7 +26035,7 @@
           <a:lstStyle/>
           <a:p>
             <a:fld id="{9B0043E3-6C32-3943-82CF-654DD120717C}" type="datetime1">
-              <a:t>2017/4/5</a:t>
+              <a:t>2017/4/6</a:t>
             </a:fld>
             <a:endParaRPr lang="en-US"/>
           </a:p>
@@ -26502,7 +26470,7 @@
           <a:lstStyle/>
           <a:p>
             <a:fld id="{A9C3EEF9-5A0F-084C-8318-ED7902D27402}" type="datetime1">
-              <a:t>2017/4/5</a:t>
+              <a:t>2017/4/6</a:t>
             </a:fld>
             <a:endParaRPr lang="en-US"/>
           </a:p>
@@ -26860,7 +26828,7 @@
           <a:lstStyle/>
           <a:p>
             <a:fld id="{8DDA57FE-640D-E44D-8537-654EC76B76E3}" type="datetime1">
-              <a:t>2017/4/5</a:t>
+              <a:t>2017/4/6</a:t>
             </a:fld>
             <a:endParaRPr lang="en-US"/>
           </a:p>
@@ -27020,7 +26988,7 @@
           <a:lstStyle/>
           <a:p>
             <a:fld id="{FE4D74E9-3710-B847-A25E-CC9C61BD9224}" type="datetime1">
-              <a:t>2017/4/5</a:t>
+              <a:t>2017/4/6</a:t>
             </a:fld>
             <a:endParaRPr lang="en-US"/>
           </a:p>
@@ -27325,7 +27293,7 @@
           <a:lstStyle/>
           <a:p>
             <a:fld id="{A9C3EEF9-5A0F-084C-8318-ED7902D27402}" type="datetime1">
-              <a:t>2017/4/5</a:t>
+              <a:t>2017/4/6</a:t>
             </a:fld>
             <a:endParaRPr lang="en-US"/>
           </a:p>
@@ -27557,7 +27525,7 @@
           <a:lstStyle/>
           <a:p>
             <a:fld id="{A9C3EEF9-5A0F-084C-8318-ED7902D27402}" type="datetime1">
-              <a:t>2017/4/5</a:t>
+              <a:t>2017/4/6</a:t>
             </a:fld>
             <a:endParaRPr lang="en-US"/>
           </a:p>
@@ -27646,8 +27614,8 @@
           </a:p>
         </p:txBody>
       </p:sp>
-      <mc:AlternateContent xmlns:mc="http://schemas.openxmlformats.org/markup-compatibility/2006">
-        <mc:Choice xmlns:a14="http://schemas.microsoft.com/office/drawing/2010/main" Requires="a14">
+      <mc:AlternateContent xmlns:mc="http://schemas.openxmlformats.org/markup-compatibility/2006" xmlns:a14="http://schemas.microsoft.com/office/drawing/2010/main">
+        <mc:Choice Requires="a14">
           <p:sp>
             <p:nvSpPr>
               <p:cNvPr id="3" name="Content Placeholder 2"/>
@@ -27916,7 +27884,7 @@
             </p:txBody>
           </p:sp>
         </mc:Choice>
-        <mc:Fallback>
+        <mc:Fallback xmlns="">
           <p:sp>
             <p:nvSpPr>
               <p:cNvPr id="3" name="Content Placeholder 2"/>
@@ -27966,7 +27934,7 @@
           <a:lstStyle/>
           <a:p>
             <a:fld id="{A9C3EEF9-5A0F-084C-8318-ED7902D27402}" type="datetime1">
-              <a:t>2017/4/5</a:t>
+              <a:t>2017/4/6</a:t>
             </a:fld>
             <a:endParaRPr lang="en-US"/>
           </a:p>
@@ -28226,7 +28194,7 @@
           <a:lstStyle/>
           <a:p>
             <a:fld id="{F37A162A-5BF8-0645-8913-EC5758170BFD}" type="datetime1">
-              <a:t>2017/4/5</a:t>
+              <a:t>2017/4/6</a:t>
             </a:fld>
             <a:endParaRPr lang="en-US"/>
           </a:p>
@@ -28395,7 +28363,7 @@
           <a:lstStyle/>
           <a:p>
             <a:fld id="{A9C3EEF9-5A0F-084C-8318-ED7902D27402}" type="datetime1">
-              <a:t>2017/4/5</a:t>
+              <a:t>2017/4/6</a:t>
             </a:fld>
             <a:endParaRPr lang="en-US"/>
           </a:p>
@@ -28757,7 +28725,7 @@
           <a:lstStyle/>
           <a:p>
             <a:fld id="{A9C3EEF9-5A0F-084C-8318-ED7902D27402}" type="datetime1">
-              <a:t>2017/4/5</a:t>
+              <a:t>2017/4/6</a:t>
             </a:fld>
             <a:endParaRPr lang="en-US"/>
           </a:p>
@@ -29131,7 +29099,7 @@
           <a:lstStyle/>
           <a:p>
             <a:fld id="{A9C3EEF9-5A0F-084C-8318-ED7902D27402}" type="datetime1">
-              <a:t>2017/4/5</a:t>
+              <a:t>2017/4/6</a:t>
             </a:fld>
             <a:endParaRPr lang="en-US"/>
           </a:p>
@@ -29811,7 +29779,7 @@
           <a:lstStyle/>
           <a:p>
             <a:fld id="{A9C3EEF9-5A0F-084C-8318-ED7902D27402}" type="datetime1">
-              <a:t>2017/4/5</a:t>
+              <a:t>2017/4/6</a:t>
             </a:fld>
             <a:endParaRPr lang="en-US"/>
           </a:p>
@@ -29900,8 +29868,8 @@
           </a:p>
         </p:txBody>
       </p:sp>
-      <mc:AlternateContent xmlns:mc="http://schemas.openxmlformats.org/markup-compatibility/2006">
-        <mc:Choice xmlns:a14="http://schemas.microsoft.com/office/drawing/2010/main" Requires="a14">
+      <mc:AlternateContent xmlns:mc="http://schemas.openxmlformats.org/markup-compatibility/2006" xmlns:a14="http://schemas.microsoft.com/office/drawing/2010/main">
+        <mc:Choice Requires="a14">
           <p:sp>
             <p:nvSpPr>
               <p:cNvPr id="3" name="Content Placeholder 2"/>
@@ -30047,7 +30015,7 @@
                       <m:sSubPr>
                         <m:ctrlPr>
                           <a:rPr lang="en-US" altLang="zh-CN" sz="2000" b="0" i="1">
-                            <a:latin typeface="Abadi MT Condensed Extra Bold" charset="0"/>
+                            <a:latin typeface="Cambria Math" charset="0"/>
                             <a:ea typeface="Abadi MT Condensed Extra Bold" charset="0"/>
                             <a:cs typeface="Abadi MT Condensed Extra Bold" charset="0"/>
                           </a:rPr>
@@ -30056,7 +30024,7 @@
                       <m:e>
                         <m:r>
                           <a:rPr lang="en-US" altLang="zh-CN" sz="2000" b="0" i="1">
-                            <a:latin typeface="Abadi MT Condensed Extra Bold" charset="0"/>
+                            <a:latin typeface="Cambria Math" charset="0"/>
                             <a:ea typeface="Abadi MT Condensed Extra Bold" charset="0"/>
                             <a:cs typeface="Abadi MT Condensed Extra Bold" charset="0"/>
                           </a:rPr>
@@ -30066,7 +30034,7 @@
                       <m:sub>
                         <m:r>
                           <a:rPr lang="en-US" altLang="zh-CN" sz="2000" b="0" i="1">
-                            <a:latin typeface="Abadi MT Condensed Extra Bold" charset="0"/>
+                            <a:latin typeface="Cambria Math" charset="0"/>
                             <a:ea typeface="Abadi MT Condensed Extra Bold" charset="0"/>
                             <a:cs typeface="Abadi MT Condensed Extra Bold" charset="0"/>
                           </a:rPr>
@@ -30076,7 +30044,7 @@
                     </m:sSub>
                     <m:r>
                       <a:rPr lang="en-US" altLang="zh-CN" sz="2000" b="0" i="1">
-                        <a:latin typeface="Abadi MT Condensed Extra Bold" charset="0"/>
+                        <a:latin typeface="Cambria Math" charset="0"/>
                         <a:ea typeface="Abadi MT Condensed Extra Bold" charset="0"/>
                         <a:cs typeface="Abadi MT Condensed Extra Bold" charset="0"/>
                       </a:rPr>
@@ -30086,7 +30054,7 @@
                       <m:sSubPr>
                         <m:ctrlPr>
                           <a:rPr lang="en-US" altLang="zh-CN" sz="2000" b="0" i="1">
-                            <a:latin typeface="Abadi MT Condensed Extra Bold" charset="0"/>
+                            <a:latin typeface="Cambria Math" charset="0"/>
                             <a:ea typeface="Abadi MT Condensed Extra Bold" charset="0"/>
                             <a:cs typeface="Abadi MT Condensed Extra Bold" charset="0"/>
                           </a:rPr>
@@ -30097,7 +30065,7 @@
                           <m:sSupPr>
                             <m:ctrlPr>
                               <a:rPr lang="en-US" altLang="zh-CN" sz="2000" b="0" i="1">
-                                <a:latin typeface="Abadi MT Condensed Extra Bold" charset="0"/>
+                                <a:latin typeface="Cambria Math" charset="0"/>
                                 <a:ea typeface="Abadi MT Condensed Extra Bold" charset="0"/>
                                 <a:cs typeface="Abadi MT Condensed Extra Bold" charset="0"/>
                               </a:rPr>
@@ -30106,7 +30074,7 @@
                           <m:e>
                             <m:r>
                               <a:rPr lang="en-US" altLang="zh-CN" sz="2000" b="0" i="1">
-                                <a:latin typeface="Abadi MT Condensed Extra Bold" charset="0"/>
+                                <a:latin typeface="Cambria Math" charset="0"/>
                                 <a:ea typeface="Abadi MT Condensed Extra Bold" charset="0"/>
                                 <a:cs typeface="Abadi MT Condensed Extra Bold" charset="0"/>
                               </a:rPr>
@@ -30116,7 +30084,7 @@
                           <m:sup>
                             <m:r>
                               <a:rPr lang="en-US" altLang="zh-CN" sz="2000" b="0" i="1">
-                                <a:latin typeface="Abadi MT Condensed Extra Bold" charset="0"/>
+                                <a:latin typeface="Cambria Math" charset="0"/>
                                 <a:ea typeface="Abadi MT Condensed Extra Bold" charset="0"/>
                                 <a:cs typeface="Abadi MT Condensed Extra Bold" charset="0"/>
                               </a:rPr>
@@ -30126,7 +30094,7 @@
                         </m:sSup>
                         <m:r>
                           <a:rPr lang="en-US" altLang="zh-CN" sz="2000" b="0" i="1">
-                            <a:latin typeface="Abadi MT Condensed Extra Bold" charset="0"/>
+                            <a:latin typeface="Cambria Math" charset="0"/>
                             <a:ea typeface="Abadi MT Condensed Extra Bold" charset="0"/>
                             <a:cs typeface="Abadi MT Condensed Extra Bold" charset="0"/>
                           </a:rPr>
@@ -30134,7 +30102,7 @@
                         </m:r>
                         <m:r>
                           <a:rPr lang="en-US" altLang="zh-CN" sz="2000" b="0" i="1">
-                            <a:latin typeface="Abadi MT Condensed Extra Bold" charset="0"/>
+                            <a:latin typeface="Cambria Math" charset="0"/>
                             <a:ea typeface="Abadi MT Condensed Extra Bold" charset="0"/>
                             <a:cs typeface="Abadi MT Condensed Extra Bold" charset="0"/>
                           </a:rPr>
@@ -30144,7 +30112,7 @@
                       <m:sub>
                         <m:r>
                           <a:rPr lang="en-US" altLang="zh-CN" sz="2000" b="0" i="1">
-                            <a:latin typeface="Abadi MT Condensed Extra Bold" charset="0"/>
+                            <a:latin typeface="Cambria Math" charset="0"/>
                             <a:ea typeface="Abadi MT Condensed Extra Bold" charset="0"/>
                             <a:cs typeface="Abadi MT Condensed Extra Bold" charset="0"/>
                           </a:rPr>
@@ -30154,7 +30122,7 @@
                     </m:sSub>
                     <m:r>
                       <a:rPr lang="en-US" altLang="zh-CN" sz="2000" b="0" i="1">
-                        <a:latin typeface="Abadi MT Condensed Extra Bold" charset="0"/>
+                        <a:latin typeface="Cambria Math" charset="0"/>
                         <a:ea typeface="Abadi MT Condensed Extra Bold" charset="0"/>
                         <a:cs typeface="Abadi MT Condensed Extra Bold" charset="0"/>
                       </a:rPr>
@@ -30162,7 +30130,7 @@
                     </m:r>
                     <m:r>
                       <a:rPr lang="zh-CN" altLang="en-US" sz="2000" b="0" i="1">
-                        <a:latin typeface="Abadi MT Condensed Extra Bold" charset="0"/>
+                        <a:latin typeface="Cambria Math" charset="0"/>
                         <a:ea typeface="Abadi MT Condensed Extra Bold" charset="0"/>
                         <a:cs typeface="Abadi MT Condensed Extra Bold" charset="0"/>
                       </a:rPr>
@@ -30172,7 +30140,7 @@
                       <m:sSubPr>
                         <m:ctrlPr>
                           <a:rPr lang="en-US" altLang="zh-CN" sz="2000" b="0" i="1">
-                            <a:latin typeface="Abadi MT Condensed Extra Bold" charset="0"/>
+                            <a:latin typeface="Cambria Math" charset="0"/>
                             <a:ea typeface="Abadi MT Condensed Extra Bold" charset="0"/>
                             <a:cs typeface="Abadi MT Condensed Extra Bold" charset="0"/>
                           </a:rPr>
@@ -30181,7 +30149,7 @@
                       <m:e>
                         <m:r>
                           <a:rPr lang="en-US" altLang="zh-CN" sz="2000" b="0" i="1">
-                            <a:latin typeface="Abadi MT Condensed Extra Bold" charset="0"/>
+                            <a:latin typeface="Cambria Math" charset="0"/>
                             <a:ea typeface="Abadi MT Condensed Extra Bold" charset="0"/>
                             <a:cs typeface="Abadi MT Condensed Extra Bold" charset="0"/>
                           </a:rPr>
@@ -30191,7 +30159,7 @@
                       <m:sub>
                         <m:r>
                           <a:rPr lang="en-US" altLang="zh-CN" sz="2000" b="0" i="1">
-                            <a:latin typeface="Abadi MT Condensed Extra Bold" charset="0"/>
+                            <a:latin typeface="Cambria Math" charset="0"/>
                             <a:ea typeface="Abadi MT Condensed Extra Bold" charset="0"/>
                             <a:cs typeface="Abadi MT Condensed Extra Bold" charset="0"/>
                           </a:rPr>
@@ -30201,7 +30169,7 @@
                     </m:sSub>
                     <m:r>
                       <a:rPr lang="en-US" altLang="zh-CN" sz="2000" b="0" i="1">
-                        <a:latin typeface="Abadi MT Condensed Extra Bold" charset="0"/>
+                        <a:latin typeface="Cambria Math" charset="0"/>
                         <a:ea typeface="Abadi MT Condensed Extra Bold" charset="0"/>
                         <a:cs typeface="Abadi MT Condensed Extra Bold" charset="0"/>
                       </a:rPr>
@@ -30209,7 +30177,7 @@
                     </m:r>
                     <m:r>
                       <a:rPr lang="zh-CN" altLang="en-US" sz="2000" b="0" i="1">
-                        <a:latin typeface="Abadi MT Condensed Extra Bold" charset="0"/>
+                        <a:latin typeface="Cambria Math" charset="0"/>
                         <a:ea typeface="Abadi MT Condensed Extra Bold" charset="0"/>
                         <a:cs typeface="Abadi MT Condensed Extra Bold" charset="0"/>
                       </a:rPr>
@@ -30217,7 +30185,7 @@
                     </m:r>
                     <m:r>
                       <a:rPr lang="en-US" altLang="zh-CN" sz="2000" b="0" i="1">
-                        <a:latin typeface="Abadi MT Condensed Extra Bold" charset="0"/>
+                        <a:latin typeface="Cambria Math" charset="0"/>
                         <a:ea typeface="Abadi MT Condensed Extra Bold" charset="0"/>
                         <a:cs typeface="Abadi MT Condensed Extra Bold" charset="0"/>
                       </a:rPr>
@@ -30266,7 +30234,7 @@
                       <m:sSubPr>
                         <m:ctrlPr>
                           <a:rPr lang="en-US" altLang="zh-CN" sz="2000" b="0" i="1">
-                            <a:latin typeface="Abadi MT Condensed Extra Bold" charset="0"/>
+                            <a:latin typeface="Cambria Math" charset="0"/>
                             <a:ea typeface="Abadi MT Condensed Extra Bold" charset="0"/>
                             <a:cs typeface="Abadi MT Condensed Extra Bold" charset="0"/>
                           </a:rPr>
@@ -30275,7 +30243,7 @@
                       <m:e>
                         <m:r>
                           <a:rPr lang="en-US" altLang="zh-CN" sz="2000" b="0" i="1">
-                            <a:latin typeface="Abadi MT Condensed Extra Bold" charset="0"/>
+                            <a:latin typeface="Cambria Math" charset="0"/>
                             <a:ea typeface="Abadi MT Condensed Extra Bold" charset="0"/>
                             <a:cs typeface="Abadi MT Condensed Extra Bold" charset="0"/>
                           </a:rPr>
@@ -30285,7 +30253,7 @@
                       <m:sub>
                         <m:r>
                           <a:rPr lang="en-US" altLang="zh-CN" sz="2000" b="0" i="1">
-                            <a:latin typeface="Abadi MT Condensed Extra Bold" charset="0"/>
+                            <a:latin typeface="Cambria Math" charset="0"/>
                             <a:ea typeface="Abadi MT Condensed Extra Bold" charset="0"/>
                             <a:cs typeface="Abadi MT Condensed Extra Bold" charset="0"/>
                           </a:rPr>
@@ -30309,7 +30277,7 @@
                       <m:sSubPr>
                         <m:ctrlPr>
                           <a:rPr lang="en-US" altLang="zh-CN" sz="2000" i="1">
-                            <a:latin typeface="Abadi MT Condensed Extra Bold" charset="0"/>
+                            <a:latin typeface="Cambria Math" charset="0"/>
                             <a:ea typeface="Abadi MT Condensed Extra Bold" charset="0"/>
                             <a:cs typeface="Abadi MT Condensed Extra Bold" charset="0"/>
                           </a:rPr>
@@ -30318,7 +30286,7 @@
                       <m:e>
                         <m:r>
                           <a:rPr lang="en-US" altLang="zh-CN" sz="2000" i="1">
-                            <a:latin typeface="Abadi MT Condensed Extra Bold" charset="0"/>
+                            <a:latin typeface="Cambria Math" charset="0"/>
                             <a:ea typeface="Abadi MT Condensed Extra Bold" charset="0"/>
                             <a:cs typeface="Abadi MT Condensed Extra Bold" charset="0"/>
                           </a:rPr>
@@ -30328,7 +30296,7 @@
                       <m:sub>
                         <m:r>
                           <a:rPr lang="en-US" altLang="zh-CN" sz="2000" b="0" i="1">
-                            <a:latin typeface="Abadi MT Condensed Extra Bold" charset="0"/>
+                            <a:latin typeface="Cambria Math" charset="0"/>
                             <a:ea typeface="Abadi MT Condensed Extra Bold" charset="0"/>
                             <a:cs typeface="Abadi MT Condensed Extra Bold" charset="0"/>
                           </a:rPr>
@@ -30352,7 +30320,7 @@
                       <m:sSubPr>
                         <m:ctrlPr>
                           <a:rPr lang="en-US" altLang="zh-CN" sz="2000" i="1">
-                            <a:latin typeface="Abadi MT Condensed Extra Bold" charset="0"/>
+                            <a:latin typeface="Cambria Math" charset="0"/>
                             <a:ea typeface="Abadi MT Condensed Extra Bold" charset="0"/>
                             <a:cs typeface="Abadi MT Condensed Extra Bold" charset="0"/>
                           </a:rPr>
@@ -30361,7 +30329,7 @@
                       <m:e>
                         <m:r>
                           <a:rPr lang="en-US" altLang="zh-CN" sz="2000" i="1">
-                            <a:latin typeface="Abadi MT Condensed Extra Bold" charset="0"/>
+                            <a:latin typeface="Cambria Math" charset="0"/>
                             <a:ea typeface="Abadi MT Condensed Extra Bold" charset="0"/>
                             <a:cs typeface="Abadi MT Condensed Extra Bold" charset="0"/>
                           </a:rPr>
@@ -30371,7 +30339,7 @@
                       <m:sub>
                         <m:r>
                           <a:rPr lang="en-US" altLang="zh-CN" sz="2000" i="1">
-                            <a:latin typeface="Abadi MT Condensed Extra Bold" charset="0"/>
+                            <a:latin typeface="Cambria Math" charset="0"/>
                             <a:ea typeface="Abadi MT Condensed Extra Bold" charset="0"/>
                             <a:cs typeface="Abadi MT Condensed Extra Bold" charset="0"/>
                           </a:rPr>
@@ -30381,7 +30349,7 @@
                     </m:sSub>
                     <m:r>
                       <a:rPr lang="en-US" altLang="zh-CN" sz="2000" i="1">
-                        <a:latin typeface="Abadi MT Condensed Extra Bold" charset="0"/>
+                        <a:latin typeface="Cambria Math" charset="0"/>
                         <a:ea typeface="Abadi MT Condensed Extra Bold" charset="0"/>
                         <a:cs typeface="Abadi MT Condensed Extra Bold" charset="0"/>
                       </a:rPr>
@@ -30389,7 +30357,7 @@
                     </m:r>
                     <m:r>
                       <a:rPr lang="zh-CN" altLang="en-US" sz="2000" i="1">
-                        <a:latin typeface="Abadi MT Condensed Extra Bold" charset="0"/>
+                        <a:latin typeface="Cambria Math" charset="0"/>
                         <a:ea typeface="Abadi MT Condensed Extra Bold" charset="0"/>
                         <a:cs typeface="Abadi MT Condensed Extra Bold" charset="0"/>
                       </a:rPr>
@@ -30399,7 +30367,7 @@
                       <m:sSubPr>
                         <m:ctrlPr>
                           <a:rPr lang="en-US" altLang="zh-CN" sz="2000" i="1">
-                            <a:latin typeface="Abadi MT Condensed Extra Bold" charset="0"/>
+                            <a:latin typeface="Cambria Math" charset="0"/>
                             <a:ea typeface="Abadi MT Condensed Extra Bold" charset="0"/>
                             <a:cs typeface="Abadi MT Condensed Extra Bold" charset="0"/>
                           </a:rPr>
@@ -30408,7 +30376,7 @@
                       <m:e>
                         <m:r>
                           <a:rPr lang="en-US" altLang="zh-CN" sz="2000" i="1">
-                            <a:latin typeface="Abadi MT Condensed Extra Bold" charset="0"/>
+                            <a:latin typeface="Cambria Math" charset="0"/>
                             <a:ea typeface="Abadi MT Condensed Extra Bold" charset="0"/>
                             <a:cs typeface="Abadi MT Condensed Extra Bold" charset="0"/>
                           </a:rPr>
@@ -30418,7 +30386,7 @@
                       <m:sub>
                         <m:r>
                           <a:rPr lang="en-US" altLang="zh-CN" sz="2000" i="1">
-                            <a:latin typeface="Abadi MT Condensed Extra Bold" charset="0"/>
+                            <a:latin typeface="Cambria Math" charset="0"/>
                             <a:ea typeface="Abadi MT Condensed Extra Bold" charset="0"/>
                             <a:cs typeface="Abadi MT Condensed Extra Bold" charset="0"/>
                           </a:rPr>
@@ -30428,7 +30396,7 @@
                     </m:sSub>
                     <m:r>
                       <a:rPr lang="en-US" altLang="zh-CN" sz="2000" i="1">
-                        <a:latin typeface="Abadi MT Condensed Extra Bold" charset="0"/>
+                        <a:latin typeface="Cambria Math" charset="0"/>
                         <a:ea typeface="Abadi MT Condensed Extra Bold" charset="0"/>
                         <a:cs typeface="Abadi MT Condensed Extra Bold" charset="0"/>
                       </a:rPr>
@@ -30436,7 +30404,7 @@
                     </m:r>
                     <m:r>
                       <a:rPr lang="zh-CN" altLang="en-US" sz="2000" i="1">
-                        <a:latin typeface="Abadi MT Condensed Extra Bold" charset="0"/>
+                        <a:latin typeface="Cambria Math" charset="0"/>
                         <a:ea typeface="Abadi MT Condensed Extra Bold" charset="0"/>
                         <a:cs typeface="Abadi MT Condensed Extra Bold" charset="0"/>
                       </a:rPr>
@@ -30444,7 +30412,7 @@
                     </m:r>
                     <m:r>
                       <a:rPr lang="en-US" altLang="zh-CN" sz="2000" i="1">
-                        <a:latin typeface="Abadi MT Condensed Extra Bold" charset="0"/>
+                        <a:latin typeface="Cambria Math" charset="0"/>
                         <a:ea typeface="Abadi MT Condensed Extra Bold" charset="0"/>
                         <a:cs typeface="Abadi MT Condensed Extra Bold" charset="0"/>
                       </a:rPr>
@@ -30538,7 +30506,7 @@
                       <m:sSubPr>
                         <m:ctrlPr>
                           <a:rPr lang="en-US" altLang="zh-CN" sz="2000" i="1">
-                            <a:latin typeface="Abadi MT Condensed Extra Bold" charset="0"/>
+                            <a:latin typeface="Cambria Math" charset="0"/>
                             <a:ea typeface="Abadi MT Condensed Extra Bold" charset="0"/>
                             <a:cs typeface="Abadi MT Condensed Extra Bold" charset="0"/>
                           </a:rPr>
@@ -30547,7 +30515,7 @@
                       <m:e>
                         <m:r>
                           <a:rPr lang="en-US" altLang="zh-CN" sz="2000" i="1">
-                            <a:latin typeface="Abadi MT Condensed Extra Bold" charset="0"/>
+                            <a:latin typeface="Cambria Math" charset="0"/>
                             <a:ea typeface="Abadi MT Condensed Extra Bold" charset="0"/>
                             <a:cs typeface="Abadi MT Condensed Extra Bold" charset="0"/>
                           </a:rPr>
@@ -30557,7 +30525,7 @@
                       <m:sub>
                         <m:r>
                           <a:rPr lang="en-US" altLang="zh-CN" sz="2000" i="1">
-                            <a:latin typeface="Abadi MT Condensed Extra Bold" charset="0"/>
+                            <a:latin typeface="Cambria Math" charset="0"/>
                             <a:ea typeface="Abadi MT Condensed Extra Bold" charset="0"/>
                             <a:cs typeface="Abadi MT Condensed Extra Bold" charset="0"/>
                           </a:rPr>
@@ -30567,7 +30535,7 @@
                     </m:sSub>
                     <m:r>
                       <a:rPr lang="en-US" altLang="zh-CN" sz="2000" b="0" i="1">
-                        <a:latin typeface="Abadi MT Condensed Extra Bold" charset="0"/>
+                        <a:latin typeface="Cambria Math" charset="0"/>
                         <a:ea typeface="Abadi MT Condensed Extra Bold" charset="0"/>
                         <a:cs typeface="Abadi MT Condensed Extra Bold" charset="0"/>
                       </a:rPr>
@@ -30575,7 +30543,7 @@
                     </m:r>
                     <m:r>
                       <a:rPr lang="en-US" altLang="zh-CN" sz="2000" b="0" i="1">
-                        <a:latin typeface="Abadi MT Condensed Extra Bold" charset="0"/>
+                        <a:latin typeface="Cambria Math" charset="0"/>
                         <a:ea typeface="Abadi MT Condensed Extra Bold" charset="0"/>
                         <a:cs typeface="Abadi MT Condensed Extra Bold" charset="0"/>
                       </a:rPr>
@@ -30583,25 +30551,17 @@
                     </m:r>
                     <m:r>
                       <a:rPr lang="en-US" altLang="zh-CN" sz="2000" b="0" i="1">
-                        <a:latin typeface="Abadi MT Condensed Extra Bold" charset="0"/>
+                        <a:latin typeface="Cambria Math" charset="0"/>
                         <a:ea typeface="Abadi MT Condensed Extra Bold" charset="0"/>
                         <a:cs typeface="Abadi MT Condensed Extra Bold" charset="0"/>
                       </a:rPr>
-                      <m:t>),</m:t>
-                    </m:r>
-                    <m:r>
-                      <a:rPr lang="zh-CN" altLang="en-US" sz="2000" i="1">
-                        <a:latin typeface="Abadi MT Condensed Extra Bold" charset="0"/>
-                        <a:ea typeface="Abadi MT Condensed Extra Bold" charset="0"/>
-                        <a:cs typeface="Abadi MT Condensed Extra Bold" charset="0"/>
-                      </a:rPr>
-                      <m:t> </m:t>
+                      <m:t>), </m:t>
                     </m:r>
                     <m:sSub>
                       <m:sSubPr>
                         <m:ctrlPr>
                           <a:rPr lang="en-US" altLang="zh-CN" sz="2000" i="1">
-                            <a:latin typeface="Abadi MT Condensed Extra Bold" charset="0"/>
+                            <a:latin typeface="Cambria Math" charset="0"/>
                             <a:ea typeface="Abadi MT Condensed Extra Bold" charset="0"/>
                             <a:cs typeface="Abadi MT Condensed Extra Bold" charset="0"/>
                           </a:rPr>
@@ -30610,7 +30570,7 @@
                       <m:e>
                         <m:r>
                           <a:rPr lang="en-US" altLang="zh-CN" sz="2000" i="1">
-                            <a:latin typeface="Abadi MT Condensed Extra Bold" charset="0"/>
+                            <a:latin typeface="Cambria Math" charset="0"/>
                             <a:ea typeface="Abadi MT Condensed Extra Bold" charset="0"/>
                             <a:cs typeface="Abadi MT Condensed Extra Bold" charset="0"/>
                           </a:rPr>
@@ -30620,7 +30580,7 @@
                       <m:sub>
                         <m:r>
                           <a:rPr lang="en-US" altLang="zh-CN" sz="2000" i="1">
-                            <a:latin typeface="Abadi MT Condensed Extra Bold" charset="0"/>
+                            <a:latin typeface="Cambria Math" charset="0"/>
                             <a:ea typeface="Abadi MT Condensed Extra Bold" charset="0"/>
                             <a:cs typeface="Abadi MT Condensed Extra Bold" charset="0"/>
                           </a:rPr>
@@ -30630,7 +30590,7 @@
                     </m:sSub>
                     <m:r>
                       <a:rPr lang="en-US" altLang="zh-CN" sz="2000" b="0" i="1">
-                        <a:latin typeface="Abadi MT Condensed Extra Bold" charset="0"/>
+                        <a:latin typeface="Cambria Math" charset="0"/>
                         <a:ea typeface="Abadi MT Condensed Extra Bold" charset="0"/>
                         <a:cs typeface="Abadi MT Condensed Extra Bold" charset="0"/>
                       </a:rPr>
@@ -30638,7 +30598,7 @@
                     </m:r>
                     <m:r>
                       <a:rPr lang="en-US" altLang="zh-CN" sz="2000" b="0" i="1">
-                        <a:latin typeface="Abadi MT Condensed Extra Bold" charset="0"/>
+                        <a:latin typeface="Cambria Math" charset="0"/>
                         <a:ea typeface="Abadi MT Condensed Extra Bold" charset="0"/>
                         <a:cs typeface="Abadi MT Condensed Extra Bold" charset="0"/>
                       </a:rPr>
@@ -30646,35 +30606,11 @@
                     </m:r>
                     <m:r>
                       <a:rPr lang="en-US" altLang="zh-CN" sz="2000" b="0" i="1">
-                        <a:latin typeface="Abadi MT Condensed Extra Bold" charset="0"/>
+                        <a:latin typeface="Cambria Math" charset="0"/>
                         <a:ea typeface="Abadi MT Condensed Extra Bold" charset="0"/>
                         <a:cs typeface="Abadi MT Condensed Extra Bold" charset="0"/>
                       </a:rPr>
-                      <m:t>),</m:t>
-                    </m:r>
-                    <m:r>
-                      <a:rPr lang="zh-CN" altLang="en-US" sz="2000" i="1">
-                        <a:latin typeface="Abadi MT Condensed Extra Bold" charset="0"/>
-                        <a:ea typeface="Abadi MT Condensed Extra Bold" charset="0"/>
-                        <a:cs typeface="Abadi MT Condensed Extra Bold" charset="0"/>
-                      </a:rPr>
-                      <m:t> </m:t>
-                    </m:r>
-                    <m:r>
-                      <a:rPr lang="en-US" altLang="zh-CN" sz="2000" i="1">
-                        <a:latin typeface="Abadi MT Condensed Extra Bold" charset="0"/>
-                        <a:ea typeface="Abadi MT Condensed Extra Bold" charset="0"/>
-                        <a:cs typeface="Abadi MT Condensed Extra Bold" charset="0"/>
-                      </a:rPr>
-                      <m:t>…</m:t>
-                    </m:r>
-                    <m:r>
-                      <a:rPr lang="en-US" altLang="zh-CN" sz="2000" b="0" i="1">
-                        <a:latin typeface="Abadi MT Condensed Extra Bold" charset="0"/>
-                        <a:ea typeface="Abadi MT Condensed Extra Bold" charset="0"/>
-                        <a:cs typeface="Abadi MT Condensed Extra Bold" charset="0"/>
-                      </a:rPr>
-                      <m:t>)</m:t>
+                      <m:t>), …)</m:t>
                     </m:r>
                   </m:oMath>
                 </a14:m>
@@ -30748,7 +30684,7 @@
                       <m:sSubPr>
                         <m:ctrlPr>
                           <a:rPr lang="en-US" altLang="zh-CN" sz="2000" i="1">
-                            <a:latin typeface="Abadi MT Condensed Extra Bold" charset="0"/>
+                            <a:latin typeface="Cambria Math" charset="0"/>
                             <a:ea typeface="Abadi MT Condensed Extra Bold" charset="0"/>
                             <a:cs typeface="Abadi MT Condensed Extra Bold" charset="0"/>
                           </a:rPr>
@@ -30757,7 +30693,7 @@
                       <m:e>
                         <m:r>
                           <a:rPr lang="en-US" altLang="zh-CN" sz="2000" i="1">
-                            <a:latin typeface="Abadi MT Condensed Extra Bold" charset="0"/>
+                            <a:latin typeface="Cambria Math" charset="0"/>
                             <a:ea typeface="Abadi MT Condensed Extra Bold" charset="0"/>
                             <a:cs typeface="Abadi MT Condensed Extra Bold" charset="0"/>
                           </a:rPr>
@@ -30767,7 +30703,7 @@
                       <m:sub>
                         <m:r>
                           <a:rPr lang="en-US" altLang="zh-CN" sz="2000" i="1">
-                            <a:latin typeface="Abadi MT Condensed Extra Bold" charset="0"/>
+                            <a:latin typeface="Cambria Math" charset="0"/>
                             <a:ea typeface="Abadi MT Condensed Extra Bold" charset="0"/>
                             <a:cs typeface="Abadi MT Condensed Extra Bold" charset="0"/>
                           </a:rPr>
@@ -30777,7 +30713,7 @@
                     </m:sSub>
                     <m:r>
                       <a:rPr lang="zh-CN" altLang="en-US" sz="2000" i="1">
-                        <a:latin typeface="Abadi MT Condensed Extra Bold" charset="0"/>
+                        <a:latin typeface="Cambria Math" charset="0"/>
                         <a:ea typeface="Abadi MT Condensed Extra Bold" charset="0"/>
                         <a:cs typeface="Abadi MT Condensed Extra Bold" charset="0"/>
                       </a:rPr>
@@ -30807,7 +30743,7 @@
                       <m:sSubPr>
                         <m:ctrlPr>
                           <a:rPr lang="en-US" altLang="zh-CN" sz="2000" i="1">
-                            <a:latin typeface="Abadi MT Condensed Extra Bold" charset="0"/>
+                            <a:latin typeface="Cambria Math" charset="0"/>
                             <a:ea typeface="Abadi MT Condensed Extra Bold" charset="0"/>
                             <a:cs typeface="Abadi MT Condensed Extra Bold" charset="0"/>
                           </a:rPr>
@@ -30816,7 +30752,7 @@
                       <m:e>
                         <m:r>
                           <a:rPr lang="en-US" altLang="zh-CN" sz="2000" i="1">
-                            <a:latin typeface="Abadi MT Condensed Extra Bold" charset="0"/>
+                            <a:latin typeface="Cambria Math" charset="0"/>
                             <a:ea typeface="Abadi MT Condensed Extra Bold" charset="0"/>
                             <a:cs typeface="Abadi MT Condensed Extra Bold" charset="0"/>
                           </a:rPr>
@@ -30826,7 +30762,7 @@
                       <m:sub>
                         <m:r>
                           <a:rPr lang="en-US" altLang="zh-CN" sz="2000" i="1">
-                            <a:latin typeface="Abadi MT Condensed Extra Bold" charset="0"/>
+                            <a:latin typeface="Cambria Math" charset="0"/>
                             <a:ea typeface="Abadi MT Condensed Extra Bold" charset="0"/>
                             <a:cs typeface="Abadi MT Condensed Extra Bold" charset="0"/>
                           </a:rPr>
@@ -30873,7 +30809,7 @@
             </p:txBody>
           </p:sp>
         </mc:Choice>
-        <mc:Fallback>
+        <mc:Fallback xmlns="">
           <p:sp>
             <p:nvSpPr>
               <p:cNvPr id="3" name="Content Placeholder 2"/>
@@ -30926,7 +30862,7 @@
           <a:lstStyle/>
           <a:p>
             <a:fld id="{A9C3EEF9-5A0F-084C-8318-ED7902D27402}" type="datetime1">
-              <a:t>2017/4/5</a:t>
+              <a:t>2017/4/6</a:t>
             </a:fld>
             <a:endParaRPr lang="en-US"/>
           </a:p>
@@ -31583,8 +31519,8 @@
           </a:p>
         </p:txBody>
       </p:sp>
-      <mc:AlternateContent xmlns:mc="http://schemas.openxmlformats.org/markup-compatibility/2006">
-        <mc:Choice xmlns:a14="http://schemas.microsoft.com/office/drawing/2010/main" Requires="a14">
+      <mc:AlternateContent xmlns:mc="http://schemas.openxmlformats.org/markup-compatibility/2006" xmlns:a14="http://schemas.microsoft.com/office/drawing/2010/main">
+        <mc:Choice Requires="a14">
           <p:sp>
             <p:nvSpPr>
               <p:cNvPr id="3" name="Content Placeholder 2"/>
@@ -32162,15 +32098,7 @@
                     <a:ea typeface="Abadi MT Condensed Extra Bold" charset="0"/>
                     <a:cs typeface="Abadi MT Condensed Extra Bold" charset="0"/>
                   </a:rPr>
-                  <a:t>等</a:t>
-                </a:r>
-                <a:r>
-                  <a:rPr lang="zh-CN" altLang="en-US" sz="2000">
-                    <a:latin typeface="Abadi MT Condensed Extra Bold" charset="0"/>
-                    <a:ea typeface="Abadi MT Condensed Extra Bold" charset="0"/>
-                    <a:cs typeface="Abadi MT Condensed Extra Bold" charset="0"/>
-                  </a:rPr>
-                  <a:t>非多项式目标优化函数，是否有用呢？</a:t>
+                  <a:t>等非多项式目标优化函数，是否有用呢？</a:t>
                 </a:r>
                 <a:endParaRPr lang="en-US" altLang="zh-CN" sz="2000">
                   <a:latin typeface="Abadi MT Condensed Extra Bold" charset="0"/>
@@ -32943,7 +32871,7 @@
             </p:txBody>
           </p:sp>
         </mc:Choice>
-        <mc:Fallback>
+        <mc:Fallback xmlns="">
           <p:sp>
             <p:nvSpPr>
               <p:cNvPr id="3" name="Content Placeholder 2"/>
@@ -32993,7 +32921,7 @@
           <a:lstStyle/>
           <a:p>
             <a:fld id="{A9C3EEF9-5A0F-084C-8318-ED7902D27402}" type="datetime1">
-              <a:t>2017/4/5</a:t>
+              <a:t>2017/4/6</a:t>
             </a:fld>
             <a:endParaRPr lang="en-US"/>
           </a:p>
@@ -33355,8 +33283,8 @@
           </a:p>
         </p:txBody>
       </p:sp>
-      <mc:AlternateContent xmlns:mc="http://schemas.openxmlformats.org/markup-compatibility/2006">
-        <mc:Choice xmlns:a14="http://schemas.microsoft.com/office/drawing/2010/main" Requires="a14">
+      <mc:AlternateContent xmlns:mc="http://schemas.openxmlformats.org/markup-compatibility/2006" xmlns:a14="http://schemas.microsoft.com/office/drawing/2010/main">
+        <mc:Choice Requires="a14">
           <p:sp>
             <p:nvSpPr>
               <p:cNvPr id="3" name="Content Placeholder 2"/>
@@ -34428,7 +34356,7 @@
             </p:txBody>
           </p:sp>
         </mc:Choice>
-        <mc:Fallback>
+        <mc:Fallback xmlns="">
           <p:sp>
             <p:nvSpPr>
               <p:cNvPr id="3" name="Content Placeholder 2"/>
@@ -34717,8 +34645,8 @@
           </a:fontRef>
         </p:style>
       </p:cxnSp>
-      <mc:AlternateContent xmlns:mc="http://schemas.openxmlformats.org/markup-compatibility/2006">
-        <mc:Choice xmlns:a14="http://schemas.microsoft.com/office/drawing/2010/main" Requires="a14">
+      <mc:AlternateContent xmlns:mc="http://schemas.openxmlformats.org/markup-compatibility/2006" xmlns:a14="http://schemas.microsoft.com/office/drawing/2010/main">
+        <mc:Choice Requires="a14">
           <p:sp>
             <p:nvSpPr>
               <p:cNvPr id="21" name="TextBox 20"/>
@@ -34741,6 +34669,7 @@
               </a:bodyPr>
               <a:lstStyle/>
               <a:p>
+                <a:pPr/>
                 <a14:m>
                   <m:oMathPara xmlns:m="http://schemas.openxmlformats.org/officeDocument/2006/math">
                     <m:oMathParaPr>
@@ -34801,7 +34730,7 @@
             </p:txBody>
           </p:sp>
         </mc:Choice>
-        <mc:Fallback>
+        <mc:Fallback xmlns="">
           <p:sp>
             <p:nvSpPr>
               <p:cNvPr id="21" name="TextBox 20"/>
@@ -34840,8 +34769,8 @@
           </p:sp>
         </mc:Fallback>
       </mc:AlternateContent>
-      <mc:AlternateContent xmlns:mc="http://schemas.openxmlformats.org/markup-compatibility/2006">
-        <mc:Choice xmlns:a14="http://schemas.microsoft.com/office/drawing/2010/main" Requires="a14">
+      <mc:AlternateContent xmlns:mc="http://schemas.openxmlformats.org/markup-compatibility/2006" xmlns:a14="http://schemas.microsoft.com/office/drawing/2010/main">
+        <mc:Choice Requires="a14">
           <p:sp>
             <p:nvSpPr>
               <p:cNvPr id="22" name="TextBox 21"/>
@@ -34864,6 +34793,7 @@
               </a:bodyPr>
               <a:lstStyle/>
               <a:p>
+                <a:pPr/>
                 <a14:m>
                   <m:oMathPara xmlns:m="http://schemas.openxmlformats.org/officeDocument/2006/math">
                     <m:oMathParaPr>
@@ -34924,7 +34854,7 @@
             </p:txBody>
           </p:sp>
         </mc:Choice>
-        <mc:Fallback>
+        <mc:Fallback xmlns="">
           <p:sp>
             <p:nvSpPr>
               <p:cNvPr id="22" name="TextBox 21"/>
@@ -34963,8 +34893,8 @@
           </p:sp>
         </mc:Fallback>
       </mc:AlternateContent>
-      <mc:AlternateContent xmlns:mc="http://schemas.openxmlformats.org/markup-compatibility/2006">
-        <mc:Choice xmlns:a14="http://schemas.microsoft.com/office/drawing/2010/main" Requires="a14">
+      <mc:AlternateContent xmlns:mc="http://schemas.openxmlformats.org/markup-compatibility/2006" xmlns:a14="http://schemas.microsoft.com/office/drawing/2010/main">
+        <mc:Choice Requires="a14">
           <p:sp>
             <p:nvSpPr>
               <p:cNvPr id="23" name="TextBox 22"/>
@@ -34987,6 +34917,7 @@
               </a:bodyPr>
               <a:lstStyle/>
               <a:p>
+                <a:pPr/>
                 <a14:m>
                   <m:oMathPara xmlns:m="http://schemas.openxmlformats.org/officeDocument/2006/math">
                     <m:oMathParaPr>
@@ -35047,7 +34978,7 @@
             </p:txBody>
           </p:sp>
         </mc:Choice>
-        <mc:Fallback>
+        <mc:Fallback xmlns="">
           <p:sp>
             <p:nvSpPr>
               <p:cNvPr id="23" name="TextBox 22"/>
@@ -35116,8 +35047,8 @@
           </a:fontRef>
         </p:style>
       </p:cxnSp>
-      <mc:AlternateContent xmlns:mc="http://schemas.openxmlformats.org/markup-compatibility/2006">
-        <mc:Choice xmlns:a14="http://schemas.microsoft.com/office/drawing/2010/main" Requires="a14">
+      <mc:AlternateContent xmlns:mc="http://schemas.openxmlformats.org/markup-compatibility/2006" xmlns:a14="http://schemas.microsoft.com/office/drawing/2010/main">
+        <mc:Choice Requires="a14">
           <p:sp>
             <p:nvSpPr>
               <p:cNvPr id="28" name="TextBox 27"/>
@@ -35140,6 +35071,7 @@
               </a:bodyPr>
               <a:lstStyle/>
               <a:p>
+                <a:pPr/>
                 <a14:m>
                   <m:oMathPara xmlns:m="http://schemas.openxmlformats.org/officeDocument/2006/math">
                     <m:oMathParaPr>
@@ -35209,7 +35141,7 @@
             </p:txBody>
           </p:sp>
         </mc:Choice>
-        <mc:Fallback>
+        <mc:Fallback xmlns="">
           <p:sp>
             <p:nvSpPr>
               <p:cNvPr id="28" name="TextBox 27"/>
@@ -35286,8 +35218,8 @@
           </a:fontRef>
         </p:style>
       </p:cxnSp>
-      <mc:AlternateContent xmlns:mc="http://schemas.openxmlformats.org/markup-compatibility/2006">
-        <mc:Choice xmlns:a14="http://schemas.microsoft.com/office/drawing/2010/main" Requires="a14">
+      <mc:AlternateContent xmlns:mc="http://schemas.openxmlformats.org/markup-compatibility/2006" xmlns:a14="http://schemas.microsoft.com/office/drawing/2010/main">
+        <mc:Choice Requires="a14">
           <p:sp>
             <p:nvSpPr>
               <p:cNvPr id="33" name="TextBox 32"/>
@@ -35310,6 +35242,7 @@
               </a:bodyPr>
               <a:lstStyle/>
               <a:p>
+                <a:pPr/>
                 <a14:m>
                   <m:oMathPara xmlns:m="http://schemas.openxmlformats.org/officeDocument/2006/math">
                     <m:oMathParaPr>
@@ -35411,7 +35344,7 @@
             </p:txBody>
           </p:sp>
         </mc:Choice>
-        <mc:Fallback>
+        <mc:Fallback xmlns="">
           <p:sp>
             <p:nvSpPr>
               <p:cNvPr id="33" name="TextBox 32"/>
@@ -35561,8 +35494,8 @@
           </a:p>
         </p:txBody>
       </p:sp>
-      <mc:AlternateContent xmlns:mc="http://schemas.openxmlformats.org/markup-compatibility/2006">
-        <mc:Choice xmlns:a14="http://schemas.microsoft.com/office/drawing/2010/main" Requires="a14">
+      <mc:AlternateContent xmlns:mc="http://schemas.openxmlformats.org/markup-compatibility/2006" xmlns:a14="http://schemas.microsoft.com/office/drawing/2010/main">
+        <mc:Choice Requires="a14">
           <p:sp>
             <p:nvSpPr>
               <p:cNvPr id="3" name="Content Placeholder 2"/>
@@ -35701,7 +35634,7 @@
                         <a:ea typeface="Cambria Math" charset="0"/>
                         <a:cs typeface="Cambria Math" charset="0"/>
                       </a:rPr>
-                      <m:t>∇</m:t>
+                      <m:t>𝛻</m:t>
                     </m:r>
                     <m:r>
                       <a:rPr lang="en-US" altLang="zh-CN" i="1">
@@ -35819,7 +35752,7 @@
                         <a:ea typeface="Cambria Math" charset="0"/>
                         <a:cs typeface="Cambria Math" charset="0"/>
                       </a:rPr>
-                      <m:t>∇</m:t>
+                      <m:t>𝛻</m:t>
                     </m:r>
                     <m:sSub>
                       <m:sSubPr>
@@ -36472,7 +36405,7 @@
             </p:txBody>
           </p:sp>
         </mc:Choice>
-        <mc:Fallback>
+        <mc:Fallback xmlns="">
           <p:sp>
             <p:nvSpPr>
               <p:cNvPr id="3" name="Content Placeholder 2"/>
@@ -36761,8 +36694,8 @@
           </a:fontRef>
         </p:style>
       </p:cxnSp>
-      <mc:AlternateContent xmlns:mc="http://schemas.openxmlformats.org/markup-compatibility/2006">
-        <mc:Choice xmlns:a14="http://schemas.microsoft.com/office/drawing/2010/main" Requires="a14">
+      <mc:AlternateContent xmlns:mc="http://schemas.openxmlformats.org/markup-compatibility/2006" xmlns:a14="http://schemas.microsoft.com/office/drawing/2010/main">
+        <mc:Choice Requires="a14">
           <p:sp>
             <p:nvSpPr>
               <p:cNvPr id="21" name="TextBox 20"/>
@@ -36785,6 +36718,7 @@
               </a:bodyPr>
               <a:lstStyle/>
               <a:p>
+                <a:pPr/>
                 <a14:m>
                   <m:oMathPara xmlns:m="http://schemas.openxmlformats.org/officeDocument/2006/math">
                     <m:oMathParaPr>
@@ -36845,7 +36779,7 @@
             </p:txBody>
           </p:sp>
         </mc:Choice>
-        <mc:Fallback>
+        <mc:Fallback xmlns="">
           <p:sp>
             <p:nvSpPr>
               <p:cNvPr id="21" name="TextBox 20"/>
@@ -36884,8 +36818,8 @@
           </p:sp>
         </mc:Fallback>
       </mc:AlternateContent>
-      <mc:AlternateContent xmlns:mc="http://schemas.openxmlformats.org/markup-compatibility/2006">
-        <mc:Choice xmlns:a14="http://schemas.microsoft.com/office/drawing/2010/main" Requires="a14">
+      <mc:AlternateContent xmlns:mc="http://schemas.openxmlformats.org/markup-compatibility/2006" xmlns:a14="http://schemas.microsoft.com/office/drawing/2010/main">
+        <mc:Choice Requires="a14">
           <p:sp>
             <p:nvSpPr>
               <p:cNvPr id="22" name="TextBox 21"/>
@@ -36908,6 +36842,7 @@
               </a:bodyPr>
               <a:lstStyle/>
               <a:p>
+                <a:pPr/>
                 <a14:m>
                   <m:oMathPara xmlns:m="http://schemas.openxmlformats.org/officeDocument/2006/math">
                     <m:oMathParaPr>
@@ -36968,7 +36903,7 @@
             </p:txBody>
           </p:sp>
         </mc:Choice>
-        <mc:Fallback>
+        <mc:Fallback xmlns="">
           <p:sp>
             <p:nvSpPr>
               <p:cNvPr id="22" name="TextBox 21"/>
@@ -37007,8 +36942,8 @@
           </p:sp>
         </mc:Fallback>
       </mc:AlternateContent>
-      <mc:AlternateContent xmlns:mc="http://schemas.openxmlformats.org/markup-compatibility/2006">
-        <mc:Choice xmlns:a14="http://schemas.microsoft.com/office/drawing/2010/main" Requires="a14">
+      <mc:AlternateContent xmlns:mc="http://schemas.openxmlformats.org/markup-compatibility/2006" xmlns:a14="http://schemas.microsoft.com/office/drawing/2010/main">
+        <mc:Choice Requires="a14">
           <p:sp>
             <p:nvSpPr>
               <p:cNvPr id="23" name="TextBox 22"/>
@@ -37031,6 +36966,7 @@
               </a:bodyPr>
               <a:lstStyle/>
               <a:p>
+                <a:pPr/>
                 <a14:m>
                   <m:oMathPara xmlns:m="http://schemas.openxmlformats.org/officeDocument/2006/math">
                     <m:oMathParaPr>
@@ -37091,7 +37027,7 @@
             </p:txBody>
           </p:sp>
         </mc:Choice>
-        <mc:Fallback>
+        <mc:Fallback xmlns="">
           <p:sp>
             <p:nvSpPr>
               <p:cNvPr id="23" name="TextBox 22"/>
@@ -37160,8 +37096,8 @@
           </a:fontRef>
         </p:style>
       </p:cxnSp>
-      <mc:AlternateContent xmlns:mc="http://schemas.openxmlformats.org/markup-compatibility/2006">
-        <mc:Choice xmlns:a14="http://schemas.microsoft.com/office/drawing/2010/main" Requires="a14">
+      <mc:AlternateContent xmlns:mc="http://schemas.openxmlformats.org/markup-compatibility/2006" xmlns:a14="http://schemas.microsoft.com/office/drawing/2010/main">
+        <mc:Choice Requires="a14">
           <p:sp>
             <p:nvSpPr>
               <p:cNvPr id="28" name="TextBox 27"/>
@@ -37184,6 +37120,7 @@
               </a:bodyPr>
               <a:lstStyle/>
               <a:p>
+                <a:pPr/>
                 <a14:m>
                   <m:oMathPara xmlns:m="http://schemas.openxmlformats.org/officeDocument/2006/math">
                     <m:oMathParaPr>
@@ -37253,7 +37190,7 @@
             </p:txBody>
           </p:sp>
         </mc:Choice>
-        <mc:Fallback>
+        <mc:Fallback xmlns="">
           <p:sp>
             <p:nvSpPr>
               <p:cNvPr id="28" name="TextBox 27"/>
@@ -37330,8 +37267,8 @@
           </a:fontRef>
         </p:style>
       </p:cxnSp>
-      <mc:AlternateContent xmlns:mc="http://schemas.openxmlformats.org/markup-compatibility/2006">
-        <mc:Choice xmlns:a14="http://schemas.microsoft.com/office/drawing/2010/main" Requires="a14">
+      <mc:AlternateContent xmlns:mc="http://schemas.openxmlformats.org/markup-compatibility/2006" xmlns:a14="http://schemas.microsoft.com/office/drawing/2010/main">
+        <mc:Choice Requires="a14">
           <p:sp>
             <p:nvSpPr>
               <p:cNvPr id="33" name="TextBox 32"/>
@@ -37354,6 +37291,7 @@
               </a:bodyPr>
               <a:lstStyle/>
               <a:p>
+                <a:pPr/>
                 <a14:m>
                   <m:oMathPara xmlns:m="http://schemas.openxmlformats.org/officeDocument/2006/math">
                     <m:oMathParaPr>
@@ -37455,7 +37393,7 @@
             </p:txBody>
           </p:sp>
         </mc:Choice>
-        <mc:Fallback>
+        <mc:Fallback xmlns="">
           <p:sp>
             <p:nvSpPr>
               <p:cNvPr id="33" name="TextBox 32"/>
@@ -39024,7 +38962,7 @@
           <a:lstStyle/>
           <a:p>
             <a:fld id="{54DD5CB5-E5B5-5C4C-A4DF-4DCF0470A6FF}" type="datetime1">
-              <a:t>2017/4/5</a:t>
+              <a:t>2017/4/6</a:t>
             </a:fld>
             <a:endParaRPr lang="en-US"/>
           </a:p>
@@ -39125,7 +39063,7 @@
           <a:lstStyle/>
           <a:p>
             <a:fld id="{A9C3EEF9-5A0F-084C-8318-ED7902D27402}" type="datetime1">
-              <a:t>2017/4/5</a:t>
+              <a:t>2017/4/6</a:t>
             </a:fld>
             <a:endParaRPr lang="en-US"/>
           </a:p>
@@ -39332,7 +39270,7 @@
           <a:lstStyle/>
           <a:p>
             <a:fld id="{A9C3EEF9-5A0F-084C-8318-ED7902D27402}" type="datetime1">
-              <a:t>2017/4/5</a:t>
+              <a:t>2017/4/6</a:t>
             </a:fld>
             <a:endParaRPr lang="en-US"/>
           </a:p>
@@ -39568,7 +39506,7 @@
           <a:lstStyle/>
           <a:p>
             <a:fld id="{A9C3EEF9-5A0F-084C-8318-ED7902D27402}" type="datetime1">
-              <a:t>2017/4/5</a:t>
+              <a:t>2017/4/6</a:t>
             </a:fld>
             <a:endParaRPr lang="en-US"/>
           </a:p>
@@ -40598,7 +40536,7 @@
           <a:lstStyle/>
           <a:p>
             <a:fld id="{540AF92D-3078-384F-8BAF-27DC692980DB}" type="datetime1">
-              <a:t>2017/4/5</a:t>
+              <a:t>2017/4/6</a:t>
             </a:fld>
             <a:endParaRPr lang="en-US"/>
           </a:p>
@@ -40850,7 +40788,7 @@
           <a:lstStyle/>
           <a:p>
             <a:fld id="{0DB59BE0-6898-BF41-8B0E-F0649116281E}" type="datetime1">
-              <a:t>2017/4/5</a:t>
+              <a:t>2017/4/6</a:t>
             </a:fld>
             <a:endParaRPr lang="en-US"/>
           </a:p>
@@ -41590,7 +41528,7 @@
           <a:lstStyle/>
           <a:p>
             <a:fld id="{39A60990-886A-364F-98E0-D2E36993EAA7}" type="datetime1">
-              <a:t>2017/4/5</a:t>
+              <a:t>2017/4/6</a:t>
             </a:fld>
             <a:endParaRPr lang="en-US"/>
           </a:p>
@@ -42391,7 +42329,7 @@
           <a:lstStyle/>
           <a:p>
             <a:fld id="{FE31BBE7-34C2-324D-A4D7-C6F28451EBE5}" type="datetime1">
-              <a:t>2017/4/5</a:t>
+              <a:t>2017/4/6</a:t>
             </a:fld>
             <a:endParaRPr lang="en-US"/>
           </a:p>

--- a/Computing Random Variables/Computing Random Variables.pptx
+++ b/Computing Random Variables/Computing Random Variables.pptx
@@ -22775,9 +22775,9 @@
             </a:endParaRPr>
           </a:p>
           <a:p>
-            <a:pPr lvl="2"/>
-            <a:r>
-              <a:rPr lang="zh-CN" altLang="en-US" sz="1600" dirty="0">
+            <a:pPr lvl="1"/>
+            <a:r>
+              <a:rPr lang="zh-CN" altLang="en-US" sz="2000" dirty="0">
                 <a:latin typeface="Abadi MT Condensed Extra Bold" charset="0"/>
                 <a:ea typeface="Abadi MT Condensed Extra Bold" charset="0"/>
                 <a:cs typeface="Abadi MT Condensed Extra Bold" charset="0"/>
@@ -22785,7 +22785,7 @@
               <a:t>统计指标与最优化方法</a:t>
             </a:r>
             <a:r>
-              <a:rPr lang="en-US" altLang="zh-CN" sz="1600" dirty="0">
+              <a:rPr lang="en-US" altLang="zh-CN" sz="2000" dirty="0">
                 <a:latin typeface="Abadi MT Condensed Extra Bold" charset="0"/>
                 <a:ea typeface="Abadi MT Condensed Extra Bold" charset="0"/>
                 <a:cs typeface="Abadi MT Condensed Extra Bold" charset="0"/>
@@ -22793,7 +22793,7 @@
               <a:t>(</a:t>
             </a:r>
             <a:r>
-              <a:rPr lang="zh-CN" altLang="en-US" sz="1600" dirty="0">
+              <a:rPr lang="zh-CN" altLang="en-US" sz="2000" dirty="0">
                 <a:latin typeface="Abadi MT Condensed Extra Bold" charset="0"/>
                 <a:ea typeface="Abadi MT Condensed Extra Bold" charset="0"/>
                 <a:cs typeface="Abadi MT Condensed Extra Bold" charset="0"/>
@@ -22801,7 +22801,7 @@
               <a:t>引子</a:t>
             </a:r>
             <a:r>
-              <a:rPr lang="en-US" altLang="zh-CN" sz="1600" dirty="0">
+              <a:rPr lang="en-US" altLang="zh-CN" sz="2000" dirty="0">
                 <a:latin typeface="Abadi MT Condensed Extra Bold" charset="0"/>
                 <a:ea typeface="Abadi MT Condensed Extra Bold" charset="0"/>
                 <a:cs typeface="Abadi MT Condensed Extra Bold" charset="0"/>
@@ -27332,6 +27332,13 @@
   <p:clrMapOvr>
     <a:masterClrMapping/>
   </p:clrMapOvr>
+  <p:timing>
+    <p:tnLst>
+      <p:par>
+        <p:cTn id="1" dur="indefinite" restart="never" nodeType="tmRoot"/>
+      </p:par>
+    </p:tnLst>
+  </p:timing>
 </p:sld>
 </file>
 
@@ -32960,6 +32967,13 @@
   <p:clrMapOvr>
     <a:masterClrMapping/>
   </p:clrMapOvr>
+  <p:timing>
+    <p:tnLst>
+      <p:par>
+        <p:cTn id="1" dur="indefinite" restart="never" nodeType="tmRoot"/>
+      </p:par>
+    </p:tnLst>
+  </p:timing>
 </p:sld>
 </file>
 
@@ -33240,6 +33254,13 @@
   <p:clrMapOvr>
     <a:masterClrMapping/>
   </p:clrMapOvr>
+  <p:timing>
+    <p:tnLst>
+      <p:par>
+        <p:cTn id="1" dur="indefinite" restart="never" nodeType="tmRoot"/>
+      </p:par>
+    </p:tnLst>
+  </p:timing>
 </p:sld>
 </file>
 
@@ -35451,6 +35472,13 @@
   <p:clrMapOvr>
     <a:masterClrMapping/>
   </p:clrMapOvr>
+  <p:timing>
+    <p:tnLst>
+      <p:par>
+        <p:cTn id="1" dur="indefinite" restart="never" nodeType="tmRoot"/>
+      </p:par>
+    </p:tnLst>
+  </p:timing>
 </p:sld>
 </file>
 
@@ -37500,6 +37528,13 @@
   <p:clrMapOvr>
     <a:masterClrMapping/>
   </p:clrMapOvr>
+  <p:timing>
+    <p:tnLst>
+      <p:par>
+        <p:cTn id="1" dur="indefinite" restart="never" nodeType="tmRoot"/>
+      </p:par>
+    </p:tnLst>
+  </p:timing>
 </p:sld>
 </file>
 
@@ -38412,6 +38447,13 @@
   <p:clrMapOvr>
     <a:masterClrMapping/>
   </p:clrMapOvr>
+  <p:timing>
+    <p:tnLst>
+      <p:par>
+        <p:cTn id="1" dur="indefinite" restart="never" nodeType="tmRoot"/>
+      </p:par>
+    </p:tnLst>
+  </p:timing>
 </p:sld>
 </file>
 
@@ -39619,6 +39661,13 @@
   <p:clrMapOvr>
     <a:masterClrMapping/>
   </p:clrMapOvr>
+  <p:timing>
+    <p:tnLst>
+      <p:par>
+        <p:cTn id="1" dur="indefinite" restart="never" nodeType="tmRoot"/>
+      </p:par>
+    </p:tnLst>
+  </p:timing>
 </p:sld>
 </file>
 
@@ -39724,6 +39773,13 @@
   <p:clrMapOvr>
     <a:masterClrMapping/>
   </p:clrMapOvr>
+  <p:timing>
+    <p:tnLst>
+      <p:par>
+        <p:cTn id="1" dur="indefinite" restart="never" nodeType="tmRoot"/>
+      </p:par>
+    </p:tnLst>
+  </p:timing>
 </p:sld>
 </file>
 
@@ -39980,7 +40036,7 @@
             </a:r>
             <a:r>
               <a:rPr lang="en-US" altLang="zh-CN" sz="2000" i="1"/>
-              <a:t>4</a:t>
+              <a:t>3</a:t>
             </a:r>
             <a:r>
               <a:rPr lang="en-US" sz="2000" i="1"/>

--- a/Computing Random Variables/Computing Random Variables.pptx
+++ b/Computing Random Variables/Computing Random Variables.pptx
@@ -251,7 +251,7 @@
           <a:p>
             <a:fld id="{DC78B61A-9D36-CF47-98EF-C95C99C43905}" type="datetimeFigureOut">
               <a:rPr lang="en-US" smtClean="0"/>
-              <a:t>4/6/17</a:t>
+              <a:t>4/17/17</a:t>
             </a:fld>
             <a:endParaRPr lang="en-US"/>
           </a:p>
@@ -2917,7 +2917,7 @@
           <a:lstStyle/>
           <a:p>
             <a:fld id="{3DEEB8FA-BE23-5545-BF4A-6EB8D4816639}" type="datetime1">
-              <a:t>2017/4/6</a:t>
+              <a:t>4/17/17</a:t>
             </a:fld>
             <a:endParaRPr lang="en-US"/>
           </a:p>
@@ -3090,7 +3090,7 @@
           <a:lstStyle/>
           <a:p>
             <a:fld id="{0F2B2D94-AA8A-6144-AB64-0E78ECCA573B}" type="datetime1">
-              <a:t>2017/4/6</a:t>
+              <a:t>4/17/17</a:t>
             </a:fld>
             <a:endParaRPr lang="en-US"/>
           </a:p>
@@ -3273,7 +3273,7 @@
           <a:lstStyle/>
           <a:p>
             <a:fld id="{F2B0A30F-AEA5-5943-B006-9F408C60A252}" type="datetime1">
-              <a:t>2017/4/6</a:t>
+              <a:t>4/17/17</a:t>
             </a:fld>
             <a:endParaRPr lang="en-US"/>
           </a:p>
@@ -3446,7 +3446,7 @@
           <a:lstStyle/>
           <a:p>
             <a:fld id="{A9C3EEF9-5A0F-084C-8318-ED7902D27402}" type="datetime1">
-              <a:t>2017/4/6</a:t>
+              <a:t>4/17/17</a:t>
             </a:fld>
             <a:endParaRPr lang="en-US"/>
           </a:p>
@@ -3695,7 +3695,7 @@
           <a:lstStyle/>
           <a:p>
             <a:fld id="{DCC9B718-1C3B-5E43-986F-7E905CFFE73C}" type="datetime1">
-              <a:t>2017/4/6</a:t>
+              <a:t>4/17/17</a:t>
             </a:fld>
             <a:endParaRPr lang="en-US"/>
           </a:p>
@@ -3930,7 +3930,7 @@
           <a:lstStyle/>
           <a:p>
             <a:fld id="{DC36EED9-90A3-8B40-B811-55B8279FA5F5}" type="datetime1">
-              <a:t>2017/4/6</a:t>
+              <a:t>4/17/17</a:t>
             </a:fld>
             <a:endParaRPr lang="en-US"/>
           </a:p>
@@ -4300,7 +4300,7 @@
           <a:lstStyle/>
           <a:p>
             <a:fld id="{C3BE899A-0FA6-2D41-AC3F-9C984AEBE645}" type="datetime1">
-              <a:t>2017/4/6</a:t>
+              <a:t>4/17/17</a:t>
             </a:fld>
             <a:endParaRPr lang="en-US"/>
           </a:p>
@@ -4421,7 +4421,7 @@
           <a:lstStyle/>
           <a:p>
             <a:fld id="{1B9CEF58-CC2B-0148-B304-8BC3FFA6F8F3}" type="datetime1">
-              <a:t>2017/4/6</a:t>
+              <a:t>4/17/17</a:t>
             </a:fld>
             <a:endParaRPr lang="en-US"/>
           </a:p>
@@ -4519,7 +4519,7 @@
           <a:lstStyle/>
           <a:p>
             <a:fld id="{76C13A98-66B9-4740-853B-9FECF8E3A193}" type="datetime1">
-              <a:t>2017/4/6</a:t>
+              <a:t>4/17/17</a:t>
             </a:fld>
             <a:endParaRPr lang="en-US"/>
           </a:p>
@@ -4799,7 +4799,7 @@
           <a:lstStyle/>
           <a:p>
             <a:fld id="{39281DAD-D2ED-1242-B8A8-16820E15CD5D}" type="datetime1">
-              <a:t>2017/4/6</a:t>
+              <a:t>4/17/17</a:t>
             </a:fld>
             <a:endParaRPr lang="en-US"/>
           </a:p>
@@ -5055,7 +5055,7 @@
           <a:lstStyle/>
           <a:p>
             <a:fld id="{3AF0487D-8E58-474C-86E7-E691EBA52C1E}" type="datetime1">
-              <a:t>2017/4/6</a:t>
+              <a:t>4/17/17</a:t>
             </a:fld>
             <a:endParaRPr lang="en-US"/>
           </a:p>
@@ -5271,7 +5271,7 @@
           </a:lstStyle>
           <a:p>
             <a:fld id="{6645B1B6-826F-8447-B352-85686634A5E2}" type="datetime1">
-              <a:t>2017/4/6</a:t>
+              <a:t>4/17/17</a:t>
             </a:fld>
             <a:endParaRPr lang="en-US"/>
           </a:p>
@@ -5778,7 +5778,7 @@
           <a:lstStyle/>
           <a:p>
             <a:fld id="{D3E65EC7-DA03-374F-BA80-106FF62C6660}" type="datetime1">
-              <a:t>2017/4/6</a:t>
+              <a:t>4/17/17</a:t>
             </a:fld>
             <a:endParaRPr lang="en-US"/>
           </a:p>
@@ -6974,7 +6974,7 @@
           <a:lstStyle/>
           <a:p>
             <a:fld id="{99916043-67F5-3041-ADEE-D089CE4A8CF6}" type="datetime1">
-              <a:t>2017/4/6</a:t>
+              <a:t>4/17/17</a:t>
             </a:fld>
             <a:endParaRPr lang="en-US"/>
           </a:p>
@@ -7759,7 +7759,7 @@
           <a:lstStyle/>
           <a:p>
             <a:fld id="{0FC07689-FDCA-9F49-A823-E31EE766DE66}" type="datetime1">
-              <a:t>2017/4/6</a:t>
+              <a:t>4/17/17</a:t>
             </a:fld>
             <a:endParaRPr lang="en-US"/>
           </a:p>
@@ -9858,7 +9858,7 @@
           <a:lstStyle/>
           <a:p>
             <a:fld id="{4D2093E3-756D-F642-AA99-D12FB13C4B46}" type="datetime1">
-              <a:t>2017/4/6</a:t>
+              <a:t>4/17/17</a:t>
             </a:fld>
             <a:endParaRPr lang="en-US"/>
           </a:p>
@@ -10854,7 +10854,7 @@
           <a:lstStyle/>
           <a:p>
             <a:fld id="{FCC97558-B1E2-F24F-89ED-263A13F37908}" type="datetime1">
-              <a:t>2017/4/6</a:t>
+              <a:t>4/17/17</a:t>
             </a:fld>
             <a:endParaRPr lang="en-US"/>
           </a:p>
@@ -12511,7 +12511,7 @@
           <a:lstStyle/>
           <a:p>
             <a:fld id="{8317B32C-3C12-7E45-A676-1DF1C21B8767}" type="datetime1">
-              <a:t>2017/4/6</a:t>
+              <a:t>4/17/17</a:t>
             </a:fld>
             <a:endParaRPr lang="en-US"/>
           </a:p>
@@ -15158,7 +15158,7 @@
           <a:lstStyle/>
           <a:p>
             <a:fld id="{1563E986-2784-954B-939D-44FBECB2727A}" type="datetime1">
-              <a:t>2017/4/6</a:t>
+              <a:t>4/17/17</a:t>
             </a:fld>
             <a:endParaRPr lang="en-US"/>
           </a:p>
@@ -15677,7 +15677,7 @@
           <a:lstStyle/>
           <a:p>
             <a:fld id="{BBF5530D-138C-CD43-8429-1615A9C49E12}" type="datetime1">
-              <a:t>2017/4/6</a:t>
+              <a:t>4/17/17</a:t>
             </a:fld>
             <a:endParaRPr lang="en-US"/>
           </a:p>
@@ -15918,7 +15918,7 @@
           <a:lstStyle/>
           <a:p>
             <a:fld id="{879BC2CF-A24E-054F-980D-9DAF9ACDFDE4}" type="datetime1">
-              <a:t>2017/4/6</a:t>
+              <a:t>4/17/17</a:t>
             </a:fld>
             <a:endParaRPr lang="en-US"/>
           </a:p>
@@ -16326,7 +16326,7 @@
           <a:lstStyle/>
           <a:p>
             <a:fld id="{10624FBB-A9A3-2E4E-9D67-788934237D12}" type="datetime1">
-              <a:t>2017/4/6</a:t>
+              <a:t>4/17/17</a:t>
             </a:fld>
             <a:endParaRPr lang="en-US"/>
           </a:p>
@@ -16547,7 +16547,7 @@
           <a:lstStyle/>
           <a:p>
             <a:fld id="{5823566E-C1C5-D34E-8F56-8E971719967A}" type="datetime1">
-              <a:t>2017/4/6</a:t>
+              <a:t>4/17/17</a:t>
             </a:fld>
             <a:endParaRPr lang="en-US"/>
           </a:p>
@@ -16886,7 +16886,7 @@
           <a:lstStyle/>
           <a:p>
             <a:fld id="{39DEED49-1C1B-824E-B6EC-A22001794118}" type="datetime1">
-              <a:t>2017/4/6</a:t>
+              <a:t>4/17/17</a:t>
             </a:fld>
             <a:endParaRPr lang="en-US"/>
           </a:p>
@@ -17581,7 +17581,7 @@
           <a:lstStyle/>
           <a:p>
             <a:fld id="{2880BDC9-7D05-F14E-BE5C-7ED9EADAE1F6}" type="datetime1">
-              <a:t>2017/4/6</a:t>
+              <a:t>4/17/17</a:t>
             </a:fld>
             <a:endParaRPr lang="en-US"/>
           </a:p>
@@ -18340,7 +18340,7 @@
           <a:lstStyle/>
           <a:p>
             <a:fld id="{F36FDD4E-0158-1246-801D-BB5590E06F53}" type="datetime1">
-              <a:t>2017/4/6</a:t>
+              <a:t>4/17/17</a:t>
             </a:fld>
             <a:endParaRPr lang="en-US"/>
           </a:p>
@@ -18636,7 +18636,7 @@
           <a:lstStyle/>
           <a:p>
             <a:fld id="{4418F8F2-06D4-A34E-8B05-AEFD9BF96C0D}" type="datetime1">
-              <a:t>2017/4/6</a:t>
+              <a:t>4/17/17</a:t>
             </a:fld>
             <a:endParaRPr lang="en-US"/>
           </a:p>
@@ -18850,7 +18850,7 @@
           <a:lstStyle/>
           <a:p>
             <a:fld id="{64A97083-1148-8A48-9894-16C263A62818}" type="datetime1">
-              <a:t>2017/4/6</a:t>
+              <a:t>4/17/17</a:t>
             </a:fld>
             <a:endParaRPr lang="en-US"/>
           </a:p>
@@ -20110,7 +20110,7 @@
           <a:lstStyle/>
           <a:p>
             <a:fld id="{7A9EF631-D7E1-5942-ACD0-E6D6B05F3D83}" type="datetime1">
-              <a:t>2017/4/6</a:t>
+              <a:t>4/17/17</a:t>
             </a:fld>
             <a:endParaRPr lang="en-US"/>
           </a:p>
@@ -20853,7 +20853,7 @@
           <a:lstStyle/>
           <a:p>
             <a:fld id="{608959DC-D806-FB4C-A8FB-DB9246A56B44}" type="datetime1">
-              <a:t>2017/4/6</a:t>
+              <a:t>4/17/17</a:t>
             </a:fld>
             <a:endParaRPr lang="en-US"/>
           </a:p>
@@ -21402,7 +21402,7 @@
           <a:lstStyle/>
           <a:p>
             <a:fld id="{656EBC31-3D28-E844-9738-1855CF3BDC34}" type="datetime1">
-              <a:t>2017/4/6</a:t>
+              <a:t>4/17/17</a:t>
             </a:fld>
             <a:endParaRPr lang="en-US"/>
           </a:p>
@@ -22310,7 +22310,7 @@
           <a:lstStyle/>
           <a:p>
             <a:fld id="{40C637D8-E916-284B-9568-1A7DD9884FD7}" type="datetime1">
-              <a:t>2017/4/6</a:t>
+              <a:t>4/17/17</a:t>
             </a:fld>
             <a:endParaRPr lang="en-US"/>
           </a:p>
@@ -22447,7 +22447,7 @@
           <a:lstStyle/>
           <a:p>
             <a:fld id="{BC5494BB-07FD-BE40-9046-BB2AD15E0654}" type="datetime1">
-              <a:t>2017/4/6</a:t>
+              <a:t>4/17/17</a:t>
             </a:fld>
             <a:endParaRPr lang="en-US"/>
           </a:p>
@@ -22555,7 +22555,7 @@
           <a:lstStyle/>
           <a:p>
             <a:fld id="{7F1DEDC5-7D22-7F4A-8FF6-802241F87DFA}" type="datetime1">
-              <a:t>2017/4/6</a:t>
+              <a:t>4/17/17</a:t>
             </a:fld>
             <a:endParaRPr lang="en-US"/>
           </a:p>
@@ -22904,7 +22904,7 @@
           <a:lstStyle/>
           <a:p>
             <a:fld id="{B583B2E4-A1C2-5441-A7A7-DB6DCEF99D2E}" type="datetime1">
-              <a:t>2017/4/6</a:t>
+              <a:t>4/17/17</a:t>
             </a:fld>
             <a:endParaRPr lang="en-US"/>
           </a:p>
@@ -23447,7 +23447,7 @@
           <a:lstStyle/>
           <a:p>
             <a:fld id="{410CBA5E-BAA6-874A-84C9-4D8BF49F27EA}" type="datetime1">
-              <a:t>2017/4/6</a:t>
+              <a:t>4/17/17</a:t>
             </a:fld>
             <a:endParaRPr lang="en-US"/>
           </a:p>
@@ -24571,7 +24571,7 @@
           <a:lstStyle/>
           <a:p>
             <a:fld id="{F002E5A1-9FA0-9E49-B903-039B4F72177F}" type="datetime1">
-              <a:t>2017/4/6</a:t>
+              <a:t>4/17/17</a:t>
             </a:fld>
             <a:endParaRPr lang="en-US"/>
           </a:p>
@@ -25734,7 +25734,7 @@
           <a:lstStyle/>
           <a:p>
             <a:fld id="{F002E5A1-9FA0-9E49-B903-039B4F72177F}" type="datetime1">
-              <a:t>2017/4/6</a:t>
+              <a:t>4/17/17</a:t>
             </a:fld>
             <a:endParaRPr lang="en-US"/>
           </a:p>
@@ -26035,7 +26035,7 @@
           <a:lstStyle/>
           <a:p>
             <a:fld id="{9B0043E3-6C32-3943-82CF-654DD120717C}" type="datetime1">
-              <a:t>2017/4/6</a:t>
+              <a:t>4/17/17</a:t>
             </a:fld>
             <a:endParaRPr lang="en-US"/>
           </a:p>
@@ -26470,7 +26470,7 @@
           <a:lstStyle/>
           <a:p>
             <a:fld id="{A9C3EEF9-5A0F-084C-8318-ED7902D27402}" type="datetime1">
-              <a:t>2017/4/6</a:t>
+              <a:t>4/17/17</a:t>
             </a:fld>
             <a:endParaRPr lang="en-US"/>
           </a:p>
@@ -26828,7 +26828,7 @@
           <a:lstStyle/>
           <a:p>
             <a:fld id="{8DDA57FE-640D-E44D-8537-654EC76B76E3}" type="datetime1">
-              <a:t>2017/4/6</a:t>
+              <a:t>4/17/17</a:t>
             </a:fld>
             <a:endParaRPr lang="en-US"/>
           </a:p>
@@ -26988,7 +26988,7 @@
           <a:lstStyle/>
           <a:p>
             <a:fld id="{FE4D74E9-3710-B847-A25E-CC9C61BD9224}" type="datetime1">
-              <a:t>2017/4/6</a:t>
+              <a:t>4/17/17</a:t>
             </a:fld>
             <a:endParaRPr lang="en-US"/>
           </a:p>
@@ -27293,7 +27293,7 @@
           <a:lstStyle/>
           <a:p>
             <a:fld id="{A9C3EEF9-5A0F-084C-8318-ED7902D27402}" type="datetime1">
-              <a:t>2017/4/6</a:t>
+              <a:t>4/17/17</a:t>
             </a:fld>
             <a:endParaRPr lang="en-US"/>
           </a:p>
@@ -27532,7 +27532,7 @@
           <a:lstStyle/>
           <a:p>
             <a:fld id="{A9C3EEF9-5A0F-084C-8318-ED7902D27402}" type="datetime1">
-              <a:t>2017/4/6</a:t>
+              <a:t>4/17/17</a:t>
             </a:fld>
             <a:endParaRPr lang="en-US"/>
           </a:p>
@@ -27941,7 +27941,7 @@
           <a:lstStyle/>
           <a:p>
             <a:fld id="{A9C3EEF9-5A0F-084C-8318-ED7902D27402}" type="datetime1">
-              <a:t>2017/4/6</a:t>
+              <a:t>4/17/17</a:t>
             </a:fld>
             <a:endParaRPr lang="en-US"/>
           </a:p>
@@ -28201,7 +28201,7 @@
           <a:lstStyle/>
           <a:p>
             <a:fld id="{F37A162A-5BF8-0645-8913-EC5758170BFD}" type="datetime1">
-              <a:t>2017/4/6</a:t>
+              <a:t>4/17/17</a:t>
             </a:fld>
             <a:endParaRPr lang="en-US"/>
           </a:p>
@@ -28370,7 +28370,7 @@
           <a:lstStyle/>
           <a:p>
             <a:fld id="{A9C3EEF9-5A0F-084C-8318-ED7902D27402}" type="datetime1">
-              <a:t>2017/4/6</a:t>
+              <a:t>4/17/17</a:t>
             </a:fld>
             <a:endParaRPr lang="en-US"/>
           </a:p>
@@ -28732,7 +28732,7 @@
           <a:lstStyle/>
           <a:p>
             <a:fld id="{A9C3EEF9-5A0F-084C-8318-ED7902D27402}" type="datetime1">
-              <a:t>2017/4/6</a:t>
+              <a:t>4/17/17</a:t>
             </a:fld>
             <a:endParaRPr lang="en-US"/>
           </a:p>
@@ -29106,7 +29106,7 @@
           <a:lstStyle/>
           <a:p>
             <a:fld id="{A9C3EEF9-5A0F-084C-8318-ED7902D27402}" type="datetime1">
-              <a:t>2017/4/6</a:t>
+              <a:t>4/17/17</a:t>
             </a:fld>
             <a:endParaRPr lang="en-US"/>
           </a:p>
@@ -29786,7 +29786,7 @@
           <a:lstStyle/>
           <a:p>
             <a:fld id="{A9C3EEF9-5A0F-084C-8318-ED7902D27402}" type="datetime1">
-              <a:t>2017/4/6</a:t>
+              <a:t>4/17/17</a:t>
             </a:fld>
             <a:endParaRPr lang="en-US"/>
           </a:p>
@@ -30869,7 +30869,7 @@
           <a:lstStyle/>
           <a:p>
             <a:fld id="{A9C3EEF9-5A0F-084C-8318-ED7902D27402}" type="datetime1">
-              <a:t>2017/4/6</a:t>
+              <a:t>4/17/17</a:t>
             </a:fld>
             <a:endParaRPr lang="en-US"/>
           </a:p>
@@ -32928,7 +32928,7 @@
           <a:lstStyle/>
           <a:p>
             <a:fld id="{A9C3EEF9-5A0F-084C-8318-ED7902D27402}" type="datetime1">
-              <a:t>2017/4/6</a:t>
+              <a:t>4/17/17</a:t>
             </a:fld>
             <a:endParaRPr lang="en-US"/>
           </a:p>
@@ -33111,7 +33111,7 @@
           <a:lstStyle/>
           <a:p>
             <a:fld id="{A9C3EEF9-5A0F-084C-8318-ED7902D27402}" type="datetime1">
-              <a:t>2017/4/6</a:t>
+              <a:t>4/17/17</a:t>
             </a:fld>
             <a:endParaRPr lang="en-US"/>
           </a:p>
@@ -34427,7 +34427,7 @@
           <a:lstStyle/>
           <a:p>
             <a:fld id="{A9C3EEF9-5A0F-084C-8318-ED7902D27402}" type="datetime1">
-              <a:t>2017/4/6</a:t>
+              <a:t>4/17/17</a:t>
             </a:fld>
             <a:endParaRPr lang="en-US"/>
           </a:p>
@@ -36483,7 +36483,7 @@
           <a:lstStyle/>
           <a:p>
             <a:fld id="{A9C3EEF9-5A0F-084C-8318-ED7902D27402}" type="datetime1">
-              <a:t>2017/4/6</a:t>
+              <a:t>4/17/17</a:t>
             </a:fld>
             <a:endParaRPr lang="en-US"/>
           </a:p>
@@ -37750,7 +37750,7 @@
           <a:lstStyle/>
           <a:p>
             <a:fld id="{A9C3EEF9-5A0F-084C-8318-ED7902D27402}" type="datetime1">
-              <a:t>2017/4/6</a:t>
+              <a:t>4/17/17</a:t>
             </a:fld>
             <a:endParaRPr lang="en-US"/>
           </a:p>
@@ -39004,7 +39004,7 @@
           <a:lstStyle/>
           <a:p>
             <a:fld id="{54DD5CB5-E5B5-5C4C-A4DF-4DCF0470A6FF}" type="datetime1">
-              <a:t>2017/4/6</a:t>
+              <a:t>4/17/17</a:t>
             </a:fld>
             <a:endParaRPr lang="en-US"/>
           </a:p>
@@ -39105,7 +39105,7 @@
           <a:lstStyle/>
           <a:p>
             <a:fld id="{A9C3EEF9-5A0F-084C-8318-ED7902D27402}" type="datetime1">
-              <a:t>2017/4/6</a:t>
+              <a:t>4/17/17</a:t>
             </a:fld>
             <a:endParaRPr lang="en-US"/>
           </a:p>
@@ -39312,7 +39312,7 @@
           <a:lstStyle/>
           <a:p>
             <a:fld id="{A9C3EEF9-5A0F-084C-8318-ED7902D27402}" type="datetime1">
-              <a:t>2017/4/6</a:t>
+              <a:t>4/17/17</a:t>
             </a:fld>
             <a:endParaRPr lang="en-US"/>
           </a:p>
@@ -39548,7 +39548,7 @@
           <a:lstStyle/>
           <a:p>
             <a:fld id="{A9C3EEF9-5A0F-084C-8318-ED7902D27402}" type="datetime1">
-              <a:t>2017/4/6</a:t>
+              <a:t>4/17/17</a:t>
             </a:fld>
             <a:endParaRPr lang="en-US"/>
           </a:p>
@@ -39704,7 +39704,7 @@
           <a:lstStyle/>
           <a:p>
             <a:fld id="{76C13A98-66B9-4740-853B-9FECF8E3A193}" type="datetime1">
-              <a:t>2017/4/6</a:t>
+              <a:t>4/17/17</a:t>
             </a:fld>
             <a:endParaRPr lang="en-US"/>
           </a:p>
@@ -40134,7 +40134,7 @@
           <a:lstStyle/>
           <a:p>
             <a:fld id="{A9C3EEF9-5A0F-084C-8318-ED7902D27402}" type="datetime1">
-              <a:t>2017/4/6</a:t>
+              <a:t>4/17/17</a:t>
             </a:fld>
             <a:endParaRPr lang="en-US"/>
           </a:p>
@@ -40436,7 +40436,7 @@
           <a:lstStyle/>
           <a:p>
             <a:fld id="{A9C3EEF9-5A0F-084C-8318-ED7902D27402}" type="datetime1">
-              <a:t>2017/4/6</a:t>
+              <a:t>4/17/17</a:t>
             </a:fld>
             <a:endParaRPr lang="en-US"/>
           </a:p>
@@ -40592,7 +40592,7 @@
           <a:lstStyle/>
           <a:p>
             <a:fld id="{540AF92D-3078-384F-8BAF-27DC692980DB}" type="datetime1">
-              <a:t>2017/4/6</a:t>
+              <a:t>4/17/17</a:t>
             </a:fld>
             <a:endParaRPr lang="en-US"/>
           </a:p>
@@ -40844,7 +40844,7 @@
           <a:lstStyle/>
           <a:p>
             <a:fld id="{0DB59BE0-6898-BF41-8B0E-F0649116281E}" type="datetime1">
-              <a:t>2017/4/6</a:t>
+              <a:t>4/17/17</a:t>
             </a:fld>
             <a:endParaRPr lang="en-US"/>
           </a:p>
@@ -41584,7 +41584,7 @@
           <a:lstStyle/>
           <a:p>
             <a:fld id="{39A60990-886A-364F-98E0-D2E36993EAA7}" type="datetime1">
-              <a:t>2017/4/6</a:t>
+              <a:t>4/17/17</a:t>
             </a:fld>
             <a:endParaRPr lang="en-US"/>
           </a:p>
@@ -42385,7 +42385,7 @@
           <a:lstStyle/>
           <a:p>
             <a:fld id="{FE31BBE7-34C2-324D-A4D7-C6F28451EBE5}" type="datetime1">
-              <a:t>2017/4/6</a:t>
+              <a:t>4/17/17</a:t>
             </a:fld>
             <a:endParaRPr lang="en-US"/>
           </a:p>
